--- a/PPT/chapter16.pptx
+++ b/PPT/chapter16.pptx
@@ -5,19 +5,27 @@
     <p:sldMasterId id="2147483648" r:id="rId1"/>
   </p:sldMasterIdLst>
   <p:notesMasterIdLst>
-    <p:notesMasterId r:id="rId9"/>
+    <p:notesMasterId r:id="rId17"/>
   </p:notesMasterIdLst>
   <p:handoutMasterIdLst>
-    <p:handoutMasterId r:id="rId10"/>
+    <p:handoutMasterId r:id="rId18"/>
   </p:handoutMasterIdLst>
   <p:sldIdLst>
     <p:sldId id="260" r:id="rId2"/>
     <p:sldId id="366" r:id="rId3"/>
     <p:sldId id="257" r:id="rId4"/>
-    <p:sldId id="279" r:id="rId5"/>
-    <p:sldId id="283" r:id="rId6"/>
-    <p:sldId id="282" r:id="rId7"/>
-    <p:sldId id="284" r:id="rId8"/>
+    <p:sldId id="377" r:id="rId5"/>
+    <p:sldId id="380" r:id="rId6"/>
+    <p:sldId id="379" r:id="rId7"/>
+    <p:sldId id="381" r:id="rId8"/>
+    <p:sldId id="382" r:id="rId9"/>
+    <p:sldId id="383" r:id="rId10"/>
+    <p:sldId id="378" r:id="rId11"/>
+    <p:sldId id="384" r:id="rId12"/>
+    <p:sldId id="385" r:id="rId13"/>
+    <p:sldId id="386" r:id="rId14"/>
+    <p:sldId id="282" r:id="rId15"/>
+    <p:sldId id="387" r:id="rId16"/>
   </p:sldIdLst>
   <p:sldSz cx="12192000" cy="6858000"/>
   <p:notesSz cx="6858000" cy="9144000"/>
@@ -1443,6 +1451,1072 @@
     </pc:docChg>
   </pc:docChgLst>
   <pc:docChgLst>
+    <pc:chgData name="Scruel Tao" userId="5ea5c98d59b44d4b" providerId="LiveId" clId="{88D73D01-CABB-4B2D-80EC-648726E3C219}"/>
+    <pc:docChg chg="addSld delSld modSld">
+      <pc:chgData name="Scruel Tao" userId="5ea5c98d59b44d4b" providerId="LiveId" clId="{88D73D01-CABB-4B2D-80EC-648726E3C219}" dt="2023-04-26T02:43:35.768" v="17" actId="20577"/>
+      <pc:docMkLst>
+        <pc:docMk/>
+      </pc:docMkLst>
+      <pc:sldChg chg="modSp add del mod">
+        <pc:chgData name="Scruel Tao" userId="5ea5c98d59b44d4b" providerId="LiveId" clId="{88D73D01-CABB-4B2D-80EC-648726E3C219}" dt="2023-04-26T02:43:35.768" v="17" actId="20577"/>
+        <pc:sldMkLst>
+          <pc:docMk/>
+          <pc:sldMk cId="1112998187" sldId="257"/>
+        </pc:sldMkLst>
+        <pc:spChg chg="mod">
+          <ac:chgData name="Scruel Tao" userId="5ea5c98d59b44d4b" providerId="LiveId" clId="{88D73D01-CABB-4B2D-80EC-648726E3C219}" dt="2023-04-26T02:43:35.768" v="17" actId="20577"/>
+          <ac:spMkLst>
+            <pc:docMk/>
+            <pc:sldMk cId="1112998187" sldId="257"/>
+            <ac:spMk id="2" creationId="{1422DFF6-0952-1023-64E3-97184D36BE3F}"/>
+          </ac:spMkLst>
+        </pc:spChg>
+      </pc:sldChg>
+      <pc:sldChg chg="del">
+        <pc:chgData name="Scruel Tao" userId="5ea5c98d59b44d4b" providerId="LiveId" clId="{88D73D01-CABB-4B2D-80EC-648726E3C219}" dt="2023-04-26T02:43:28.228" v="0" actId="47"/>
+        <pc:sldMkLst>
+          <pc:docMk/>
+          <pc:sldMk cId="1199684676" sldId="259"/>
+        </pc:sldMkLst>
+      </pc:sldChg>
+      <pc:sldChg chg="del">
+        <pc:chgData name="Scruel Tao" userId="5ea5c98d59b44d4b" providerId="LiveId" clId="{88D73D01-CABB-4B2D-80EC-648726E3C219}" dt="2023-04-26T02:43:28.228" v="0" actId="47"/>
+        <pc:sldMkLst>
+          <pc:docMk/>
+          <pc:sldMk cId="1751565490" sldId="276"/>
+        </pc:sldMkLst>
+      </pc:sldChg>
+      <pc:sldChg chg="add">
+        <pc:chgData name="Scruel Tao" userId="5ea5c98d59b44d4b" providerId="LiveId" clId="{88D73D01-CABB-4B2D-80EC-648726E3C219}" dt="2023-04-26T02:43:28.794" v="1"/>
+        <pc:sldMkLst>
+          <pc:docMk/>
+          <pc:sldMk cId="3519437269" sldId="279"/>
+        </pc:sldMkLst>
+      </pc:sldChg>
+      <pc:sldChg chg="add">
+        <pc:chgData name="Scruel Tao" userId="5ea5c98d59b44d4b" providerId="LiveId" clId="{88D73D01-CABB-4B2D-80EC-648726E3C219}" dt="2023-04-26T02:43:28.794" v="1"/>
+        <pc:sldMkLst>
+          <pc:docMk/>
+          <pc:sldMk cId="3745708182" sldId="280"/>
+        </pc:sldMkLst>
+      </pc:sldChg>
+      <pc:sldChg chg="add">
+        <pc:chgData name="Scruel Tao" userId="5ea5c98d59b44d4b" providerId="LiveId" clId="{88D73D01-CABB-4B2D-80EC-648726E3C219}" dt="2023-04-26T02:43:28.794" v="1"/>
+        <pc:sldMkLst>
+          <pc:docMk/>
+          <pc:sldMk cId="364430658" sldId="282"/>
+        </pc:sldMkLst>
+      </pc:sldChg>
+    </pc:docChg>
+  </pc:docChgLst>
+  <pc:docChgLst>
+    <pc:chgData name="Scruel Tao" userId="5ea5c98d59b44d4b" providerId="LiveId" clId="{42F73B06-DA81-4C67-8473-07E158E9C79B}"/>
+    <pc:docChg chg="undo redo custSel addSld delSld modSld sldOrd modMainMaster">
+      <pc:chgData name="Scruel Tao" userId="5ea5c98d59b44d4b" providerId="LiveId" clId="{42F73B06-DA81-4C67-8473-07E158E9C79B}" dt="2023-04-25T04:46:22.938" v="2599" actId="20577"/>
+      <pc:docMkLst>
+        <pc:docMk/>
+      </pc:docMkLst>
+      <pc:sldChg chg="addSp delSp modSp mod">
+        <pc:chgData name="Scruel Tao" userId="5ea5c98d59b44d4b" providerId="LiveId" clId="{42F73B06-DA81-4C67-8473-07E158E9C79B}" dt="2023-04-25T04:46:22.938" v="2599" actId="20577"/>
+        <pc:sldMkLst>
+          <pc:docMk/>
+          <pc:sldMk cId="1112998187" sldId="257"/>
+        </pc:sldMkLst>
+        <pc:spChg chg="mod">
+          <ac:chgData name="Scruel Tao" userId="5ea5c98d59b44d4b" providerId="LiveId" clId="{42F73B06-DA81-4C67-8473-07E158E9C79B}" dt="2023-04-25T02:56:34.616" v="176" actId="13926"/>
+          <ac:spMkLst>
+            <pc:docMk/>
+            <pc:sldMk cId="1112998187" sldId="257"/>
+            <ac:spMk id="2" creationId="{1422DFF6-0952-1023-64E3-97184D36BE3F}"/>
+          </ac:spMkLst>
+        </pc:spChg>
+        <pc:spChg chg="mod">
+          <ac:chgData name="Scruel Tao" userId="5ea5c98d59b44d4b" providerId="LiveId" clId="{42F73B06-DA81-4C67-8473-07E158E9C79B}" dt="2023-04-25T04:46:22.938" v="2599" actId="20577"/>
+          <ac:spMkLst>
+            <pc:docMk/>
+            <pc:sldMk cId="1112998187" sldId="257"/>
+            <ac:spMk id="3" creationId="{AC7759D9-0BB4-08ED-8476-24F7D903D6DE}"/>
+          </ac:spMkLst>
+        </pc:spChg>
+        <pc:spChg chg="add del mod">
+          <ac:chgData name="Scruel Tao" userId="5ea5c98d59b44d4b" providerId="LiveId" clId="{42F73B06-DA81-4C67-8473-07E158E9C79B}" dt="2023-04-25T02:46:25.828" v="34"/>
+          <ac:spMkLst>
+            <pc:docMk/>
+            <pc:sldMk cId="1112998187" sldId="257"/>
+            <ac:spMk id="4" creationId="{A079E8C0-052B-18D5-9CF8-DD0AE74AF66B}"/>
+          </ac:spMkLst>
+        </pc:spChg>
+        <pc:spChg chg="add del mod">
+          <ac:chgData name="Scruel Tao" userId="5ea5c98d59b44d4b" providerId="LiveId" clId="{42F73B06-DA81-4C67-8473-07E158E9C79B}" dt="2023-04-25T02:53:39.318" v="165" actId="21"/>
+          <ac:spMkLst>
+            <pc:docMk/>
+            <pc:sldMk cId="1112998187" sldId="257"/>
+            <ac:spMk id="5" creationId="{6B681F1F-0DE6-B406-204C-9354D5670F8E}"/>
+          </ac:spMkLst>
+        </pc:spChg>
+      </pc:sldChg>
+      <pc:sldChg chg="addSp delSp modSp mod">
+        <pc:chgData name="Scruel Tao" userId="5ea5c98d59b44d4b" providerId="LiveId" clId="{42F73B06-DA81-4C67-8473-07E158E9C79B}" dt="2023-04-25T04:46:05.667" v="2597" actId="21"/>
+        <pc:sldMkLst>
+          <pc:docMk/>
+          <pc:sldMk cId="3636494425" sldId="258"/>
+        </pc:sldMkLst>
+        <pc:spChg chg="mod">
+          <ac:chgData name="Scruel Tao" userId="5ea5c98d59b44d4b" providerId="LiveId" clId="{42F73B06-DA81-4C67-8473-07E158E9C79B}" dt="2023-04-25T03:22:32.151" v="867" actId="20577"/>
+          <ac:spMkLst>
+            <pc:docMk/>
+            <pc:sldMk cId="3636494425" sldId="258"/>
+            <ac:spMk id="2" creationId="{ABA783DF-49A6-7EF1-661E-C574E2C2F386}"/>
+          </ac:spMkLst>
+        </pc:spChg>
+        <pc:spChg chg="del mod">
+          <ac:chgData name="Scruel Tao" userId="5ea5c98d59b44d4b" providerId="LiveId" clId="{42F73B06-DA81-4C67-8473-07E158E9C79B}" dt="2023-04-25T03:12:42.110" v="592" actId="478"/>
+          <ac:spMkLst>
+            <pc:docMk/>
+            <pc:sldMk cId="3636494425" sldId="258"/>
+            <ac:spMk id="3" creationId="{4C14948B-081B-0FED-AF72-DA2CFEC85EB0}"/>
+          </ac:spMkLst>
+        </pc:spChg>
+        <pc:spChg chg="add del mod">
+          <ac:chgData name="Scruel Tao" userId="5ea5c98d59b44d4b" providerId="LiveId" clId="{42F73B06-DA81-4C67-8473-07E158E9C79B}" dt="2023-04-25T03:12:32.844" v="591"/>
+          <ac:spMkLst>
+            <pc:docMk/>
+            <pc:sldMk cId="3636494425" sldId="258"/>
+            <ac:spMk id="9" creationId="{BA908FC3-A0EB-F7FE-4E65-D9458F7A14A9}"/>
+          </ac:spMkLst>
+        </pc:spChg>
+        <pc:spChg chg="add del mod">
+          <ac:chgData name="Scruel Tao" userId="5ea5c98d59b44d4b" providerId="LiveId" clId="{42F73B06-DA81-4C67-8473-07E158E9C79B}" dt="2023-04-25T03:12:32.844" v="591"/>
+          <ac:spMkLst>
+            <pc:docMk/>
+            <pc:sldMk cId="3636494425" sldId="258"/>
+            <ac:spMk id="10" creationId="{FFB3B742-5269-C9DD-2CA4-966DADE8F9E0}"/>
+          </ac:spMkLst>
+        </pc:spChg>
+        <pc:spChg chg="add del mod">
+          <ac:chgData name="Scruel Tao" userId="5ea5c98d59b44d4b" providerId="LiveId" clId="{42F73B06-DA81-4C67-8473-07E158E9C79B}" dt="2023-04-25T03:12:32.844" v="591"/>
+          <ac:spMkLst>
+            <pc:docMk/>
+            <pc:sldMk cId="3636494425" sldId="258"/>
+            <ac:spMk id="11" creationId="{BA703B33-7CB6-9FD1-6308-5A66A84AE171}"/>
+          </ac:spMkLst>
+        </pc:spChg>
+        <pc:spChg chg="add del mod">
+          <ac:chgData name="Scruel Tao" userId="5ea5c98d59b44d4b" providerId="LiveId" clId="{42F73B06-DA81-4C67-8473-07E158E9C79B}" dt="2023-04-25T03:12:32.844" v="591"/>
+          <ac:spMkLst>
+            <pc:docMk/>
+            <pc:sldMk cId="3636494425" sldId="258"/>
+            <ac:spMk id="12" creationId="{151B79C1-137A-57A9-0616-3DF5499DEDE0}"/>
+          </ac:spMkLst>
+        </pc:spChg>
+        <pc:spChg chg="add del mod">
+          <ac:chgData name="Scruel Tao" userId="5ea5c98d59b44d4b" providerId="LiveId" clId="{42F73B06-DA81-4C67-8473-07E158E9C79B}" dt="2023-04-25T03:12:32.844" v="591"/>
+          <ac:spMkLst>
+            <pc:docMk/>
+            <pc:sldMk cId="3636494425" sldId="258"/>
+            <ac:spMk id="13" creationId="{CC84C452-144D-00E8-F419-9F2CFB9B199C}"/>
+          </ac:spMkLst>
+        </pc:spChg>
+        <pc:spChg chg="add del mod">
+          <ac:chgData name="Scruel Tao" userId="5ea5c98d59b44d4b" providerId="LiveId" clId="{42F73B06-DA81-4C67-8473-07E158E9C79B}" dt="2023-04-25T03:12:32.844" v="591"/>
+          <ac:spMkLst>
+            <pc:docMk/>
+            <pc:sldMk cId="3636494425" sldId="258"/>
+            <ac:spMk id="14" creationId="{399876F9-00F3-3D6A-E2DA-9E3F062548EC}"/>
+          </ac:spMkLst>
+        </pc:spChg>
+        <pc:spChg chg="add del mod">
+          <ac:chgData name="Scruel Tao" userId="5ea5c98d59b44d4b" providerId="LiveId" clId="{42F73B06-DA81-4C67-8473-07E158E9C79B}" dt="2023-04-25T03:12:32.844" v="591"/>
+          <ac:spMkLst>
+            <pc:docMk/>
+            <pc:sldMk cId="3636494425" sldId="258"/>
+            <ac:spMk id="15" creationId="{8CB8A818-E440-9338-2FD4-89160E0FAD7F}"/>
+          </ac:spMkLst>
+        </pc:spChg>
+        <pc:spChg chg="add del mod">
+          <ac:chgData name="Scruel Tao" userId="5ea5c98d59b44d4b" providerId="LiveId" clId="{42F73B06-DA81-4C67-8473-07E158E9C79B}" dt="2023-04-25T03:12:32.844" v="591"/>
+          <ac:spMkLst>
+            <pc:docMk/>
+            <pc:sldMk cId="3636494425" sldId="258"/>
+            <ac:spMk id="16" creationId="{8226402F-1940-BAAF-8CDD-A588047059AC}"/>
+          </ac:spMkLst>
+        </pc:spChg>
+        <pc:spChg chg="add del mod">
+          <ac:chgData name="Scruel Tao" userId="5ea5c98d59b44d4b" providerId="LiveId" clId="{42F73B06-DA81-4C67-8473-07E158E9C79B}" dt="2023-04-25T03:12:32.844" v="591"/>
+          <ac:spMkLst>
+            <pc:docMk/>
+            <pc:sldMk cId="3636494425" sldId="258"/>
+            <ac:spMk id="17" creationId="{46DCCA24-2144-A4FD-E167-DA7BBE5B3F6D}"/>
+          </ac:spMkLst>
+        </pc:spChg>
+        <pc:spChg chg="add del mod">
+          <ac:chgData name="Scruel Tao" userId="5ea5c98d59b44d4b" providerId="LiveId" clId="{42F73B06-DA81-4C67-8473-07E158E9C79B}" dt="2023-04-25T03:12:32.844" v="591"/>
+          <ac:spMkLst>
+            <pc:docMk/>
+            <pc:sldMk cId="3636494425" sldId="258"/>
+            <ac:spMk id="18" creationId="{545EA90B-9834-F825-8B44-305D329730D8}"/>
+          </ac:spMkLst>
+        </pc:spChg>
+        <pc:spChg chg="add del mod">
+          <ac:chgData name="Scruel Tao" userId="5ea5c98d59b44d4b" providerId="LiveId" clId="{42F73B06-DA81-4C67-8473-07E158E9C79B}" dt="2023-04-25T03:12:32.844" v="591"/>
+          <ac:spMkLst>
+            <pc:docMk/>
+            <pc:sldMk cId="3636494425" sldId="258"/>
+            <ac:spMk id="19" creationId="{2FDD208C-8CDC-5791-DB0C-46A496231D22}"/>
+          </ac:spMkLst>
+        </pc:spChg>
+        <pc:spChg chg="add del mod">
+          <ac:chgData name="Scruel Tao" userId="5ea5c98d59b44d4b" providerId="LiveId" clId="{42F73B06-DA81-4C67-8473-07E158E9C79B}" dt="2023-04-25T03:12:32.844" v="591"/>
+          <ac:spMkLst>
+            <pc:docMk/>
+            <pc:sldMk cId="3636494425" sldId="258"/>
+            <ac:spMk id="20" creationId="{A3C0FB5D-4E00-3696-61DB-E49AEE25DB09}"/>
+          </ac:spMkLst>
+        </pc:spChg>
+        <pc:spChg chg="add del mod">
+          <ac:chgData name="Scruel Tao" userId="5ea5c98d59b44d4b" providerId="LiveId" clId="{42F73B06-DA81-4C67-8473-07E158E9C79B}" dt="2023-04-25T03:12:32.844" v="591"/>
+          <ac:spMkLst>
+            <pc:docMk/>
+            <pc:sldMk cId="3636494425" sldId="258"/>
+            <ac:spMk id="21" creationId="{71F8EEF6-9A32-0A78-4E2F-950322B8AC2C}"/>
+          </ac:spMkLst>
+        </pc:spChg>
+        <pc:spChg chg="add del mod">
+          <ac:chgData name="Scruel Tao" userId="5ea5c98d59b44d4b" providerId="LiveId" clId="{42F73B06-DA81-4C67-8473-07E158E9C79B}" dt="2023-04-25T03:12:32.844" v="591"/>
+          <ac:spMkLst>
+            <pc:docMk/>
+            <pc:sldMk cId="3636494425" sldId="258"/>
+            <ac:spMk id="22" creationId="{47D5D505-F800-D76D-E7B6-F3EB87664C74}"/>
+          </ac:spMkLst>
+        </pc:spChg>
+        <pc:spChg chg="add del mod">
+          <ac:chgData name="Scruel Tao" userId="5ea5c98d59b44d4b" providerId="LiveId" clId="{42F73B06-DA81-4C67-8473-07E158E9C79B}" dt="2023-04-25T03:12:32.844" v="591"/>
+          <ac:spMkLst>
+            <pc:docMk/>
+            <pc:sldMk cId="3636494425" sldId="258"/>
+            <ac:spMk id="23" creationId="{E8A85D2B-AB1D-9C0D-08EC-934FF9D7003F}"/>
+          </ac:spMkLst>
+        </pc:spChg>
+        <pc:spChg chg="add del mod">
+          <ac:chgData name="Scruel Tao" userId="5ea5c98d59b44d4b" providerId="LiveId" clId="{42F73B06-DA81-4C67-8473-07E158E9C79B}" dt="2023-04-25T03:12:32.844" v="591"/>
+          <ac:spMkLst>
+            <pc:docMk/>
+            <pc:sldMk cId="3636494425" sldId="258"/>
+            <ac:spMk id="24" creationId="{0AC97BA1-83B0-DB02-81AC-6213009241F3}"/>
+          </ac:spMkLst>
+        </pc:spChg>
+        <pc:spChg chg="add del mod">
+          <ac:chgData name="Scruel Tao" userId="5ea5c98d59b44d4b" providerId="LiveId" clId="{42F73B06-DA81-4C67-8473-07E158E9C79B}" dt="2023-04-25T03:12:32.844" v="591"/>
+          <ac:spMkLst>
+            <pc:docMk/>
+            <pc:sldMk cId="3636494425" sldId="258"/>
+            <ac:spMk id="25" creationId="{5F1C6A34-E5FE-21CA-E715-E556C8811400}"/>
+          </ac:spMkLst>
+        </pc:spChg>
+        <pc:spChg chg="add del mod">
+          <ac:chgData name="Scruel Tao" userId="5ea5c98d59b44d4b" providerId="LiveId" clId="{42F73B06-DA81-4C67-8473-07E158E9C79B}" dt="2023-04-25T03:12:32.844" v="591"/>
+          <ac:spMkLst>
+            <pc:docMk/>
+            <pc:sldMk cId="3636494425" sldId="258"/>
+            <ac:spMk id="26" creationId="{8A7695B3-E880-A584-75A9-94BD937774FF}"/>
+          </ac:spMkLst>
+        </pc:spChg>
+        <pc:spChg chg="add del mod">
+          <ac:chgData name="Scruel Tao" userId="5ea5c98d59b44d4b" providerId="LiveId" clId="{42F73B06-DA81-4C67-8473-07E158E9C79B}" dt="2023-04-25T03:12:32.844" v="591"/>
+          <ac:spMkLst>
+            <pc:docMk/>
+            <pc:sldMk cId="3636494425" sldId="258"/>
+            <ac:spMk id="27" creationId="{DDA9CB73-5323-7074-72F0-FE213A7656CE}"/>
+          </ac:spMkLst>
+        </pc:spChg>
+        <pc:spChg chg="add del mod">
+          <ac:chgData name="Scruel Tao" userId="5ea5c98d59b44d4b" providerId="LiveId" clId="{42F73B06-DA81-4C67-8473-07E158E9C79B}" dt="2023-04-25T03:12:32.844" v="591"/>
+          <ac:spMkLst>
+            <pc:docMk/>
+            <pc:sldMk cId="3636494425" sldId="258"/>
+            <ac:spMk id="28" creationId="{BE9D20DE-121B-F6A5-4436-DF6C304DC9B4}"/>
+          </ac:spMkLst>
+        </pc:spChg>
+        <pc:spChg chg="add del mod">
+          <ac:chgData name="Scruel Tao" userId="5ea5c98d59b44d4b" providerId="LiveId" clId="{42F73B06-DA81-4C67-8473-07E158E9C79B}" dt="2023-04-25T03:12:32.844" v="591"/>
+          <ac:spMkLst>
+            <pc:docMk/>
+            <pc:sldMk cId="3636494425" sldId="258"/>
+            <ac:spMk id="29" creationId="{2DC44659-C03E-0D86-F7C0-0978EF476040}"/>
+          </ac:spMkLst>
+        </pc:spChg>
+        <pc:spChg chg="add del mod">
+          <ac:chgData name="Scruel Tao" userId="5ea5c98d59b44d4b" providerId="LiveId" clId="{42F73B06-DA81-4C67-8473-07E158E9C79B}" dt="2023-04-25T03:12:32.844" v="591"/>
+          <ac:spMkLst>
+            <pc:docMk/>
+            <pc:sldMk cId="3636494425" sldId="258"/>
+            <ac:spMk id="30" creationId="{7AEC2843-9DD8-8FE8-B5D1-A4C4D1D386A3}"/>
+          </ac:spMkLst>
+        </pc:spChg>
+        <pc:spChg chg="add del mod">
+          <ac:chgData name="Scruel Tao" userId="5ea5c98d59b44d4b" providerId="LiveId" clId="{42F73B06-DA81-4C67-8473-07E158E9C79B}" dt="2023-04-25T03:12:32.844" v="591"/>
+          <ac:spMkLst>
+            <pc:docMk/>
+            <pc:sldMk cId="3636494425" sldId="258"/>
+            <ac:spMk id="31" creationId="{444C8620-BBE0-B587-70F9-61F84356BFC9}"/>
+          </ac:spMkLst>
+        </pc:spChg>
+        <pc:spChg chg="add del mod">
+          <ac:chgData name="Scruel Tao" userId="5ea5c98d59b44d4b" providerId="LiveId" clId="{42F73B06-DA81-4C67-8473-07E158E9C79B}" dt="2023-04-25T03:12:32.844" v="591"/>
+          <ac:spMkLst>
+            <pc:docMk/>
+            <pc:sldMk cId="3636494425" sldId="258"/>
+            <ac:spMk id="32" creationId="{1A2A0E7C-32A4-D0EF-50CB-9275BA653A46}"/>
+          </ac:spMkLst>
+        </pc:spChg>
+        <pc:spChg chg="add del mod">
+          <ac:chgData name="Scruel Tao" userId="5ea5c98d59b44d4b" providerId="LiveId" clId="{42F73B06-DA81-4C67-8473-07E158E9C79B}" dt="2023-04-25T03:12:32.844" v="591"/>
+          <ac:spMkLst>
+            <pc:docMk/>
+            <pc:sldMk cId="3636494425" sldId="258"/>
+            <ac:spMk id="33" creationId="{3B0FD91E-90DC-12A5-BD5D-D4EEF984FBF9}"/>
+          </ac:spMkLst>
+        </pc:spChg>
+        <pc:spChg chg="add del mod">
+          <ac:chgData name="Scruel Tao" userId="5ea5c98d59b44d4b" providerId="LiveId" clId="{42F73B06-DA81-4C67-8473-07E158E9C79B}" dt="2023-04-25T03:12:32.844" v="591"/>
+          <ac:spMkLst>
+            <pc:docMk/>
+            <pc:sldMk cId="3636494425" sldId="258"/>
+            <ac:spMk id="34" creationId="{ADD06899-CA0E-640F-BE8C-C94B407217D8}"/>
+          </ac:spMkLst>
+        </pc:spChg>
+        <pc:spChg chg="add del mod">
+          <ac:chgData name="Scruel Tao" userId="5ea5c98d59b44d4b" providerId="LiveId" clId="{42F73B06-DA81-4C67-8473-07E158E9C79B}" dt="2023-04-25T03:12:32.844" v="591"/>
+          <ac:spMkLst>
+            <pc:docMk/>
+            <pc:sldMk cId="3636494425" sldId="258"/>
+            <ac:spMk id="35" creationId="{35DB8BD3-7EF0-88D9-611E-481E0080EB9C}"/>
+          </ac:spMkLst>
+        </pc:spChg>
+        <pc:spChg chg="add del mod">
+          <ac:chgData name="Scruel Tao" userId="5ea5c98d59b44d4b" providerId="LiveId" clId="{42F73B06-DA81-4C67-8473-07E158E9C79B}" dt="2023-04-25T03:12:32.844" v="591"/>
+          <ac:spMkLst>
+            <pc:docMk/>
+            <pc:sldMk cId="3636494425" sldId="258"/>
+            <ac:spMk id="36" creationId="{AFC9C7BA-7A24-6E3D-4442-046FA94109E5}"/>
+          </ac:spMkLst>
+        </pc:spChg>
+        <pc:spChg chg="add del mod">
+          <ac:chgData name="Scruel Tao" userId="5ea5c98d59b44d4b" providerId="LiveId" clId="{42F73B06-DA81-4C67-8473-07E158E9C79B}" dt="2023-04-25T03:12:44.503" v="593" actId="478"/>
+          <ac:spMkLst>
+            <pc:docMk/>
+            <pc:sldMk cId="3636494425" sldId="258"/>
+            <ac:spMk id="38" creationId="{A30D7F5D-9E79-2552-D499-8B7304C5F748}"/>
+          </ac:spMkLst>
+        </pc:spChg>
+        <pc:spChg chg="add mod">
+          <ac:chgData name="Scruel Tao" userId="5ea5c98d59b44d4b" providerId="LiveId" clId="{42F73B06-DA81-4C67-8473-07E158E9C79B}" dt="2023-04-25T03:22:58.685" v="884" actId="1035"/>
+          <ac:spMkLst>
+            <pc:docMk/>
+            <pc:sldMk cId="3636494425" sldId="258"/>
+            <ac:spMk id="39" creationId="{8D309316-0912-245A-36C4-6EEFCF882A6C}"/>
+          </ac:spMkLst>
+        </pc:spChg>
+        <pc:spChg chg="add mod">
+          <ac:chgData name="Scruel Tao" userId="5ea5c98d59b44d4b" providerId="LiveId" clId="{42F73B06-DA81-4C67-8473-07E158E9C79B}" dt="2023-04-25T03:22:58.685" v="884" actId="1035"/>
+          <ac:spMkLst>
+            <pc:docMk/>
+            <pc:sldMk cId="3636494425" sldId="258"/>
+            <ac:spMk id="40" creationId="{F356A7F9-408C-48AD-D73A-AB2BE2683ACE}"/>
+          </ac:spMkLst>
+        </pc:spChg>
+        <pc:spChg chg="add mod">
+          <ac:chgData name="Scruel Tao" userId="5ea5c98d59b44d4b" providerId="LiveId" clId="{42F73B06-DA81-4C67-8473-07E158E9C79B}" dt="2023-04-25T03:22:58.685" v="884" actId="1035"/>
+          <ac:spMkLst>
+            <pc:docMk/>
+            <pc:sldMk cId="3636494425" sldId="258"/>
+            <ac:spMk id="41" creationId="{A65C9C38-D9D4-4ECA-E1D0-6FE80D1FC8CB}"/>
+          </ac:spMkLst>
+        </pc:spChg>
+        <pc:spChg chg="add mod">
+          <ac:chgData name="Scruel Tao" userId="5ea5c98d59b44d4b" providerId="LiveId" clId="{42F73B06-DA81-4C67-8473-07E158E9C79B}" dt="2023-04-25T03:22:58.685" v="884" actId="1035"/>
+          <ac:spMkLst>
+            <pc:docMk/>
+            <pc:sldMk cId="3636494425" sldId="258"/>
+            <ac:spMk id="42" creationId="{7E3B9975-3062-8002-8685-35899B3AFCA8}"/>
+          </ac:spMkLst>
+        </pc:spChg>
+        <pc:spChg chg="add mod">
+          <ac:chgData name="Scruel Tao" userId="5ea5c98d59b44d4b" providerId="LiveId" clId="{42F73B06-DA81-4C67-8473-07E158E9C79B}" dt="2023-04-25T03:22:58.685" v="884" actId="1035"/>
+          <ac:spMkLst>
+            <pc:docMk/>
+            <pc:sldMk cId="3636494425" sldId="258"/>
+            <ac:spMk id="43" creationId="{3785958C-CD18-CC2E-9E0C-55A294D2F859}"/>
+          </ac:spMkLst>
+        </pc:spChg>
+        <pc:spChg chg="add mod">
+          <ac:chgData name="Scruel Tao" userId="5ea5c98d59b44d4b" providerId="LiveId" clId="{42F73B06-DA81-4C67-8473-07E158E9C79B}" dt="2023-04-25T03:22:58.685" v="884" actId="1035"/>
+          <ac:spMkLst>
+            <pc:docMk/>
+            <pc:sldMk cId="3636494425" sldId="258"/>
+            <ac:spMk id="44" creationId="{36F07874-9C56-D8E0-B1BA-7BCD3E1F71C9}"/>
+          </ac:spMkLst>
+        </pc:spChg>
+        <pc:spChg chg="add mod">
+          <ac:chgData name="Scruel Tao" userId="5ea5c98d59b44d4b" providerId="LiveId" clId="{42F73B06-DA81-4C67-8473-07E158E9C79B}" dt="2023-04-25T03:22:58.685" v="884" actId="1035"/>
+          <ac:spMkLst>
+            <pc:docMk/>
+            <pc:sldMk cId="3636494425" sldId="258"/>
+            <ac:spMk id="45" creationId="{D7E44A64-E568-6693-3D25-7CD2C9426109}"/>
+          </ac:spMkLst>
+        </pc:spChg>
+        <pc:spChg chg="add mod">
+          <ac:chgData name="Scruel Tao" userId="5ea5c98d59b44d4b" providerId="LiveId" clId="{42F73B06-DA81-4C67-8473-07E158E9C79B}" dt="2023-04-25T03:22:58.685" v="884" actId="1035"/>
+          <ac:spMkLst>
+            <pc:docMk/>
+            <pc:sldMk cId="3636494425" sldId="258"/>
+            <ac:spMk id="46" creationId="{0E1909D8-1601-DFB5-56B3-16A56AE6AFE9}"/>
+          </ac:spMkLst>
+        </pc:spChg>
+        <pc:spChg chg="add del mod">
+          <ac:chgData name="Scruel Tao" userId="5ea5c98d59b44d4b" providerId="LiveId" clId="{42F73B06-DA81-4C67-8473-07E158E9C79B}" dt="2023-04-25T03:14:09.423" v="612" actId="21"/>
+          <ac:spMkLst>
+            <pc:docMk/>
+            <pc:sldMk cId="3636494425" sldId="258"/>
+            <ac:spMk id="47" creationId="{7AD1E3F2-059C-C35B-5426-0E689F8B2312}"/>
+          </ac:spMkLst>
+        </pc:spChg>
+        <pc:spChg chg="add mod">
+          <ac:chgData name="Scruel Tao" userId="5ea5c98d59b44d4b" providerId="LiveId" clId="{42F73B06-DA81-4C67-8473-07E158E9C79B}" dt="2023-04-25T03:22:58.685" v="884" actId="1035"/>
+          <ac:spMkLst>
+            <pc:docMk/>
+            <pc:sldMk cId="3636494425" sldId="258"/>
+            <ac:spMk id="48" creationId="{8EF70B6C-10AB-C9E2-0ADD-90E337F914E7}"/>
+          </ac:spMkLst>
+        </pc:spChg>
+        <pc:spChg chg="add mod">
+          <ac:chgData name="Scruel Tao" userId="5ea5c98d59b44d4b" providerId="LiveId" clId="{42F73B06-DA81-4C67-8473-07E158E9C79B}" dt="2023-04-25T03:22:58.685" v="884" actId="1035"/>
+          <ac:spMkLst>
+            <pc:docMk/>
+            <pc:sldMk cId="3636494425" sldId="258"/>
+            <ac:spMk id="49" creationId="{3FFE2D0F-D5D7-38F6-8079-091F446C324F}"/>
+          </ac:spMkLst>
+        </pc:spChg>
+        <pc:spChg chg="add mod">
+          <ac:chgData name="Scruel Tao" userId="5ea5c98d59b44d4b" providerId="LiveId" clId="{42F73B06-DA81-4C67-8473-07E158E9C79B}" dt="2023-04-25T03:22:58.685" v="884" actId="1035"/>
+          <ac:spMkLst>
+            <pc:docMk/>
+            <pc:sldMk cId="3636494425" sldId="258"/>
+            <ac:spMk id="50" creationId="{5BDF8FF3-017B-5699-11E7-C6538205D42B}"/>
+          </ac:spMkLst>
+        </pc:spChg>
+        <pc:spChg chg="add mod">
+          <ac:chgData name="Scruel Tao" userId="5ea5c98d59b44d4b" providerId="LiveId" clId="{42F73B06-DA81-4C67-8473-07E158E9C79B}" dt="2023-04-25T03:22:58.685" v="884" actId="1035"/>
+          <ac:spMkLst>
+            <pc:docMk/>
+            <pc:sldMk cId="3636494425" sldId="258"/>
+            <ac:spMk id="51" creationId="{49EA7185-A97F-ADA5-D08B-1F009E8A86D7}"/>
+          </ac:spMkLst>
+        </pc:spChg>
+        <pc:spChg chg="add mod">
+          <ac:chgData name="Scruel Tao" userId="5ea5c98d59b44d4b" providerId="LiveId" clId="{42F73B06-DA81-4C67-8473-07E158E9C79B}" dt="2023-04-25T03:22:58.685" v="884" actId="1035"/>
+          <ac:spMkLst>
+            <pc:docMk/>
+            <pc:sldMk cId="3636494425" sldId="258"/>
+            <ac:spMk id="52" creationId="{FC361533-57CD-8F96-1954-E552EFBCB02D}"/>
+          </ac:spMkLst>
+        </pc:spChg>
+        <pc:spChg chg="add mod">
+          <ac:chgData name="Scruel Tao" userId="5ea5c98d59b44d4b" providerId="LiveId" clId="{42F73B06-DA81-4C67-8473-07E158E9C79B}" dt="2023-04-25T03:22:58.685" v="884" actId="1035"/>
+          <ac:spMkLst>
+            <pc:docMk/>
+            <pc:sldMk cId="3636494425" sldId="258"/>
+            <ac:spMk id="53" creationId="{03FE0395-4FFA-4B43-7348-8A18CD05B3DC}"/>
+          </ac:spMkLst>
+        </pc:spChg>
+        <pc:spChg chg="add mod">
+          <ac:chgData name="Scruel Tao" userId="5ea5c98d59b44d4b" providerId="LiveId" clId="{42F73B06-DA81-4C67-8473-07E158E9C79B}" dt="2023-04-25T03:22:58.685" v="884" actId="1035"/>
+          <ac:spMkLst>
+            <pc:docMk/>
+            <pc:sldMk cId="3636494425" sldId="258"/>
+            <ac:spMk id="54" creationId="{A537EA06-6625-07C6-8C40-953BDD632EAB}"/>
+          </ac:spMkLst>
+        </pc:spChg>
+        <pc:spChg chg="add mod">
+          <ac:chgData name="Scruel Tao" userId="5ea5c98d59b44d4b" providerId="LiveId" clId="{42F73B06-DA81-4C67-8473-07E158E9C79B}" dt="2023-04-25T03:22:58.685" v="884" actId="1035"/>
+          <ac:spMkLst>
+            <pc:docMk/>
+            <pc:sldMk cId="3636494425" sldId="258"/>
+            <ac:spMk id="55" creationId="{2B12582F-6DD3-2038-D5C0-F941BCEE00B4}"/>
+          </ac:spMkLst>
+        </pc:spChg>
+        <pc:spChg chg="add mod">
+          <ac:chgData name="Scruel Tao" userId="5ea5c98d59b44d4b" providerId="LiveId" clId="{42F73B06-DA81-4C67-8473-07E158E9C79B}" dt="2023-04-25T03:22:58.685" v="884" actId="1035"/>
+          <ac:spMkLst>
+            <pc:docMk/>
+            <pc:sldMk cId="3636494425" sldId="258"/>
+            <ac:spMk id="56" creationId="{95372342-D86C-DC3A-B25D-EDA6C57C1B5B}"/>
+          </ac:spMkLst>
+        </pc:spChg>
+        <pc:spChg chg="add mod">
+          <ac:chgData name="Scruel Tao" userId="5ea5c98d59b44d4b" providerId="LiveId" clId="{42F73B06-DA81-4C67-8473-07E158E9C79B}" dt="2023-04-25T03:22:58.685" v="884" actId="1035"/>
+          <ac:spMkLst>
+            <pc:docMk/>
+            <pc:sldMk cId="3636494425" sldId="258"/>
+            <ac:spMk id="57" creationId="{12B59904-5CB1-2D40-ABE3-688B2D571D7C}"/>
+          </ac:spMkLst>
+        </pc:spChg>
+        <pc:spChg chg="add mod">
+          <ac:chgData name="Scruel Tao" userId="5ea5c98d59b44d4b" providerId="LiveId" clId="{42F73B06-DA81-4C67-8473-07E158E9C79B}" dt="2023-04-25T03:22:58.685" v="884" actId="1035"/>
+          <ac:spMkLst>
+            <pc:docMk/>
+            <pc:sldMk cId="3636494425" sldId="258"/>
+            <ac:spMk id="58" creationId="{744D1BA5-DCF5-C693-3ACD-4128848197F5}"/>
+          </ac:spMkLst>
+        </pc:spChg>
+        <pc:spChg chg="add mod">
+          <ac:chgData name="Scruel Tao" userId="5ea5c98d59b44d4b" providerId="LiveId" clId="{42F73B06-DA81-4C67-8473-07E158E9C79B}" dt="2023-04-25T03:22:58.685" v="884" actId="1035"/>
+          <ac:spMkLst>
+            <pc:docMk/>
+            <pc:sldMk cId="3636494425" sldId="258"/>
+            <ac:spMk id="59" creationId="{679C6DCA-93EF-C47E-B75E-7C7F1E9F94C4}"/>
+          </ac:spMkLst>
+        </pc:spChg>
+        <pc:spChg chg="add mod">
+          <ac:chgData name="Scruel Tao" userId="5ea5c98d59b44d4b" providerId="LiveId" clId="{42F73B06-DA81-4C67-8473-07E158E9C79B}" dt="2023-04-25T03:22:58.685" v="884" actId="1035"/>
+          <ac:spMkLst>
+            <pc:docMk/>
+            <pc:sldMk cId="3636494425" sldId="258"/>
+            <ac:spMk id="60" creationId="{3B2146D0-F7C3-DCE3-BE29-F363BFE08CA2}"/>
+          </ac:spMkLst>
+        </pc:spChg>
+        <pc:spChg chg="add mod">
+          <ac:chgData name="Scruel Tao" userId="5ea5c98d59b44d4b" providerId="LiveId" clId="{42F73B06-DA81-4C67-8473-07E158E9C79B}" dt="2023-04-25T04:03:31.110" v="1011" actId="1076"/>
+          <ac:spMkLst>
+            <pc:docMk/>
+            <pc:sldMk cId="3636494425" sldId="258"/>
+            <ac:spMk id="61" creationId="{26C3A082-A7FD-FD74-BECF-67FF073E8A45}"/>
+          </ac:spMkLst>
+        </pc:spChg>
+        <pc:spChg chg="add mod">
+          <ac:chgData name="Scruel Tao" userId="5ea5c98d59b44d4b" providerId="LiveId" clId="{42F73B06-DA81-4C67-8473-07E158E9C79B}" dt="2023-04-25T04:03:39.391" v="1014" actId="1076"/>
+          <ac:spMkLst>
+            <pc:docMk/>
+            <pc:sldMk cId="3636494425" sldId="258"/>
+            <ac:spMk id="62" creationId="{9FC2C471-7E85-A661-F5F3-551B20D19794}"/>
+          </ac:spMkLst>
+        </pc:spChg>
+        <pc:spChg chg="add mod">
+          <ac:chgData name="Scruel Tao" userId="5ea5c98d59b44d4b" providerId="LiveId" clId="{42F73B06-DA81-4C67-8473-07E158E9C79B}" dt="2023-04-25T04:03:19.805" v="1006" actId="1076"/>
+          <ac:spMkLst>
+            <pc:docMk/>
+            <pc:sldMk cId="3636494425" sldId="258"/>
+            <ac:spMk id="63" creationId="{77A5EEA3-B866-173F-23BF-6F01A8D0CEFE}"/>
+          </ac:spMkLst>
+        </pc:spChg>
+        <pc:spChg chg="add mod">
+          <ac:chgData name="Scruel Tao" userId="5ea5c98d59b44d4b" providerId="LiveId" clId="{42F73B06-DA81-4C67-8473-07E158E9C79B}" dt="2023-04-25T04:03:59.363" v="1017" actId="1076"/>
+          <ac:spMkLst>
+            <pc:docMk/>
+            <pc:sldMk cId="3636494425" sldId="258"/>
+            <ac:spMk id="64" creationId="{C984414B-E85A-0C51-1947-5EF04227CEFE}"/>
+          </ac:spMkLst>
+        </pc:spChg>
+        <pc:spChg chg="add del mod">
+          <ac:chgData name="Scruel Tao" userId="5ea5c98d59b44d4b" providerId="LiveId" clId="{42F73B06-DA81-4C67-8473-07E158E9C79B}" dt="2023-04-25T04:04:43.546" v="1073" actId="1076"/>
+          <ac:spMkLst>
+            <pc:docMk/>
+            <pc:sldMk cId="3636494425" sldId="258"/>
+            <ac:spMk id="65" creationId="{2CF429CA-16B1-CEDA-46DC-D37D290690D4}"/>
+          </ac:spMkLst>
+        </pc:spChg>
+        <pc:spChg chg="add mod">
+          <ac:chgData name="Scruel Tao" userId="5ea5c98d59b44d4b" providerId="LiveId" clId="{42F73B06-DA81-4C67-8473-07E158E9C79B}" dt="2023-04-25T04:15:36.300" v="1328" actId="2711"/>
+          <ac:spMkLst>
+            <pc:docMk/>
+            <pc:sldMk cId="3636494425" sldId="258"/>
+            <ac:spMk id="66" creationId="{983A5980-DFF1-C5D2-408C-E0485B57A0C0}"/>
+          </ac:spMkLst>
+        </pc:spChg>
+        <pc:spChg chg="add mod">
+          <ac:chgData name="Scruel Tao" userId="5ea5c98d59b44d4b" providerId="LiveId" clId="{42F73B06-DA81-4C67-8473-07E158E9C79B}" dt="2023-04-25T03:22:58.685" v="884" actId="1035"/>
+          <ac:spMkLst>
+            <pc:docMk/>
+            <pc:sldMk cId="3636494425" sldId="258"/>
+            <ac:spMk id="69" creationId="{80550B4F-EFB3-A7EC-B14D-B081DE9BA42B}"/>
+          </ac:spMkLst>
+        </pc:spChg>
+        <pc:spChg chg="add del mod">
+          <ac:chgData name="Scruel Tao" userId="5ea5c98d59b44d4b" providerId="LiveId" clId="{42F73B06-DA81-4C67-8473-07E158E9C79B}" dt="2023-04-25T04:14:46.122" v="1253"/>
+          <ac:spMkLst>
+            <pc:docMk/>
+            <pc:sldMk cId="3636494425" sldId="258"/>
+            <ac:spMk id="70" creationId="{8FD26C44-A566-6E98-AD97-3143525A0D1A}"/>
+          </ac:spMkLst>
+        </pc:spChg>
+        <pc:spChg chg="add mod">
+          <ac:chgData name="Scruel Tao" userId="5ea5c98d59b44d4b" providerId="LiveId" clId="{42F73B06-DA81-4C67-8473-07E158E9C79B}" dt="2023-04-25T04:15:45.148" v="1329" actId="20577"/>
+          <ac:spMkLst>
+            <pc:docMk/>
+            <pc:sldMk cId="3636494425" sldId="258"/>
+            <ac:spMk id="71" creationId="{67A30D04-38D0-D20E-4EE8-EE121DB259C0}"/>
+          </ac:spMkLst>
+        </pc:spChg>
+        <pc:spChg chg="add del mod">
+          <ac:chgData name="Scruel Tao" userId="5ea5c98d59b44d4b" providerId="LiveId" clId="{42F73B06-DA81-4C67-8473-07E158E9C79B}" dt="2023-04-25T04:46:05.667" v="2597" actId="21"/>
+          <ac:spMkLst>
+            <pc:docMk/>
+            <pc:sldMk cId="3636494425" sldId="258"/>
+            <ac:spMk id="73" creationId="{84DDD523-FA55-B2B2-276E-52F418F47C13}"/>
+          </ac:spMkLst>
+        </pc:spChg>
+        <pc:picChg chg="del">
+          <ac:chgData name="Scruel Tao" userId="5ea5c98d59b44d4b" providerId="LiveId" clId="{42F73B06-DA81-4C67-8473-07E158E9C79B}" dt="2023-04-25T03:10:54.140" v="585" actId="478"/>
+          <ac:picMkLst>
+            <pc:docMk/>
+            <pc:sldMk cId="3636494425" sldId="258"/>
+            <ac:picMk id="5" creationId="{C5E50AA4-F82C-6E14-E269-5451494306AE}"/>
+          </ac:picMkLst>
+        </pc:picChg>
+        <pc:picChg chg="add del">
+          <ac:chgData name="Scruel Tao" userId="5ea5c98d59b44d4b" providerId="LiveId" clId="{42F73B06-DA81-4C67-8473-07E158E9C79B}" dt="2023-04-25T03:10:56.658" v="587" actId="22"/>
+          <ac:picMkLst>
+            <pc:docMk/>
+            <pc:sldMk cId="3636494425" sldId="258"/>
+            <ac:picMk id="6" creationId="{4E201ED9-0F1A-8825-D720-1B2ECE3A082B}"/>
+          </ac:picMkLst>
+        </pc:picChg>
+        <pc:picChg chg="add del">
+          <ac:chgData name="Scruel Tao" userId="5ea5c98d59b44d4b" providerId="LiveId" clId="{42F73B06-DA81-4C67-8473-07E158E9C79B}" dt="2023-04-25T03:11:01.295" v="589" actId="22"/>
+          <ac:picMkLst>
+            <pc:docMk/>
+            <pc:sldMk cId="3636494425" sldId="258"/>
+            <ac:picMk id="8" creationId="{A5393E97-7327-273F-FFB8-059909458AA8}"/>
+          </ac:picMkLst>
+        </pc:picChg>
+        <pc:picChg chg="add mod modCrop">
+          <ac:chgData name="Scruel Tao" userId="5ea5c98d59b44d4b" providerId="LiveId" clId="{42F73B06-DA81-4C67-8473-07E158E9C79B}" dt="2023-04-25T03:22:58.685" v="884" actId="1035"/>
+          <ac:picMkLst>
+            <pc:docMk/>
+            <pc:sldMk cId="3636494425" sldId="258"/>
+            <ac:picMk id="68" creationId="{50E66276-9285-8541-5867-A74B28A14697}"/>
+          </ac:picMkLst>
+        </pc:picChg>
+      </pc:sldChg>
+      <pc:sldChg chg="addSp delSp modSp mod setBg">
+        <pc:chgData name="Scruel Tao" userId="5ea5c98d59b44d4b" providerId="LiveId" clId="{42F73B06-DA81-4C67-8473-07E158E9C79B}" dt="2023-04-25T02:53:33.423" v="163" actId="1076"/>
+        <pc:sldMkLst>
+          <pc:docMk/>
+          <pc:sldMk cId="0" sldId="260"/>
+        </pc:sldMkLst>
+        <pc:spChg chg="add mod">
+          <ac:chgData name="Scruel Tao" userId="5ea5c98d59b44d4b" providerId="LiveId" clId="{42F73B06-DA81-4C67-8473-07E158E9C79B}" dt="2023-04-25T02:46:50.579" v="40" actId="14100"/>
+          <ac:spMkLst>
+            <pc:docMk/>
+            <pc:sldMk cId="0" sldId="260"/>
+            <ac:spMk id="3" creationId="{C8068F35-EF78-6218-F528-48E9ED924DF4}"/>
+          </ac:spMkLst>
+        </pc:spChg>
+        <pc:spChg chg="mod">
+          <ac:chgData name="Scruel Tao" userId="5ea5c98d59b44d4b" providerId="LiveId" clId="{42F73B06-DA81-4C67-8473-07E158E9C79B}" dt="2023-04-25T02:53:26.055" v="159" actId="1035"/>
+          <ac:spMkLst>
+            <pc:docMk/>
+            <pc:sldMk cId="0" sldId="260"/>
+            <ac:spMk id="1227783" creationId="{F7B3941E-B689-22D6-F18C-358E4BAEDF5F}"/>
+          </ac:spMkLst>
+        </pc:spChg>
+        <pc:spChg chg="mod">
+          <ac:chgData name="Scruel Tao" userId="5ea5c98d59b44d4b" providerId="LiveId" clId="{42F73B06-DA81-4C67-8473-07E158E9C79B}" dt="2023-04-25T02:53:33.423" v="163" actId="1076"/>
+          <ac:spMkLst>
+            <pc:docMk/>
+            <pc:sldMk cId="0" sldId="260"/>
+            <ac:spMk id="1227786" creationId="{C3F4DD20-8FA3-3CB0-19B6-FE0240B92A34}"/>
+          </ac:spMkLst>
+        </pc:spChg>
+        <pc:picChg chg="del mod">
+          <ac:chgData name="Scruel Tao" userId="5ea5c98d59b44d4b" providerId="LiveId" clId="{42F73B06-DA81-4C67-8473-07E158E9C79B}" dt="2023-04-25T02:46:16.950" v="32" actId="21"/>
+          <ac:picMkLst>
+            <pc:docMk/>
+            <pc:sldMk cId="0" sldId="260"/>
+            <ac:picMk id="4" creationId="{E03AF484-A892-E4D7-A8C4-A4C7AE20944E}"/>
+          </ac:picMkLst>
+        </pc:picChg>
+        <pc:picChg chg="add del mod">
+          <ac:chgData name="Scruel Tao" userId="5ea5c98d59b44d4b" providerId="LiveId" clId="{42F73B06-DA81-4C67-8473-07E158E9C79B}" dt="2023-04-25T02:51:04.016" v="96" actId="478"/>
+          <ac:picMkLst>
+            <pc:docMk/>
+            <pc:sldMk cId="0" sldId="260"/>
+            <ac:picMk id="6" creationId="{8F6BAC62-D56B-39BA-33C7-4611D64596BC}"/>
+          </ac:picMkLst>
+        </pc:picChg>
+        <pc:picChg chg="add del mod">
+          <ac:chgData name="Scruel Tao" userId="5ea5c98d59b44d4b" providerId="LiveId" clId="{42F73B06-DA81-4C67-8473-07E158E9C79B}" dt="2023-04-25T02:47:43.315" v="45" actId="21"/>
+          <ac:picMkLst>
+            <pc:docMk/>
+            <pc:sldMk cId="0" sldId="260"/>
+            <ac:picMk id="7" creationId="{C72527C3-67E6-8459-C50A-5CD316C89F12}"/>
+          </ac:picMkLst>
+        </pc:picChg>
+        <pc:picChg chg="add del mod">
+          <ac:chgData name="Scruel Tao" userId="5ea5c98d59b44d4b" providerId="LiveId" clId="{42F73B06-DA81-4C67-8473-07E158E9C79B}" dt="2023-04-25T02:50:45.954" v="93" actId="21"/>
+          <ac:picMkLst>
+            <pc:docMk/>
+            <pc:sldMk cId="0" sldId="260"/>
+            <ac:picMk id="9" creationId="{9C9D0ECD-1A79-8980-91B8-78E845B3174D}"/>
+          </ac:picMkLst>
+        </pc:picChg>
+        <pc:picChg chg="add mod">
+          <ac:chgData name="Scruel Tao" userId="5ea5c98d59b44d4b" providerId="LiveId" clId="{42F73B06-DA81-4C67-8473-07E158E9C79B}" dt="2023-04-25T02:52:07.147" v="148" actId="1035"/>
+          <ac:picMkLst>
+            <pc:docMk/>
+            <pc:sldMk cId="0" sldId="260"/>
+            <ac:picMk id="11" creationId="{4C6E84E5-1708-27F1-0BCD-1C6D65C46764}"/>
+          </ac:picMkLst>
+        </pc:picChg>
+      </pc:sldChg>
+      <pc:sldChg chg="modSp mod">
+        <pc:chgData name="Scruel Tao" userId="5ea5c98d59b44d4b" providerId="LiveId" clId="{42F73B06-DA81-4C67-8473-07E158E9C79B}" dt="2023-04-25T04:33:58.711" v="1576" actId="13926"/>
+        <pc:sldMkLst>
+          <pc:docMk/>
+          <pc:sldMk cId="3416507657" sldId="265"/>
+        </pc:sldMkLst>
+        <pc:spChg chg="mod">
+          <ac:chgData name="Scruel Tao" userId="5ea5c98d59b44d4b" providerId="LiveId" clId="{42F73B06-DA81-4C67-8473-07E158E9C79B}" dt="2023-04-25T04:33:58.711" v="1576" actId="13926"/>
+          <ac:spMkLst>
+            <pc:docMk/>
+            <pc:sldMk cId="3416507657" sldId="265"/>
+            <ac:spMk id="5" creationId="{334FF01F-2A65-44F6-34F9-69AC934A31D7}"/>
+          </ac:spMkLst>
+        </pc:spChg>
+      </pc:sldChg>
+      <pc:sldChg chg="addSp delSp modSp mod">
+        <pc:chgData name="Scruel Tao" userId="5ea5c98d59b44d4b" providerId="LiveId" clId="{42F73B06-DA81-4C67-8473-07E158E9C79B}" dt="2023-04-25T04:24:38.061" v="1389" actId="1076"/>
+        <pc:sldMkLst>
+          <pc:docMk/>
+          <pc:sldMk cId="192831406" sldId="270"/>
+        </pc:sldMkLst>
+        <pc:picChg chg="add del mod">
+          <ac:chgData name="Scruel Tao" userId="5ea5c98d59b44d4b" providerId="LiveId" clId="{42F73B06-DA81-4C67-8473-07E158E9C79B}" dt="2023-04-25T04:24:24.360" v="1384" actId="478"/>
+          <ac:picMkLst>
+            <pc:docMk/>
+            <pc:sldMk cId="192831406" sldId="270"/>
+            <ac:picMk id="4" creationId="{BA240ED0-0734-A001-F383-C18129C3CB90}"/>
+          </ac:picMkLst>
+        </pc:picChg>
+        <pc:picChg chg="add mod">
+          <ac:chgData name="Scruel Tao" userId="5ea5c98d59b44d4b" providerId="LiveId" clId="{42F73B06-DA81-4C67-8473-07E158E9C79B}" dt="2023-04-25T04:24:38.061" v="1389" actId="1076"/>
+          <ac:picMkLst>
+            <pc:docMk/>
+            <pc:sldMk cId="192831406" sldId="270"/>
+            <ac:picMk id="7" creationId="{1CAC3588-E08A-3D80-6CFF-0894136F15D6}"/>
+          </ac:picMkLst>
+        </pc:picChg>
+        <pc:picChg chg="mod">
+          <ac:chgData name="Scruel Tao" userId="5ea5c98d59b44d4b" providerId="LiveId" clId="{42F73B06-DA81-4C67-8473-07E158E9C79B}" dt="2023-04-25T04:23:22.248" v="1378" actId="1076"/>
+          <ac:picMkLst>
+            <pc:docMk/>
+            <pc:sldMk cId="192831406" sldId="270"/>
+            <ac:picMk id="10" creationId="{ED7D2C24-3911-466C-3E76-669FC1671250}"/>
+          </ac:picMkLst>
+        </pc:picChg>
+        <pc:picChg chg="del mod">
+          <ac:chgData name="Scruel Tao" userId="5ea5c98d59b44d4b" providerId="LiveId" clId="{42F73B06-DA81-4C67-8473-07E158E9C79B}" dt="2023-04-25T04:23:48.612" v="1379" actId="478"/>
+          <ac:picMkLst>
+            <pc:docMk/>
+            <pc:sldMk cId="192831406" sldId="270"/>
+            <ac:picMk id="12" creationId="{A8B42638-E2EC-8913-3326-65DFC6BFA414}"/>
+          </ac:picMkLst>
+        </pc:picChg>
+      </pc:sldChg>
+      <pc:sldChg chg="addSp delSp modSp mod delAnim modAnim">
+        <pc:chgData name="Scruel Tao" userId="5ea5c98d59b44d4b" providerId="LiveId" clId="{42F73B06-DA81-4C67-8473-07E158E9C79B}" dt="2023-04-25T04:29:20.121" v="1450"/>
+        <pc:sldMkLst>
+          <pc:docMk/>
+          <pc:sldMk cId="1301849154" sldId="273"/>
+        </pc:sldMkLst>
+        <pc:spChg chg="mod">
+          <ac:chgData name="Scruel Tao" userId="5ea5c98d59b44d4b" providerId="LiveId" clId="{42F73B06-DA81-4C67-8473-07E158E9C79B}" dt="2023-04-25T04:25:53.804" v="1402" actId="1076"/>
+          <ac:spMkLst>
+            <pc:docMk/>
+            <pc:sldMk cId="1301849154" sldId="273"/>
+            <ac:spMk id="2" creationId="{ABA783DF-49A6-7EF1-661E-C574E2C2F386}"/>
+          </ac:spMkLst>
+        </pc:spChg>
+        <pc:spChg chg="mod">
+          <ac:chgData name="Scruel Tao" userId="5ea5c98d59b44d4b" providerId="LiveId" clId="{42F73B06-DA81-4C67-8473-07E158E9C79B}" dt="2023-04-25T04:16:41.089" v="1348" actId="20577"/>
+          <ac:spMkLst>
+            <pc:docMk/>
+            <pc:sldMk cId="1301849154" sldId="273"/>
+            <ac:spMk id="5" creationId="{334FF01F-2A65-44F6-34F9-69AC934A31D7}"/>
+          </ac:spMkLst>
+        </pc:spChg>
+        <pc:spChg chg="add del mod">
+          <ac:chgData name="Scruel Tao" userId="5ea5c98d59b44d4b" providerId="LiveId" clId="{42F73B06-DA81-4C67-8473-07E158E9C79B}" dt="2023-04-25T04:16:25.041" v="1337" actId="478"/>
+          <ac:spMkLst>
+            <pc:docMk/>
+            <pc:sldMk cId="1301849154" sldId="273"/>
+            <ac:spMk id="6" creationId="{D379A5A2-B7F4-7CE4-82E1-ED8CB1E0E7F0}"/>
+          </ac:spMkLst>
+        </pc:spChg>
+        <pc:picChg chg="del">
+          <ac:chgData name="Scruel Tao" userId="5ea5c98d59b44d4b" providerId="LiveId" clId="{42F73B06-DA81-4C67-8473-07E158E9C79B}" dt="2023-04-25T04:16:06.231" v="1332" actId="21"/>
+          <ac:picMkLst>
+            <pc:docMk/>
+            <pc:sldMk cId="1301849154" sldId="273"/>
+            <ac:picMk id="4" creationId="{0A002240-4414-DA2D-96E9-81195475F4D9}"/>
+          </ac:picMkLst>
+        </pc:picChg>
+        <pc:picChg chg="del mod">
+          <ac:chgData name="Scruel Tao" userId="5ea5c98d59b44d4b" providerId="LiveId" clId="{42F73B06-DA81-4C67-8473-07E158E9C79B}" dt="2023-04-25T04:22:09.009" v="1373" actId="478"/>
+          <ac:picMkLst>
+            <pc:docMk/>
+            <pc:sldMk cId="1301849154" sldId="273"/>
+            <ac:picMk id="7" creationId="{039AB04D-EA90-8BDD-A9C6-599C7C25DC63}"/>
+          </ac:picMkLst>
+        </pc:picChg>
+        <pc:picChg chg="add mod">
+          <ac:chgData name="Scruel Tao" userId="5ea5c98d59b44d4b" providerId="LiveId" clId="{42F73B06-DA81-4C67-8473-07E158E9C79B}" dt="2023-04-25T04:28:10.588" v="1434" actId="14100"/>
+          <ac:picMkLst>
+            <pc:docMk/>
+            <pc:sldMk cId="1301849154" sldId="273"/>
+            <ac:picMk id="9" creationId="{856C34C2-C1AC-15ED-2698-F7795C446412}"/>
+          </ac:picMkLst>
+        </pc:picChg>
+        <pc:picChg chg="del">
+          <ac:chgData name="Scruel Tao" userId="5ea5c98d59b44d4b" providerId="LiveId" clId="{42F73B06-DA81-4C67-8473-07E158E9C79B}" dt="2023-04-25T04:16:04.918" v="1331" actId="21"/>
+          <ac:picMkLst>
+            <pc:docMk/>
+            <pc:sldMk cId="1301849154" sldId="273"/>
+            <ac:picMk id="11" creationId="{F56CF5C9-083E-9020-8D45-F23AB3CF38CE}"/>
+          </ac:picMkLst>
+        </pc:picChg>
+        <pc:picChg chg="add mod">
+          <ac:chgData name="Scruel Tao" userId="5ea5c98d59b44d4b" providerId="LiveId" clId="{42F73B06-DA81-4C67-8473-07E158E9C79B}" dt="2023-04-25T04:28:14.645" v="1435" actId="14100"/>
+          <ac:picMkLst>
+            <pc:docMk/>
+            <pc:sldMk cId="1301849154" sldId="273"/>
+            <ac:picMk id="12" creationId="{2335BBB0-B3B7-E025-7233-A20DDD1960BD}"/>
+          </ac:picMkLst>
+        </pc:picChg>
+        <pc:picChg chg="add mod">
+          <ac:chgData name="Scruel Tao" userId="5ea5c98d59b44d4b" providerId="LiveId" clId="{42F73B06-DA81-4C67-8473-07E158E9C79B}" dt="2023-04-25T04:28:18.732" v="1436" actId="14100"/>
+          <ac:picMkLst>
+            <pc:docMk/>
+            <pc:sldMk cId="1301849154" sldId="273"/>
+            <ac:picMk id="14" creationId="{8F029D3B-108E-907E-31CE-8D6B0831DC14}"/>
+          </ac:picMkLst>
+        </pc:picChg>
+      </pc:sldChg>
+      <pc:sldChg chg="modSp modAnim">
+        <pc:chgData name="Scruel Tao" userId="5ea5c98d59b44d4b" providerId="LiveId" clId="{42F73B06-DA81-4C67-8473-07E158E9C79B}" dt="2023-04-25T04:33:38.940" v="1574" actId="20578"/>
+        <pc:sldMkLst>
+          <pc:docMk/>
+          <pc:sldMk cId="1525970791" sldId="275"/>
+        </pc:sldMkLst>
+        <pc:spChg chg="mod">
+          <ac:chgData name="Scruel Tao" userId="5ea5c98d59b44d4b" providerId="LiveId" clId="{42F73B06-DA81-4C67-8473-07E158E9C79B}" dt="2023-04-25T04:33:36.991" v="1573" actId="20578"/>
+          <ac:spMkLst>
+            <pc:docMk/>
+            <pc:sldMk cId="1525970791" sldId="275"/>
+            <ac:spMk id="5" creationId="{334FF01F-2A65-44F6-34F9-69AC934A31D7}"/>
+          </ac:spMkLst>
+        </pc:spChg>
+      </pc:sldChg>
+      <pc:sldChg chg="modSp add mod modAnim modNotesTx">
+        <pc:chgData name="Scruel Tao" userId="5ea5c98d59b44d4b" providerId="LiveId" clId="{42F73B06-DA81-4C67-8473-07E158E9C79B}" dt="2023-04-25T04:43:34.245" v="2583" actId="20577"/>
+        <pc:sldMkLst>
+          <pc:docMk/>
+          <pc:sldMk cId="1751565490" sldId="276"/>
+        </pc:sldMkLst>
+        <pc:spChg chg="mod">
+          <ac:chgData name="Scruel Tao" userId="5ea5c98d59b44d4b" providerId="LiveId" clId="{42F73B06-DA81-4C67-8473-07E158E9C79B}" dt="2023-04-25T02:59:39.051" v="198" actId="20577"/>
+          <ac:spMkLst>
+            <pc:docMk/>
+            <pc:sldMk cId="1751565490" sldId="276"/>
+            <ac:spMk id="2" creationId="{ABA783DF-49A6-7EF1-661E-C574E2C2F386}"/>
+          </ac:spMkLst>
+        </pc:spChg>
+        <pc:spChg chg="mod">
+          <ac:chgData name="Scruel Tao" userId="5ea5c98d59b44d4b" providerId="LiveId" clId="{42F73B06-DA81-4C67-8473-07E158E9C79B}" dt="2023-04-25T04:43:34.245" v="2583" actId="20577"/>
+          <ac:spMkLst>
+            <pc:docMk/>
+            <pc:sldMk cId="1751565490" sldId="276"/>
+            <ac:spMk id="3" creationId="{9E0BA8B8-92DA-1AC9-79B9-A552D184BB54}"/>
+          </ac:spMkLst>
+        </pc:spChg>
+      </pc:sldChg>
+      <pc:sldChg chg="delSp modSp add del mod delAnim">
+        <pc:chgData name="Scruel Tao" userId="5ea5c98d59b44d4b" providerId="LiveId" clId="{42F73B06-DA81-4C67-8473-07E158E9C79B}" dt="2023-04-25T04:28:31.173" v="1437" actId="47"/>
+        <pc:sldMkLst>
+          <pc:docMk/>
+          <pc:sldMk cId="1867533738" sldId="277"/>
+        </pc:sldMkLst>
+        <pc:picChg chg="mod">
+          <ac:chgData name="Scruel Tao" userId="5ea5c98d59b44d4b" providerId="LiveId" clId="{42F73B06-DA81-4C67-8473-07E158E9C79B}" dt="2023-04-25T04:16:59.169" v="1350" actId="1076"/>
+          <ac:picMkLst>
+            <pc:docMk/>
+            <pc:sldMk cId="1867533738" sldId="277"/>
+            <ac:picMk id="4" creationId="{0A002240-4414-DA2D-96E9-81195475F4D9}"/>
+          </ac:picMkLst>
+        </pc:picChg>
+        <pc:picChg chg="del mod">
+          <ac:chgData name="Scruel Tao" userId="5ea5c98d59b44d4b" providerId="LiveId" clId="{42F73B06-DA81-4C67-8473-07E158E9C79B}" dt="2023-04-25T04:16:17.170" v="1335" actId="21"/>
+          <ac:picMkLst>
+            <pc:docMk/>
+            <pc:sldMk cId="1867533738" sldId="277"/>
+            <ac:picMk id="7" creationId="{039AB04D-EA90-8BDD-A9C6-599C7C25DC63}"/>
+          </ac:picMkLst>
+        </pc:picChg>
+        <pc:picChg chg="mod">
+          <ac:chgData name="Scruel Tao" userId="5ea5c98d59b44d4b" providerId="LiveId" clId="{42F73B06-DA81-4C67-8473-07E158E9C79B}" dt="2023-04-25T04:16:15.098" v="1333" actId="1076"/>
+          <ac:picMkLst>
+            <pc:docMk/>
+            <pc:sldMk cId="1867533738" sldId="277"/>
+            <ac:picMk id="11" creationId="{F56CF5C9-083E-9020-8D45-F23AB3CF38CE}"/>
+          </ac:picMkLst>
+        </pc:picChg>
+      </pc:sldChg>
+      <pc:sldChg chg="delSp modSp add del mod ord delAnim modAnim">
+        <pc:chgData name="Scruel Tao" userId="5ea5c98d59b44d4b" providerId="LiveId" clId="{42F73B06-DA81-4C67-8473-07E158E9C79B}" dt="2023-04-25T04:28:33.324" v="1438" actId="47"/>
+        <pc:sldMkLst>
+          <pc:docMk/>
+          <pc:sldMk cId="652576724" sldId="278"/>
+        </pc:sldMkLst>
+        <pc:spChg chg="mod">
+          <ac:chgData name="Scruel Tao" userId="5ea5c98d59b44d4b" providerId="LiveId" clId="{42F73B06-DA81-4C67-8473-07E158E9C79B}" dt="2023-04-25T04:18:00.412" v="1369" actId="1076"/>
+          <ac:spMkLst>
+            <pc:docMk/>
+            <pc:sldMk cId="652576724" sldId="278"/>
+            <ac:spMk id="5" creationId="{334FF01F-2A65-44F6-34F9-69AC934A31D7}"/>
+          </ac:spMkLst>
+        </pc:spChg>
+        <pc:picChg chg="mod">
+          <ac:chgData name="Scruel Tao" userId="5ea5c98d59b44d4b" providerId="LiveId" clId="{42F73B06-DA81-4C67-8473-07E158E9C79B}" dt="2023-04-25T04:18:10.404" v="1371" actId="1076"/>
+          <ac:picMkLst>
+            <pc:docMk/>
+            <pc:sldMk cId="652576724" sldId="278"/>
+            <ac:picMk id="4" creationId="{0A002240-4414-DA2D-96E9-81195475F4D9}"/>
+          </ac:picMkLst>
+        </pc:picChg>
+        <pc:picChg chg="del">
+          <ac:chgData name="Scruel Tao" userId="5ea5c98d59b44d4b" providerId="LiveId" clId="{42F73B06-DA81-4C67-8473-07E158E9C79B}" dt="2023-04-25T04:17:14.096" v="1359" actId="478"/>
+          <ac:picMkLst>
+            <pc:docMk/>
+            <pc:sldMk cId="652576724" sldId="278"/>
+            <ac:picMk id="11" creationId="{F56CF5C9-083E-9020-8D45-F23AB3CF38CE}"/>
+          </ac:picMkLst>
+        </pc:picChg>
+      </pc:sldChg>
+      <pc:sldMasterChg chg="modSldLayout">
+        <pc:chgData name="Scruel Tao" userId="5ea5c98d59b44d4b" providerId="LiveId" clId="{42F73B06-DA81-4C67-8473-07E158E9C79B}" dt="2023-04-25T04:46:11.808" v="2598" actId="21"/>
+        <pc:sldMasterMkLst>
+          <pc:docMk/>
+          <pc:sldMasterMk cId="1766057859" sldId="2147483648"/>
+        </pc:sldMasterMkLst>
+        <pc:sldLayoutChg chg="addSp delSp modSp mod">
+          <pc:chgData name="Scruel Tao" userId="5ea5c98d59b44d4b" providerId="LiveId" clId="{42F73B06-DA81-4C67-8473-07E158E9C79B}" dt="2023-04-25T04:46:11.808" v="2598" actId="21"/>
+          <pc:sldLayoutMkLst>
+            <pc:docMk/>
+            <pc:sldMasterMk cId="1766057859" sldId="2147483648"/>
+            <pc:sldLayoutMk cId="2116765151" sldId="2147483650"/>
+          </pc:sldLayoutMkLst>
+          <pc:spChg chg="mod">
+            <ac:chgData name="Scruel Tao" userId="5ea5c98d59b44d4b" providerId="LiveId" clId="{42F73B06-DA81-4C67-8473-07E158E9C79B}" dt="2023-04-25T03:04:17.371" v="475" actId="1036"/>
+            <ac:spMkLst>
+              <pc:docMk/>
+              <pc:sldMasterMk cId="1766057859" sldId="2147483648"/>
+              <pc:sldLayoutMk cId="2116765151" sldId="2147483650"/>
+              <ac:spMk id="2" creationId="{9556AB55-80C6-28AF-0C73-3819184EC6FC}"/>
+            </ac:spMkLst>
+          </pc:spChg>
+          <pc:spChg chg="mod">
+            <ac:chgData name="Scruel Tao" userId="5ea5c98d59b44d4b" providerId="LiveId" clId="{42F73B06-DA81-4C67-8473-07E158E9C79B}" dt="2023-04-25T03:04:19.618" v="480" actId="1036"/>
+            <ac:spMkLst>
+              <pc:docMk/>
+              <pc:sldMasterMk cId="1766057859" sldId="2147483648"/>
+              <pc:sldLayoutMk cId="2116765151" sldId="2147483650"/>
+              <ac:spMk id="3" creationId="{9C7469E7-ED7E-A1F2-48AF-DF31AAC06407}"/>
+            </ac:spMkLst>
+          </pc:spChg>
+          <pc:spChg chg="add mod">
+            <ac:chgData name="Scruel Tao" userId="5ea5c98d59b44d4b" providerId="LiveId" clId="{42F73B06-DA81-4C67-8473-07E158E9C79B}" dt="2023-04-25T02:54:57.108" v="167"/>
+            <ac:spMkLst>
+              <pc:docMk/>
+              <pc:sldMasterMk cId="1766057859" sldId="2147483648"/>
+              <pc:sldLayoutMk cId="2116765151" sldId="2147483650"/>
+              <ac:spMk id="7" creationId="{CC508A81-C1C7-B1D4-63BC-4C397A9B30DA}"/>
+            </ac:spMkLst>
+          </pc:spChg>
+          <pc:spChg chg="add del mod">
+            <ac:chgData name="Scruel Tao" userId="5ea5c98d59b44d4b" providerId="LiveId" clId="{42F73B06-DA81-4C67-8473-07E158E9C79B}" dt="2023-04-25T04:46:11.808" v="2598" actId="21"/>
+            <ac:spMkLst>
+              <pc:docMk/>
+              <pc:sldMasterMk cId="1766057859" sldId="2147483648"/>
+              <pc:sldLayoutMk cId="2116765151" sldId="2147483650"/>
+              <ac:spMk id="8" creationId="{7937C967-209E-6EA9-70B0-A293E9C7384E}"/>
+            </ac:spMkLst>
+          </pc:spChg>
+        </pc:sldLayoutChg>
+        <pc:sldLayoutChg chg="addSp modSp mod">
+          <pc:chgData name="Scruel Tao" userId="5ea5c98d59b44d4b" providerId="LiveId" clId="{42F73B06-DA81-4C67-8473-07E158E9C79B}" dt="2023-04-25T03:04:13.005" v="473" actId="1036"/>
+          <pc:sldLayoutMkLst>
+            <pc:docMk/>
+            <pc:sldMasterMk cId="1766057859" sldId="2147483648"/>
+            <pc:sldLayoutMk cId="2296489930" sldId="2147483652"/>
+          </pc:sldLayoutMkLst>
+          <pc:spChg chg="mod">
+            <ac:chgData name="Scruel Tao" userId="5ea5c98d59b44d4b" providerId="LiveId" clId="{42F73B06-DA81-4C67-8473-07E158E9C79B}" dt="2023-04-25T03:04:09.093" v="469" actId="1036"/>
+            <ac:spMkLst>
+              <pc:docMk/>
+              <pc:sldMasterMk cId="1766057859" sldId="2147483648"/>
+              <pc:sldLayoutMk cId="2296489930" sldId="2147483652"/>
+              <ac:spMk id="2" creationId="{CC2F2AEB-03A9-6F28-C6C8-209647EB94BF}"/>
+            </ac:spMkLst>
+          </pc:spChg>
+          <pc:spChg chg="mod">
+            <ac:chgData name="Scruel Tao" userId="5ea5c98d59b44d4b" providerId="LiveId" clId="{42F73B06-DA81-4C67-8473-07E158E9C79B}" dt="2023-04-25T03:04:11.009" v="471" actId="1036"/>
+            <ac:spMkLst>
+              <pc:docMk/>
+              <pc:sldMasterMk cId="1766057859" sldId="2147483648"/>
+              <pc:sldLayoutMk cId="2296489930" sldId="2147483652"/>
+              <ac:spMk id="3" creationId="{FA361A1F-DD24-D4DC-FDF8-14089EDC7CAD}"/>
+            </ac:spMkLst>
+          </pc:spChg>
+          <pc:spChg chg="mod">
+            <ac:chgData name="Scruel Tao" userId="5ea5c98d59b44d4b" providerId="LiveId" clId="{42F73B06-DA81-4C67-8473-07E158E9C79B}" dt="2023-04-25T03:04:13.005" v="473" actId="1036"/>
+            <ac:spMkLst>
+              <pc:docMk/>
+              <pc:sldMasterMk cId="1766057859" sldId="2147483648"/>
+              <pc:sldLayoutMk cId="2296489930" sldId="2147483652"/>
+              <ac:spMk id="4" creationId="{F7656781-5A02-AEE4-2F0C-71BC7C17E38F}"/>
+            </ac:spMkLst>
+          </pc:spChg>
+          <pc:spChg chg="add mod">
+            <ac:chgData name="Scruel Tao" userId="5ea5c98d59b44d4b" providerId="LiveId" clId="{42F73B06-DA81-4C67-8473-07E158E9C79B}" dt="2023-04-25T02:54:08.050" v="166"/>
+            <ac:spMkLst>
+              <pc:docMk/>
+              <pc:sldMasterMk cId="1766057859" sldId="2147483648"/>
+              <pc:sldLayoutMk cId="2296489930" sldId="2147483652"/>
+              <ac:spMk id="8" creationId="{C5A5C420-1B53-618C-C968-A8FEF109459A}"/>
+            </ac:spMkLst>
+          </pc:spChg>
+        </pc:sldLayoutChg>
+        <pc:sldLayoutChg chg="delSp">
+          <pc:chgData name="Scruel Tao" userId="5ea5c98d59b44d4b" providerId="LiveId" clId="{42F73B06-DA81-4C67-8473-07E158E9C79B}" dt="2023-04-25T02:47:33.665" v="42" actId="21"/>
+          <pc:sldLayoutMkLst>
+            <pc:docMk/>
+            <pc:sldMasterMk cId="1766057859" sldId="2147483648"/>
+            <pc:sldLayoutMk cId="1337634028" sldId="2147483660"/>
+          </pc:sldLayoutMkLst>
+          <pc:picChg chg="del">
+            <ac:chgData name="Scruel Tao" userId="5ea5c98d59b44d4b" providerId="LiveId" clId="{42F73B06-DA81-4C67-8473-07E158E9C79B}" dt="2023-04-25T02:47:33.665" v="42" actId="21"/>
+            <ac:picMkLst>
+              <pc:docMk/>
+              <pc:sldMasterMk cId="1766057859" sldId="2147483648"/>
+              <pc:sldLayoutMk cId="1337634028" sldId="2147483660"/>
+              <ac:picMk id="19482" creationId="{8F2B9C9A-7CA4-5723-784E-DBADCF09186B}"/>
+            </ac:picMkLst>
+          </pc:picChg>
+        </pc:sldLayoutChg>
+      </pc:sldMasterChg>
+    </pc:docChg>
+  </pc:docChgLst>
+  <pc:docChgLst>
     <pc:chgData name="Scruel Tao" userId="5ea5c98d59b44d4b" providerId="LiveId" clId="{57BFEBFE-2234-4CFE-83A8-04F7F6AB4AD2}"/>
     <pc:docChg chg="undo redo custSel addSld delSld modSld modMainMaster">
       <pc:chgData name="Scruel Tao" userId="5ea5c98d59b44d4b" providerId="LiveId" clId="{57BFEBFE-2234-4CFE-83A8-04F7F6AB4AD2}" dt="2023-05-16T03:58:30.531" v="57" actId="478"/>
@@ -1748,1072 +2822,6 @@
       </pc:sldMasterChg>
     </pc:docChg>
   </pc:docChgLst>
-  <pc:docChgLst>
-    <pc:chgData name="Scruel Tao" userId="5ea5c98d59b44d4b" providerId="LiveId" clId="{42F73B06-DA81-4C67-8473-07E158E9C79B}"/>
-    <pc:docChg chg="undo redo custSel addSld delSld modSld sldOrd modMainMaster">
-      <pc:chgData name="Scruel Tao" userId="5ea5c98d59b44d4b" providerId="LiveId" clId="{42F73B06-DA81-4C67-8473-07E158E9C79B}" dt="2023-04-25T04:46:22.938" v="2599" actId="20577"/>
-      <pc:docMkLst>
-        <pc:docMk/>
-      </pc:docMkLst>
-      <pc:sldChg chg="addSp delSp modSp mod">
-        <pc:chgData name="Scruel Tao" userId="5ea5c98d59b44d4b" providerId="LiveId" clId="{42F73B06-DA81-4C67-8473-07E158E9C79B}" dt="2023-04-25T04:46:22.938" v="2599" actId="20577"/>
-        <pc:sldMkLst>
-          <pc:docMk/>
-          <pc:sldMk cId="1112998187" sldId="257"/>
-        </pc:sldMkLst>
-        <pc:spChg chg="mod">
-          <ac:chgData name="Scruel Tao" userId="5ea5c98d59b44d4b" providerId="LiveId" clId="{42F73B06-DA81-4C67-8473-07E158E9C79B}" dt="2023-04-25T02:56:34.616" v="176" actId="13926"/>
-          <ac:spMkLst>
-            <pc:docMk/>
-            <pc:sldMk cId="1112998187" sldId="257"/>
-            <ac:spMk id="2" creationId="{1422DFF6-0952-1023-64E3-97184D36BE3F}"/>
-          </ac:spMkLst>
-        </pc:spChg>
-        <pc:spChg chg="mod">
-          <ac:chgData name="Scruel Tao" userId="5ea5c98d59b44d4b" providerId="LiveId" clId="{42F73B06-DA81-4C67-8473-07E158E9C79B}" dt="2023-04-25T04:46:22.938" v="2599" actId="20577"/>
-          <ac:spMkLst>
-            <pc:docMk/>
-            <pc:sldMk cId="1112998187" sldId="257"/>
-            <ac:spMk id="3" creationId="{AC7759D9-0BB4-08ED-8476-24F7D903D6DE}"/>
-          </ac:spMkLst>
-        </pc:spChg>
-        <pc:spChg chg="add del mod">
-          <ac:chgData name="Scruel Tao" userId="5ea5c98d59b44d4b" providerId="LiveId" clId="{42F73B06-DA81-4C67-8473-07E158E9C79B}" dt="2023-04-25T02:46:25.828" v="34"/>
-          <ac:spMkLst>
-            <pc:docMk/>
-            <pc:sldMk cId="1112998187" sldId="257"/>
-            <ac:spMk id="4" creationId="{A079E8C0-052B-18D5-9CF8-DD0AE74AF66B}"/>
-          </ac:spMkLst>
-        </pc:spChg>
-        <pc:spChg chg="add del mod">
-          <ac:chgData name="Scruel Tao" userId="5ea5c98d59b44d4b" providerId="LiveId" clId="{42F73B06-DA81-4C67-8473-07E158E9C79B}" dt="2023-04-25T02:53:39.318" v="165" actId="21"/>
-          <ac:spMkLst>
-            <pc:docMk/>
-            <pc:sldMk cId="1112998187" sldId="257"/>
-            <ac:spMk id="5" creationId="{6B681F1F-0DE6-B406-204C-9354D5670F8E}"/>
-          </ac:spMkLst>
-        </pc:spChg>
-      </pc:sldChg>
-      <pc:sldChg chg="addSp delSp modSp mod">
-        <pc:chgData name="Scruel Tao" userId="5ea5c98d59b44d4b" providerId="LiveId" clId="{42F73B06-DA81-4C67-8473-07E158E9C79B}" dt="2023-04-25T04:46:05.667" v="2597" actId="21"/>
-        <pc:sldMkLst>
-          <pc:docMk/>
-          <pc:sldMk cId="3636494425" sldId="258"/>
-        </pc:sldMkLst>
-        <pc:spChg chg="mod">
-          <ac:chgData name="Scruel Tao" userId="5ea5c98d59b44d4b" providerId="LiveId" clId="{42F73B06-DA81-4C67-8473-07E158E9C79B}" dt="2023-04-25T03:22:32.151" v="867" actId="20577"/>
-          <ac:spMkLst>
-            <pc:docMk/>
-            <pc:sldMk cId="3636494425" sldId="258"/>
-            <ac:spMk id="2" creationId="{ABA783DF-49A6-7EF1-661E-C574E2C2F386}"/>
-          </ac:spMkLst>
-        </pc:spChg>
-        <pc:spChg chg="del mod">
-          <ac:chgData name="Scruel Tao" userId="5ea5c98d59b44d4b" providerId="LiveId" clId="{42F73B06-DA81-4C67-8473-07E158E9C79B}" dt="2023-04-25T03:12:42.110" v="592" actId="478"/>
-          <ac:spMkLst>
-            <pc:docMk/>
-            <pc:sldMk cId="3636494425" sldId="258"/>
-            <ac:spMk id="3" creationId="{4C14948B-081B-0FED-AF72-DA2CFEC85EB0}"/>
-          </ac:spMkLst>
-        </pc:spChg>
-        <pc:spChg chg="add del mod">
-          <ac:chgData name="Scruel Tao" userId="5ea5c98d59b44d4b" providerId="LiveId" clId="{42F73B06-DA81-4C67-8473-07E158E9C79B}" dt="2023-04-25T03:12:32.844" v="591"/>
-          <ac:spMkLst>
-            <pc:docMk/>
-            <pc:sldMk cId="3636494425" sldId="258"/>
-            <ac:spMk id="9" creationId="{BA908FC3-A0EB-F7FE-4E65-D9458F7A14A9}"/>
-          </ac:spMkLst>
-        </pc:spChg>
-        <pc:spChg chg="add del mod">
-          <ac:chgData name="Scruel Tao" userId="5ea5c98d59b44d4b" providerId="LiveId" clId="{42F73B06-DA81-4C67-8473-07E158E9C79B}" dt="2023-04-25T03:12:32.844" v="591"/>
-          <ac:spMkLst>
-            <pc:docMk/>
-            <pc:sldMk cId="3636494425" sldId="258"/>
-            <ac:spMk id="10" creationId="{FFB3B742-5269-C9DD-2CA4-966DADE8F9E0}"/>
-          </ac:spMkLst>
-        </pc:spChg>
-        <pc:spChg chg="add del mod">
-          <ac:chgData name="Scruel Tao" userId="5ea5c98d59b44d4b" providerId="LiveId" clId="{42F73B06-DA81-4C67-8473-07E158E9C79B}" dt="2023-04-25T03:12:32.844" v="591"/>
-          <ac:spMkLst>
-            <pc:docMk/>
-            <pc:sldMk cId="3636494425" sldId="258"/>
-            <ac:spMk id="11" creationId="{BA703B33-7CB6-9FD1-6308-5A66A84AE171}"/>
-          </ac:spMkLst>
-        </pc:spChg>
-        <pc:spChg chg="add del mod">
-          <ac:chgData name="Scruel Tao" userId="5ea5c98d59b44d4b" providerId="LiveId" clId="{42F73B06-DA81-4C67-8473-07E158E9C79B}" dt="2023-04-25T03:12:32.844" v="591"/>
-          <ac:spMkLst>
-            <pc:docMk/>
-            <pc:sldMk cId="3636494425" sldId="258"/>
-            <ac:spMk id="12" creationId="{151B79C1-137A-57A9-0616-3DF5499DEDE0}"/>
-          </ac:spMkLst>
-        </pc:spChg>
-        <pc:spChg chg="add del mod">
-          <ac:chgData name="Scruel Tao" userId="5ea5c98d59b44d4b" providerId="LiveId" clId="{42F73B06-DA81-4C67-8473-07E158E9C79B}" dt="2023-04-25T03:12:32.844" v="591"/>
-          <ac:spMkLst>
-            <pc:docMk/>
-            <pc:sldMk cId="3636494425" sldId="258"/>
-            <ac:spMk id="13" creationId="{CC84C452-144D-00E8-F419-9F2CFB9B199C}"/>
-          </ac:spMkLst>
-        </pc:spChg>
-        <pc:spChg chg="add del mod">
-          <ac:chgData name="Scruel Tao" userId="5ea5c98d59b44d4b" providerId="LiveId" clId="{42F73B06-DA81-4C67-8473-07E158E9C79B}" dt="2023-04-25T03:12:32.844" v="591"/>
-          <ac:spMkLst>
-            <pc:docMk/>
-            <pc:sldMk cId="3636494425" sldId="258"/>
-            <ac:spMk id="14" creationId="{399876F9-00F3-3D6A-E2DA-9E3F062548EC}"/>
-          </ac:spMkLst>
-        </pc:spChg>
-        <pc:spChg chg="add del mod">
-          <ac:chgData name="Scruel Tao" userId="5ea5c98d59b44d4b" providerId="LiveId" clId="{42F73B06-DA81-4C67-8473-07E158E9C79B}" dt="2023-04-25T03:12:32.844" v="591"/>
-          <ac:spMkLst>
-            <pc:docMk/>
-            <pc:sldMk cId="3636494425" sldId="258"/>
-            <ac:spMk id="15" creationId="{8CB8A818-E440-9338-2FD4-89160E0FAD7F}"/>
-          </ac:spMkLst>
-        </pc:spChg>
-        <pc:spChg chg="add del mod">
-          <ac:chgData name="Scruel Tao" userId="5ea5c98d59b44d4b" providerId="LiveId" clId="{42F73B06-DA81-4C67-8473-07E158E9C79B}" dt="2023-04-25T03:12:32.844" v="591"/>
-          <ac:spMkLst>
-            <pc:docMk/>
-            <pc:sldMk cId="3636494425" sldId="258"/>
-            <ac:spMk id="16" creationId="{8226402F-1940-BAAF-8CDD-A588047059AC}"/>
-          </ac:spMkLst>
-        </pc:spChg>
-        <pc:spChg chg="add del mod">
-          <ac:chgData name="Scruel Tao" userId="5ea5c98d59b44d4b" providerId="LiveId" clId="{42F73B06-DA81-4C67-8473-07E158E9C79B}" dt="2023-04-25T03:12:32.844" v="591"/>
-          <ac:spMkLst>
-            <pc:docMk/>
-            <pc:sldMk cId="3636494425" sldId="258"/>
-            <ac:spMk id="17" creationId="{46DCCA24-2144-A4FD-E167-DA7BBE5B3F6D}"/>
-          </ac:spMkLst>
-        </pc:spChg>
-        <pc:spChg chg="add del mod">
-          <ac:chgData name="Scruel Tao" userId="5ea5c98d59b44d4b" providerId="LiveId" clId="{42F73B06-DA81-4C67-8473-07E158E9C79B}" dt="2023-04-25T03:12:32.844" v="591"/>
-          <ac:spMkLst>
-            <pc:docMk/>
-            <pc:sldMk cId="3636494425" sldId="258"/>
-            <ac:spMk id="18" creationId="{545EA90B-9834-F825-8B44-305D329730D8}"/>
-          </ac:spMkLst>
-        </pc:spChg>
-        <pc:spChg chg="add del mod">
-          <ac:chgData name="Scruel Tao" userId="5ea5c98d59b44d4b" providerId="LiveId" clId="{42F73B06-DA81-4C67-8473-07E158E9C79B}" dt="2023-04-25T03:12:32.844" v="591"/>
-          <ac:spMkLst>
-            <pc:docMk/>
-            <pc:sldMk cId="3636494425" sldId="258"/>
-            <ac:spMk id="19" creationId="{2FDD208C-8CDC-5791-DB0C-46A496231D22}"/>
-          </ac:spMkLst>
-        </pc:spChg>
-        <pc:spChg chg="add del mod">
-          <ac:chgData name="Scruel Tao" userId="5ea5c98d59b44d4b" providerId="LiveId" clId="{42F73B06-DA81-4C67-8473-07E158E9C79B}" dt="2023-04-25T03:12:32.844" v="591"/>
-          <ac:spMkLst>
-            <pc:docMk/>
-            <pc:sldMk cId="3636494425" sldId="258"/>
-            <ac:spMk id="20" creationId="{A3C0FB5D-4E00-3696-61DB-E49AEE25DB09}"/>
-          </ac:spMkLst>
-        </pc:spChg>
-        <pc:spChg chg="add del mod">
-          <ac:chgData name="Scruel Tao" userId="5ea5c98d59b44d4b" providerId="LiveId" clId="{42F73B06-DA81-4C67-8473-07E158E9C79B}" dt="2023-04-25T03:12:32.844" v="591"/>
-          <ac:spMkLst>
-            <pc:docMk/>
-            <pc:sldMk cId="3636494425" sldId="258"/>
-            <ac:spMk id="21" creationId="{71F8EEF6-9A32-0A78-4E2F-950322B8AC2C}"/>
-          </ac:spMkLst>
-        </pc:spChg>
-        <pc:spChg chg="add del mod">
-          <ac:chgData name="Scruel Tao" userId="5ea5c98d59b44d4b" providerId="LiveId" clId="{42F73B06-DA81-4C67-8473-07E158E9C79B}" dt="2023-04-25T03:12:32.844" v="591"/>
-          <ac:spMkLst>
-            <pc:docMk/>
-            <pc:sldMk cId="3636494425" sldId="258"/>
-            <ac:spMk id="22" creationId="{47D5D505-F800-D76D-E7B6-F3EB87664C74}"/>
-          </ac:spMkLst>
-        </pc:spChg>
-        <pc:spChg chg="add del mod">
-          <ac:chgData name="Scruel Tao" userId="5ea5c98d59b44d4b" providerId="LiveId" clId="{42F73B06-DA81-4C67-8473-07E158E9C79B}" dt="2023-04-25T03:12:32.844" v="591"/>
-          <ac:spMkLst>
-            <pc:docMk/>
-            <pc:sldMk cId="3636494425" sldId="258"/>
-            <ac:spMk id="23" creationId="{E8A85D2B-AB1D-9C0D-08EC-934FF9D7003F}"/>
-          </ac:spMkLst>
-        </pc:spChg>
-        <pc:spChg chg="add del mod">
-          <ac:chgData name="Scruel Tao" userId="5ea5c98d59b44d4b" providerId="LiveId" clId="{42F73B06-DA81-4C67-8473-07E158E9C79B}" dt="2023-04-25T03:12:32.844" v="591"/>
-          <ac:spMkLst>
-            <pc:docMk/>
-            <pc:sldMk cId="3636494425" sldId="258"/>
-            <ac:spMk id="24" creationId="{0AC97BA1-83B0-DB02-81AC-6213009241F3}"/>
-          </ac:spMkLst>
-        </pc:spChg>
-        <pc:spChg chg="add del mod">
-          <ac:chgData name="Scruel Tao" userId="5ea5c98d59b44d4b" providerId="LiveId" clId="{42F73B06-DA81-4C67-8473-07E158E9C79B}" dt="2023-04-25T03:12:32.844" v="591"/>
-          <ac:spMkLst>
-            <pc:docMk/>
-            <pc:sldMk cId="3636494425" sldId="258"/>
-            <ac:spMk id="25" creationId="{5F1C6A34-E5FE-21CA-E715-E556C8811400}"/>
-          </ac:spMkLst>
-        </pc:spChg>
-        <pc:spChg chg="add del mod">
-          <ac:chgData name="Scruel Tao" userId="5ea5c98d59b44d4b" providerId="LiveId" clId="{42F73B06-DA81-4C67-8473-07E158E9C79B}" dt="2023-04-25T03:12:32.844" v="591"/>
-          <ac:spMkLst>
-            <pc:docMk/>
-            <pc:sldMk cId="3636494425" sldId="258"/>
-            <ac:spMk id="26" creationId="{8A7695B3-E880-A584-75A9-94BD937774FF}"/>
-          </ac:spMkLst>
-        </pc:spChg>
-        <pc:spChg chg="add del mod">
-          <ac:chgData name="Scruel Tao" userId="5ea5c98d59b44d4b" providerId="LiveId" clId="{42F73B06-DA81-4C67-8473-07E158E9C79B}" dt="2023-04-25T03:12:32.844" v="591"/>
-          <ac:spMkLst>
-            <pc:docMk/>
-            <pc:sldMk cId="3636494425" sldId="258"/>
-            <ac:spMk id="27" creationId="{DDA9CB73-5323-7074-72F0-FE213A7656CE}"/>
-          </ac:spMkLst>
-        </pc:spChg>
-        <pc:spChg chg="add del mod">
-          <ac:chgData name="Scruel Tao" userId="5ea5c98d59b44d4b" providerId="LiveId" clId="{42F73B06-DA81-4C67-8473-07E158E9C79B}" dt="2023-04-25T03:12:32.844" v="591"/>
-          <ac:spMkLst>
-            <pc:docMk/>
-            <pc:sldMk cId="3636494425" sldId="258"/>
-            <ac:spMk id="28" creationId="{BE9D20DE-121B-F6A5-4436-DF6C304DC9B4}"/>
-          </ac:spMkLst>
-        </pc:spChg>
-        <pc:spChg chg="add del mod">
-          <ac:chgData name="Scruel Tao" userId="5ea5c98d59b44d4b" providerId="LiveId" clId="{42F73B06-DA81-4C67-8473-07E158E9C79B}" dt="2023-04-25T03:12:32.844" v="591"/>
-          <ac:spMkLst>
-            <pc:docMk/>
-            <pc:sldMk cId="3636494425" sldId="258"/>
-            <ac:spMk id="29" creationId="{2DC44659-C03E-0D86-F7C0-0978EF476040}"/>
-          </ac:spMkLst>
-        </pc:spChg>
-        <pc:spChg chg="add del mod">
-          <ac:chgData name="Scruel Tao" userId="5ea5c98d59b44d4b" providerId="LiveId" clId="{42F73B06-DA81-4C67-8473-07E158E9C79B}" dt="2023-04-25T03:12:32.844" v="591"/>
-          <ac:spMkLst>
-            <pc:docMk/>
-            <pc:sldMk cId="3636494425" sldId="258"/>
-            <ac:spMk id="30" creationId="{7AEC2843-9DD8-8FE8-B5D1-A4C4D1D386A3}"/>
-          </ac:spMkLst>
-        </pc:spChg>
-        <pc:spChg chg="add del mod">
-          <ac:chgData name="Scruel Tao" userId="5ea5c98d59b44d4b" providerId="LiveId" clId="{42F73B06-DA81-4C67-8473-07E158E9C79B}" dt="2023-04-25T03:12:32.844" v="591"/>
-          <ac:spMkLst>
-            <pc:docMk/>
-            <pc:sldMk cId="3636494425" sldId="258"/>
-            <ac:spMk id="31" creationId="{444C8620-BBE0-B587-70F9-61F84356BFC9}"/>
-          </ac:spMkLst>
-        </pc:spChg>
-        <pc:spChg chg="add del mod">
-          <ac:chgData name="Scruel Tao" userId="5ea5c98d59b44d4b" providerId="LiveId" clId="{42F73B06-DA81-4C67-8473-07E158E9C79B}" dt="2023-04-25T03:12:32.844" v="591"/>
-          <ac:spMkLst>
-            <pc:docMk/>
-            <pc:sldMk cId="3636494425" sldId="258"/>
-            <ac:spMk id="32" creationId="{1A2A0E7C-32A4-D0EF-50CB-9275BA653A46}"/>
-          </ac:spMkLst>
-        </pc:spChg>
-        <pc:spChg chg="add del mod">
-          <ac:chgData name="Scruel Tao" userId="5ea5c98d59b44d4b" providerId="LiveId" clId="{42F73B06-DA81-4C67-8473-07E158E9C79B}" dt="2023-04-25T03:12:32.844" v="591"/>
-          <ac:spMkLst>
-            <pc:docMk/>
-            <pc:sldMk cId="3636494425" sldId="258"/>
-            <ac:spMk id="33" creationId="{3B0FD91E-90DC-12A5-BD5D-D4EEF984FBF9}"/>
-          </ac:spMkLst>
-        </pc:spChg>
-        <pc:spChg chg="add del mod">
-          <ac:chgData name="Scruel Tao" userId="5ea5c98d59b44d4b" providerId="LiveId" clId="{42F73B06-DA81-4C67-8473-07E158E9C79B}" dt="2023-04-25T03:12:32.844" v="591"/>
-          <ac:spMkLst>
-            <pc:docMk/>
-            <pc:sldMk cId="3636494425" sldId="258"/>
-            <ac:spMk id="34" creationId="{ADD06899-CA0E-640F-BE8C-C94B407217D8}"/>
-          </ac:spMkLst>
-        </pc:spChg>
-        <pc:spChg chg="add del mod">
-          <ac:chgData name="Scruel Tao" userId="5ea5c98d59b44d4b" providerId="LiveId" clId="{42F73B06-DA81-4C67-8473-07E158E9C79B}" dt="2023-04-25T03:12:32.844" v="591"/>
-          <ac:spMkLst>
-            <pc:docMk/>
-            <pc:sldMk cId="3636494425" sldId="258"/>
-            <ac:spMk id="35" creationId="{35DB8BD3-7EF0-88D9-611E-481E0080EB9C}"/>
-          </ac:spMkLst>
-        </pc:spChg>
-        <pc:spChg chg="add del mod">
-          <ac:chgData name="Scruel Tao" userId="5ea5c98d59b44d4b" providerId="LiveId" clId="{42F73B06-DA81-4C67-8473-07E158E9C79B}" dt="2023-04-25T03:12:32.844" v="591"/>
-          <ac:spMkLst>
-            <pc:docMk/>
-            <pc:sldMk cId="3636494425" sldId="258"/>
-            <ac:spMk id="36" creationId="{AFC9C7BA-7A24-6E3D-4442-046FA94109E5}"/>
-          </ac:spMkLst>
-        </pc:spChg>
-        <pc:spChg chg="add del mod">
-          <ac:chgData name="Scruel Tao" userId="5ea5c98d59b44d4b" providerId="LiveId" clId="{42F73B06-DA81-4C67-8473-07E158E9C79B}" dt="2023-04-25T03:12:44.503" v="593" actId="478"/>
-          <ac:spMkLst>
-            <pc:docMk/>
-            <pc:sldMk cId="3636494425" sldId="258"/>
-            <ac:spMk id="38" creationId="{A30D7F5D-9E79-2552-D499-8B7304C5F748}"/>
-          </ac:spMkLst>
-        </pc:spChg>
-        <pc:spChg chg="add mod">
-          <ac:chgData name="Scruel Tao" userId="5ea5c98d59b44d4b" providerId="LiveId" clId="{42F73B06-DA81-4C67-8473-07E158E9C79B}" dt="2023-04-25T03:22:58.685" v="884" actId="1035"/>
-          <ac:spMkLst>
-            <pc:docMk/>
-            <pc:sldMk cId="3636494425" sldId="258"/>
-            <ac:spMk id="39" creationId="{8D309316-0912-245A-36C4-6EEFCF882A6C}"/>
-          </ac:spMkLst>
-        </pc:spChg>
-        <pc:spChg chg="add mod">
-          <ac:chgData name="Scruel Tao" userId="5ea5c98d59b44d4b" providerId="LiveId" clId="{42F73B06-DA81-4C67-8473-07E158E9C79B}" dt="2023-04-25T03:22:58.685" v="884" actId="1035"/>
-          <ac:spMkLst>
-            <pc:docMk/>
-            <pc:sldMk cId="3636494425" sldId="258"/>
-            <ac:spMk id="40" creationId="{F356A7F9-408C-48AD-D73A-AB2BE2683ACE}"/>
-          </ac:spMkLst>
-        </pc:spChg>
-        <pc:spChg chg="add mod">
-          <ac:chgData name="Scruel Tao" userId="5ea5c98d59b44d4b" providerId="LiveId" clId="{42F73B06-DA81-4C67-8473-07E158E9C79B}" dt="2023-04-25T03:22:58.685" v="884" actId="1035"/>
-          <ac:spMkLst>
-            <pc:docMk/>
-            <pc:sldMk cId="3636494425" sldId="258"/>
-            <ac:spMk id="41" creationId="{A65C9C38-D9D4-4ECA-E1D0-6FE80D1FC8CB}"/>
-          </ac:spMkLst>
-        </pc:spChg>
-        <pc:spChg chg="add mod">
-          <ac:chgData name="Scruel Tao" userId="5ea5c98d59b44d4b" providerId="LiveId" clId="{42F73B06-DA81-4C67-8473-07E158E9C79B}" dt="2023-04-25T03:22:58.685" v="884" actId="1035"/>
-          <ac:spMkLst>
-            <pc:docMk/>
-            <pc:sldMk cId="3636494425" sldId="258"/>
-            <ac:spMk id="42" creationId="{7E3B9975-3062-8002-8685-35899B3AFCA8}"/>
-          </ac:spMkLst>
-        </pc:spChg>
-        <pc:spChg chg="add mod">
-          <ac:chgData name="Scruel Tao" userId="5ea5c98d59b44d4b" providerId="LiveId" clId="{42F73B06-DA81-4C67-8473-07E158E9C79B}" dt="2023-04-25T03:22:58.685" v="884" actId="1035"/>
-          <ac:spMkLst>
-            <pc:docMk/>
-            <pc:sldMk cId="3636494425" sldId="258"/>
-            <ac:spMk id="43" creationId="{3785958C-CD18-CC2E-9E0C-55A294D2F859}"/>
-          </ac:spMkLst>
-        </pc:spChg>
-        <pc:spChg chg="add mod">
-          <ac:chgData name="Scruel Tao" userId="5ea5c98d59b44d4b" providerId="LiveId" clId="{42F73B06-DA81-4C67-8473-07E158E9C79B}" dt="2023-04-25T03:22:58.685" v="884" actId="1035"/>
-          <ac:spMkLst>
-            <pc:docMk/>
-            <pc:sldMk cId="3636494425" sldId="258"/>
-            <ac:spMk id="44" creationId="{36F07874-9C56-D8E0-B1BA-7BCD3E1F71C9}"/>
-          </ac:spMkLst>
-        </pc:spChg>
-        <pc:spChg chg="add mod">
-          <ac:chgData name="Scruel Tao" userId="5ea5c98d59b44d4b" providerId="LiveId" clId="{42F73B06-DA81-4C67-8473-07E158E9C79B}" dt="2023-04-25T03:22:58.685" v="884" actId="1035"/>
-          <ac:spMkLst>
-            <pc:docMk/>
-            <pc:sldMk cId="3636494425" sldId="258"/>
-            <ac:spMk id="45" creationId="{D7E44A64-E568-6693-3D25-7CD2C9426109}"/>
-          </ac:spMkLst>
-        </pc:spChg>
-        <pc:spChg chg="add mod">
-          <ac:chgData name="Scruel Tao" userId="5ea5c98d59b44d4b" providerId="LiveId" clId="{42F73B06-DA81-4C67-8473-07E158E9C79B}" dt="2023-04-25T03:22:58.685" v="884" actId="1035"/>
-          <ac:spMkLst>
-            <pc:docMk/>
-            <pc:sldMk cId="3636494425" sldId="258"/>
-            <ac:spMk id="46" creationId="{0E1909D8-1601-DFB5-56B3-16A56AE6AFE9}"/>
-          </ac:spMkLst>
-        </pc:spChg>
-        <pc:spChg chg="add del mod">
-          <ac:chgData name="Scruel Tao" userId="5ea5c98d59b44d4b" providerId="LiveId" clId="{42F73B06-DA81-4C67-8473-07E158E9C79B}" dt="2023-04-25T03:14:09.423" v="612" actId="21"/>
-          <ac:spMkLst>
-            <pc:docMk/>
-            <pc:sldMk cId="3636494425" sldId="258"/>
-            <ac:spMk id="47" creationId="{7AD1E3F2-059C-C35B-5426-0E689F8B2312}"/>
-          </ac:spMkLst>
-        </pc:spChg>
-        <pc:spChg chg="add mod">
-          <ac:chgData name="Scruel Tao" userId="5ea5c98d59b44d4b" providerId="LiveId" clId="{42F73B06-DA81-4C67-8473-07E158E9C79B}" dt="2023-04-25T03:22:58.685" v="884" actId="1035"/>
-          <ac:spMkLst>
-            <pc:docMk/>
-            <pc:sldMk cId="3636494425" sldId="258"/>
-            <ac:spMk id="48" creationId="{8EF70B6C-10AB-C9E2-0ADD-90E337F914E7}"/>
-          </ac:spMkLst>
-        </pc:spChg>
-        <pc:spChg chg="add mod">
-          <ac:chgData name="Scruel Tao" userId="5ea5c98d59b44d4b" providerId="LiveId" clId="{42F73B06-DA81-4C67-8473-07E158E9C79B}" dt="2023-04-25T03:22:58.685" v="884" actId="1035"/>
-          <ac:spMkLst>
-            <pc:docMk/>
-            <pc:sldMk cId="3636494425" sldId="258"/>
-            <ac:spMk id="49" creationId="{3FFE2D0F-D5D7-38F6-8079-091F446C324F}"/>
-          </ac:spMkLst>
-        </pc:spChg>
-        <pc:spChg chg="add mod">
-          <ac:chgData name="Scruel Tao" userId="5ea5c98d59b44d4b" providerId="LiveId" clId="{42F73B06-DA81-4C67-8473-07E158E9C79B}" dt="2023-04-25T03:22:58.685" v="884" actId="1035"/>
-          <ac:spMkLst>
-            <pc:docMk/>
-            <pc:sldMk cId="3636494425" sldId="258"/>
-            <ac:spMk id="50" creationId="{5BDF8FF3-017B-5699-11E7-C6538205D42B}"/>
-          </ac:spMkLst>
-        </pc:spChg>
-        <pc:spChg chg="add mod">
-          <ac:chgData name="Scruel Tao" userId="5ea5c98d59b44d4b" providerId="LiveId" clId="{42F73B06-DA81-4C67-8473-07E158E9C79B}" dt="2023-04-25T03:22:58.685" v="884" actId="1035"/>
-          <ac:spMkLst>
-            <pc:docMk/>
-            <pc:sldMk cId="3636494425" sldId="258"/>
-            <ac:spMk id="51" creationId="{49EA7185-A97F-ADA5-D08B-1F009E8A86D7}"/>
-          </ac:spMkLst>
-        </pc:spChg>
-        <pc:spChg chg="add mod">
-          <ac:chgData name="Scruel Tao" userId="5ea5c98d59b44d4b" providerId="LiveId" clId="{42F73B06-DA81-4C67-8473-07E158E9C79B}" dt="2023-04-25T03:22:58.685" v="884" actId="1035"/>
-          <ac:spMkLst>
-            <pc:docMk/>
-            <pc:sldMk cId="3636494425" sldId="258"/>
-            <ac:spMk id="52" creationId="{FC361533-57CD-8F96-1954-E552EFBCB02D}"/>
-          </ac:spMkLst>
-        </pc:spChg>
-        <pc:spChg chg="add mod">
-          <ac:chgData name="Scruel Tao" userId="5ea5c98d59b44d4b" providerId="LiveId" clId="{42F73B06-DA81-4C67-8473-07E158E9C79B}" dt="2023-04-25T03:22:58.685" v="884" actId="1035"/>
-          <ac:spMkLst>
-            <pc:docMk/>
-            <pc:sldMk cId="3636494425" sldId="258"/>
-            <ac:spMk id="53" creationId="{03FE0395-4FFA-4B43-7348-8A18CD05B3DC}"/>
-          </ac:spMkLst>
-        </pc:spChg>
-        <pc:spChg chg="add mod">
-          <ac:chgData name="Scruel Tao" userId="5ea5c98d59b44d4b" providerId="LiveId" clId="{42F73B06-DA81-4C67-8473-07E158E9C79B}" dt="2023-04-25T03:22:58.685" v="884" actId="1035"/>
-          <ac:spMkLst>
-            <pc:docMk/>
-            <pc:sldMk cId="3636494425" sldId="258"/>
-            <ac:spMk id="54" creationId="{A537EA06-6625-07C6-8C40-953BDD632EAB}"/>
-          </ac:spMkLst>
-        </pc:spChg>
-        <pc:spChg chg="add mod">
-          <ac:chgData name="Scruel Tao" userId="5ea5c98d59b44d4b" providerId="LiveId" clId="{42F73B06-DA81-4C67-8473-07E158E9C79B}" dt="2023-04-25T03:22:58.685" v="884" actId="1035"/>
-          <ac:spMkLst>
-            <pc:docMk/>
-            <pc:sldMk cId="3636494425" sldId="258"/>
-            <ac:spMk id="55" creationId="{2B12582F-6DD3-2038-D5C0-F941BCEE00B4}"/>
-          </ac:spMkLst>
-        </pc:spChg>
-        <pc:spChg chg="add mod">
-          <ac:chgData name="Scruel Tao" userId="5ea5c98d59b44d4b" providerId="LiveId" clId="{42F73B06-DA81-4C67-8473-07E158E9C79B}" dt="2023-04-25T03:22:58.685" v="884" actId="1035"/>
-          <ac:spMkLst>
-            <pc:docMk/>
-            <pc:sldMk cId="3636494425" sldId="258"/>
-            <ac:spMk id="56" creationId="{95372342-D86C-DC3A-B25D-EDA6C57C1B5B}"/>
-          </ac:spMkLst>
-        </pc:spChg>
-        <pc:spChg chg="add mod">
-          <ac:chgData name="Scruel Tao" userId="5ea5c98d59b44d4b" providerId="LiveId" clId="{42F73B06-DA81-4C67-8473-07E158E9C79B}" dt="2023-04-25T03:22:58.685" v="884" actId="1035"/>
-          <ac:spMkLst>
-            <pc:docMk/>
-            <pc:sldMk cId="3636494425" sldId="258"/>
-            <ac:spMk id="57" creationId="{12B59904-5CB1-2D40-ABE3-688B2D571D7C}"/>
-          </ac:spMkLst>
-        </pc:spChg>
-        <pc:spChg chg="add mod">
-          <ac:chgData name="Scruel Tao" userId="5ea5c98d59b44d4b" providerId="LiveId" clId="{42F73B06-DA81-4C67-8473-07E158E9C79B}" dt="2023-04-25T03:22:58.685" v="884" actId="1035"/>
-          <ac:spMkLst>
-            <pc:docMk/>
-            <pc:sldMk cId="3636494425" sldId="258"/>
-            <ac:spMk id="58" creationId="{744D1BA5-DCF5-C693-3ACD-4128848197F5}"/>
-          </ac:spMkLst>
-        </pc:spChg>
-        <pc:spChg chg="add mod">
-          <ac:chgData name="Scruel Tao" userId="5ea5c98d59b44d4b" providerId="LiveId" clId="{42F73B06-DA81-4C67-8473-07E158E9C79B}" dt="2023-04-25T03:22:58.685" v="884" actId="1035"/>
-          <ac:spMkLst>
-            <pc:docMk/>
-            <pc:sldMk cId="3636494425" sldId="258"/>
-            <ac:spMk id="59" creationId="{679C6DCA-93EF-C47E-B75E-7C7F1E9F94C4}"/>
-          </ac:spMkLst>
-        </pc:spChg>
-        <pc:spChg chg="add mod">
-          <ac:chgData name="Scruel Tao" userId="5ea5c98d59b44d4b" providerId="LiveId" clId="{42F73B06-DA81-4C67-8473-07E158E9C79B}" dt="2023-04-25T03:22:58.685" v="884" actId="1035"/>
-          <ac:spMkLst>
-            <pc:docMk/>
-            <pc:sldMk cId="3636494425" sldId="258"/>
-            <ac:spMk id="60" creationId="{3B2146D0-F7C3-DCE3-BE29-F363BFE08CA2}"/>
-          </ac:spMkLst>
-        </pc:spChg>
-        <pc:spChg chg="add mod">
-          <ac:chgData name="Scruel Tao" userId="5ea5c98d59b44d4b" providerId="LiveId" clId="{42F73B06-DA81-4C67-8473-07E158E9C79B}" dt="2023-04-25T04:03:31.110" v="1011" actId="1076"/>
-          <ac:spMkLst>
-            <pc:docMk/>
-            <pc:sldMk cId="3636494425" sldId="258"/>
-            <ac:spMk id="61" creationId="{26C3A082-A7FD-FD74-BECF-67FF073E8A45}"/>
-          </ac:spMkLst>
-        </pc:spChg>
-        <pc:spChg chg="add mod">
-          <ac:chgData name="Scruel Tao" userId="5ea5c98d59b44d4b" providerId="LiveId" clId="{42F73B06-DA81-4C67-8473-07E158E9C79B}" dt="2023-04-25T04:03:39.391" v="1014" actId="1076"/>
-          <ac:spMkLst>
-            <pc:docMk/>
-            <pc:sldMk cId="3636494425" sldId="258"/>
-            <ac:spMk id="62" creationId="{9FC2C471-7E85-A661-F5F3-551B20D19794}"/>
-          </ac:spMkLst>
-        </pc:spChg>
-        <pc:spChg chg="add mod">
-          <ac:chgData name="Scruel Tao" userId="5ea5c98d59b44d4b" providerId="LiveId" clId="{42F73B06-DA81-4C67-8473-07E158E9C79B}" dt="2023-04-25T04:03:19.805" v="1006" actId="1076"/>
-          <ac:spMkLst>
-            <pc:docMk/>
-            <pc:sldMk cId="3636494425" sldId="258"/>
-            <ac:spMk id="63" creationId="{77A5EEA3-B866-173F-23BF-6F01A8D0CEFE}"/>
-          </ac:spMkLst>
-        </pc:spChg>
-        <pc:spChg chg="add mod">
-          <ac:chgData name="Scruel Tao" userId="5ea5c98d59b44d4b" providerId="LiveId" clId="{42F73B06-DA81-4C67-8473-07E158E9C79B}" dt="2023-04-25T04:03:59.363" v="1017" actId="1076"/>
-          <ac:spMkLst>
-            <pc:docMk/>
-            <pc:sldMk cId="3636494425" sldId="258"/>
-            <ac:spMk id="64" creationId="{C984414B-E85A-0C51-1947-5EF04227CEFE}"/>
-          </ac:spMkLst>
-        </pc:spChg>
-        <pc:spChg chg="add del mod">
-          <ac:chgData name="Scruel Tao" userId="5ea5c98d59b44d4b" providerId="LiveId" clId="{42F73B06-DA81-4C67-8473-07E158E9C79B}" dt="2023-04-25T04:04:43.546" v="1073" actId="1076"/>
-          <ac:spMkLst>
-            <pc:docMk/>
-            <pc:sldMk cId="3636494425" sldId="258"/>
-            <ac:spMk id="65" creationId="{2CF429CA-16B1-CEDA-46DC-D37D290690D4}"/>
-          </ac:spMkLst>
-        </pc:spChg>
-        <pc:spChg chg="add mod">
-          <ac:chgData name="Scruel Tao" userId="5ea5c98d59b44d4b" providerId="LiveId" clId="{42F73B06-DA81-4C67-8473-07E158E9C79B}" dt="2023-04-25T04:15:36.300" v="1328" actId="2711"/>
-          <ac:spMkLst>
-            <pc:docMk/>
-            <pc:sldMk cId="3636494425" sldId="258"/>
-            <ac:spMk id="66" creationId="{983A5980-DFF1-C5D2-408C-E0485B57A0C0}"/>
-          </ac:spMkLst>
-        </pc:spChg>
-        <pc:spChg chg="add mod">
-          <ac:chgData name="Scruel Tao" userId="5ea5c98d59b44d4b" providerId="LiveId" clId="{42F73B06-DA81-4C67-8473-07E158E9C79B}" dt="2023-04-25T03:22:58.685" v="884" actId="1035"/>
-          <ac:spMkLst>
-            <pc:docMk/>
-            <pc:sldMk cId="3636494425" sldId="258"/>
-            <ac:spMk id="69" creationId="{80550B4F-EFB3-A7EC-B14D-B081DE9BA42B}"/>
-          </ac:spMkLst>
-        </pc:spChg>
-        <pc:spChg chg="add del mod">
-          <ac:chgData name="Scruel Tao" userId="5ea5c98d59b44d4b" providerId="LiveId" clId="{42F73B06-DA81-4C67-8473-07E158E9C79B}" dt="2023-04-25T04:14:46.122" v="1253"/>
-          <ac:spMkLst>
-            <pc:docMk/>
-            <pc:sldMk cId="3636494425" sldId="258"/>
-            <ac:spMk id="70" creationId="{8FD26C44-A566-6E98-AD97-3143525A0D1A}"/>
-          </ac:spMkLst>
-        </pc:spChg>
-        <pc:spChg chg="add mod">
-          <ac:chgData name="Scruel Tao" userId="5ea5c98d59b44d4b" providerId="LiveId" clId="{42F73B06-DA81-4C67-8473-07E158E9C79B}" dt="2023-04-25T04:15:45.148" v="1329" actId="20577"/>
-          <ac:spMkLst>
-            <pc:docMk/>
-            <pc:sldMk cId="3636494425" sldId="258"/>
-            <ac:spMk id="71" creationId="{67A30D04-38D0-D20E-4EE8-EE121DB259C0}"/>
-          </ac:spMkLst>
-        </pc:spChg>
-        <pc:spChg chg="add del mod">
-          <ac:chgData name="Scruel Tao" userId="5ea5c98d59b44d4b" providerId="LiveId" clId="{42F73B06-DA81-4C67-8473-07E158E9C79B}" dt="2023-04-25T04:46:05.667" v="2597" actId="21"/>
-          <ac:spMkLst>
-            <pc:docMk/>
-            <pc:sldMk cId="3636494425" sldId="258"/>
-            <ac:spMk id="73" creationId="{84DDD523-FA55-B2B2-276E-52F418F47C13}"/>
-          </ac:spMkLst>
-        </pc:spChg>
-        <pc:picChg chg="del">
-          <ac:chgData name="Scruel Tao" userId="5ea5c98d59b44d4b" providerId="LiveId" clId="{42F73B06-DA81-4C67-8473-07E158E9C79B}" dt="2023-04-25T03:10:54.140" v="585" actId="478"/>
-          <ac:picMkLst>
-            <pc:docMk/>
-            <pc:sldMk cId="3636494425" sldId="258"/>
-            <ac:picMk id="5" creationId="{C5E50AA4-F82C-6E14-E269-5451494306AE}"/>
-          </ac:picMkLst>
-        </pc:picChg>
-        <pc:picChg chg="add del">
-          <ac:chgData name="Scruel Tao" userId="5ea5c98d59b44d4b" providerId="LiveId" clId="{42F73B06-DA81-4C67-8473-07E158E9C79B}" dt="2023-04-25T03:10:56.658" v="587" actId="22"/>
-          <ac:picMkLst>
-            <pc:docMk/>
-            <pc:sldMk cId="3636494425" sldId="258"/>
-            <ac:picMk id="6" creationId="{4E201ED9-0F1A-8825-D720-1B2ECE3A082B}"/>
-          </ac:picMkLst>
-        </pc:picChg>
-        <pc:picChg chg="add del">
-          <ac:chgData name="Scruel Tao" userId="5ea5c98d59b44d4b" providerId="LiveId" clId="{42F73B06-DA81-4C67-8473-07E158E9C79B}" dt="2023-04-25T03:11:01.295" v="589" actId="22"/>
-          <ac:picMkLst>
-            <pc:docMk/>
-            <pc:sldMk cId="3636494425" sldId="258"/>
-            <ac:picMk id="8" creationId="{A5393E97-7327-273F-FFB8-059909458AA8}"/>
-          </ac:picMkLst>
-        </pc:picChg>
-        <pc:picChg chg="add mod modCrop">
-          <ac:chgData name="Scruel Tao" userId="5ea5c98d59b44d4b" providerId="LiveId" clId="{42F73B06-DA81-4C67-8473-07E158E9C79B}" dt="2023-04-25T03:22:58.685" v="884" actId="1035"/>
-          <ac:picMkLst>
-            <pc:docMk/>
-            <pc:sldMk cId="3636494425" sldId="258"/>
-            <ac:picMk id="68" creationId="{50E66276-9285-8541-5867-A74B28A14697}"/>
-          </ac:picMkLst>
-        </pc:picChg>
-      </pc:sldChg>
-      <pc:sldChg chg="addSp delSp modSp mod setBg">
-        <pc:chgData name="Scruel Tao" userId="5ea5c98d59b44d4b" providerId="LiveId" clId="{42F73B06-DA81-4C67-8473-07E158E9C79B}" dt="2023-04-25T02:53:33.423" v="163" actId="1076"/>
-        <pc:sldMkLst>
-          <pc:docMk/>
-          <pc:sldMk cId="0" sldId="260"/>
-        </pc:sldMkLst>
-        <pc:spChg chg="add mod">
-          <ac:chgData name="Scruel Tao" userId="5ea5c98d59b44d4b" providerId="LiveId" clId="{42F73B06-DA81-4C67-8473-07E158E9C79B}" dt="2023-04-25T02:46:50.579" v="40" actId="14100"/>
-          <ac:spMkLst>
-            <pc:docMk/>
-            <pc:sldMk cId="0" sldId="260"/>
-            <ac:spMk id="3" creationId="{C8068F35-EF78-6218-F528-48E9ED924DF4}"/>
-          </ac:spMkLst>
-        </pc:spChg>
-        <pc:spChg chg="mod">
-          <ac:chgData name="Scruel Tao" userId="5ea5c98d59b44d4b" providerId="LiveId" clId="{42F73B06-DA81-4C67-8473-07E158E9C79B}" dt="2023-04-25T02:53:26.055" v="159" actId="1035"/>
-          <ac:spMkLst>
-            <pc:docMk/>
-            <pc:sldMk cId="0" sldId="260"/>
-            <ac:spMk id="1227783" creationId="{F7B3941E-B689-22D6-F18C-358E4BAEDF5F}"/>
-          </ac:spMkLst>
-        </pc:spChg>
-        <pc:spChg chg="mod">
-          <ac:chgData name="Scruel Tao" userId="5ea5c98d59b44d4b" providerId="LiveId" clId="{42F73B06-DA81-4C67-8473-07E158E9C79B}" dt="2023-04-25T02:53:33.423" v="163" actId="1076"/>
-          <ac:spMkLst>
-            <pc:docMk/>
-            <pc:sldMk cId="0" sldId="260"/>
-            <ac:spMk id="1227786" creationId="{C3F4DD20-8FA3-3CB0-19B6-FE0240B92A34}"/>
-          </ac:spMkLst>
-        </pc:spChg>
-        <pc:picChg chg="del mod">
-          <ac:chgData name="Scruel Tao" userId="5ea5c98d59b44d4b" providerId="LiveId" clId="{42F73B06-DA81-4C67-8473-07E158E9C79B}" dt="2023-04-25T02:46:16.950" v="32" actId="21"/>
-          <ac:picMkLst>
-            <pc:docMk/>
-            <pc:sldMk cId="0" sldId="260"/>
-            <ac:picMk id="4" creationId="{E03AF484-A892-E4D7-A8C4-A4C7AE20944E}"/>
-          </ac:picMkLst>
-        </pc:picChg>
-        <pc:picChg chg="add del mod">
-          <ac:chgData name="Scruel Tao" userId="5ea5c98d59b44d4b" providerId="LiveId" clId="{42F73B06-DA81-4C67-8473-07E158E9C79B}" dt="2023-04-25T02:51:04.016" v="96" actId="478"/>
-          <ac:picMkLst>
-            <pc:docMk/>
-            <pc:sldMk cId="0" sldId="260"/>
-            <ac:picMk id="6" creationId="{8F6BAC62-D56B-39BA-33C7-4611D64596BC}"/>
-          </ac:picMkLst>
-        </pc:picChg>
-        <pc:picChg chg="add del mod">
-          <ac:chgData name="Scruel Tao" userId="5ea5c98d59b44d4b" providerId="LiveId" clId="{42F73B06-DA81-4C67-8473-07E158E9C79B}" dt="2023-04-25T02:47:43.315" v="45" actId="21"/>
-          <ac:picMkLst>
-            <pc:docMk/>
-            <pc:sldMk cId="0" sldId="260"/>
-            <ac:picMk id="7" creationId="{C72527C3-67E6-8459-C50A-5CD316C89F12}"/>
-          </ac:picMkLst>
-        </pc:picChg>
-        <pc:picChg chg="add del mod">
-          <ac:chgData name="Scruel Tao" userId="5ea5c98d59b44d4b" providerId="LiveId" clId="{42F73B06-DA81-4C67-8473-07E158E9C79B}" dt="2023-04-25T02:50:45.954" v="93" actId="21"/>
-          <ac:picMkLst>
-            <pc:docMk/>
-            <pc:sldMk cId="0" sldId="260"/>
-            <ac:picMk id="9" creationId="{9C9D0ECD-1A79-8980-91B8-78E845B3174D}"/>
-          </ac:picMkLst>
-        </pc:picChg>
-        <pc:picChg chg="add mod">
-          <ac:chgData name="Scruel Tao" userId="5ea5c98d59b44d4b" providerId="LiveId" clId="{42F73B06-DA81-4C67-8473-07E158E9C79B}" dt="2023-04-25T02:52:07.147" v="148" actId="1035"/>
-          <ac:picMkLst>
-            <pc:docMk/>
-            <pc:sldMk cId="0" sldId="260"/>
-            <ac:picMk id="11" creationId="{4C6E84E5-1708-27F1-0BCD-1C6D65C46764}"/>
-          </ac:picMkLst>
-        </pc:picChg>
-      </pc:sldChg>
-      <pc:sldChg chg="modSp mod">
-        <pc:chgData name="Scruel Tao" userId="5ea5c98d59b44d4b" providerId="LiveId" clId="{42F73B06-DA81-4C67-8473-07E158E9C79B}" dt="2023-04-25T04:33:58.711" v="1576" actId="13926"/>
-        <pc:sldMkLst>
-          <pc:docMk/>
-          <pc:sldMk cId="3416507657" sldId="265"/>
-        </pc:sldMkLst>
-        <pc:spChg chg="mod">
-          <ac:chgData name="Scruel Tao" userId="5ea5c98d59b44d4b" providerId="LiveId" clId="{42F73B06-DA81-4C67-8473-07E158E9C79B}" dt="2023-04-25T04:33:58.711" v="1576" actId="13926"/>
-          <ac:spMkLst>
-            <pc:docMk/>
-            <pc:sldMk cId="3416507657" sldId="265"/>
-            <ac:spMk id="5" creationId="{334FF01F-2A65-44F6-34F9-69AC934A31D7}"/>
-          </ac:spMkLst>
-        </pc:spChg>
-      </pc:sldChg>
-      <pc:sldChg chg="addSp delSp modSp mod">
-        <pc:chgData name="Scruel Tao" userId="5ea5c98d59b44d4b" providerId="LiveId" clId="{42F73B06-DA81-4C67-8473-07E158E9C79B}" dt="2023-04-25T04:24:38.061" v="1389" actId="1076"/>
-        <pc:sldMkLst>
-          <pc:docMk/>
-          <pc:sldMk cId="192831406" sldId="270"/>
-        </pc:sldMkLst>
-        <pc:picChg chg="add del mod">
-          <ac:chgData name="Scruel Tao" userId="5ea5c98d59b44d4b" providerId="LiveId" clId="{42F73B06-DA81-4C67-8473-07E158E9C79B}" dt="2023-04-25T04:24:24.360" v="1384" actId="478"/>
-          <ac:picMkLst>
-            <pc:docMk/>
-            <pc:sldMk cId="192831406" sldId="270"/>
-            <ac:picMk id="4" creationId="{BA240ED0-0734-A001-F383-C18129C3CB90}"/>
-          </ac:picMkLst>
-        </pc:picChg>
-        <pc:picChg chg="add mod">
-          <ac:chgData name="Scruel Tao" userId="5ea5c98d59b44d4b" providerId="LiveId" clId="{42F73B06-DA81-4C67-8473-07E158E9C79B}" dt="2023-04-25T04:24:38.061" v="1389" actId="1076"/>
-          <ac:picMkLst>
-            <pc:docMk/>
-            <pc:sldMk cId="192831406" sldId="270"/>
-            <ac:picMk id="7" creationId="{1CAC3588-E08A-3D80-6CFF-0894136F15D6}"/>
-          </ac:picMkLst>
-        </pc:picChg>
-        <pc:picChg chg="mod">
-          <ac:chgData name="Scruel Tao" userId="5ea5c98d59b44d4b" providerId="LiveId" clId="{42F73B06-DA81-4C67-8473-07E158E9C79B}" dt="2023-04-25T04:23:22.248" v="1378" actId="1076"/>
-          <ac:picMkLst>
-            <pc:docMk/>
-            <pc:sldMk cId="192831406" sldId="270"/>
-            <ac:picMk id="10" creationId="{ED7D2C24-3911-466C-3E76-669FC1671250}"/>
-          </ac:picMkLst>
-        </pc:picChg>
-        <pc:picChg chg="del mod">
-          <ac:chgData name="Scruel Tao" userId="5ea5c98d59b44d4b" providerId="LiveId" clId="{42F73B06-DA81-4C67-8473-07E158E9C79B}" dt="2023-04-25T04:23:48.612" v="1379" actId="478"/>
-          <ac:picMkLst>
-            <pc:docMk/>
-            <pc:sldMk cId="192831406" sldId="270"/>
-            <ac:picMk id="12" creationId="{A8B42638-E2EC-8913-3326-65DFC6BFA414}"/>
-          </ac:picMkLst>
-        </pc:picChg>
-      </pc:sldChg>
-      <pc:sldChg chg="addSp delSp modSp mod delAnim modAnim">
-        <pc:chgData name="Scruel Tao" userId="5ea5c98d59b44d4b" providerId="LiveId" clId="{42F73B06-DA81-4C67-8473-07E158E9C79B}" dt="2023-04-25T04:29:20.121" v="1450"/>
-        <pc:sldMkLst>
-          <pc:docMk/>
-          <pc:sldMk cId="1301849154" sldId="273"/>
-        </pc:sldMkLst>
-        <pc:spChg chg="mod">
-          <ac:chgData name="Scruel Tao" userId="5ea5c98d59b44d4b" providerId="LiveId" clId="{42F73B06-DA81-4C67-8473-07E158E9C79B}" dt="2023-04-25T04:25:53.804" v="1402" actId="1076"/>
-          <ac:spMkLst>
-            <pc:docMk/>
-            <pc:sldMk cId="1301849154" sldId="273"/>
-            <ac:spMk id="2" creationId="{ABA783DF-49A6-7EF1-661E-C574E2C2F386}"/>
-          </ac:spMkLst>
-        </pc:spChg>
-        <pc:spChg chg="mod">
-          <ac:chgData name="Scruel Tao" userId="5ea5c98d59b44d4b" providerId="LiveId" clId="{42F73B06-DA81-4C67-8473-07E158E9C79B}" dt="2023-04-25T04:16:41.089" v="1348" actId="20577"/>
-          <ac:spMkLst>
-            <pc:docMk/>
-            <pc:sldMk cId="1301849154" sldId="273"/>
-            <ac:spMk id="5" creationId="{334FF01F-2A65-44F6-34F9-69AC934A31D7}"/>
-          </ac:spMkLst>
-        </pc:spChg>
-        <pc:spChg chg="add del mod">
-          <ac:chgData name="Scruel Tao" userId="5ea5c98d59b44d4b" providerId="LiveId" clId="{42F73B06-DA81-4C67-8473-07E158E9C79B}" dt="2023-04-25T04:16:25.041" v="1337" actId="478"/>
-          <ac:spMkLst>
-            <pc:docMk/>
-            <pc:sldMk cId="1301849154" sldId="273"/>
-            <ac:spMk id="6" creationId="{D379A5A2-B7F4-7CE4-82E1-ED8CB1E0E7F0}"/>
-          </ac:spMkLst>
-        </pc:spChg>
-        <pc:picChg chg="del">
-          <ac:chgData name="Scruel Tao" userId="5ea5c98d59b44d4b" providerId="LiveId" clId="{42F73B06-DA81-4C67-8473-07E158E9C79B}" dt="2023-04-25T04:16:06.231" v="1332" actId="21"/>
-          <ac:picMkLst>
-            <pc:docMk/>
-            <pc:sldMk cId="1301849154" sldId="273"/>
-            <ac:picMk id="4" creationId="{0A002240-4414-DA2D-96E9-81195475F4D9}"/>
-          </ac:picMkLst>
-        </pc:picChg>
-        <pc:picChg chg="del mod">
-          <ac:chgData name="Scruel Tao" userId="5ea5c98d59b44d4b" providerId="LiveId" clId="{42F73B06-DA81-4C67-8473-07E158E9C79B}" dt="2023-04-25T04:22:09.009" v="1373" actId="478"/>
-          <ac:picMkLst>
-            <pc:docMk/>
-            <pc:sldMk cId="1301849154" sldId="273"/>
-            <ac:picMk id="7" creationId="{039AB04D-EA90-8BDD-A9C6-599C7C25DC63}"/>
-          </ac:picMkLst>
-        </pc:picChg>
-        <pc:picChg chg="add mod">
-          <ac:chgData name="Scruel Tao" userId="5ea5c98d59b44d4b" providerId="LiveId" clId="{42F73B06-DA81-4C67-8473-07E158E9C79B}" dt="2023-04-25T04:28:10.588" v="1434" actId="14100"/>
-          <ac:picMkLst>
-            <pc:docMk/>
-            <pc:sldMk cId="1301849154" sldId="273"/>
-            <ac:picMk id="9" creationId="{856C34C2-C1AC-15ED-2698-F7795C446412}"/>
-          </ac:picMkLst>
-        </pc:picChg>
-        <pc:picChg chg="del">
-          <ac:chgData name="Scruel Tao" userId="5ea5c98d59b44d4b" providerId="LiveId" clId="{42F73B06-DA81-4C67-8473-07E158E9C79B}" dt="2023-04-25T04:16:04.918" v="1331" actId="21"/>
-          <ac:picMkLst>
-            <pc:docMk/>
-            <pc:sldMk cId="1301849154" sldId="273"/>
-            <ac:picMk id="11" creationId="{F56CF5C9-083E-9020-8D45-F23AB3CF38CE}"/>
-          </ac:picMkLst>
-        </pc:picChg>
-        <pc:picChg chg="add mod">
-          <ac:chgData name="Scruel Tao" userId="5ea5c98d59b44d4b" providerId="LiveId" clId="{42F73B06-DA81-4C67-8473-07E158E9C79B}" dt="2023-04-25T04:28:14.645" v="1435" actId="14100"/>
-          <ac:picMkLst>
-            <pc:docMk/>
-            <pc:sldMk cId="1301849154" sldId="273"/>
-            <ac:picMk id="12" creationId="{2335BBB0-B3B7-E025-7233-A20DDD1960BD}"/>
-          </ac:picMkLst>
-        </pc:picChg>
-        <pc:picChg chg="add mod">
-          <ac:chgData name="Scruel Tao" userId="5ea5c98d59b44d4b" providerId="LiveId" clId="{42F73B06-DA81-4C67-8473-07E158E9C79B}" dt="2023-04-25T04:28:18.732" v="1436" actId="14100"/>
-          <ac:picMkLst>
-            <pc:docMk/>
-            <pc:sldMk cId="1301849154" sldId="273"/>
-            <ac:picMk id="14" creationId="{8F029D3B-108E-907E-31CE-8D6B0831DC14}"/>
-          </ac:picMkLst>
-        </pc:picChg>
-      </pc:sldChg>
-      <pc:sldChg chg="modSp modAnim">
-        <pc:chgData name="Scruel Tao" userId="5ea5c98d59b44d4b" providerId="LiveId" clId="{42F73B06-DA81-4C67-8473-07E158E9C79B}" dt="2023-04-25T04:33:38.940" v="1574" actId="20578"/>
-        <pc:sldMkLst>
-          <pc:docMk/>
-          <pc:sldMk cId="1525970791" sldId="275"/>
-        </pc:sldMkLst>
-        <pc:spChg chg="mod">
-          <ac:chgData name="Scruel Tao" userId="5ea5c98d59b44d4b" providerId="LiveId" clId="{42F73B06-DA81-4C67-8473-07E158E9C79B}" dt="2023-04-25T04:33:36.991" v="1573" actId="20578"/>
-          <ac:spMkLst>
-            <pc:docMk/>
-            <pc:sldMk cId="1525970791" sldId="275"/>
-            <ac:spMk id="5" creationId="{334FF01F-2A65-44F6-34F9-69AC934A31D7}"/>
-          </ac:spMkLst>
-        </pc:spChg>
-      </pc:sldChg>
-      <pc:sldChg chg="modSp add mod modAnim modNotesTx">
-        <pc:chgData name="Scruel Tao" userId="5ea5c98d59b44d4b" providerId="LiveId" clId="{42F73B06-DA81-4C67-8473-07E158E9C79B}" dt="2023-04-25T04:43:34.245" v="2583" actId="20577"/>
-        <pc:sldMkLst>
-          <pc:docMk/>
-          <pc:sldMk cId="1751565490" sldId="276"/>
-        </pc:sldMkLst>
-        <pc:spChg chg="mod">
-          <ac:chgData name="Scruel Tao" userId="5ea5c98d59b44d4b" providerId="LiveId" clId="{42F73B06-DA81-4C67-8473-07E158E9C79B}" dt="2023-04-25T02:59:39.051" v="198" actId="20577"/>
-          <ac:spMkLst>
-            <pc:docMk/>
-            <pc:sldMk cId="1751565490" sldId="276"/>
-            <ac:spMk id="2" creationId="{ABA783DF-49A6-7EF1-661E-C574E2C2F386}"/>
-          </ac:spMkLst>
-        </pc:spChg>
-        <pc:spChg chg="mod">
-          <ac:chgData name="Scruel Tao" userId="5ea5c98d59b44d4b" providerId="LiveId" clId="{42F73B06-DA81-4C67-8473-07E158E9C79B}" dt="2023-04-25T04:43:34.245" v="2583" actId="20577"/>
-          <ac:spMkLst>
-            <pc:docMk/>
-            <pc:sldMk cId="1751565490" sldId="276"/>
-            <ac:spMk id="3" creationId="{9E0BA8B8-92DA-1AC9-79B9-A552D184BB54}"/>
-          </ac:spMkLst>
-        </pc:spChg>
-      </pc:sldChg>
-      <pc:sldChg chg="delSp modSp add del mod delAnim">
-        <pc:chgData name="Scruel Tao" userId="5ea5c98d59b44d4b" providerId="LiveId" clId="{42F73B06-DA81-4C67-8473-07E158E9C79B}" dt="2023-04-25T04:28:31.173" v="1437" actId="47"/>
-        <pc:sldMkLst>
-          <pc:docMk/>
-          <pc:sldMk cId="1867533738" sldId="277"/>
-        </pc:sldMkLst>
-        <pc:picChg chg="mod">
-          <ac:chgData name="Scruel Tao" userId="5ea5c98d59b44d4b" providerId="LiveId" clId="{42F73B06-DA81-4C67-8473-07E158E9C79B}" dt="2023-04-25T04:16:59.169" v="1350" actId="1076"/>
-          <ac:picMkLst>
-            <pc:docMk/>
-            <pc:sldMk cId="1867533738" sldId="277"/>
-            <ac:picMk id="4" creationId="{0A002240-4414-DA2D-96E9-81195475F4D9}"/>
-          </ac:picMkLst>
-        </pc:picChg>
-        <pc:picChg chg="del mod">
-          <ac:chgData name="Scruel Tao" userId="5ea5c98d59b44d4b" providerId="LiveId" clId="{42F73B06-DA81-4C67-8473-07E158E9C79B}" dt="2023-04-25T04:16:17.170" v="1335" actId="21"/>
-          <ac:picMkLst>
-            <pc:docMk/>
-            <pc:sldMk cId="1867533738" sldId="277"/>
-            <ac:picMk id="7" creationId="{039AB04D-EA90-8BDD-A9C6-599C7C25DC63}"/>
-          </ac:picMkLst>
-        </pc:picChg>
-        <pc:picChg chg="mod">
-          <ac:chgData name="Scruel Tao" userId="5ea5c98d59b44d4b" providerId="LiveId" clId="{42F73B06-DA81-4C67-8473-07E158E9C79B}" dt="2023-04-25T04:16:15.098" v="1333" actId="1076"/>
-          <ac:picMkLst>
-            <pc:docMk/>
-            <pc:sldMk cId="1867533738" sldId="277"/>
-            <ac:picMk id="11" creationId="{F56CF5C9-083E-9020-8D45-F23AB3CF38CE}"/>
-          </ac:picMkLst>
-        </pc:picChg>
-      </pc:sldChg>
-      <pc:sldChg chg="delSp modSp add del mod ord delAnim modAnim">
-        <pc:chgData name="Scruel Tao" userId="5ea5c98d59b44d4b" providerId="LiveId" clId="{42F73B06-DA81-4C67-8473-07E158E9C79B}" dt="2023-04-25T04:28:33.324" v="1438" actId="47"/>
-        <pc:sldMkLst>
-          <pc:docMk/>
-          <pc:sldMk cId="652576724" sldId="278"/>
-        </pc:sldMkLst>
-        <pc:spChg chg="mod">
-          <ac:chgData name="Scruel Tao" userId="5ea5c98d59b44d4b" providerId="LiveId" clId="{42F73B06-DA81-4C67-8473-07E158E9C79B}" dt="2023-04-25T04:18:00.412" v="1369" actId="1076"/>
-          <ac:spMkLst>
-            <pc:docMk/>
-            <pc:sldMk cId="652576724" sldId="278"/>
-            <ac:spMk id="5" creationId="{334FF01F-2A65-44F6-34F9-69AC934A31D7}"/>
-          </ac:spMkLst>
-        </pc:spChg>
-        <pc:picChg chg="mod">
-          <ac:chgData name="Scruel Tao" userId="5ea5c98d59b44d4b" providerId="LiveId" clId="{42F73B06-DA81-4C67-8473-07E158E9C79B}" dt="2023-04-25T04:18:10.404" v="1371" actId="1076"/>
-          <ac:picMkLst>
-            <pc:docMk/>
-            <pc:sldMk cId="652576724" sldId="278"/>
-            <ac:picMk id="4" creationId="{0A002240-4414-DA2D-96E9-81195475F4D9}"/>
-          </ac:picMkLst>
-        </pc:picChg>
-        <pc:picChg chg="del">
-          <ac:chgData name="Scruel Tao" userId="5ea5c98d59b44d4b" providerId="LiveId" clId="{42F73B06-DA81-4C67-8473-07E158E9C79B}" dt="2023-04-25T04:17:14.096" v="1359" actId="478"/>
-          <ac:picMkLst>
-            <pc:docMk/>
-            <pc:sldMk cId="652576724" sldId="278"/>
-            <ac:picMk id="11" creationId="{F56CF5C9-083E-9020-8D45-F23AB3CF38CE}"/>
-          </ac:picMkLst>
-        </pc:picChg>
-      </pc:sldChg>
-      <pc:sldMasterChg chg="modSldLayout">
-        <pc:chgData name="Scruel Tao" userId="5ea5c98d59b44d4b" providerId="LiveId" clId="{42F73B06-DA81-4C67-8473-07E158E9C79B}" dt="2023-04-25T04:46:11.808" v="2598" actId="21"/>
-        <pc:sldMasterMkLst>
-          <pc:docMk/>
-          <pc:sldMasterMk cId="1766057859" sldId="2147483648"/>
-        </pc:sldMasterMkLst>
-        <pc:sldLayoutChg chg="addSp delSp modSp mod">
-          <pc:chgData name="Scruel Tao" userId="5ea5c98d59b44d4b" providerId="LiveId" clId="{42F73B06-DA81-4C67-8473-07E158E9C79B}" dt="2023-04-25T04:46:11.808" v="2598" actId="21"/>
-          <pc:sldLayoutMkLst>
-            <pc:docMk/>
-            <pc:sldMasterMk cId="1766057859" sldId="2147483648"/>
-            <pc:sldLayoutMk cId="2116765151" sldId="2147483650"/>
-          </pc:sldLayoutMkLst>
-          <pc:spChg chg="mod">
-            <ac:chgData name="Scruel Tao" userId="5ea5c98d59b44d4b" providerId="LiveId" clId="{42F73B06-DA81-4C67-8473-07E158E9C79B}" dt="2023-04-25T03:04:17.371" v="475" actId="1036"/>
-            <ac:spMkLst>
-              <pc:docMk/>
-              <pc:sldMasterMk cId="1766057859" sldId="2147483648"/>
-              <pc:sldLayoutMk cId="2116765151" sldId="2147483650"/>
-              <ac:spMk id="2" creationId="{9556AB55-80C6-28AF-0C73-3819184EC6FC}"/>
-            </ac:spMkLst>
-          </pc:spChg>
-          <pc:spChg chg="mod">
-            <ac:chgData name="Scruel Tao" userId="5ea5c98d59b44d4b" providerId="LiveId" clId="{42F73B06-DA81-4C67-8473-07E158E9C79B}" dt="2023-04-25T03:04:19.618" v="480" actId="1036"/>
-            <ac:spMkLst>
-              <pc:docMk/>
-              <pc:sldMasterMk cId="1766057859" sldId="2147483648"/>
-              <pc:sldLayoutMk cId="2116765151" sldId="2147483650"/>
-              <ac:spMk id="3" creationId="{9C7469E7-ED7E-A1F2-48AF-DF31AAC06407}"/>
-            </ac:spMkLst>
-          </pc:spChg>
-          <pc:spChg chg="add mod">
-            <ac:chgData name="Scruel Tao" userId="5ea5c98d59b44d4b" providerId="LiveId" clId="{42F73B06-DA81-4C67-8473-07E158E9C79B}" dt="2023-04-25T02:54:57.108" v="167"/>
-            <ac:spMkLst>
-              <pc:docMk/>
-              <pc:sldMasterMk cId="1766057859" sldId="2147483648"/>
-              <pc:sldLayoutMk cId="2116765151" sldId="2147483650"/>
-              <ac:spMk id="7" creationId="{CC508A81-C1C7-B1D4-63BC-4C397A9B30DA}"/>
-            </ac:spMkLst>
-          </pc:spChg>
-          <pc:spChg chg="add del mod">
-            <ac:chgData name="Scruel Tao" userId="5ea5c98d59b44d4b" providerId="LiveId" clId="{42F73B06-DA81-4C67-8473-07E158E9C79B}" dt="2023-04-25T04:46:11.808" v="2598" actId="21"/>
-            <ac:spMkLst>
-              <pc:docMk/>
-              <pc:sldMasterMk cId="1766057859" sldId="2147483648"/>
-              <pc:sldLayoutMk cId="2116765151" sldId="2147483650"/>
-              <ac:spMk id="8" creationId="{7937C967-209E-6EA9-70B0-A293E9C7384E}"/>
-            </ac:spMkLst>
-          </pc:spChg>
-        </pc:sldLayoutChg>
-        <pc:sldLayoutChg chg="addSp modSp mod">
-          <pc:chgData name="Scruel Tao" userId="5ea5c98d59b44d4b" providerId="LiveId" clId="{42F73B06-DA81-4C67-8473-07E158E9C79B}" dt="2023-04-25T03:04:13.005" v="473" actId="1036"/>
-          <pc:sldLayoutMkLst>
-            <pc:docMk/>
-            <pc:sldMasterMk cId="1766057859" sldId="2147483648"/>
-            <pc:sldLayoutMk cId="2296489930" sldId="2147483652"/>
-          </pc:sldLayoutMkLst>
-          <pc:spChg chg="mod">
-            <ac:chgData name="Scruel Tao" userId="5ea5c98d59b44d4b" providerId="LiveId" clId="{42F73B06-DA81-4C67-8473-07E158E9C79B}" dt="2023-04-25T03:04:09.093" v="469" actId="1036"/>
-            <ac:spMkLst>
-              <pc:docMk/>
-              <pc:sldMasterMk cId="1766057859" sldId="2147483648"/>
-              <pc:sldLayoutMk cId="2296489930" sldId="2147483652"/>
-              <ac:spMk id="2" creationId="{CC2F2AEB-03A9-6F28-C6C8-209647EB94BF}"/>
-            </ac:spMkLst>
-          </pc:spChg>
-          <pc:spChg chg="mod">
-            <ac:chgData name="Scruel Tao" userId="5ea5c98d59b44d4b" providerId="LiveId" clId="{42F73B06-DA81-4C67-8473-07E158E9C79B}" dt="2023-04-25T03:04:11.009" v="471" actId="1036"/>
-            <ac:spMkLst>
-              <pc:docMk/>
-              <pc:sldMasterMk cId="1766057859" sldId="2147483648"/>
-              <pc:sldLayoutMk cId="2296489930" sldId="2147483652"/>
-              <ac:spMk id="3" creationId="{FA361A1F-DD24-D4DC-FDF8-14089EDC7CAD}"/>
-            </ac:spMkLst>
-          </pc:spChg>
-          <pc:spChg chg="mod">
-            <ac:chgData name="Scruel Tao" userId="5ea5c98d59b44d4b" providerId="LiveId" clId="{42F73B06-DA81-4C67-8473-07E158E9C79B}" dt="2023-04-25T03:04:13.005" v="473" actId="1036"/>
-            <ac:spMkLst>
-              <pc:docMk/>
-              <pc:sldMasterMk cId="1766057859" sldId="2147483648"/>
-              <pc:sldLayoutMk cId="2296489930" sldId="2147483652"/>
-              <ac:spMk id="4" creationId="{F7656781-5A02-AEE4-2F0C-71BC7C17E38F}"/>
-            </ac:spMkLst>
-          </pc:spChg>
-          <pc:spChg chg="add mod">
-            <ac:chgData name="Scruel Tao" userId="5ea5c98d59b44d4b" providerId="LiveId" clId="{42F73B06-DA81-4C67-8473-07E158E9C79B}" dt="2023-04-25T02:54:08.050" v="166"/>
-            <ac:spMkLst>
-              <pc:docMk/>
-              <pc:sldMasterMk cId="1766057859" sldId="2147483648"/>
-              <pc:sldLayoutMk cId="2296489930" sldId="2147483652"/>
-              <ac:spMk id="8" creationId="{C5A5C420-1B53-618C-C968-A8FEF109459A}"/>
-            </ac:spMkLst>
-          </pc:spChg>
-        </pc:sldLayoutChg>
-        <pc:sldLayoutChg chg="delSp">
-          <pc:chgData name="Scruel Tao" userId="5ea5c98d59b44d4b" providerId="LiveId" clId="{42F73B06-DA81-4C67-8473-07E158E9C79B}" dt="2023-04-25T02:47:33.665" v="42" actId="21"/>
-          <pc:sldLayoutMkLst>
-            <pc:docMk/>
-            <pc:sldMasterMk cId="1766057859" sldId="2147483648"/>
-            <pc:sldLayoutMk cId="1337634028" sldId="2147483660"/>
-          </pc:sldLayoutMkLst>
-          <pc:picChg chg="del">
-            <ac:chgData name="Scruel Tao" userId="5ea5c98d59b44d4b" providerId="LiveId" clId="{42F73B06-DA81-4C67-8473-07E158E9C79B}" dt="2023-04-25T02:47:33.665" v="42" actId="21"/>
-            <ac:picMkLst>
-              <pc:docMk/>
-              <pc:sldMasterMk cId="1766057859" sldId="2147483648"/>
-              <pc:sldLayoutMk cId="1337634028" sldId="2147483660"/>
-              <ac:picMk id="19482" creationId="{8F2B9C9A-7CA4-5723-784E-DBADCF09186B}"/>
-            </ac:picMkLst>
-          </pc:picChg>
-        </pc:sldLayoutChg>
-      </pc:sldMasterChg>
-    </pc:docChg>
-  </pc:docChgLst>
-  <pc:docChgLst>
-    <pc:chgData name="Scruel Tao" userId="5ea5c98d59b44d4b" providerId="LiveId" clId="{88D73D01-CABB-4B2D-80EC-648726E3C219}"/>
-    <pc:docChg chg="addSld delSld modSld">
-      <pc:chgData name="Scruel Tao" userId="5ea5c98d59b44d4b" providerId="LiveId" clId="{88D73D01-CABB-4B2D-80EC-648726E3C219}" dt="2023-04-26T02:43:35.768" v="17" actId="20577"/>
-      <pc:docMkLst>
-        <pc:docMk/>
-      </pc:docMkLst>
-      <pc:sldChg chg="modSp add del mod">
-        <pc:chgData name="Scruel Tao" userId="5ea5c98d59b44d4b" providerId="LiveId" clId="{88D73D01-CABB-4B2D-80EC-648726E3C219}" dt="2023-04-26T02:43:35.768" v="17" actId="20577"/>
-        <pc:sldMkLst>
-          <pc:docMk/>
-          <pc:sldMk cId="1112998187" sldId="257"/>
-        </pc:sldMkLst>
-        <pc:spChg chg="mod">
-          <ac:chgData name="Scruel Tao" userId="5ea5c98d59b44d4b" providerId="LiveId" clId="{88D73D01-CABB-4B2D-80EC-648726E3C219}" dt="2023-04-26T02:43:35.768" v="17" actId="20577"/>
-          <ac:spMkLst>
-            <pc:docMk/>
-            <pc:sldMk cId="1112998187" sldId="257"/>
-            <ac:spMk id="2" creationId="{1422DFF6-0952-1023-64E3-97184D36BE3F}"/>
-          </ac:spMkLst>
-        </pc:spChg>
-      </pc:sldChg>
-      <pc:sldChg chg="del">
-        <pc:chgData name="Scruel Tao" userId="5ea5c98d59b44d4b" providerId="LiveId" clId="{88D73D01-CABB-4B2D-80EC-648726E3C219}" dt="2023-04-26T02:43:28.228" v="0" actId="47"/>
-        <pc:sldMkLst>
-          <pc:docMk/>
-          <pc:sldMk cId="1199684676" sldId="259"/>
-        </pc:sldMkLst>
-      </pc:sldChg>
-      <pc:sldChg chg="del">
-        <pc:chgData name="Scruel Tao" userId="5ea5c98d59b44d4b" providerId="LiveId" clId="{88D73D01-CABB-4B2D-80EC-648726E3C219}" dt="2023-04-26T02:43:28.228" v="0" actId="47"/>
-        <pc:sldMkLst>
-          <pc:docMk/>
-          <pc:sldMk cId="1751565490" sldId="276"/>
-        </pc:sldMkLst>
-      </pc:sldChg>
-      <pc:sldChg chg="add">
-        <pc:chgData name="Scruel Tao" userId="5ea5c98d59b44d4b" providerId="LiveId" clId="{88D73D01-CABB-4B2D-80EC-648726E3C219}" dt="2023-04-26T02:43:28.794" v="1"/>
-        <pc:sldMkLst>
-          <pc:docMk/>
-          <pc:sldMk cId="3519437269" sldId="279"/>
-        </pc:sldMkLst>
-      </pc:sldChg>
-      <pc:sldChg chg="add">
-        <pc:chgData name="Scruel Tao" userId="5ea5c98d59b44d4b" providerId="LiveId" clId="{88D73D01-CABB-4B2D-80EC-648726E3C219}" dt="2023-04-26T02:43:28.794" v="1"/>
-        <pc:sldMkLst>
-          <pc:docMk/>
-          <pc:sldMk cId="3745708182" sldId="280"/>
-        </pc:sldMkLst>
-      </pc:sldChg>
-      <pc:sldChg chg="add">
-        <pc:chgData name="Scruel Tao" userId="5ea5c98d59b44d4b" providerId="LiveId" clId="{88D73D01-CABB-4B2D-80EC-648726E3C219}" dt="2023-04-26T02:43:28.794" v="1"/>
-        <pc:sldMkLst>
-          <pc:docMk/>
-          <pc:sldMk cId="364430658" sldId="282"/>
-        </pc:sldMkLst>
-      </pc:sldChg>
-    </pc:docChg>
-  </pc:docChgLst>
 </pc:chgInfo>
 </file>
 
@@ -2911,7 +2919,7 @@
           <a:p>
             <a:fld id="{AC7E1972-C479-4420-A687-8FB83BA90DEB}" type="datetimeFigureOut">
               <a:rPr lang="zh-CN" altLang="en-US" smtClean="0"/>
-              <a:t>2023/6/2</a:t>
+              <a:t>2025/6/6 Fri</a:t>
             </a:fld>
             <a:endParaRPr lang="zh-CN" altLang="en-US"/>
           </a:p>
@@ -3088,7 +3096,7 @@
           <a:p>
             <a:fld id="{89B7AB8D-BCC0-43C6-B24C-055A25DB558F}" type="datetimeFigureOut">
               <a:rPr lang="zh-CN" altLang="en-US" smtClean="0"/>
-              <a:t>2023/6/2</a:t>
+              <a:t>2025/6/6 Fri</a:t>
             </a:fld>
             <a:endParaRPr lang="zh-CN" altLang="en-US"/>
           </a:p>
@@ -3420,6 +3428,394 @@
 </p:notes>
 </file>
 
+<file path=ppt/notesSlides/notesSlide10.xml><?xml version="1.0" encoding="utf-8"?>
+<p:notes xmlns:a="http://schemas.openxmlformats.org/drawingml/2006/main" xmlns:r="http://schemas.openxmlformats.org/officeDocument/2006/relationships" xmlns:p="http://schemas.openxmlformats.org/presentationml/2006/main">
+  <p:cSld>
+    <p:spTree>
+      <p:nvGrpSpPr>
+        <p:cNvPr id="1" name="">
+          <a:extLst>
+            <a:ext uri="{FF2B5EF4-FFF2-40B4-BE49-F238E27FC236}">
+              <a16:creationId xmlns:a16="http://schemas.microsoft.com/office/drawing/2014/main" id="{863EE699-9E6F-770B-AC58-C663BE96458B}"/>
+            </a:ext>
+          </a:extLst>
+        </p:cNvPr>
+        <p:cNvGrpSpPr/>
+        <p:nvPr/>
+      </p:nvGrpSpPr>
+      <p:grpSpPr>
+        <a:xfrm>
+          <a:off x="0" y="0"/>
+          <a:ext cx="0" cy="0"/>
+          <a:chOff x="0" y="0"/>
+          <a:chExt cx="0" cy="0"/>
+        </a:xfrm>
+      </p:grpSpPr>
+      <p:sp>
+        <p:nvSpPr>
+          <p:cNvPr id="2" name="幻灯片图像占位符 1">
+            <a:extLst>
+              <a:ext uri="{FF2B5EF4-FFF2-40B4-BE49-F238E27FC236}">
+                <a16:creationId xmlns:a16="http://schemas.microsoft.com/office/drawing/2014/main" id="{5DCC26A2-52CA-EC14-65C7-200FD6C545E8}"/>
+              </a:ext>
+            </a:extLst>
+          </p:cNvPr>
+          <p:cNvSpPr>
+            <a:spLocks noGrp="1" noRot="1" noChangeAspect="1"/>
+          </p:cNvSpPr>
+          <p:nvPr>
+            <p:ph type="sldImg"/>
+          </p:nvPr>
+        </p:nvSpPr>
+        <p:spPr/>
+      </p:sp>
+      <p:sp>
+        <p:nvSpPr>
+          <p:cNvPr id="3" name="备注占位符 2">
+            <a:extLst>
+              <a:ext uri="{FF2B5EF4-FFF2-40B4-BE49-F238E27FC236}">
+                <a16:creationId xmlns:a16="http://schemas.microsoft.com/office/drawing/2014/main" id="{5268C6B5-62BF-D867-3379-742F6AECA690}"/>
+              </a:ext>
+            </a:extLst>
+          </p:cNvPr>
+          <p:cNvSpPr>
+            <a:spLocks noGrp="1"/>
+          </p:cNvSpPr>
+          <p:nvPr>
+            <p:ph type="body" idx="1"/>
+          </p:nvPr>
+        </p:nvSpPr>
+        <p:spPr/>
+        <p:txBody>
+          <a:bodyPr/>
+          <a:lstStyle/>
+          <a:p>
+            <a:r>
+              <a:rPr lang="zh-CN" altLang="en-US" dirty="0"/>
+              <a:t>原书 </a:t>
+            </a:r>
+            <a:r>
+              <a:rPr lang="en-US" altLang="zh-CN" dirty="0"/>
+              <a:t>16.2.1~16.2.7</a:t>
+            </a:r>
+            <a:endParaRPr lang="zh-CN" altLang="en-US" dirty="0"/>
+          </a:p>
+        </p:txBody>
+      </p:sp>
+      <p:sp>
+        <p:nvSpPr>
+          <p:cNvPr id="4" name="灯片编号占位符 3">
+            <a:extLst>
+              <a:ext uri="{FF2B5EF4-FFF2-40B4-BE49-F238E27FC236}">
+                <a16:creationId xmlns:a16="http://schemas.microsoft.com/office/drawing/2014/main" id="{8434F27C-CC2B-00E5-05AE-9D47C1F61E40}"/>
+              </a:ext>
+            </a:extLst>
+          </p:cNvPr>
+          <p:cNvSpPr>
+            <a:spLocks noGrp="1"/>
+          </p:cNvSpPr>
+          <p:nvPr>
+            <p:ph type="sldNum" sz="quarter" idx="5"/>
+          </p:nvPr>
+        </p:nvSpPr>
+        <p:spPr/>
+        <p:txBody>
+          <a:bodyPr/>
+          <a:lstStyle/>
+          <a:p>
+            <a:fld id="{9901CBA2-7C9E-4AD6-B258-A0DB055BB3AF}" type="slidenum">
+              <a:rPr lang="zh-CN" altLang="en-US" smtClean="0"/>
+              <a:t>11</a:t>
+            </a:fld>
+            <a:endParaRPr lang="zh-CN" altLang="en-US"/>
+          </a:p>
+        </p:txBody>
+      </p:sp>
+    </p:spTree>
+    <p:extLst>
+      <p:ext uri="{BB962C8B-B14F-4D97-AF65-F5344CB8AC3E}">
+        <p14:creationId xmlns:p14="http://schemas.microsoft.com/office/powerpoint/2010/main" val="80446513"/>
+      </p:ext>
+    </p:extLst>
+  </p:cSld>
+  <p:clrMapOvr>
+    <a:masterClrMapping/>
+  </p:clrMapOvr>
+</p:notes>
+</file>
+
+<file path=ppt/notesSlides/notesSlide11.xml><?xml version="1.0" encoding="utf-8"?>
+<p:notes xmlns:a="http://schemas.openxmlformats.org/drawingml/2006/main" xmlns:r="http://schemas.openxmlformats.org/officeDocument/2006/relationships" xmlns:p="http://schemas.openxmlformats.org/presentationml/2006/main">
+  <p:cSld>
+    <p:spTree>
+      <p:nvGrpSpPr>
+        <p:cNvPr id="1" name="">
+          <a:extLst>
+            <a:ext uri="{FF2B5EF4-FFF2-40B4-BE49-F238E27FC236}">
+              <a16:creationId xmlns:a16="http://schemas.microsoft.com/office/drawing/2014/main" id="{2A3C129B-0F71-1F54-8C47-392FFBB2B2A8}"/>
+            </a:ext>
+          </a:extLst>
+        </p:cNvPr>
+        <p:cNvGrpSpPr/>
+        <p:nvPr/>
+      </p:nvGrpSpPr>
+      <p:grpSpPr>
+        <a:xfrm>
+          <a:off x="0" y="0"/>
+          <a:ext cx="0" cy="0"/>
+          <a:chOff x="0" y="0"/>
+          <a:chExt cx="0" cy="0"/>
+        </a:xfrm>
+      </p:grpSpPr>
+      <p:sp>
+        <p:nvSpPr>
+          <p:cNvPr id="2" name="幻灯片图像占位符 1">
+            <a:extLst>
+              <a:ext uri="{FF2B5EF4-FFF2-40B4-BE49-F238E27FC236}">
+                <a16:creationId xmlns:a16="http://schemas.microsoft.com/office/drawing/2014/main" id="{85025DE2-5EE4-6B86-6912-CB1DD144458B}"/>
+              </a:ext>
+            </a:extLst>
+          </p:cNvPr>
+          <p:cNvSpPr>
+            <a:spLocks noGrp="1" noRot="1" noChangeAspect="1"/>
+          </p:cNvSpPr>
+          <p:nvPr>
+            <p:ph type="sldImg"/>
+          </p:nvPr>
+        </p:nvSpPr>
+        <p:spPr/>
+      </p:sp>
+      <p:sp>
+        <p:nvSpPr>
+          <p:cNvPr id="3" name="备注占位符 2">
+            <a:extLst>
+              <a:ext uri="{FF2B5EF4-FFF2-40B4-BE49-F238E27FC236}">
+                <a16:creationId xmlns:a16="http://schemas.microsoft.com/office/drawing/2014/main" id="{8E7148EC-E663-60B2-8E1D-035A247A511A}"/>
+              </a:ext>
+            </a:extLst>
+          </p:cNvPr>
+          <p:cNvSpPr>
+            <a:spLocks noGrp="1"/>
+          </p:cNvSpPr>
+          <p:nvPr>
+            <p:ph type="body" idx="1"/>
+          </p:nvPr>
+        </p:nvSpPr>
+        <p:spPr/>
+        <p:txBody>
+          <a:bodyPr/>
+          <a:lstStyle/>
+          <a:p>
+            <a:pPr marL="0" marR="0" lvl="0" indent="0" algn="l" defTabSz="914400" rtl="0" eaLnBrk="1" fontAlgn="auto" latinLnBrk="0" hangingPunct="1">
+              <a:lnSpc>
+                <a:spcPct val="100000"/>
+              </a:lnSpc>
+              <a:spcBef>
+                <a:spcPts val="0"/>
+              </a:spcBef>
+              <a:spcAft>
+                <a:spcPts val="0"/>
+              </a:spcAft>
+              <a:buClrTx/>
+              <a:buSzTx/>
+              <a:buFontTx/>
+              <a:buNone/>
+              <a:tabLst/>
+              <a:defRPr/>
+            </a:pPr>
+            <a:r>
+              <a:rPr lang="zh-CN" altLang="en-US" dirty="0"/>
+              <a:t>原书 </a:t>
+            </a:r>
+            <a:r>
+              <a:rPr lang="en-US" altLang="zh-CN" dirty="0"/>
+              <a:t>16.2.8~16.2.11</a:t>
+            </a:r>
+            <a:endParaRPr lang="zh-CN" altLang="en-US" dirty="0"/>
+          </a:p>
+          <a:p>
+            <a:endParaRPr lang="zh-CN" altLang="en-US" dirty="0"/>
+          </a:p>
+        </p:txBody>
+      </p:sp>
+      <p:sp>
+        <p:nvSpPr>
+          <p:cNvPr id="4" name="灯片编号占位符 3">
+            <a:extLst>
+              <a:ext uri="{FF2B5EF4-FFF2-40B4-BE49-F238E27FC236}">
+                <a16:creationId xmlns:a16="http://schemas.microsoft.com/office/drawing/2014/main" id="{DEF53B8F-1025-3ED9-93BF-708C60AADC9D}"/>
+              </a:ext>
+            </a:extLst>
+          </p:cNvPr>
+          <p:cNvSpPr>
+            <a:spLocks noGrp="1"/>
+          </p:cNvSpPr>
+          <p:nvPr>
+            <p:ph type="sldNum" sz="quarter" idx="5"/>
+          </p:nvPr>
+        </p:nvSpPr>
+        <p:spPr/>
+        <p:txBody>
+          <a:bodyPr/>
+          <a:lstStyle/>
+          <a:p>
+            <a:fld id="{9901CBA2-7C9E-4AD6-B258-A0DB055BB3AF}" type="slidenum">
+              <a:rPr lang="zh-CN" altLang="en-US" smtClean="0"/>
+              <a:t>12</a:t>
+            </a:fld>
+            <a:endParaRPr lang="zh-CN" altLang="en-US"/>
+          </a:p>
+        </p:txBody>
+      </p:sp>
+    </p:spTree>
+    <p:extLst>
+      <p:ext uri="{BB962C8B-B14F-4D97-AF65-F5344CB8AC3E}">
+        <p14:creationId xmlns:p14="http://schemas.microsoft.com/office/powerpoint/2010/main" val="2877950312"/>
+      </p:ext>
+    </p:extLst>
+  </p:cSld>
+  <p:clrMapOvr>
+    <a:masterClrMapping/>
+  </p:clrMapOvr>
+</p:notes>
+</file>
+
+<file path=ppt/notesSlides/notesSlide12.xml><?xml version="1.0" encoding="utf-8"?>
+<p:notes xmlns:a="http://schemas.openxmlformats.org/drawingml/2006/main" xmlns:r="http://schemas.openxmlformats.org/officeDocument/2006/relationships" xmlns:p="http://schemas.openxmlformats.org/presentationml/2006/main">
+  <p:cSld>
+    <p:spTree>
+      <p:nvGrpSpPr>
+        <p:cNvPr id="1" name="">
+          <a:extLst>
+            <a:ext uri="{FF2B5EF4-FFF2-40B4-BE49-F238E27FC236}">
+              <a16:creationId xmlns:a16="http://schemas.microsoft.com/office/drawing/2014/main" id="{1E8329BE-F2EE-E14F-89C2-1E2ED565C91E}"/>
+            </a:ext>
+          </a:extLst>
+        </p:cNvPr>
+        <p:cNvGrpSpPr/>
+        <p:nvPr/>
+      </p:nvGrpSpPr>
+      <p:grpSpPr>
+        <a:xfrm>
+          <a:off x="0" y="0"/>
+          <a:ext cx="0" cy="0"/>
+          <a:chOff x="0" y="0"/>
+          <a:chExt cx="0" cy="0"/>
+        </a:xfrm>
+      </p:grpSpPr>
+      <p:sp>
+        <p:nvSpPr>
+          <p:cNvPr id="2" name="幻灯片图像占位符 1">
+            <a:extLst>
+              <a:ext uri="{FF2B5EF4-FFF2-40B4-BE49-F238E27FC236}">
+                <a16:creationId xmlns:a16="http://schemas.microsoft.com/office/drawing/2014/main" id="{A674F36A-818F-FFE4-D218-8735E41DE2C0}"/>
+              </a:ext>
+            </a:extLst>
+          </p:cNvPr>
+          <p:cNvSpPr>
+            <a:spLocks noGrp="1" noRot="1" noChangeAspect="1"/>
+          </p:cNvSpPr>
+          <p:nvPr>
+            <p:ph type="sldImg"/>
+          </p:nvPr>
+        </p:nvSpPr>
+        <p:spPr/>
+      </p:sp>
+      <p:sp>
+        <p:nvSpPr>
+          <p:cNvPr id="3" name="备注占位符 2">
+            <a:extLst>
+              <a:ext uri="{FF2B5EF4-FFF2-40B4-BE49-F238E27FC236}">
+                <a16:creationId xmlns:a16="http://schemas.microsoft.com/office/drawing/2014/main" id="{A86E97FF-29B6-DD07-2D3F-2F35EDEF8A27}"/>
+              </a:ext>
+            </a:extLst>
+          </p:cNvPr>
+          <p:cNvSpPr>
+            <a:spLocks noGrp="1"/>
+          </p:cNvSpPr>
+          <p:nvPr>
+            <p:ph type="body" idx="1"/>
+          </p:nvPr>
+        </p:nvSpPr>
+        <p:spPr/>
+        <p:txBody>
+          <a:bodyPr/>
+          <a:lstStyle/>
+          <a:p>
+            <a:pPr marL="0" marR="0" lvl="0" indent="0" algn="l" defTabSz="914400" rtl="0" eaLnBrk="1" fontAlgn="auto" latinLnBrk="0" hangingPunct="1">
+              <a:lnSpc>
+                <a:spcPct val="100000"/>
+              </a:lnSpc>
+              <a:spcBef>
+                <a:spcPts val="0"/>
+              </a:spcBef>
+              <a:spcAft>
+                <a:spcPts val="0"/>
+              </a:spcAft>
+              <a:buClrTx/>
+              <a:buSzTx/>
+              <a:buFontTx/>
+              <a:buNone/>
+              <a:tabLst/>
+              <a:defRPr/>
+            </a:pPr>
+            <a:r>
+              <a:rPr lang="zh-CN" altLang="en-US" dirty="0"/>
+              <a:t>原书 </a:t>
+            </a:r>
+            <a:r>
+              <a:rPr lang="en-US" altLang="zh-CN" dirty="0"/>
+              <a:t>16.2.8~16.2.11</a:t>
+            </a:r>
+            <a:endParaRPr lang="zh-CN" altLang="en-US" dirty="0"/>
+          </a:p>
+          <a:p>
+            <a:endParaRPr lang="zh-CN" altLang="en-US" dirty="0"/>
+          </a:p>
+        </p:txBody>
+      </p:sp>
+      <p:sp>
+        <p:nvSpPr>
+          <p:cNvPr id="4" name="灯片编号占位符 3">
+            <a:extLst>
+              <a:ext uri="{FF2B5EF4-FFF2-40B4-BE49-F238E27FC236}">
+                <a16:creationId xmlns:a16="http://schemas.microsoft.com/office/drawing/2014/main" id="{DBD9981B-7A1D-4CC1-59CE-A1E9F0A5FC5E}"/>
+              </a:ext>
+            </a:extLst>
+          </p:cNvPr>
+          <p:cNvSpPr>
+            <a:spLocks noGrp="1"/>
+          </p:cNvSpPr>
+          <p:nvPr>
+            <p:ph type="sldNum" sz="quarter" idx="5"/>
+          </p:nvPr>
+        </p:nvSpPr>
+        <p:spPr/>
+        <p:txBody>
+          <a:bodyPr/>
+          <a:lstStyle/>
+          <a:p>
+            <a:fld id="{9901CBA2-7C9E-4AD6-B258-A0DB055BB3AF}" type="slidenum">
+              <a:rPr lang="zh-CN" altLang="en-US" smtClean="0"/>
+              <a:t>13</a:t>
+            </a:fld>
+            <a:endParaRPr lang="zh-CN" altLang="en-US"/>
+          </a:p>
+        </p:txBody>
+      </p:sp>
+    </p:spTree>
+    <p:extLst>
+      <p:ext uri="{BB962C8B-B14F-4D97-AF65-F5344CB8AC3E}">
+        <p14:creationId xmlns:p14="http://schemas.microsoft.com/office/powerpoint/2010/main" val="959584969"/>
+      </p:ext>
+    </p:extLst>
+  </p:cSld>
+  <p:clrMapOvr>
+    <a:masterClrMapping/>
+  </p:clrMapOvr>
+</p:notes>
+</file>
+
 <file path=ppt/notesSlides/notesSlide2.xml><?xml version="1.0" encoding="utf-8"?>
 <p:notes xmlns:a="http://schemas.openxmlformats.org/drawingml/2006/main" xmlns:r="http://schemas.openxmlformats.org/officeDocument/2006/relationships" xmlns:p="http://schemas.openxmlformats.org/presentationml/2006/main">
   <p:cSld>
@@ -3509,7 +3905,13 @@
   <p:cSld>
     <p:spTree>
       <p:nvGrpSpPr>
-        <p:cNvPr id="1" name=""/>
+        <p:cNvPr id="1" name="">
+          <a:extLst>
+            <a:ext uri="{FF2B5EF4-FFF2-40B4-BE49-F238E27FC236}">
+              <a16:creationId xmlns:a16="http://schemas.microsoft.com/office/drawing/2014/main" id="{2B931876-4FFD-926A-AFDB-7FAB196BE068}"/>
+            </a:ext>
+          </a:extLst>
+        </p:cNvPr>
         <p:cNvGrpSpPr/>
         <p:nvPr/>
       </p:nvGrpSpPr>
@@ -3523,7 +3925,13 @@
       </p:grpSpPr>
       <p:sp>
         <p:nvSpPr>
-          <p:cNvPr id="2" name="幻灯片图像占位符 1"/>
+          <p:cNvPr id="2" name="幻灯片图像占位符 1">
+            <a:extLst>
+              <a:ext uri="{FF2B5EF4-FFF2-40B4-BE49-F238E27FC236}">
+                <a16:creationId xmlns:a16="http://schemas.microsoft.com/office/drawing/2014/main" id="{58F4E52D-B545-80E5-9338-57A6B0A0B577}"/>
+              </a:ext>
+            </a:extLst>
+          </p:cNvPr>
           <p:cNvSpPr>
             <a:spLocks noGrp="1" noRot="1" noChangeAspect="1"/>
           </p:cNvSpPr>
@@ -3535,7 +3943,13 @@
       </p:sp>
       <p:sp>
         <p:nvSpPr>
-          <p:cNvPr id="3" name="备注占位符 2"/>
+          <p:cNvPr id="3" name="备注占位符 2">
+            <a:extLst>
+              <a:ext uri="{FF2B5EF4-FFF2-40B4-BE49-F238E27FC236}">
+                <a16:creationId xmlns:a16="http://schemas.microsoft.com/office/drawing/2014/main" id="{4877C50E-19B7-30C2-72AA-523245E5CAAB}"/>
+              </a:ext>
+            </a:extLst>
+          </p:cNvPr>
           <p:cNvSpPr>
             <a:spLocks noGrp="1"/>
           </p:cNvSpPr>
@@ -3548,13 +3962,30 @@
           <a:bodyPr/>
           <a:lstStyle/>
           <a:p>
-            <a:endParaRPr lang="zh-CN" altLang="en-US" dirty="0"/>
-          </a:p>
-        </p:txBody>
-      </p:sp>
-      <p:sp>
-        <p:nvSpPr>
-          <p:cNvPr id="4" name="灯片编号占位符 3"/>
+            <a:r>
+              <a:rPr lang="zh-CN" altLang="en-US" dirty="0"/>
+              <a:t>这个项目使用的天气数据下载自 </a:t>
+            </a:r>
+            <a:r>
+              <a:rPr lang="en-US" altLang="zh-CN" dirty="0"/>
+              <a:t>NOAA Climate Data Online</a:t>
+            </a:r>
+            <a:r>
+              <a:rPr lang="zh-CN" altLang="en-US" dirty="0"/>
+              <a:t>。</a:t>
+            </a:r>
+          </a:p>
+        </p:txBody>
+      </p:sp>
+      <p:sp>
+        <p:nvSpPr>
+          <p:cNvPr id="4" name="灯片编号占位符 3">
+            <a:extLst>
+              <a:ext uri="{FF2B5EF4-FFF2-40B4-BE49-F238E27FC236}">
+                <a16:creationId xmlns:a16="http://schemas.microsoft.com/office/drawing/2014/main" id="{D0AA581D-6BA9-F168-3A86-73C856B396D7}"/>
+              </a:ext>
+            </a:extLst>
+          </p:cNvPr>
           <p:cNvSpPr>
             <a:spLocks noGrp="1"/>
           </p:cNvSpPr>
@@ -3578,7 +4009,7 @@
     </p:spTree>
     <p:extLst>
       <p:ext uri="{BB962C8B-B14F-4D97-AF65-F5344CB8AC3E}">
-        <p14:creationId xmlns:p14="http://schemas.microsoft.com/office/powerpoint/2010/main" val="2055232938"/>
+        <p14:creationId xmlns:p14="http://schemas.microsoft.com/office/powerpoint/2010/main" val="2923554288"/>
       </p:ext>
     </p:extLst>
   </p:cSld>
@@ -3593,7 +4024,13 @@
   <p:cSld>
     <p:spTree>
       <p:nvGrpSpPr>
-        <p:cNvPr id="1" name=""/>
+        <p:cNvPr id="1" name="">
+          <a:extLst>
+            <a:ext uri="{FF2B5EF4-FFF2-40B4-BE49-F238E27FC236}">
+              <a16:creationId xmlns:a16="http://schemas.microsoft.com/office/drawing/2014/main" id="{208EA3F4-6821-736E-92DD-36E8CF6058D7}"/>
+            </a:ext>
+          </a:extLst>
+        </p:cNvPr>
         <p:cNvGrpSpPr/>
         <p:nvPr/>
       </p:nvGrpSpPr>
@@ -3607,7 +4044,13 @@
       </p:grpSpPr>
       <p:sp>
         <p:nvSpPr>
-          <p:cNvPr id="2" name="幻灯片图像占位符 1"/>
+          <p:cNvPr id="2" name="幻灯片图像占位符 1">
+            <a:extLst>
+              <a:ext uri="{FF2B5EF4-FFF2-40B4-BE49-F238E27FC236}">
+                <a16:creationId xmlns:a16="http://schemas.microsoft.com/office/drawing/2014/main" id="{69EB3C62-64AF-1F01-49FD-4C99DF7F856E}"/>
+              </a:ext>
+            </a:extLst>
+          </p:cNvPr>
           <p:cNvSpPr>
             <a:spLocks noGrp="1" noRot="1" noChangeAspect="1"/>
           </p:cNvSpPr>
@@ -3619,7 +4062,13 @@
       </p:sp>
       <p:sp>
         <p:nvSpPr>
-          <p:cNvPr id="3" name="备注占位符 2"/>
+          <p:cNvPr id="3" name="备注占位符 2">
+            <a:extLst>
+              <a:ext uri="{FF2B5EF4-FFF2-40B4-BE49-F238E27FC236}">
+                <a16:creationId xmlns:a16="http://schemas.microsoft.com/office/drawing/2014/main" id="{B10F9A99-25FD-46FE-67EB-181FE8F3EAFA}"/>
+              </a:ext>
+            </a:extLst>
+          </p:cNvPr>
           <p:cNvSpPr>
             <a:spLocks noGrp="1"/>
           </p:cNvSpPr>
@@ -3632,13 +4081,22 @@
           <a:bodyPr/>
           <a:lstStyle/>
           <a:p>
-            <a:endParaRPr lang="zh-CN" altLang="en-US" dirty="0"/>
-          </a:p>
-        </p:txBody>
-      </p:sp>
-      <p:sp>
-        <p:nvSpPr>
-          <p:cNvPr id="4" name="灯片编号占位符 3"/>
+            <a:r>
+              <a:rPr lang="zh-CN" altLang="en-US" dirty="0"/>
+              <a:t>由于个人有更重要的待办事项，该为爱发电的讲义制作无法再像之前一样精细啦，还请大家谅解！有意细化的大佬可随时提贡献，感谢支持！</a:t>
+            </a:r>
+          </a:p>
+        </p:txBody>
+      </p:sp>
+      <p:sp>
+        <p:nvSpPr>
+          <p:cNvPr id="4" name="灯片编号占位符 3">
+            <a:extLst>
+              <a:ext uri="{FF2B5EF4-FFF2-40B4-BE49-F238E27FC236}">
+                <a16:creationId xmlns:a16="http://schemas.microsoft.com/office/drawing/2014/main" id="{43534BF7-3403-0D24-67FD-3AD4FCFD8C7D}"/>
+              </a:ext>
+            </a:extLst>
+          </p:cNvPr>
           <p:cNvSpPr>
             <a:spLocks noGrp="1"/>
           </p:cNvSpPr>
@@ -3662,7 +4120,7 @@
     </p:spTree>
     <p:extLst>
       <p:ext uri="{BB962C8B-B14F-4D97-AF65-F5344CB8AC3E}">
-        <p14:creationId xmlns:p14="http://schemas.microsoft.com/office/powerpoint/2010/main" val="3659739220"/>
+        <p14:creationId xmlns:p14="http://schemas.microsoft.com/office/powerpoint/2010/main" val="978811738"/>
       </p:ext>
     </p:extLst>
   </p:cSld>
@@ -3677,7 +4135,13 @@
   <p:cSld>
     <p:spTree>
       <p:nvGrpSpPr>
-        <p:cNvPr id="1" name=""/>
+        <p:cNvPr id="1" name="">
+          <a:extLst>
+            <a:ext uri="{FF2B5EF4-FFF2-40B4-BE49-F238E27FC236}">
+              <a16:creationId xmlns:a16="http://schemas.microsoft.com/office/drawing/2014/main" id="{B0B56A19-9A46-A0CA-9D4D-6D6CC0DF6850}"/>
+            </a:ext>
+          </a:extLst>
+        </p:cNvPr>
         <p:cNvGrpSpPr/>
         <p:nvPr/>
       </p:nvGrpSpPr>
@@ -3691,7 +4155,13 @@
       </p:grpSpPr>
       <p:sp>
         <p:nvSpPr>
-          <p:cNvPr id="2" name="幻灯片图像占位符 1"/>
+          <p:cNvPr id="2" name="幻灯片图像占位符 1">
+            <a:extLst>
+              <a:ext uri="{FF2B5EF4-FFF2-40B4-BE49-F238E27FC236}">
+                <a16:creationId xmlns:a16="http://schemas.microsoft.com/office/drawing/2014/main" id="{2CF5D54D-16D5-37AB-60D4-A84721C68786}"/>
+              </a:ext>
+            </a:extLst>
+          </p:cNvPr>
           <p:cNvSpPr>
             <a:spLocks noGrp="1" noRot="1" noChangeAspect="1"/>
           </p:cNvSpPr>
@@ -3703,7 +4173,13 @@
       </p:sp>
       <p:sp>
         <p:nvSpPr>
-          <p:cNvPr id="3" name="备注占位符 2"/>
+          <p:cNvPr id="3" name="备注占位符 2">
+            <a:extLst>
+              <a:ext uri="{FF2B5EF4-FFF2-40B4-BE49-F238E27FC236}">
+                <a16:creationId xmlns:a16="http://schemas.microsoft.com/office/drawing/2014/main" id="{193EC4E1-4C53-330E-C67B-08D3F1A049CF}"/>
+              </a:ext>
+            </a:extLst>
+          </p:cNvPr>
           <p:cNvSpPr>
             <a:spLocks noGrp="1"/>
           </p:cNvSpPr>
@@ -3716,13 +4192,138 @@
           <a:bodyPr/>
           <a:lstStyle/>
           <a:p>
-            <a:endParaRPr lang="en-US" altLang="zh-CN" dirty="0"/>
-          </a:p>
-        </p:txBody>
-      </p:sp>
-      <p:sp>
-        <p:nvSpPr>
-          <p:cNvPr id="4" name="灯片编号占位符 3"/>
+            <a:endParaRPr lang="zh-CN" altLang="en-US" dirty="0"/>
+          </a:p>
+        </p:txBody>
+      </p:sp>
+      <p:sp>
+        <p:nvSpPr>
+          <p:cNvPr id="4" name="灯片编号占位符 3">
+            <a:extLst>
+              <a:ext uri="{FF2B5EF4-FFF2-40B4-BE49-F238E27FC236}">
+                <a16:creationId xmlns:a16="http://schemas.microsoft.com/office/drawing/2014/main" id="{00863D5E-E1D8-74E8-03F5-E65BC71FE07F}"/>
+              </a:ext>
+            </a:extLst>
+          </p:cNvPr>
+          <p:cNvSpPr>
+            <a:spLocks noGrp="1"/>
+          </p:cNvSpPr>
+          <p:nvPr>
+            <p:ph type="sldNum" sz="quarter" idx="5"/>
+          </p:nvPr>
+        </p:nvSpPr>
+        <p:spPr/>
+        <p:txBody>
+          <a:bodyPr/>
+          <a:lstStyle/>
+          <a:p>
+            <a:fld id="{9901CBA2-7C9E-4AD6-B258-A0DB055BB3AF}" type="slidenum">
+              <a:rPr lang="zh-CN" altLang="en-US" smtClean="0"/>
+              <a:t>6</a:t>
+            </a:fld>
+            <a:endParaRPr lang="zh-CN" altLang="en-US"/>
+          </a:p>
+        </p:txBody>
+      </p:sp>
+    </p:spTree>
+    <p:extLst>
+      <p:ext uri="{BB962C8B-B14F-4D97-AF65-F5344CB8AC3E}">
+        <p14:creationId xmlns:p14="http://schemas.microsoft.com/office/powerpoint/2010/main" val="3179392001"/>
+      </p:ext>
+    </p:extLst>
+  </p:cSld>
+  <p:clrMapOvr>
+    <a:masterClrMapping/>
+  </p:clrMapOvr>
+</p:notes>
+</file>
+
+<file path=ppt/notesSlides/notesSlide6.xml><?xml version="1.0" encoding="utf-8"?>
+<p:notes xmlns:a="http://schemas.openxmlformats.org/drawingml/2006/main" xmlns:r="http://schemas.openxmlformats.org/officeDocument/2006/relationships" xmlns:p="http://schemas.openxmlformats.org/presentationml/2006/main">
+  <p:cSld>
+    <p:spTree>
+      <p:nvGrpSpPr>
+        <p:cNvPr id="1" name="">
+          <a:extLst>
+            <a:ext uri="{FF2B5EF4-FFF2-40B4-BE49-F238E27FC236}">
+              <a16:creationId xmlns:a16="http://schemas.microsoft.com/office/drawing/2014/main" id="{CA9F3ED0-9E45-B258-C70E-FBC0797ABDD5}"/>
+            </a:ext>
+          </a:extLst>
+        </p:cNvPr>
+        <p:cNvGrpSpPr/>
+        <p:nvPr/>
+      </p:nvGrpSpPr>
+      <p:grpSpPr>
+        <a:xfrm>
+          <a:off x="0" y="0"/>
+          <a:ext cx="0" cy="0"/>
+          <a:chOff x="0" y="0"/>
+          <a:chExt cx="0" cy="0"/>
+        </a:xfrm>
+      </p:grpSpPr>
+      <p:sp>
+        <p:nvSpPr>
+          <p:cNvPr id="2" name="幻灯片图像占位符 1">
+            <a:extLst>
+              <a:ext uri="{FF2B5EF4-FFF2-40B4-BE49-F238E27FC236}">
+                <a16:creationId xmlns:a16="http://schemas.microsoft.com/office/drawing/2014/main" id="{CADDCA78-AA1B-67C1-E06C-99235CDC213C}"/>
+              </a:ext>
+            </a:extLst>
+          </p:cNvPr>
+          <p:cNvSpPr>
+            <a:spLocks noGrp="1" noRot="1" noChangeAspect="1"/>
+          </p:cNvSpPr>
+          <p:nvPr>
+            <p:ph type="sldImg"/>
+          </p:nvPr>
+        </p:nvSpPr>
+        <p:spPr/>
+      </p:sp>
+      <p:sp>
+        <p:nvSpPr>
+          <p:cNvPr id="3" name="备注占位符 2">
+            <a:extLst>
+              <a:ext uri="{FF2B5EF4-FFF2-40B4-BE49-F238E27FC236}">
+                <a16:creationId xmlns:a16="http://schemas.microsoft.com/office/drawing/2014/main" id="{9CD91303-3A6E-91FD-2479-461709C675DB}"/>
+              </a:ext>
+            </a:extLst>
+          </p:cNvPr>
+          <p:cNvSpPr>
+            <a:spLocks noGrp="1"/>
+          </p:cNvSpPr>
+          <p:nvPr>
+            <p:ph type="body" idx="1"/>
+          </p:nvPr>
+        </p:nvSpPr>
+        <p:spPr/>
+        <p:txBody>
+          <a:bodyPr/>
+          <a:lstStyle/>
+          <a:p>
+            <a:r>
+              <a:rPr lang="zh-CN" altLang="en-US" dirty="0"/>
+              <a:t>通过</a:t>
+            </a:r>
+            <a:r>
+              <a:rPr lang="en-US" altLang="zh-CN" dirty="0"/>
+              <a:t> 16.1.5~16.1.6 </a:t>
+            </a:r>
+            <a:r>
+              <a:rPr lang="zh-CN" altLang="en-US" dirty="0"/>
+              <a:t>小节的学习，我们将日期绘制到图中，让图像的含义更加丰富了。</a:t>
+            </a:r>
+          </a:p>
+        </p:txBody>
+      </p:sp>
+      <p:sp>
+        <p:nvSpPr>
+          <p:cNvPr id="4" name="灯片编号占位符 3">
+            <a:extLst>
+              <a:ext uri="{FF2B5EF4-FFF2-40B4-BE49-F238E27FC236}">
+                <a16:creationId xmlns:a16="http://schemas.microsoft.com/office/drawing/2014/main" id="{9A1C33CC-5D02-2204-7291-874D42CE8D6A}"/>
+              </a:ext>
+            </a:extLst>
+          </p:cNvPr>
           <p:cNvSpPr>
             <a:spLocks noGrp="1"/>
           </p:cNvSpPr>
@@ -3746,7 +4347,353 @@
     </p:spTree>
     <p:extLst>
       <p:ext uri="{BB962C8B-B14F-4D97-AF65-F5344CB8AC3E}">
-        <p14:creationId xmlns:p14="http://schemas.microsoft.com/office/powerpoint/2010/main" val="1632987213"/>
+        <p14:creationId xmlns:p14="http://schemas.microsoft.com/office/powerpoint/2010/main" val="1506744025"/>
+      </p:ext>
+    </p:extLst>
+  </p:cSld>
+  <p:clrMapOvr>
+    <a:masterClrMapping/>
+  </p:clrMapOvr>
+</p:notes>
+</file>
+
+<file path=ppt/notesSlides/notesSlide7.xml><?xml version="1.0" encoding="utf-8"?>
+<p:notes xmlns:a="http://schemas.openxmlformats.org/drawingml/2006/main" xmlns:r="http://schemas.openxmlformats.org/officeDocument/2006/relationships" xmlns:p="http://schemas.openxmlformats.org/presentationml/2006/main">
+  <p:cSld>
+    <p:spTree>
+      <p:nvGrpSpPr>
+        <p:cNvPr id="1" name="">
+          <a:extLst>
+            <a:ext uri="{FF2B5EF4-FFF2-40B4-BE49-F238E27FC236}">
+              <a16:creationId xmlns:a16="http://schemas.microsoft.com/office/drawing/2014/main" id="{41E53F39-26EE-CD92-0857-DCF0209E928E}"/>
+            </a:ext>
+          </a:extLst>
+        </p:cNvPr>
+        <p:cNvGrpSpPr/>
+        <p:nvPr/>
+      </p:nvGrpSpPr>
+      <p:grpSpPr>
+        <a:xfrm>
+          <a:off x="0" y="0"/>
+          <a:ext cx="0" cy="0"/>
+          <a:chOff x="0" y="0"/>
+          <a:chExt cx="0" cy="0"/>
+        </a:xfrm>
+      </p:grpSpPr>
+      <p:sp>
+        <p:nvSpPr>
+          <p:cNvPr id="2" name="幻灯片图像占位符 1">
+            <a:extLst>
+              <a:ext uri="{FF2B5EF4-FFF2-40B4-BE49-F238E27FC236}">
+                <a16:creationId xmlns:a16="http://schemas.microsoft.com/office/drawing/2014/main" id="{D68CF782-2CBE-20CD-9184-95E2DC42B394}"/>
+              </a:ext>
+            </a:extLst>
+          </p:cNvPr>
+          <p:cNvSpPr>
+            <a:spLocks noGrp="1" noRot="1" noChangeAspect="1"/>
+          </p:cNvSpPr>
+          <p:nvPr>
+            <p:ph type="sldImg"/>
+          </p:nvPr>
+        </p:nvSpPr>
+        <p:spPr/>
+      </p:sp>
+      <p:sp>
+        <p:nvSpPr>
+          <p:cNvPr id="3" name="备注占位符 2">
+            <a:extLst>
+              <a:ext uri="{FF2B5EF4-FFF2-40B4-BE49-F238E27FC236}">
+                <a16:creationId xmlns:a16="http://schemas.microsoft.com/office/drawing/2014/main" id="{EEB36B00-BE0B-C57A-CB91-07DD884E2392}"/>
+              </a:ext>
+            </a:extLst>
+          </p:cNvPr>
+          <p:cNvSpPr>
+            <a:spLocks noGrp="1"/>
+          </p:cNvSpPr>
+          <p:nvPr>
+            <p:ph type="body" idx="1"/>
+          </p:nvPr>
+        </p:nvSpPr>
+        <p:spPr/>
+        <p:txBody>
+          <a:bodyPr/>
+          <a:lstStyle/>
+          <a:p>
+            <a:r>
+              <a:rPr lang="zh-CN" altLang="en-US" dirty="0"/>
+              <a:t>通过</a:t>
+            </a:r>
+            <a:r>
+              <a:rPr lang="en-US" altLang="zh-CN" dirty="0"/>
+              <a:t> 16.1.7~16.1.9 </a:t>
+            </a:r>
+            <a:r>
+              <a:rPr lang="zh-CN" altLang="en-US" dirty="0"/>
+              <a:t>小节的学习，我们将日期绘制多个数据，并且作些许美化工作。</a:t>
+            </a:r>
+          </a:p>
+        </p:txBody>
+      </p:sp>
+      <p:sp>
+        <p:nvSpPr>
+          <p:cNvPr id="4" name="灯片编号占位符 3">
+            <a:extLst>
+              <a:ext uri="{FF2B5EF4-FFF2-40B4-BE49-F238E27FC236}">
+                <a16:creationId xmlns:a16="http://schemas.microsoft.com/office/drawing/2014/main" id="{0F4AEDF2-02ED-9218-0A22-395CD138C3AD}"/>
+              </a:ext>
+            </a:extLst>
+          </p:cNvPr>
+          <p:cNvSpPr>
+            <a:spLocks noGrp="1"/>
+          </p:cNvSpPr>
+          <p:nvPr>
+            <p:ph type="sldNum" sz="quarter" idx="5"/>
+          </p:nvPr>
+        </p:nvSpPr>
+        <p:spPr/>
+        <p:txBody>
+          <a:bodyPr/>
+          <a:lstStyle/>
+          <a:p>
+            <a:fld id="{9901CBA2-7C9E-4AD6-B258-A0DB055BB3AF}" type="slidenum">
+              <a:rPr lang="zh-CN" altLang="en-US" smtClean="0"/>
+              <a:t>8</a:t>
+            </a:fld>
+            <a:endParaRPr lang="zh-CN" altLang="en-US"/>
+          </a:p>
+        </p:txBody>
+      </p:sp>
+    </p:spTree>
+    <p:extLst>
+      <p:ext uri="{BB962C8B-B14F-4D97-AF65-F5344CB8AC3E}">
+        <p14:creationId xmlns:p14="http://schemas.microsoft.com/office/powerpoint/2010/main" val="687024437"/>
+      </p:ext>
+    </p:extLst>
+  </p:cSld>
+  <p:clrMapOvr>
+    <a:masterClrMapping/>
+  </p:clrMapOvr>
+</p:notes>
+</file>
+
+<file path=ppt/notesSlides/notesSlide8.xml><?xml version="1.0" encoding="utf-8"?>
+<p:notes xmlns:a="http://schemas.openxmlformats.org/drawingml/2006/main" xmlns:r="http://schemas.openxmlformats.org/officeDocument/2006/relationships" xmlns:p="http://schemas.openxmlformats.org/presentationml/2006/main">
+  <p:cSld>
+    <p:spTree>
+      <p:nvGrpSpPr>
+        <p:cNvPr id="1" name="">
+          <a:extLst>
+            <a:ext uri="{FF2B5EF4-FFF2-40B4-BE49-F238E27FC236}">
+              <a16:creationId xmlns:a16="http://schemas.microsoft.com/office/drawing/2014/main" id="{ED5F7E9A-9C4C-DA52-D167-A6CCA3FD7DB9}"/>
+            </a:ext>
+          </a:extLst>
+        </p:cNvPr>
+        <p:cNvGrpSpPr/>
+        <p:nvPr/>
+      </p:nvGrpSpPr>
+      <p:grpSpPr>
+        <a:xfrm>
+          <a:off x="0" y="0"/>
+          <a:ext cx="0" cy="0"/>
+          <a:chOff x="0" y="0"/>
+          <a:chExt cx="0" cy="0"/>
+        </a:xfrm>
+      </p:grpSpPr>
+      <p:sp>
+        <p:nvSpPr>
+          <p:cNvPr id="2" name="幻灯片图像占位符 1">
+            <a:extLst>
+              <a:ext uri="{FF2B5EF4-FFF2-40B4-BE49-F238E27FC236}">
+                <a16:creationId xmlns:a16="http://schemas.microsoft.com/office/drawing/2014/main" id="{A0AABA92-B184-CAFD-25B1-B05069438EAE}"/>
+              </a:ext>
+            </a:extLst>
+          </p:cNvPr>
+          <p:cNvSpPr>
+            <a:spLocks noGrp="1" noRot="1" noChangeAspect="1"/>
+          </p:cNvSpPr>
+          <p:nvPr>
+            <p:ph type="sldImg"/>
+          </p:nvPr>
+        </p:nvSpPr>
+        <p:spPr/>
+      </p:sp>
+      <p:sp>
+        <p:nvSpPr>
+          <p:cNvPr id="3" name="备注占位符 2">
+            <a:extLst>
+              <a:ext uri="{FF2B5EF4-FFF2-40B4-BE49-F238E27FC236}">
+                <a16:creationId xmlns:a16="http://schemas.microsoft.com/office/drawing/2014/main" id="{FB6DAB73-7F71-1905-61E1-094352740EC7}"/>
+              </a:ext>
+            </a:extLst>
+          </p:cNvPr>
+          <p:cNvSpPr>
+            <a:spLocks noGrp="1"/>
+          </p:cNvSpPr>
+          <p:nvPr>
+            <p:ph type="body" idx="1"/>
+          </p:nvPr>
+        </p:nvSpPr>
+        <p:spPr/>
+        <p:txBody>
+          <a:bodyPr/>
+          <a:lstStyle/>
+          <a:p>
+            <a:r>
+              <a:rPr lang="zh-CN" altLang="en-US" dirty="0"/>
+              <a:t>还是同之前一样，我们要根据图形情况进行纠错，在 </a:t>
+            </a:r>
+            <a:r>
+              <a:rPr lang="en-US" altLang="zh-CN" dirty="0"/>
+              <a:t>16.1.10 </a:t>
+            </a:r>
+            <a:r>
+              <a:rPr lang="zh-CN" altLang="en-US" dirty="0"/>
+              <a:t>中，我们找到了一些因数据缺失导致的图形错误，纠正后如图。</a:t>
+            </a:r>
+          </a:p>
+        </p:txBody>
+      </p:sp>
+      <p:sp>
+        <p:nvSpPr>
+          <p:cNvPr id="4" name="灯片编号占位符 3">
+            <a:extLst>
+              <a:ext uri="{FF2B5EF4-FFF2-40B4-BE49-F238E27FC236}">
+                <a16:creationId xmlns:a16="http://schemas.microsoft.com/office/drawing/2014/main" id="{40BA1285-B347-AA7C-DE4D-5A769008EFCD}"/>
+              </a:ext>
+            </a:extLst>
+          </p:cNvPr>
+          <p:cNvSpPr>
+            <a:spLocks noGrp="1"/>
+          </p:cNvSpPr>
+          <p:nvPr>
+            <p:ph type="sldNum" sz="quarter" idx="5"/>
+          </p:nvPr>
+        </p:nvSpPr>
+        <p:spPr/>
+        <p:txBody>
+          <a:bodyPr/>
+          <a:lstStyle/>
+          <a:p>
+            <a:fld id="{9901CBA2-7C9E-4AD6-B258-A0DB055BB3AF}" type="slidenum">
+              <a:rPr lang="zh-CN" altLang="en-US" smtClean="0"/>
+              <a:t>9</a:t>
+            </a:fld>
+            <a:endParaRPr lang="zh-CN" altLang="en-US"/>
+          </a:p>
+        </p:txBody>
+      </p:sp>
+    </p:spTree>
+    <p:extLst>
+      <p:ext uri="{BB962C8B-B14F-4D97-AF65-F5344CB8AC3E}">
+        <p14:creationId xmlns:p14="http://schemas.microsoft.com/office/powerpoint/2010/main" val="2076343164"/>
+      </p:ext>
+    </p:extLst>
+  </p:cSld>
+  <p:clrMapOvr>
+    <a:masterClrMapping/>
+  </p:clrMapOvr>
+</p:notes>
+</file>
+
+<file path=ppt/notesSlides/notesSlide9.xml><?xml version="1.0" encoding="utf-8"?>
+<p:notes xmlns:a="http://schemas.openxmlformats.org/drawingml/2006/main" xmlns:r="http://schemas.openxmlformats.org/officeDocument/2006/relationships" xmlns:p="http://schemas.openxmlformats.org/presentationml/2006/main">
+  <p:cSld>
+    <p:spTree>
+      <p:nvGrpSpPr>
+        <p:cNvPr id="1" name="">
+          <a:extLst>
+            <a:ext uri="{FF2B5EF4-FFF2-40B4-BE49-F238E27FC236}">
+              <a16:creationId xmlns:a16="http://schemas.microsoft.com/office/drawing/2014/main" id="{EFA50896-82E8-33FA-B15E-A091CBF25033}"/>
+            </a:ext>
+          </a:extLst>
+        </p:cNvPr>
+        <p:cNvGrpSpPr/>
+        <p:nvPr/>
+      </p:nvGrpSpPr>
+      <p:grpSpPr>
+        <a:xfrm>
+          <a:off x="0" y="0"/>
+          <a:ext cx="0" cy="0"/>
+          <a:chOff x="0" y="0"/>
+          <a:chExt cx="0" cy="0"/>
+        </a:xfrm>
+      </p:grpSpPr>
+      <p:sp>
+        <p:nvSpPr>
+          <p:cNvPr id="2" name="幻灯片图像占位符 1">
+            <a:extLst>
+              <a:ext uri="{FF2B5EF4-FFF2-40B4-BE49-F238E27FC236}">
+                <a16:creationId xmlns:a16="http://schemas.microsoft.com/office/drawing/2014/main" id="{CB703261-ABA9-29B8-55D6-E1F31B3588AB}"/>
+              </a:ext>
+            </a:extLst>
+          </p:cNvPr>
+          <p:cNvSpPr>
+            <a:spLocks noGrp="1" noRot="1" noChangeAspect="1"/>
+          </p:cNvSpPr>
+          <p:nvPr>
+            <p:ph type="sldImg"/>
+          </p:nvPr>
+        </p:nvSpPr>
+        <p:spPr/>
+      </p:sp>
+      <p:sp>
+        <p:nvSpPr>
+          <p:cNvPr id="3" name="备注占位符 2">
+            <a:extLst>
+              <a:ext uri="{FF2B5EF4-FFF2-40B4-BE49-F238E27FC236}">
+                <a16:creationId xmlns:a16="http://schemas.microsoft.com/office/drawing/2014/main" id="{B74445BE-3F15-84AF-2F30-CA83C1EA67DE}"/>
+              </a:ext>
+            </a:extLst>
+          </p:cNvPr>
+          <p:cNvSpPr>
+            <a:spLocks noGrp="1"/>
+          </p:cNvSpPr>
+          <p:nvPr>
+            <p:ph type="body" idx="1"/>
+          </p:nvPr>
+        </p:nvSpPr>
+        <p:spPr/>
+        <p:txBody>
+          <a:bodyPr/>
+          <a:lstStyle/>
+          <a:p>
+            <a:endParaRPr lang="zh-CN" altLang="en-US" dirty="0"/>
+          </a:p>
+        </p:txBody>
+      </p:sp>
+      <p:sp>
+        <p:nvSpPr>
+          <p:cNvPr id="4" name="灯片编号占位符 3">
+            <a:extLst>
+              <a:ext uri="{FF2B5EF4-FFF2-40B4-BE49-F238E27FC236}">
+                <a16:creationId xmlns:a16="http://schemas.microsoft.com/office/drawing/2014/main" id="{42B9B9FF-B0FF-E291-93A2-271C4AAB3971}"/>
+              </a:ext>
+            </a:extLst>
+          </p:cNvPr>
+          <p:cNvSpPr>
+            <a:spLocks noGrp="1"/>
+          </p:cNvSpPr>
+          <p:nvPr>
+            <p:ph type="sldNum" sz="quarter" idx="5"/>
+          </p:nvPr>
+        </p:nvSpPr>
+        <p:spPr/>
+        <p:txBody>
+          <a:bodyPr/>
+          <a:lstStyle/>
+          <a:p>
+            <a:fld id="{9901CBA2-7C9E-4AD6-B258-A0DB055BB3AF}" type="slidenum">
+              <a:rPr lang="zh-CN" altLang="en-US" smtClean="0"/>
+              <a:t>10</a:t>
+            </a:fld>
+            <a:endParaRPr lang="zh-CN" altLang="en-US"/>
+          </a:p>
+        </p:txBody>
+      </p:sp>
+    </p:spTree>
+    <p:extLst>
+      <p:ext uri="{BB962C8B-B14F-4D97-AF65-F5344CB8AC3E}">
+        <p14:creationId xmlns:p14="http://schemas.microsoft.com/office/powerpoint/2010/main" val="1003567631"/>
       </p:ext>
     </p:extLst>
   </p:cSld>
@@ -3903,7 +4850,7 @@
           <a:p>
             <a:fld id="{F721228B-0167-4061-A906-8575043315EE}" type="datetimeFigureOut">
               <a:rPr lang="zh-CN" altLang="en-US" smtClean="0"/>
-              <a:t>2023/6/2</a:t>
+              <a:t>2025/6/6 Fri</a:t>
             </a:fld>
             <a:endParaRPr lang="zh-CN" altLang="en-US"/>
           </a:p>
@@ -4101,7 +5048,7 @@
           <a:p>
             <a:fld id="{F721228B-0167-4061-A906-8575043315EE}" type="datetimeFigureOut">
               <a:rPr lang="zh-CN" altLang="en-US" smtClean="0"/>
-              <a:t>2023/6/2</a:t>
+              <a:t>2025/6/6 Fri</a:t>
             </a:fld>
             <a:endParaRPr lang="zh-CN" altLang="en-US"/>
           </a:p>
@@ -4309,7 +5256,7 @@
           <a:p>
             <a:fld id="{F721228B-0167-4061-A906-8575043315EE}" type="datetimeFigureOut">
               <a:rPr lang="zh-CN" altLang="en-US" smtClean="0"/>
-              <a:t>2023/6/2</a:t>
+              <a:t>2025/6/6 Fri</a:t>
             </a:fld>
             <a:endParaRPr lang="zh-CN" altLang="en-US"/>
           </a:p>
@@ -4783,7 +5730,7 @@
           <a:p>
             <a:fld id="{F721228B-0167-4061-A906-8575043315EE}" type="datetimeFigureOut">
               <a:rPr lang="zh-CN" altLang="en-US" smtClean="0"/>
-              <a:t>2023/6/2</a:t>
+              <a:t>2025/6/6 Fri</a:t>
             </a:fld>
             <a:endParaRPr lang="zh-CN" altLang="en-US"/>
           </a:p>
@@ -5107,7 +6054,7 @@
           <a:p>
             <a:fld id="{F721228B-0167-4061-A906-8575043315EE}" type="datetimeFigureOut">
               <a:rPr lang="zh-CN" altLang="en-US" smtClean="0"/>
-              <a:t>2023/6/2</a:t>
+              <a:t>2025/6/6 Fri</a:t>
             </a:fld>
             <a:endParaRPr lang="zh-CN" altLang="en-US"/>
           </a:p>
@@ -5453,7 +6400,7 @@
           <a:p>
             <a:fld id="{F721228B-0167-4061-A906-8575043315EE}" type="datetimeFigureOut">
               <a:rPr lang="zh-CN" altLang="en-US" smtClean="0"/>
-              <a:t>2023/6/2</a:t>
+              <a:t>2025/6/6 Fri</a:t>
             </a:fld>
             <a:endParaRPr lang="zh-CN" altLang="en-US"/>
           </a:p>
@@ -5914,7 +6861,7 @@
           <a:p>
             <a:fld id="{F721228B-0167-4061-A906-8575043315EE}" type="datetimeFigureOut">
               <a:rPr lang="zh-CN" altLang="en-US" smtClean="0"/>
-              <a:t>2023/6/2</a:t>
+              <a:t>2025/6/6 Fri</a:t>
             </a:fld>
             <a:endParaRPr lang="zh-CN" altLang="en-US"/>
           </a:p>
@@ -6055,7 +7002,7 @@
           <a:p>
             <a:fld id="{F721228B-0167-4061-A906-8575043315EE}" type="datetimeFigureOut">
               <a:rPr lang="zh-CN" altLang="en-US" smtClean="0"/>
-              <a:t>2023/6/2</a:t>
+              <a:t>2025/6/6 Fri</a:t>
             </a:fld>
             <a:endParaRPr lang="zh-CN" altLang="en-US"/>
           </a:p>
@@ -6168,7 +7115,7 @@
           <a:p>
             <a:fld id="{F721228B-0167-4061-A906-8575043315EE}" type="datetimeFigureOut">
               <a:rPr lang="zh-CN" altLang="en-US" smtClean="0"/>
-              <a:t>2023/6/2</a:t>
+              <a:t>2025/6/6 Fri</a:t>
             </a:fld>
             <a:endParaRPr lang="zh-CN" altLang="en-US"/>
           </a:p>
@@ -6479,7 +7426,7 @@
           <a:p>
             <a:fld id="{F721228B-0167-4061-A906-8575043315EE}" type="datetimeFigureOut">
               <a:rPr lang="zh-CN" altLang="en-US" smtClean="0"/>
-              <a:t>2023/6/2</a:t>
+              <a:t>2025/6/6 Fri</a:t>
             </a:fld>
             <a:endParaRPr lang="zh-CN" altLang="en-US"/>
           </a:p>
@@ -6767,7 +7714,7 @@
           <a:p>
             <a:fld id="{F721228B-0167-4061-A906-8575043315EE}" type="datetimeFigureOut">
               <a:rPr lang="zh-CN" altLang="en-US" smtClean="0"/>
-              <a:t>2023/6/2</a:t>
+              <a:t>2025/6/6 Fri</a:t>
             </a:fld>
             <a:endParaRPr lang="zh-CN" altLang="en-US"/>
           </a:p>
@@ -7008,7 +7955,7 @@
           <a:p>
             <a:fld id="{F721228B-0167-4061-A906-8575043315EE}" type="datetimeFigureOut">
               <a:rPr lang="zh-CN" altLang="en-US" smtClean="0"/>
-              <a:t>2023/6/2</a:t>
+              <a:t>2025/6/6 Fri</a:t>
             </a:fld>
             <a:endParaRPr lang="zh-CN" altLang="en-US"/>
           </a:p>
@@ -7780,6 +8727,806 @@
 </p:sld>
 </file>
 
+<file path=ppt/slides/slide10.xml><?xml version="1.0" encoding="utf-8"?>
+<p:sld xmlns:a="http://schemas.openxmlformats.org/drawingml/2006/main" xmlns:r="http://schemas.openxmlformats.org/officeDocument/2006/relationships" xmlns:p="http://schemas.openxmlformats.org/presentationml/2006/main">
+  <p:cSld>
+    <p:spTree>
+      <p:nvGrpSpPr>
+        <p:cNvPr id="1" name="">
+          <a:extLst>
+            <a:ext uri="{FF2B5EF4-FFF2-40B4-BE49-F238E27FC236}">
+              <a16:creationId xmlns:a16="http://schemas.microsoft.com/office/drawing/2014/main" id="{84129A5E-1F1E-17BE-2DA6-23E75056841D}"/>
+            </a:ext>
+          </a:extLst>
+        </p:cNvPr>
+        <p:cNvGrpSpPr/>
+        <p:nvPr/>
+      </p:nvGrpSpPr>
+      <p:grpSpPr>
+        <a:xfrm>
+          <a:off x="0" y="0"/>
+          <a:ext cx="0" cy="0"/>
+          <a:chOff x="0" y="0"/>
+          <a:chExt cx="0" cy="0"/>
+        </a:xfrm>
+      </p:grpSpPr>
+      <p:sp>
+        <p:nvSpPr>
+          <p:cNvPr id="3" name="内容占位符 2">
+            <a:extLst>
+              <a:ext uri="{FF2B5EF4-FFF2-40B4-BE49-F238E27FC236}">
+                <a16:creationId xmlns:a16="http://schemas.microsoft.com/office/drawing/2014/main" id="{637267E6-0B07-4DA2-7D26-65A7F8493BDD}"/>
+              </a:ext>
+            </a:extLst>
+          </p:cNvPr>
+          <p:cNvSpPr>
+            <a:spLocks noGrp="1"/>
+          </p:cNvSpPr>
+          <p:nvPr>
+            <p:ph idx="1"/>
+          </p:nvPr>
+        </p:nvSpPr>
+        <p:spPr/>
+        <p:txBody>
+          <a:bodyPr>
+            <a:normAutofit/>
+          </a:bodyPr>
+          <a:lstStyle/>
+          <a:p>
+            <a:pPr marL="0" indent="0">
+              <a:buNone/>
+            </a:pPr>
+            <a:r>
+              <a:rPr lang="zh-CN" altLang="en-US" dirty="0"/>
+              <a:t>本节将首先下载一个数据集，其中记录了一个月内全球发生的所有地震</a:t>
+            </a:r>
+            <a:r>
+              <a:rPr lang="en-US" altLang="zh-CN" dirty="0"/>
+              <a:t>,</a:t>
+            </a:r>
+            <a:r>
+              <a:rPr lang="zh-CN" altLang="en-US" dirty="0"/>
+              <a:t>然后制作一幅散点图，展示这些地震的位置和震级。</a:t>
+            </a:r>
+            <a:endParaRPr lang="en-US" altLang="zh-CN" dirty="0"/>
+          </a:p>
+          <a:p>
+            <a:pPr marL="0" indent="0">
+              <a:buNone/>
+            </a:pPr>
+            <a:r>
+              <a:rPr lang="zh-CN" altLang="en-US" dirty="0"/>
+              <a:t>这些数据是以 </a:t>
+            </a:r>
+            <a:r>
+              <a:rPr lang="en-US" altLang="zh-CN" dirty="0" err="1"/>
+              <a:t>GeoJSON</a:t>
+            </a:r>
+            <a:r>
+              <a:rPr lang="en-US" altLang="zh-CN" dirty="0"/>
+              <a:t> </a:t>
+            </a:r>
+            <a:r>
+              <a:rPr lang="zh-CN" altLang="en-US" dirty="0"/>
+              <a:t>格式</a:t>
+            </a:r>
+            <a:r>
+              <a:rPr lang="en-US" altLang="zh-CN" dirty="0"/>
+              <a:t>(</a:t>
+            </a:r>
+            <a:r>
+              <a:rPr lang="zh-CN" altLang="en-US" dirty="0"/>
+              <a:t>基于 </a:t>
+            </a:r>
+            <a:r>
+              <a:rPr lang="en-US" altLang="zh-CN" dirty="0"/>
+              <a:t>JSON </a:t>
+            </a:r>
+            <a:r>
+              <a:rPr lang="zh-CN" altLang="en-US" dirty="0"/>
+              <a:t>的地理空间信息数据交换格式</a:t>
+            </a:r>
+            <a:r>
+              <a:rPr lang="en-US" altLang="zh-CN" dirty="0"/>
+              <a:t>)</a:t>
+            </a:r>
+            <a:r>
+              <a:rPr lang="zh-CN" altLang="en-US" dirty="0"/>
+              <a:t>存储的，因此要使用模块 </a:t>
+            </a:r>
+            <a:r>
+              <a:rPr lang="en-US" altLang="zh-CN" dirty="0" err="1"/>
+              <a:t>json</a:t>
+            </a:r>
+            <a:r>
+              <a:rPr lang="en-US" altLang="zh-CN" dirty="0"/>
+              <a:t> </a:t>
+            </a:r>
+            <a:r>
+              <a:rPr lang="zh-CN" altLang="en-US" dirty="0"/>
+              <a:t>来处理。</a:t>
+            </a:r>
+            <a:endParaRPr lang="en-US" altLang="zh-CN" dirty="0"/>
+          </a:p>
+          <a:p>
+            <a:pPr marL="0" indent="0">
+              <a:buNone/>
+            </a:pPr>
+            <a:r>
+              <a:rPr lang="zh-CN" altLang="en-US" dirty="0"/>
+              <a:t>我们将使用 </a:t>
+            </a:r>
+            <a:r>
+              <a:rPr lang="en-US" altLang="zh-CN" dirty="0" err="1"/>
+              <a:t>Plotly</a:t>
+            </a:r>
+            <a:r>
+              <a:rPr lang="en-US" altLang="zh-CN" dirty="0"/>
+              <a:t> </a:t>
+            </a:r>
+            <a:r>
+              <a:rPr lang="zh-CN" altLang="en-US" dirty="0"/>
+              <a:t>来创建图形，清楚地指出全球的地震分布情况。</a:t>
+            </a:r>
+            <a:endParaRPr lang="en-US" altLang="zh-CN" dirty="0"/>
+          </a:p>
+          <a:p>
+            <a:pPr marL="0" indent="0">
+              <a:buNone/>
+            </a:pPr>
+            <a:endParaRPr lang="en-US" altLang="zh-CN" dirty="0"/>
+          </a:p>
+        </p:txBody>
+      </p:sp>
+      <p:sp>
+        <p:nvSpPr>
+          <p:cNvPr id="5" name="标题 4">
+            <a:extLst>
+              <a:ext uri="{FF2B5EF4-FFF2-40B4-BE49-F238E27FC236}">
+                <a16:creationId xmlns:a16="http://schemas.microsoft.com/office/drawing/2014/main" id="{F29F6951-C0FF-1452-E861-703A9BAE0F27}"/>
+              </a:ext>
+            </a:extLst>
+          </p:cNvPr>
+          <p:cNvSpPr>
+            <a:spLocks noGrp="1"/>
+          </p:cNvSpPr>
+          <p:nvPr>
+            <p:ph type="title"/>
+          </p:nvPr>
+        </p:nvSpPr>
+        <p:spPr/>
+        <p:txBody>
+          <a:bodyPr/>
+          <a:lstStyle/>
+          <a:p>
+            <a:r>
+              <a:rPr lang="en-US" altLang="zh-CN" dirty="0"/>
+              <a:t>16.2 </a:t>
+            </a:r>
+            <a:r>
+              <a:rPr lang="zh-CN" altLang="en-US" dirty="0"/>
+              <a:t>制作全球地震散点图：</a:t>
+            </a:r>
+            <a:r>
+              <a:rPr lang="en-US" altLang="zh-CN" dirty="0" err="1"/>
+              <a:t>GeoJSON</a:t>
+            </a:r>
+            <a:endParaRPr lang="zh-CN" altLang="en-US" dirty="0"/>
+          </a:p>
+        </p:txBody>
+      </p:sp>
+    </p:spTree>
+    <p:extLst>
+      <p:ext uri="{BB962C8B-B14F-4D97-AF65-F5344CB8AC3E}">
+        <p14:creationId xmlns:p14="http://schemas.microsoft.com/office/powerpoint/2010/main" val="202444255"/>
+      </p:ext>
+    </p:extLst>
+  </p:cSld>
+  <p:clrMapOvr>
+    <a:masterClrMapping/>
+  </p:clrMapOvr>
+</p:sld>
+</file>
+
+<file path=ppt/slides/slide11.xml><?xml version="1.0" encoding="utf-8"?>
+<p:sld xmlns:a="http://schemas.openxmlformats.org/drawingml/2006/main" xmlns:r="http://schemas.openxmlformats.org/officeDocument/2006/relationships" xmlns:p="http://schemas.openxmlformats.org/presentationml/2006/main">
+  <p:cSld>
+    <p:spTree>
+      <p:nvGrpSpPr>
+        <p:cNvPr id="1" name="">
+          <a:extLst>
+            <a:ext uri="{FF2B5EF4-FFF2-40B4-BE49-F238E27FC236}">
+              <a16:creationId xmlns:a16="http://schemas.microsoft.com/office/drawing/2014/main" id="{A0305105-506E-0961-751E-B8877F617514}"/>
+            </a:ext>
+          </a:extLst>
+        </p:cNvPr>
+        <p:cNvGrpSpPr/>
+        <p:nvPr/>
+      </p:nvGrpSpPr>
+      <p:grpSpPr>
+        <a:xfrm>
+          <a:off x="0" y="0"/>
+          <a:ext cx="0" cy="0"/>
+          <a:chOff x="0" y="0"/>
+          <a:chExt cx="0" cy="0"/>
+        </a:xfrm>
+      </p:grpSpPr>
+      <p:pic>
+        <p:nvPicPr>
+          <p:cNvPr id="4" name="内容占位符 3">
+            <a:extLst>
+              <a:ext uri="{FF2B5EF4-FFF2-40B4-BE49-F238E27FC236}">
+                <a16:creationId xmlns:a16="http://schemas.microsoft.com/office/drawing/2014/main" id="{F90AFB80-2768-1E35-9EF9-1EEEBA176D71}"/>
+              </a:ext>
+            </a:extLst>
+          </p:cNvPr>
+          <p:cNvPicPr>
+            <a:picLocks noGrp="1" noChangeAspect="1"/>
+          </p:cNvPicPr>
+          <p:nvPr>
+            <p:ph idx="1"/>
+          </p:nvPr>
+        </p:nvPicPr>
+        <p:blipFill>
+          <a:blip r:embed="rId3"/>
+          <a:stretch>
+            <a:fillRect/>
+          </a:stretch>
+        </p:blipFill>
+        <p:spPr>
+          <a:xfrm>
+            <a:off x="4012594" y="1890713"/>
+            <a:ext cx="4166812" cy="4351337"/>
+          </a:xfrm>
+        </p:spPr>
+      </p:pic>
+      <p:sp>
+        <p:nvSpPr>
+          <p:cNvPr id="5" name="标题 4">
+            <a:extLst>
+              <a:ext uri="{FF2B5EF4-FFF2-40B4-BE49-F238E27FC236}">
+                <a16:creationId xmlns:a16="http://schemas.microsoft.com/office/drawing/2014/main" id="{CEF69D49-DDE7-1773-73C0-AA80140EABE5}"/>
+              </a:ext>
+            </a:extLst>
+          </p:cNvPr>
+          <p:cNvSpPr>
+            <a:spLocks noGrp="1"/>
+          </p:cNvSpPr>
+          <p:nvPr>
+            <p:ph type="title"/>
+          </p:nvPr>
+        </p:nvSpPr>
+        <p:spPr/>
+        <p:txBody>
+          <a:bodyPr/>
+          <a:lstStyle/>
+          <a:p>
+            <a:r>
+              <a:rPr lang="en-US" altLang="zh-CN" dirty="0"/>
+              <a:t>16.2 </a:t>
+            </a:r>
+            <a:r>
+              <a:rPr lang="zh-CN" altLang="en-US" dirty="0"/>
+              <a:t>制作全球地震散点图：</a:t>
+            </a:r>
+            <a:r>
+              <a:rPr lang="en-US" altLang="zh-CN" dirty="0" err="1"/>
+              <a:t>GeoJSON</a:t>
+            </a:r>
+            <a:endParaRPr lang="zh-CN" altLang="en-US" dirty="0"/>
+          </a:p>
+        </p:txBody>
+      </p:sp>
+    </p:spTree>
+    <p:extLst>
+      <p:ext uri="{BB962C8B-B14F-4D97-AF65-F5344CB8AC3E}">
+        <p14:creationId xmlns:p14="http://schemas.microsoft.com/office/powerpoint/2010/main" val="1418481454"/>
+      </p:ext>
+    </p:extLst>
+  </p:cSld>
+  <p:clrMapOvr>
+    <a:masterClrMapping/>
+  </p:clrMapOvr>
+</p:sld>
+</file>
+
+<file path=ppt/slides/slide12.xml><?xml version="1.0" encoding="utf-8"?>
+<p:sld xmlns:a="http://schemas.openxmlformats.org/drawingml/2006/main" xmlns:r="http://schemas.openxmlformats.org/officeDocument/2006/relationships" xmlns:p="http://schemas.openxmlformats.org/presentationml/2006/main">
+  <p:cSld>
+    <p:spTree>
+      <p:nvGrpSpPr>
+        <p:cNvPr id="1" name="">
+          <a:extLst>
+            <a:ext uri="{FF2B5EF4-FFF2-40B4-BE49-F238E27FC236}">
+              <a16:creationId xmlns:a16="http://schemas.microsoft.com/office/drawing/2014/main" id="{E8BBAA66-7679-7C5E-EA06-5A42FEB8C818}"/>
+            </a:ext>
+          </a:extLst>
+        </p:cNvPr>
+        <p:cNvGrpSpPr/>
+        <p:nvPr/>
+      </p:nvGrpSpPr>
+      <p:grpSpPr>
+        <a:xfrm>
+          <a:off x="0" y="0"/>
+          <a:ext cx="0" cy="0"/>
+          <a:chOff x="0" y="0"/>
+          <a:chExt cx="0" cy="0"/>
+        </a:xfrm>
+      </p:grpSpPr>
+      <p:sp>
+        <p:nvSpPr>
+          <p:cNvPr id="5" name="标题 4">
+            <a:extLst>
+              <a:ext uri="{FF2B5EF4-FFF2-40B4-BE49-F238E27FC236}">
+                <a16:creationId xmlns:a16="http://schemas.microsoft.com/office/drawing/2014/main" id="{5ABD7EFD-AE53-0CAB-A00C-599FCDC27B71}"/>
+              </a:ext>
+            </a:extLst>
+          </p:cNvPr>
+          <p:cNvSpPr>
+            <a:spLocks noGrp="1"/>
+          </p:cNvSpPr>
+          <p:nvPr>
+            <p:ph type="title"/>
+          </p:nvPr>
+        </p:nvSpPr>
+        <p:spPr/>
+        <p:txBody>
+          <a:bodyPr/>
+          <a:lstStyle/>
+          <a:p>
+            <a:r>
+              <a:rPr lang="en-US" altLang="zh-CN" dirty="0"/>
+              <a:t>16.2 </a:t>
+            </a:r>
+            <a:r>
+              <a:rPr lang="zh-CN" altLang="en-US" dirty="0"/>
+              <a:t>制作全球地震散点图：</a:t>
+            </a:r>
+            <a:r>
+              <a:rPr lang="en-US" altLang="zh-CN" dirty="0" err="1"/>
+              <a:t>GeoJSON</a:t>
+            </a:r>
+            <a:endParaRPr lang="zh-CN" altLang="en-US" dirty="0"/>
+          </a:p>
+        </p:txBody>
+      </p:sp>
+      <p:pic>
+        <p:nvPicPr>
+          <p:cNvPr id="15" name="内容占位符 14">
+            <a:extLst>
+              <a:ext uri="{FF2B5EF4-FFF2-40B4-BE49-F238E27FC236}">
+                <a16:creationId xmlns:a16="http://schemas.microsoft.com/office/drawing/2014/main" id="{65345F7A-046C-A5D4-8D95-F6B1D2A19D35}"/>
+              </a:ext>
+            </a:extLst>
+          </p:cNvPr>
+          <p:cNvPicPr>
+            <a:picLocks noGrp="1" noChangeAspect="1"/>
+          </p:cNvPicPr>
+          <p:nvPr>
+            <p:ph idx="1"/>
+          </p:nvPr>
+        </p:nvPicPr>
+        <p:blipFill>
+          <a:blip r:embed="rId3"/>
+          <a:stretch>
+            <a:fillRect/>
+          </a:stretch>
+        </p:blipFill>
+        <p:spPr>
+          <a:xfrm>
+            <a:off x="3914214" y="1890713"/>
+            <a:ext cx="4363571" cy="4351337"/>
+          </a:xfrm>
+        </p:spPr>
+      </p:pic>
+    </p:spTree>
+    <p:extLst>
+      <p:ext uri="{BB962C8B-B14F-4D97-AF65-F5344CB8AC3E}">
+        <p14:creationId xmlns:p14="http://schemas.microsoft.com/office/powerpoint/2010/main" val="2939731253"/>
+      </p:ext>
+    </p:extLst>
+  </p:cSld>
+  <p:clrMapOvr>
+    <a:masterClrMapping/>
+  </p:clrMapOvr>
+</p:sld>
+</file>
+
+<file path=ppt/slides/slide13.xml><?xml version="1.0" encoding="utf-8"?>
+<p:sld xmlns:a="http://schemas.openxmlformats.org/drawingml/2006/main" xmlns:r="http://schemas.openxmlformats.org/officeDocument/2006/relationships" xmlns:p="http://schemas.openxmlformats.org/presentationml/2006/main">
+  <p:cSld>
+    <p:spTree>
+      <p:nvGrpSpPr>
+        <p:cNvPr id="1" name="">
+          <a:extLst>
+            <a:ext uri="{FF2B5EF4-FFF2-40B4-BE49-F238E27FC236}">
+              <a16:creationId xmlns:a16="http://schemas.microsoft.com/office/drawing/2014/main" id="{BE76483A-9F1F-E784-8BDE-59CB15EF37D1}"/>
+            </a:ext>
+          </a:extLst>
+        </p:cNvPr>
+        <p:cNvGrpSpPr/>
+        <p:nvPr/>
+      </p:nvGrpSpPr>
+      <p:grpSpPr>
+        <a:xfrm>
+          <a:off x="0" y="0"/>
+          <a:ext cx="0" cy="0"/>
+          <a:chOff x="0" y="0"/>
+          <a:chExt cx="0" cy="0"/>
+        </a:xfrm>
+      </p:grpSpPr>
+      <p:sp>
+        <p:nvSpPr>
+          <p:cNvPr id="5" name="标题 4">
+            <a:extLst>
+              <a:ext uri="{FF2B5EF4-FFF2-40B4-BE49-F238E27FC236}">
+                <a16:creationId xmlns:a16="http://schemas.microsoft.com/office/drawing/2014/main" id="{52983373-9CF3-026C-3AFC-B20ECD18D12C}"/>
+              </a:ext>
+            </a:extLst>
+          </p:cNvPr>
+          <p:cNvSpPr>
+            <a:spLocks noGrp="1"/>
+          </p:cNvSpPr>
+          <p:nvPr>
+            <p:ph type="title"/>
+          </p:nvPr>
+        </p:nvSpPr>
+        <p:spPr/>
+        <p:txBody>
+          <a:bodyPr/>
+          <a:lstStyle/>
+          <a:p>
+            <a:r>
+              <a:rPr lang="en-US" altLang="zh-CN" dirty="0"/>
+              <a:t>16.2 </a:t>
+            </a:r>
+            <a:r>
+              <a:rPr lang="zh-CN" altLang="en-US" dirty="0"/>
+              <a:t>制作全球地震散点图：</a:t>
+            </a:r>
+            <a:r>
+              <a:rPr lang="en-US" altLang="zh-CN" dirty="0" err="1"/>
+              <a:t>GeoJSON</a:t>
+            </a:r>
+            <a:endParaRPr lang="zh-CN" altLang="en-US" dirty="0"/>
+          </a:p>
+        </p:txBody>
+      </p:sp>
+      <p:pic>
+        <p:nvPicPr>
+          <p:cNvPr id="6" name="内容占位符 5">
+            <a:extLst>
+              <a:ext uri="{FF2B5EF4-FFF2-40B4-BE49-F238E27FC236}">
+                <a16:creationId xmlns:a16="http://schemas.microsoft.com/office/drawing/2014/main" id="{FB1B3891-3B46-FBC5-9911-9D9BAB619CB7}"/>
+              </a:ext>
+            </a:extLst>
+          </p:cNvPr>
+          <p:cNvPicPr>
+            <a:picLocks noGrp="1" noChangeAspect="1"/>
+          </p:cNvPicPr>
+          <p:nvPr>
+            <p:ph idx="1"/>
+          </p:nvPr>
+        </p:nvPicPr>
+        <p:blipFill>
+          <a:blip r:embed="rId3"/>
+          <a:stretch>
+            <a:fillRect/>
+          </a:stretch>
+        </p:blipFill>
+        <p:spPr>
+          <a:xfrm>
+            <a:off x="3916215" y="1890713"/>
+            <a:ext cx="4359570" cy="4351337"/>
+          </a:xfrm>
+        </p:spPr>
+      </p:pic>
+    </p:spTree>
+    <p:extLst>
+      <p:ext uri="{BB962C8B-B14F-4D97-AF65-F5344CB8AC3E}">
+        <p14:creationId xmlns:p14="http://schemas.microsoft.com/office/powerpoint/2010/main" val="4113194123"/>
+      </p:ext>
+    </p:extLst>
+  </p:cSld>
+  <p:clrMapOvr>
+    <a:masterClrMapping/>
+  </p:clrMapOvr>
+</p:sld>
+</file>
+
+<file path=ppt/slides/slide14.xml><?xml version="1.0" encoding="utf-8"?>
+<p:sld xmlns:a="http://schemas.openxmlformats.org/drawingml/2006/main" xmlns:r="http://schemas.openxmlformats.org/officeDocument/2006/relationships" xmlns:p="http://schemas.openxmlformats.org/presentationml/2006/main">
+  <p:cSld>
+    <p:spTree>
+      <p:nvGrpSpPr>
+        <p:cNvPr id="1" name=""/>
+        <p:cNvGrpSpPr/>
+        <p:nvPr/>
+      </p:nvGrpSpPr>
+      <p:grpSpPr>
+        <a:xfrm>
+          <a:off x="0" y="0"/>
+          <a:ext cx="0" cy="0"/>
+          <a:chOff x="0" y="0"/>
+          <a:chExt cx="0" cy="0"/>
+        </a:xfrm>
+      </p:grpSpPr>
+      <p:sp>
+        <p:nvSpPr>
+          <p:cNvPr id="2" name="标题 1">
+            <a:extLst>
+              <a:ext uri="{FF2B5EF4-FFF2-40B4-BE49-F238E27FC236}">
+                <a16:creationId xmlns:a16="http://schemas.microsoft.com/office/drawing/2014/main" id="{1CBF67D3-549D-0623-7687-618F66C7933B}"/>
+              </a:ext>
+            </a:extLst>
+          </p:cNvPr>
+          <p:cNvSpPr>
+            <a:spLocks noGrp="1"/>
+          </p:cNvSpPr>
+          <p:nvPr>
+            <p:ph type="title"/>
+          </p:nvPr>
+        </p:nvSpPr>
+        <p:spPr/>
+        <p:txBody>
+          <a:bodyPr>
+            <a:normAutofit/>
+          </a:bodyPr>
+          <a:lstStyle/>
+          <a:p>
+            <a:r>
+              <a:rPr lang="en-US" altLang="zh-CN" dirty="0"/>
+              <a:t>16.3 </a:t>
+            </a:r>
+            <a:r>
+              <a:rPr lang="zh-CN" altLang="en-US"/>
+              <a:t>小结</a:t>
+            </a:r>
+            <a:endParaRPr lang="en-US" altLang="zh-CN" dirty="0"/>
+          </a:p>
+        </p:txBody>
+      </p:sp>
+      <p:sp>
+        <p:nvSpPr>
+          <p:cNvPr id="5" name="内容占位符 4">
+            <a:extLst>
+              <a:ext uri="{FF2B5EF4-FFF2-40B4-BE49-F238E27FC236}">
+                <a16:creationId xmlns:a16="http://schemas.microsoft.com/office/drawing/2014/main" id="{27E734E7-DC50-2043-E0F4-ADDF97100AAB}"/>
+              </a:ext>
+            </a:extLst>
+          </p:cNvPr>
+          <p:cNvSpPr>
+            <a:spLocks noGrp="1"/>
+          </p:cNvSpPr>
+          <p:nvPr>
+            <p:ph idx="1"/>
+          </p:nvPr>
+        </p:nvSpPr>
+        <p:spPr/>
+        <p:txBody>
+          <a:bodyPr>
+            <a:normAutofit/>
+          </a:bodyPr>
+          <a:lstStyle/>
+          <a:p>
+            <a:pPr>
+              <a:lnSpc>
+                <a:spcPct val="100000"/>
+              </a:lnSpc>
+            </a:pPr>
+            <a:r>
+              <a:rPr lang="zh-CN" altLang="en-US" dirty="0"/>
+              <a:t>在本章中，你学习了如何使用现实世界中的数据集，包括如何处理 </a:t>
+            </a:r>
+            <a:r>
+              <a:rPr lang="en-US" altLang="zh-CN" dirty="0"/>
+              <a:t>CSV </a:t>
+            </a:r>
+            <a:r>
+              <a:rPr lang="zh-CN" altLang="en-US" dirty="0"/>
+              <a:t>和 </a:t>
+            </a:r>
+            <a:r>
+              <a:rPr lang="en-US" altLang="zh-CN" dirty="0" err="1"/>
+              <a:t>GeoJSON</a:t>
+            </a:r>
+            <a:r>
+              <a:rPr lang="en-US" altLang="zh-CN" dirty="0"/>
+              <a:t> </a:t>
+            </a:r>
+            <a:r>
+              <a:rPr lang="zh-CN" altLang="en-US" dirty="0"/>
+              <a:t>文件</a:t>
+            </a:r>
+            <a:r>
+              <a:rPr lang="en-US" altLang="zh-CN" dirty="0"/>
+              <a:t>, </a:t>
+            </a:r>
+            <a:r>
+              <a:rPr lang="zh-CN" altLang="en-US" dirty="0"/>
+              <a:t>以及如何提取感兴趣的数据。</a:t>
+            </a:r>
+            <a:endParaRPr lang="en-US" altLang="zh-CN" dirty="0"/>
+          </a:p>
+          <a:p>
+            <a:pPr>
+              <a:lnSpc>
+                <a:spcPct val="100000"/>
+              </a:lnSpc>
+            </a:pPr>
+            <a:r>
+              <a:rPr lang="zh-CN" altLang="en-US" dirty="0"/>
+              <a:t>利用以往的天气数据，你更深入地学习了如何使用 </a:t>
+            </a:r>
+            <a:r>
+              <a:rPr lang="en-US" altLang="zh-CN" dirty="0"/>
+              <a:t>Matplotlib</a:t>
+            </a:r>
+            <a:r>
+              <a:rPr lang="zh-CN" altLang="en-US" dirty="0"/>
+              <a:t>，包括如何使用模块 </a:t>
+            </a:r>
+            <a:r>
+              <a:rPr lang="en-US" altLang="zh-CN" dirty="0"/>
+              <a:t>datetime</a:t>
+            </a:r>
+            <a:r>
+              <a:rPr lang="zh-CN" altLang="en-US" dirty="0"/>
+              <a:t>，以及如何在同一个图形中绘制多个数据系列。你还学习了如何使用 </a:t>
+            </a:r>
+            <a:r>
+              <a:rPr lang="en-US" altLang="zh-CN" dirty="0" err="1"/>
+              <a:t>Plotly</a:t>
+            </a:r>
+            <a:r>
+              <a:rPr lang="en-US" altLang="zh-CN" dirty="0"/>
+              <a:t> </a:t>
+            </a:r>
+            <a:r>
+              <a:rPr lang="zh-CN" altLang="en-US" dirty="0"/>
+              <a:t>绘制呈现地震数据的散点图，以及如何定制散点图的样式。</a:t>
+            </a:r>
+            <a:endParaRPr lang="en-US" altLang="zh-CN" dirty="0"/>
+          </a:p>
+        </p:txBody>
+      </p:sp>
+    </p:spTree>
+    <p:extLst>
+      <p:ext uri="{BB962C8B-B14F-4D97-AF65-F5344CB8AC3E}">
+        <p14:creationId xmlns:p14="http://schemas.microsoft.com/office/powerpoint/2010/main" val="364430658"/>
+      </p:ext>
+    </p:extLst>
+  </p:cSld>
+  <p:clrMapOvr>
+    <a:masterClrMapping/>
+  </p:clrMapOvr>
+</p:sld>
+</file>
+
+<file path=ppt/slides/slide15.xml><?xml version="1.0" encoding="utf-8"?>
+<p:sld xmlns:a="http://schemas.openxmlformats.org/drawingml/2006/main" xmlns:r="http://schemas.openxmlformats.org/officeDocument/2006/relationships" xmlns:p="http://schemas.openxmlformats.org/presentationml/2006/main">
+  <p:cSld>
+    <p:spTree>
+      <p:nvGrpSpPr>
+        <p:cNvPr id="1" name="">
+          <a:extLst>
+            <a:ext uri="{FF2B5EF4-FFF2-40B4-BE49-F238E27FC236}">
+              <a16:creationId xmlns:a16="http://schemas.microsoft.com/office/drawing/2014/main" id="{AA77D8A6-62C4-6D8F-C2FA-249E47722C6A}"/>
+            </a:ext>
+          </a:extLst>
+        </p:cNvPr>
+        <p:cNvGrpSpPr/>
+        <p:nvPr/>
+      </p:nvGrpSpPr>
+      <p:grpSpPr>
+        <a:xfrm>
+          <a:off x="0" y="0"/>
+          <a:ext cx="0" cy="0"/>
+          <a:chOff x="0" y="0"/>
+          <a:chExt cx="0" cy="0"/>
+        </a:xfrm>
+      </p:grpSpPr>
+      <p:sp>
+        <p:nvSpPr>
+          <p:cNvPr id="2" name="标题 1">
+            <a:extLst>
+              <a:ext uri="{FF2B5EF4-FFF2-40B4-BE49-F238E27FC236}">
+                <a16:creationId xmlns:a16="http://schemas.microsoft.com/office/drawing/2014/main" id="{E760BBDC-F3FC-E92C-83CC-6EEA15CF1E3A}"/>
+              </a:ext>
+            </a:extLst>
+          </p:cNvPr>
+          <p:cNvSpPr>
+            <a:spLocks noGrp="1"/>
+          </p:cNvSpPr>
+          <p:nvPr>
+            <p:ph type="title"/>
+          </p:nvPr>
+        </p:nvSpPr>
+        <p:spPr/>
+        <p:txBody>
+          <a:bodyPr>
+            <a:normAutofit/>
+          </a:bodyPr>
+          <a:lstStyle/>
+          <a:p>
+            <a:r>
+              <a:rPr lang="en-US" altLang="zh-CN" dirty="0"/>
+              <a:t>16.3 </a:t>
+            </a:r>
+            <a:r>
+              <a:rPr lang="zh-CN" altLang="en-US"/>
+              <a:t>小结</a:t>
+            </a:r>
+            <a:endParaRPr lang="en-US" altLang="zh-CN" dirty="0"/>
+          </a:p>
+        </p:txBody>
+      </p:sp>
+      <p:sp>
+        <p:nvSpPr>
+          <p:cNvPr id="5" name="内容占位符 4">
+            <a:extLst>
+              <a:ext uri="{FF2B5EF4-FFF2-40B4-BE49-F238E27FC236}">
+                <a16:creationId xmlns:a16="http://schemas.microsoft.com/office/drawing/2014/main" id="{92332C86-DEC7-A373-FC6C-07A20C7DF1BB}"/>
+              </a:ext>
+            </a:extLst>
+          </p:cNvPr>
+          <p:cNvSpPr>
+            <a:spLocks noGrp="1"/>
+          </p:cNvSpPr>
+          <p:nvPr>
+            <p:ph idx="1"/>
+          </p:nvPr>
+        </p:nvSpPr>
+        <p:spPr/>
+        <p:txBody>
+          <a:bodyPr>
+            <a:normAutofit/>
+          </a:bodyPr>
+          <a:lstStyle/>
+          <a:p>
+            <a:r>
+              <a:rPr lang="zh-CN" altLang="en-US" dirty="0"/>
+              <a:t>有了使用 </a:t>
+            </a:r>
+            <a:r>
+              <a:rPr lang="en-US" altLang="zh-CN" dirty="0"/>
+              <a:t>CSV </a:t>
+            </a:r>
+            <a:r>
+              <a:rPr lang="zh-CN" altLang="en-US" dirty="0"/>
+              <a:t>和 </a:t>
+            </a:r>
+            <a:r>
+              <a:rPr lang="en-US" altLang="zh-CN" dirty="0"/>
+              <a:t>JSON </a:t>
+            </a:r>
+            <a:r>
+              <a:rPr lang="zh-CN" altLang="en-US" dirty="0"/>
+              <a:t>文件的经验后，你就几乎能够处理要分析的任何数据了。大多数在 线数据集能以这两种格式中的一种或两种下载。</a:t>
+            </a:r>
+            <a:endParaRPr lang="en-US" altLang="zh-CN" dirty="0"/>
+          </a:p>
+          <a:p>
+            <a:r>
+              <a:rPr lang="zh-CN" altLang="en-US" dirty="0"/>
+              <a:t>熟悉了这两种格式，再学习使用其他格式的数据会更加轻松。</a:t>
+            </a:r>
+          </a:p>
+        </p:txBody>
+      </p:sp>
+    </p:spTree>
+    <p:extLst>
+      <p:ext uri="{BB962C8B-B14F-4D97-AF65-F5344CB8AC3E}">
+        <p14:creationId xmlns:p14="http://schemas.microsoft.com/office/powerpoint/2010/main" val="4040317450"/>
+      </p:ext>
+    </p:extLst>
+  </p:cSld>
+  <p:clrMapOvr>
+    <a:masterClrMapping/>
+  </p:clrMapOvr>
+</p:sld>
+</file>
+
 <file path=ppt/slides/slide2.xml><?xml version="1.0" encoding="utf-8"?>
 <p:sld xmlns:a="http://schemas.openxmlformats.org/drawingml/2006/main" xmlns:r="http://schemas.openxmlformats.org/officeDocument/2006/relationships" xmlns:p="http://schemas.openxmlformats.org/presentationml/2006/main">
   <p:cSld>
@@ -8139,7 +9886,13 @@
   <p:cSld>
     <p:spTree>
       <p:nvGrpSpPr>
-        <p:cNvPr id="1" name=""/>
+        <p:cNvPr id="1" name="">
+          <a:extLst>
+            <a:ext uri="{FF2B5EF4-FFF2-40B4-BE49-F238E27FC236}">
+              <a16:creationId xmlns:a16="http://schemas.microsoft.com/office/drawing/2014/main" id="{D327440E-9FE8-A1CB-71C1-97BFEDEE2E75}"/>
+            </a:ext>
+          </a:extLst>
+        </p:cNvPr>
         <p:cNvGrpSpPr/>
         <p:nvPr/>
       </p:nvGrpSpPr>
@@ -8153,10 +9906,10 @@
       </p:grpSpPr>
       <p:sp>
         <p:nvSpPr>
-          <p:cNvPr id="2" name="标题 1">
-            <a:extLst>
-              <a:ext uri="{FF2B5EF4-FFF2-40B4-BE49-F238E27FC236}">
-                <a16:creationId xmlns:a16="http://schemas.microsoft.com/office/drawing/2014/main" id="{BAD162F0-2175-84E9-2387-55F669162449}"/>
+          <p:cNvPr id="3" name="内容占位符 2">
+            <a:extLst>
+              <a:ext uri="{FF2B5EF4-FFF2-40B4-BE49-F238E27FC236}">
+                <a16:creationId xmlns:a16="http://schemas.microsoft.com/office/drawing/2014/main" id="{D9146D30-7D45-F120-11E8-AC0D25CE1E9A}"/>
               </a:ext>
             </a:extLst>
           </p:cNvPr>
@@ -8164,7 +9917,7 @@
             <a:spLocks noGrp="1"/>
           </p:cNvSpPr>
           <p:nvPr>
-            <p:ph type="title"/>
+            <p:ph idx="1"/>
           </p:nvPr>
         </p:nvSpPr>
         <p:spPr/>
@@ -8174,832 +9927,143 @@
           </a:bodyPr>
           <a:lstStyle/>
           <a:p>
+            <a:pPr marL="0" indent="0">
+              <a:buNone/>
+            </a:pPr>
+            <a:r>
+              <a:rPr lang="zh-CN" altLang="en-US" dirty="0"/>
+              <a:t>要在文本文件中存储数据</a:t>
+            </a:r>
             <a:r>
               <a:rPr lang="en-US" altLang="zh-CN" dirty="0"/>
-              <a:t>16.1 </a:t>
-            </a:r>
-            <a:r>
-              <a:rPr lang="en-US" altLang="zh-CN" dirty="0">
-                <a:latin typeface="+mj-lt"/>
-              </a:rPr>
-              <a:t>CSV</a:t>
+              <a:t>,</a:t>
+            </a:r>
+            <a:r>
+              <a:rPr lang="zh-CN" altLang="en-US" dirty="0"/>
+              <a:t>最简单的方式是将数据作为一系列以逗号分隔的值 </a:t>
+            </a:r>
+            <a:r>
+              <a:rPr lang="en-US" altLang="zh-CN" dirty="0"/>
+              <a:t>(</a:t>
+            </a:r>
+            <a:r>
+              <a:rPr lang="en-US" altLang="zh-CN" dirty="0" err="1"/>
+              <a:t>commaseparated</a:t>
             </a:r>
             <a:r>
               <a:rPr lang="en-US" altLang="zh-CN" dirty="0"/>
               <a:t> </a:t>
             </a:r>
             <a:r>
+              <a:rPr lang="en-US" altLang="zh-CN" dirty="0" err="1"/>
+              <a:t>values,CSV</a:t>
+            </a:r>
+            <a:r>
+              <a:rPr lang="en-US" altLang="zh-CN" dirty="0"/>
+              <a:t>) </a:t>
+            </a:r>
+            <a:r>
               <a:rPr lang="zh-CN" altLang="en-US" dirty="0"/>
-              <a:t>文件格式</a:t>
-            </a:r>
-          </a:p>
-        </p:txBody>
-      </p:sp>
-      <p:sp>
-        <p:nvSpPr>
-          <p:cNvPr id="3" name="内容占位符 2">
-            <a:extLst>
-              <a:ext uri="{FF2B5EF4-FFF2-40B4-BE49-F238E27FC236}">
-                <a16:creationId xmlns:a16="http://schemas.microsoft.com/office/drawing/2014/main" id="{0E2FC508-1AFD-A957-52F2-FA1DEF2A9D27}"/>
-              </a:ext>
-            </a:extLst>
-          </p:cNvPr>
-          <p:cNvSpPr>
-            <a:spLocks noGrp="1"/>
-          </p:cNvSpPr>
-          <p:nvPr>
-            <p:ph sz="half" idx="1"/>
-          </p:nvPr>
-        </p:nvSpPr>
-        <p:spPr/>
-        <p:txBody>
-          <a:bodyPr>
-            <a:normAutofit/>
-          </a:bodyPr>
-          <a:lstStyle/>
-          <a:p>
-            <a:endParaRPr lang="zh-CN" altLang="en-US" dirty="0"/>
-          </a:p>
-        </p:txBody>
-      </p:sp>
-      <p:sp>
-        <p:nvSpPr>
-          <p:cNvPr id="7" name="文本框 6">
-            <a:extLst>
-              <a:ext uri="{FF2B5EF4-FFF2-40B4-BE49-F238E27FC236}">
-                <a16:creationId xmlns:a16="http://schemas.microsoft.com/office/drawing/2014/main" id="{12C899D8-51C5-D9B7-A323-E6EFE4AB5C33}"/>
-              </a:ext>
-            </a:extLst>
-          </p:cNvPr>
-          <p:cNvSpPr txBox="1"/>
-          <p:nvPr/>
-        </p:nvSpPr>
-        <p:spPr>
-          <a:xfrm>
-            <a:off x="5994400" y="1904003"/>
-            <a:ext cx="6115050" cy="2308324"/>
-          </a:xfrm>
-          <a:prstGeom prst="rect">
-            <a:avLst/>
-          </a:prstGeom>
-          <a:noFill/>
-          <a:ln>
-            <a:solidFill>
-              <a:schemeClr val="bg2"/>
-            </a:solidFill>
-          </a:ln>
-        </p:spPr>
-        <p:txBody>
-          <a:bodyPr wrap="square">
-            <a:spAutoFit/>
-          </a:bodyPr>
-          <a:lstStyle/>
-          <a:p>
-            <a:r>
-              <a:rPr lang="en-US" altLang="zh-CN" sz="2400" b="1" dirty="0">
-                <a:solidFill>
-                  <a:srgbClr val="0200BD"/>
-                </a:solidFill>
-                <a:effectLst/>
-                <a:latin typeface="Consolas" panose="020B0609020204030204" pitchFamily="49" charset="0"/>
-              </a:rPr>
-              <a:t>print</a:t>
-            </a:r>
-            <a:r>
-              <a:rPr lang="en-US" altLang="zh-CN" sz="2400" b="1" dirty="0">
-                <a:solidFill>
-                  <a:srgbClr val="3F9101"/>
-                </a:solidFill>
-                <a:effectLst/>
-                <a:latin typeface="Consolas" panose="020B0609020204030204" pitchFamily="49" charset="0"/>
-              </a:rPr>
-              <a:t>(</a:t>
-            </a:r>
-            <a:r>
-              <a:rPr lang="en-US" altLang="zh-CN" sz="2400" b="1" dirty="0">
-                <a:solidFill>
-                  <a:srgbClr val="2E6446"/>
-                </a:solidFill>
-                <a:effectLst/>
-                <a:latin typeface="Consolas" panose="020B0609020204030204" pitchFamily="49" charset="0"/>
-              </a:rPr>
-              <a:t>1</a:t>
-            </a:r>
-            <a:r>
-              <a:rPr lang="en-US" altLang="zh-CN" sz="2400" b="1" dirty="0">
-                <a:solidFill>
-                  <a:srgbClr val="63A35C"/>
-                </a:solidFill>
-                <a:effectLst/>
-                <a:latin typeface="Consolas" panose="020B0609020204030204" pitchFamily="49" charset="0"/>
-              </a:rPr>
-              <a:t>, </a:t>
-            </a:r>
-            <a:r>
-              <a:rPr lang="en-US" altLang="zh-CN" sz="2400" b="1" dirty="0">
-                <a:solidFill>
-                  <a:srgbClr val="2E6446"/>
-                </a:solidFill>
-                <a:effectLst/>
-                <a:latin typeface="Consolas" panose="020B0609020204030204" pitchFamily="49" charset="0"/>
-              </a:rPr>
-              <a:t>1_000_000</a:t>
-            </a:r>
-            <a:r>
-              <a:rPr lang="en-US" altLang="zh-CN" sz="2400" b="1" dirty="0">
-                <a:solidFill>
-                  <a:srgbClr val="63A35C"/>
-                </a:solidFill>
-                <a:effectLst/>
-                <a:latin typeface="Consolas" panose="020B0609020204030204" pitchFamily="49" charset="0"/>
-              </a:rPr>
-              <a:t>, </a:t>
-            </a:r>
-            <a:r>
-              <a:rPr lang="en-US" altLang="zh-CN" sz="2400" b="1" dirty="0">
-                <a:solidFill>
-                  <a:srgbClr val="2E6446"/>
-                </a:solidFill>
-                <a:effectLst/>
-                <a:latin typeface="Consolas" panose="020B0609020204030204" pitchFamily="49" charset="0"/>
-              </a:rPr>
-              <a:t>1.5</a:t>
-            </a:r>
-            <a:r>
-              <a:rPr lang="en-US" altLang="zh-CN" sz="2400" b="1" dirty="0">
-                <a:solidFill>
-                  <a:srgbClr val="3F9101"/>
-                </a:solidFill>
-                <a:effectLst/>
-                <a:latin typeface="Consolas" panose="020B0609020204030204" pitchFamily="49" charset="0"/>
-              </a:rPr>
-              <a:t>)</a:t>
-            </a:r>
-          </a:p>
-          <a:p>
-            <a:r>
-              <a:rPr lang="en-US" altLang="zh-CN" sz="2400" b="1" dirty="0">
-                <a:solidFill>
-                  <a:srgbClr val="0200BD"/>
-                </a:solidFill>
-                <a:effectLst/>
-                <a:latin typeface="Consolas" panose="020B0609020204030204" pitchFamily="49" charset="0"/>
-              </a:rPr>
-              <a:t>print</a:t>
-            </a:r>
-            <a:r>
-              <a:rPr lang="en-US" altLang="zh-CN" sz="2400" b="1" dirty="0">
-                <a:solidFill>
-                  <a:srgbClr val="3F9101"/>
-                </a:solidFill>
-                <a:effectLst/>
-                <a:latin typeface="Consolas" panose="020B0609020204030204" pitchFamily="49" charset="0"/>
-              </a:rPr>
-              <a:t>(</a:t>
-            </a:r>
-            <a:r>
-              <a:rPr lang="en-US" altLang="zh-CN" sz="2400" b="1" dirty="0">
-                <a:solidFill>
-                  <a:srgbClr val="9E58A3"/>
-                </a:solidFill>
-                <a:effectLst/>
-                <a:latin typeface="Consolas" panose="020B0609020204030204" pitchFamily="49" charset="0"/>
-              </a:rPr>
-              <a:t>True</a:t>
-            </a:r>
-            <a:r>
-              <a:rPr lang="en-US" altLang="zh-CN" sz="2400" b="1" dirty="0">
-                <a:solidFill>
-                  <a:srgbClr val="63A35C"/>
-                </a:solidFill>
-                <a:effectLst/>
-                <a:latin typeface="Consolas" panose="020B0609020204030204" pitchFamily="49" charset="0"/>
-              </a:rPr>
-              <a:t>, </a:t>
-            </a:r>
-            <a:r>
-              <a:rPr lang="en-US" altLang="zh-CN" sz="2400" b="1" dirty="0">
-                <a:solidFill>
-                  <a:srgbClr val="9E58A3"/>
-                </a:solidFill>
-                <a:effectLst/>
-                <a:latin typeface="Consolas" panose="020B0609020204030204" pitchFamily="49" charset="0"/>
-              </a:rPr>
-              <a:t>False</a:t>
-            </a:r>
-            <a:r>
-              <a:rPr lang="en-US" altLang="zh-CN" sz="2400" b="1" dirty="0">
-                <a:solidFill>
-                  <a:srgbClr val="3F9101"/>
-                </a:solidFill>
-                <a:effectLst/>
-                <a:latin typeface="Consolas" panose="020B0609020204030204" pitchFamily="49" charset="0"/>
-              </a:rPr>
-              <a:t>)  </a:t>
-            </a:r>
-            <a:r>
-              <a:rPr lang="en-US" altLang="zh-CN" sz="2400" b="1" dirty="0">
-                <a:solidFill>
-                  <a:srgbClr val="A05830"/>
-                </a:solidFill>
-                <a:effectLst/>
-                <a:latin typeface="Consolas" panose="020B0609020204030204" pitchFamily="49" charset="0"/>
-              </a:rPr>
-              <a:t># </a:t>
-            </a:r>
-            <a:r>
-              <a:rPr lang="zh-CN" altLang="en-US" sz="2400" b="1" dirty="0">
-                <a:solidFill>
-                  <a:srgbClr val="A05830"/>
-                </a:solidFill>
-                <a:effectLst/>
-                <a:latin typeface="宋体" panose="02010600030101010101" pitchFamily="2" charset="-122"/>
-                <a:ea typeface="宋体" panose="02010600030101010101" pitchFamily="2" charset="-122"/>
-              </a:rPr>
-              <a:t>布尔值</a:t>
-            </a:r>
-            <a:endParaRPr lang="en-US" altLang="zh-CN" sz="2400" b="1" dirty="0">
-              <a:solidFill>
-                <a:srgbClr val="A05830"/>
-              </a:solidFill>
-              <a:effectLst/>
-              <a:latin typeface="宋体" panose="02010600030101010101" pitchFamily="2" charset="-122"/>
-              <a:ea typeface="宋体" panose="02010600030101010101" pitchFamily="2" charset="-122"/>
-            </a:endParaRPr>
-          </a:p>
-          <a:p>
-            <a:r>
-              <a:rPr lang="en-US" altLang="zh-CN" sz="2400" b="1" dirty="0">
-                <a:solidFill>
-                  <a:srgbClr val="0200BD"/>
-                </a:solidFill>
-                <a:effectLst/>
-                <a:latin typeface="Consolas" panose="020B0609020204030204" pitchFamily="49" charset="0"/>
-              </a:rPr>
-              <a:t>print</a:t>
-            </a:r>
-            <a:r>
-              <a:rPr lang="en-US" altLang="zh-CN" sz="2400" b="1" dirty="0">
-                <a:solidFill>
-                  <a:srgbClr val="3F9101"/>
-                </a:solidFill>
-                <a:effectLst/>
-                <a:latin typeface="Consolas" panose="020B0609020204030204" pitchFamily="49" charset="0"/>
-              </a:rPr>
-              <a:t>(</a:t>
-            </a:r>
-            <a:r>
-              <a:rPr lang="en-US" altLang="zh-CN" sz="2400" b="1" dirty="0">
-                <a:solidFill>
-                  <a:srgbClr val="2E6446"/>
-                </a:solidFill>
-                <a:effectLst/>
-                <a:latin typeface="Consolas" panose="020B0609020204030204" pitchFamily="49" charset="0"/>
-              </a:rPr>
-              <a:t>1 </a:t>
-            </a:r>
-            <a:r>
-              <a:rPr lang="en-US" altLang="zh-CN" sz="2400" b="1" dirty="0">
-                <a:solidFill>
-                  <a:srgbClr val="A71D5D"/>
-                </a:solidFill>
-                <a:effectLst/>
-                <a:latin typeface="Consolas" panose="020B0609020204030204" pitchFamily="49" charset="0"/>
-              </a:rPr>
-              <a:t>+ </a:t>
-            </a:r>
-            <a:r>
-              <a:rPr lang="en-US" altLang="zh-CN" sz="2400" b="1" dirty="0">
-                <a:solidFill>
-                  <a:srgbClr val="2E6446"/>
-                </a:solidFill>
-                <a:effectLst/>
-                <a:latin typeface="Consolas" panose="020B0609020204030204" pitchFamily="49" charset="0"/>
-              </a:rPr>
-              <a:t>1</a:t>
-            </a:r>
-            <a:r>
-              <a:rPr lang="en-US" altLang="zh-CN" sz="2400" b="1" dirty="0">
-                <a:solidFill>
-                  <a:srgbClr val="63A35C"/>
-                </a:solidFill>
-                <a:effectLst/>
-                <a:latin typeface="Consolas" panose="020B0609020204030204" pitchFamily="49" charset="0"/>
-              </a:rPr>
-              <a:t>, </a:t>
-            </a:r>
-            <a:r>
-              <a:rPr lang="en-US" altLang="zh-CN" sz="2400" b="1" dirty="0">
-                <a:solidFill>
-                  <a:srgbClr val="2E6446"/>
-                </a:solidFill>
-                <a:effectLst/>
-                <a:latin typeface="Consolas" panose="020B0609020204030204" pitchFamily="49" charset="0"/>
-              </a:rPr>
-              <a:t>1.0 </a:t>
-            </a:r>
-            <a:r>
-              <a:rPr lang="en-US" altLang="zh-CN" sz="2400" b="1" dirty="0">
-                <a:solidFill>
-                  <a:srgbClr val="A71D5D"/>
-                </a:solidFill>
-                <a:effectLst/>
-                <a:latin typeface="Consolas" panose="020B0609020204030204" pitchFamily="49" charset="0"/>
-              </a:rPr>
-              <a:t>+ </a:t>
-            </a:r>
-            <a:r>
-              <a:rPr lang="en-US" altLang="zh-CN" sz="2400" b="1" dirty="0">
-                <a:solidFill>
-                  <a:srgbClr val="2E6446"/>
-                </a:solidFill>
-                <a:effectLst/>
-                <a:latin typeface="Consolas" panose="020B0609020204030204" pitchFamily="49" charset="0"/>
-              </a:rPr>
-              <a:t>1.0</a:t>
-            </a:r>
-            <a:r>
-              <a:rPr lang="en-US" altLang="zh-CN" sz="2400" b="1" dirty="0">
-                <a:solidFill>
-                  <a:srgbClr val="63A35C"/>
-                </a:solidFill>
-                <a:effectLst/>
-                <a:latin typeface="Consolas" panose="020B0609020204030204" pitchFamily="49" charset="0"/>
-              </a:rPr>
-              <a:t>, </a:t>
-            </a:r>
-            <a:r>
-              <a:rPr lang="en-US" altLang="zh-CN" sz="2400" b="1" dirty="0">
-                <a:solidFill>
-                  <a:srgbClr val="2E6446"/>
-                </a:solidFill>
-                <a:effectLst/>
-                <a:latin typeface="Consolas" panose="020B0609020204030204" pitchFamily="49" charset="0"/>
-              </a:rPr>
-              <a:t>1 </a:t>
-            </a:r>
-            <a:r>
-              <a:rPr lang="en-US" altLang="zh-CN" sz="2400" b="1" dirty="0">
-                <a:solidFill>
-                  <a:srgbClr val="A71D5D"/>
-                </a:solidFill>
-                <a:effectLst/>
-                <a:latin typeface="Consolas" panose="020B0609020204030204" pitchFamily="49" charset="0"/>
-              </a:rPr>
-              <a:t>+ </a:t>
-            </a:r>
-            <a:r>
-              <a:rPr lang="en-US" altLang="zh-CN" sz="2400" b="1" dirty="0">
-                <a:solidFill>
-                  <a:srgbClr val="2E6446"/>
-                </a:solidFill>
-                <a:effectLst/>
-                <a:latin typeface="Consolas" panose="020B0609020204030204" pitchFamily="49" charset="0"/>
-              </a:rPr>
-              <a:t>1.0</a:t>
-            </a:r>
-            <a:r>
-              <a:rPr lang="en-US" altLang="zh-CN" sz="2400" b="1" dirty="0">
-                <a:solidFill>
-                  <a:srgbClr val="3F9101"/>
-                </a:solidFill>
-                <a:effectLst/>
-                <a:latin typeface="Consolas" panose="020B0609020204030204" pitchFamily="49" charset="0"/>
-              </a:rPr>
-              <a:t>)</a:t>
-            </a:r>
-          </a:p>
-          <a:p>
-            <a:r>
-              <a:rPr lang="en-US" altLang="zh-CN" sz="2400" b="1" dirty="0">
-                <a:solidFill>
-                  <a:srgbClr val="A05830"/>
-                </a:solidFill>
-                <a:effectLst/>
-                <a:latin typeface="Consolas" panose="020B0609020204030204" pitchFamily="49" charset="0"/>
-              </a:rPr>
-              <a:t># </a:t>
-            </a:r>
-            <a:r>
-              <a:rPr lang="zh-CN" altLang="en-US" sz="2400" b="1" dirty="0">
-                <a:solidFill>
-                  <a:srgbClr val="A05830"/>
-                </a:solidFill>
-                <a:effectLst/>
-                <a:latin typeface="宋体" panose="02010600030101010101" pitchFamily="2" charset="-122"/>
-                <a:ea typeface="宋体" panose="02010600030101010101" pitchFamily="2" charset="-122"/>
-              </a:rPr>
-              <a:t>乘方、除法、整除法（向下取整）和求模</a:t>
-            </a:r>
-            <a:br>
-              <a:rPr lang="zh-CN" altLang="en-US" sz="2400" b="1" dirty="0">
-                <a:solidFill>
-                  <a:srgbClr val="A05830"/>
-                </a:solidFill>
-                <a:effectLst/>
-                <a:latin typeface="宋体" panose="02010600030101010101" pitchFamily="2" charset="-122"/>
-                <a:ea typeface="宋体" panose="02010600030101010101" pitchFamily="2" charset="-122"/>
-              </a:rPr>
-            </a:br>
-            <a:r>
-              <a:rPr lang="en-US" altLang="zh-CN" sz="2400" b="1" dirty="0">
-                <a:solidFill>
-                  <a:srgbClr val="0200BD"/>
-                </a:solidFill>
-                <a:effectLst/>
-                <a:latin typeface="Consolas" panose="020B0609020204030204" pitchFamily="49" charset="0"/>
-              </a:rPr>
-              <a:t>print</a:t>
-            </a:r>
-            <a:r>
-              <a:rPr lang="en-US" altLang="zh-CN" sz="2400" b="1" dirty="0">
-                <a:solidFill>
-                  <a:srgbClr val="3F9101"/>
-                </a:solidFill>
-                <a:effectLst/>
-                <a:latin typeface="Consolas" panose="020B0609020204030204" pitchFamily="49" charset="0"/>
-              </a:rPr>
-              <a:t>(</a:t>
-            </a:r>
-            <a:r>
-              <a:rPr lang="en-US" altLang="zh-CN" sz="2400" b="1" dirty="0">
-                <a:solidFill>
-                  <a:srgbClr val="2E6446"/>
-                </a:solidFill>
-                <a:effectLst/>
-                <a:latin typeface="Consolas" panose="020B0609020204030204" pitchFamily="49" charset="0"/>
-              </a:rPr>
-              <a:t>3 </a:t>
-            </a:r>
-            <a:r>
-              <a:rPr lang="en-US" altLang="zh-CN" sz="2400" b="1" dirty="0">
-                <a:solidFill>
-                  <a:srgbClr val="A71D5D"/>
-                </a:solidFill>
-                <a:effectLst/>
-                <a:latin typeface="Consolas" panose="020B0609020204030204" pitchFamily="49" charset="0"/>
-              </a:rPr>
-              <a:t>** </a:t>
-            </a:r>
-            <a:r>
-              <a:rPr lang="en-US" altLang="zh-CN" sz="2400" b="1" dirty="0">
-                <a:solidFill>
-                  <a:srgbClr val="2E6446"/>
-                </a:solidFill>
-                <a:effectLst/>
-                <a:latin typeface="Consolas" panose="020B0609020204030204" pitchFamily="49" charset="0"/>
-              </a:rPr>
-              <a:t>2</a:t>
-            </a:r>
-            <a:r>
-              <a:rPr lang="en-US" altLang="zh-CN" sz="2400" b="1" dirty="0">
-                <a:solidFill>
-                  <a:srgbClr val="63A35C"/>
-                </a:solidFill>
-                <a:effectLst/>
-                <a:latin typeface="Consolas" panose="020B0609020204030204" pitchFamily="49" charset="0"/>
-              </a:rPr>
-              <a:t>, </a:t>
-            </a:r>
-            <a:r>
-              <a:rPr lang="en-US" altLang="zh-CN" sz="2400" b="1" dirty="0">
-                <a:solidFill>
-                  <a:srgbClr val="2E6446"/>
-                </a:solidFill>
-                <a:effectLst/>
-                <a:latin typeface="Consolas" panose="020B0609020204030204" pitchFamily="49" charset="0"/>
-              </a:rPr>
-              <a:t>3 </a:t>
-            </a:r>
-            <a:r>
-              <a:rPr lang="en-US" altLang="zh-CN" sz="2400" b="1" dirty="0">
-                <a:solidFill>
-                  <a:srgbClr val="A71D5D"/>
-                </a:solidFill>
-                <a:effectLst/>
-                <a:latin typeface="Consolas" panose="020B0609020204030204" pitchFamily="49" charset="0"/>
-              </a:rPr>
-              <a:t>/ </a:t>
-            </a:r>
-            <a:r>
-              <a:rPr lang="en-US" altLang="zh-CN" sz="2400" b="1" dirty="0">
-                <a:solidFill>
-                  <a:srgbClr val="2E6446"/>
-                </a:solidFill>
-                <a:effectLst/>
-                <a:latin typeface="Consolas" panose="020B0609020204030204" pitchFamily="49" charset="0"/>
-              </a:rPr>
-              <a:t>2</a:t>
-            </a:r>
-            <a:r>
-              <a:rPr lang="en-US" altLang="zh-CN" sz="2400" b="1" dirty="0">
-                <a:solidFill>
-                  <a:srgbClr val="63A35C"/>
-                </a:solidFill>
-                <a:effectLst/>
-                <a:latin typeface="Consolas" panose="020B0609020204030204" pitchFamily="49" charset="0"/>
-              </a:rPr>
-              <a:t>, </a:t>
-            </a:r>
-            <a:r>
-              <a:rPr lang="en-US" altLang="zh-CN" sz="2400" b="1" dirty="0">
-                <a:solidFill>
-                  <a:srgbClr val="2E6446"/>
-                </a:solidFill>
-                <a:effectLst/>
-                <a:latin typeface="Consolas" panose="020B0609020204030204" pitchFamily="49" charset="0"/>
-              </a:rPr>
-              <a:t>3 </a:t>
-            </a:r>
-            <a:r>
-              <a:rPr lang="en-US" altLang="zh-CN" sz="2400" b="1" dirty="0">
-                <a:solidFill>
-                  <a:srgbClr val="A71D5D"/>
-                </a:solidFill>
-                <a:effectLst/>
-                <a:latin typeface="Consolas" panose="020B0609020204030204" pitchFamily="49" charset="0"/>
-              </a:rPr>
-              <a:t>// </a:t>
-            </a:r>
-            <a:r>
-              <a:rPr lang="en-US" altLang="zh-CN" sz="2400" b="1" dirty="0">
-                <a:solidFill>
-                  <a:srgbClr val="2E6446"/>
-                </a:solidFill>
-                <a:effectLst/>
-                <a:latin typeface="Consolas" panose="020B0609020204030204" pitchFamily="49" charset="0"/>
-              </a:rPr>
-              <a:t>2</a:t>
-            </a:r>
-            <a:r>
-              <a:rPr lang="en-US" altLang="zh-CN" sz="2400" b="1" dirty="0">
-                <a:solidFill>
-                  <a:srgbClr val="63A35C"/>
-                </a:solidFill>
-                <a:effectLst/>
-                <a:latin typeface="Consolas" panose="020B0609020204030204" pitchFamily="49" charset="0"/>
-              </a:rPr>
-              <a:t>, </a:t>
-            </a:r>
-            <a:r>
-              <a:rPr lang="en-US" altLang="zh-CN" sz="2400" b="1" dirty="0">
-                <a:solidFill>
-                  <a:srgbClr val="2E6446"/>
-                </a:solidFill>
-                <a:effectLst/>
-                <a:latin typeface="Consolas" panose="020B0609020204030204" pitchFamily="49" charset="0"/>
-              </a:rPr>
-              <a:t>5 </a:t>
-            </a:r>
-            <a:r>
-              <a:rPr lang="en-US" altLang="zh-CN" sz="2400" b="1" dirty="0">
-                <a:solidFill>
-                  <a:srgbClr val="A71D5D"/>
-                </a:solidFill>
-                <a:effectLst/>
-                <a:latin typeface="Consolas" panose="020B0609020204030204" pitchFamily="49" charset="0"/>
-              </a:rPr>
-              <a:t>% </a:t>
-            </a:r>
-            <a:r>
-              <a:rPr lang="en-US" altLang="zh-CN" sz="2400" b="1" dirty="0">
-                <a:solidFill>
-                  <a:srgbClr val="2E6446"/>
-                </a:solidFill>
-                <a:effectLst/>
-                <a:latin typeface="Consolas" panose="020B0609020204030204" pitchFamily="49" charset="0"/>
-              </a:rPr>
-              <a:t>2</a:t>
-            </a:r>
-            <a:r>
-              <a:rPr lang="en-US" altLang="zh-CN" sz="2400" b="1" dirty="0">
-                <a:solidFill>
-                  <a:srgbClr val="3F9101"/>
-                </a:solidFill>
-                <a:effectLst/>
-                <a:latin typeface="Consolas" panose="020B0609020204030204" pitchFamily="49" charset="0"/>
-              </a:rPr>
-              <a:t>)</a:t>
-            </a:r>
-            <a:br>
-              <a:rPr lang="en-US" altLang="zh-CN" sz="2400" b="1" dirty="0">
-                <a:solidFill>
-                  <a:srgbClr val="3F9101"/>
-                </a:solidFill>
-                <a:effectLst/>
-                <a:latin typeface="Consolas" panose="020B0609020204030204" pitchFamily="49" charset="0"/>
-              </a:rPr>
-            </a:br>
-            <a:endParaRPr lang="en-US" altLang="zh-CN" sz="2400" b="1" dirty="0">
-              <a:solidFill>
-                <a:srgbClr val="333333"/>
-              </a:solidFill>
-              <a:effectLst/>
-              <a:latin typeface="Consolas" panose="020B0609020204030204" pitchFamily="49" charset="0"/>
-            </a:endParaRPr>
-          </a:p>
-        </p:txBody>
-      </p:sp>
-      <p:sp>
-        <p:nvSpPr>
-          <p:cNvPr id="5" name="文本框 4">
-            <a:extLst>
-              <a:ext uri="{FF2B5EF4-FFF2-40B4-BE49-F238E27FC236}">
-                <a16:creationId xmlns:a16="http://schemas.microsoft.com/office/drawing/2014/main" id="{B7A8CE03-6A77-60EC-056E-D7A0019640A3}"/>
-              </a:ext>
-            </a:extLst>
-          </p:cNvPr>
-          <p:cNvSpPr txBox="1"/>
-          <p:nvPr/>
-        </p:nvSpPr>
-        <p:spPr>
-          <a:xfrm>
-            <a:off x="7356476" y="4412579"/>
-            <a:ext cx="3390898" cy="1938992"/>
-          </a:xfrm>
-          <a:prstGeom prst="rect">
-            <a:avLst/>
-          </a:prstGeom>
-          <a:noFill/>
-          <a:ln>
-            <a:solidFill>
-              <a:schemeClr val="bg2"/>
-            </a:solidFill>
-          </a:ln>
-        </p:spPr>
-        <p:txBody>
-          <a:bodyPr wrap="square">
-            <a:spAutoFit/>
-          </a:bodyPr>
-          <a:lstStyle/>
-          <a:p>
-            <a:r>
-              <a:rPr lang="zh-CN" altLang="en-US" sz="2400" b="1" dirty="0">
-                <a:solidFill>
-                  <a:srgbClr val="333333"/>
-                </a:solidFill>
+              <a:t>写入文件。</a:t>
+            </a:r>
+            <a:endParaRPr lang="en-US" altLang="zh-CN" dirty="0"/>
+          </a:p>
+          <a:p>
+            <a:pPr marL="0" indent="0">
+              <a:buNone/>
+            </a:pPr>
+            <a:r>
+              <a:rPr lang="zh-CN" altLang="en-US" dirty="0"/>
+              <a:t>这样的文件称为 </a:t>
+            </a:r>
+            <a:r>
+              <a:rPr lang="en-US" altLang="zh-CN" dirty="0"/>
+              <a:t>CSV </a:t>
+            </a:r>
+            <a:r>
+              <a:rPr lang="zh-CN" altLang="en-US" dirty="0"/>
+              <a:t>文件。</a:t>
+            </a:r>
+            <a:endParaRPr lang="en-US" altLang="zh-CN" dirty="0"/>
+          </a:p>
+          <a:p>
+            <a:pPr marL="0" indent="0">
+              <a:buNone/>
+            </a:pPr>
+            <a:r>
+              <a:rPr lang="zh-CN" altLang="en-US" dirty="0"/>
+              <a:t>例如，下面是一行 </a:t>
+            </a:r>
+            <a:r>
+              <a:rPr lang="en-US" altLang="zh-CN" dirty="0"/>
+              <a:t>CSV </a:t>
+            </a:r>
+            <a:r>
+              <a:rPr lang="zh-CN" altLang="en-US" dirty="0"/>
+              <a:t>格式的天气数据</a:t>
+            </a:r>
+            <a:r>
+              <a:rPr lang="en-US" altLang="zh-CN" dirty="0"/>
+              <a:t>: </a:t>
+            </a:r>
+          </a:p>
+          <a:p>
+            <a:pPr marL="0" indent="0">
+              <a:buNone/>
+            </a:pPr>
+            <a:r>
+              <a:rPr lang="en-US" altLang="zh-CN" sz="2400" dirty="0">
                 <a:highlight>
                   <a:srgbClr val="C0C0C0"/>
                 </a:highlight>
-                <a:latin typeface="Consolas" panose="020B0609020204030204" pitchFamily="49" charset="0"/>
               </a:rPr>
-              <a:t>运行结果</a:t>
-            </a:r>
-            <a:endParaRPr lang="en-US" altLang="zh-CN" sz="2400" b="1" dirty="0">
-              <a:solidFill>
-                <a:srgbClr val="333333"/>
-              </a:solidFill>
-              <a:highlight>
-                <a:srgbClr val="C0C0C0"/>
-              </a:highlight>
-              <a:latin typeface="Consolas" panose="020B0609020204030204" pitchFamily="49" charset="0"/>
-            </a:endParaRPr>
-          </a:p>
-          <a:p>
-            <a:r>
-              <a:rPr lang="da-DK" altLang="zh-CN" sz="2400" dirty="0">
-                <a:solidFill>
-                  <a:srgbClr val="333333"/>
-                </a:solidFill>
-                <a:effectLst/>
-                <a:latin typeface="Consolas" panose="020B0609020204030204" pitchFamily="49" charset="0"/>
-              </a:rPr>
-              <a:t>1 1000000 1.5</a:t>
-            </a:r>
-          </a:p>
-          <a:p>
-            <a:r>
-              <a:rPr lang="da-DK" altLang="zh-CN" sz="2400" dirty="0">
-                <a:solidFill>
-                  <a:srgbClr val="333333"/>
-                </a:solidFill>
-                <a:effectLst/>
-                <a:latin typeface="Consolas" panose="020B0609020204030204" pitchFamily="49" charset="0"/>
-              </a:rPr>
-              <a:t>True False</a:t>
-            </a:r>
-          </a:p>
-          <a:p>
-            <a:r>
-              <a:rPr lang="da-DK" altLang="zh-CN" sz="2400" dirty="0">
-                <a:solidFill>
-                  <a:srgbClr val="333333"/>
-                </a:solidFill>
-                <a:effectLst/>
-                <a:latin typeface="Consolas" panose="020B0609020204030204" pitchFamily="49" charset="0"/>
-              </a:rPr>
-              <a:t>2 2.0 2.0</a:t>
-            </a:r>
-          </a:p>
-          <a:p>
-            <a:r>
-              <a:rPr lang="da-DK" altLang="zh-CN" sz="2400" dirty="0">
-                <a:solidFill>
-                  <a:srgbClr val="333333"/>
-                </a:solidFill>
-                <a:effectLst/>
-                <a:latin typeface="Consolas" panose="020B0609020204030204" pitchFamily="49" charset="0"/>
-              </a:rPr>
-              <a:t>9 1.5 1 1</a:t>
-            </a:r>
-            <a:endParaRPr lang="pl-PL" altLang="zh-CN" sz="2400" dirty="0">
-              <a:solidFill>
-                <a:srgbClr val="333333"/>
-              </a:solidFill>
-              <a:effectLst/>
-              <a:latin typeface="Consolas" panose="020B0609020204030204" pitchFamily="49" charset="0"/>
-            </a:endParaRPr>
+              <a:t>"USW00025333","SITKA AIRPORT, AK US","2021-01-01",,"44","40"</a:t>
+            </a:r>
+          </a:p>
+        </p:txBody>
+      </p:sp>
+      <p:sp>
+        <p:nvSpPr>
+          <p:cNvPr id="5" name="标题 4">
+            <a:extLst>
+              <a:ext uri="{FF2B5EF4-FFF2-40B4-BE49-F238E27FC236}">
+                <a16:creationId xmlns:a16="http://schemas.microsoft.com/office/drawing/2014/main" id="{A00A4FEA-9421-97E2-9CFE-47E08F40F4C9}"/>
+              </a:ext>
+            </a:extLst>
+          </p:cNvPr>
+          <p:cNvSpPr>
+            <a:spLocks noGrp="1"/>
+          </p:cNvSpPr>
+          <p:nvPr>
+            <p:ph type="title"/>
+          </p:nvPr>
+        </p:nvSpPr>
+        <p:spPr/>
+        <p:txBody>
+          <a:bodyPr/>
+          <a:lstStyle/>
+          <a:p>
+            <a:r>
+              <a:rPr lang="en-US" altLang="zh-CN" dirty="0"/>
+              <a:t>16.1 CSV </a:t>
+            </a:r>
+            <a:r>
+              <a:rPr lang="zh-CN" altLang="en-US" dirty="0"/>
+              <a:t>文件格式</a:t>
+            </a:r>
           </a:p>
         </p:txBody>
       </p:sp>
     </p:spTree>
     <p:extLst>
       <p:ext uri="{BB962C8B-B14F-4D97-AF65-F5344CB8AC3E}">
-        <p14:creationId xmlns:p14="http://schemas.microsoft.com/office/powerpoint/2010/main" val="3519437269"/>
+        <p14:creationId xmlns:p14="http://schemas.microsoft.com/office/powerpoint/2010/main" val="1760109837"/>
       </p:ext>
     </p:extLst>
   </p:cSld>
   <p:clrMapOvr>
     <a:masterClrMapping/>
   </p:clrMapOvr>
-  <p:timing>
-    <p:tnLst>
-      <p:par>
-        <p:cTn id="1" dur="indefinite" restart="never" nodeType="tmRoot">
-          <p:childTnLst>
-            <p:seq concurrent="1" nextAc="seek">
-              <p:cTn id="2" dur="indefinite" nodeType="mainSeq">
-                <p:childTnLst>
-                  <p:par>
-                    <p:cTn id="3" fill="hold">
-                      <p:stCondLst>
-                        <p:cond delay="indefinite"/>
-                      </p:stCondLst>
-                      <p:childTnLst>
-                        <p:par>
-                          <p:cTn id="4" fill="hold">
-                            <p:stCondLst>
-                              <p:cond delay="0"/>
-                            </p:stCondLst>
-                            <p:childTnLst>
-                              <p:par>
-                                <p:cTn id="5" presetID="1" presetClass="entr" presetSubtype="0" fill="hold" grpId="0" nodeType="clickEffect">
-                                  <p:stCondLst>
-                                    <p:cond delay="0"/>
-                                  </p:stCondLst>
-                                  <p:childTnLst>
-                                    <p:set>
-                                      <p:cBhvr>
-                                        <p:cTn id="6" dur="1" fill="hold">
-                                          <p:stCondLst>
-                                            <p:cond delay="0"/>
-                                          </p:stCondLst>
-                                        </p:cTn>
-                                        <p:tgtEl>
-                                          <p:spTgt spid="5"/>
-                                        </p:tgtEl>
-                                        <p:attrNameLst>
-                                          <p:attrName>style.visibility</p:attrName>
-                                        </p:attrNameLst>
-                                      </p:cBhvr>
-                                      <p:to>
-                                        <p:strVal val="visible"/>
-                                      </p:to>
-                                    </p:set>
-                                  </p:childTnLst>
-                                </p:cTn>
-                              </p:par>
-                            </p:childTnLst>
-                          </p:cTn>
-                        </p:par>
-                      </p:childTnLst>
-                    </p:cTn>
-                  </p:par>
-                </p:childTnLst>
-              </p:cTn>
-              <p:prevCondLst>
-                <p:cond evt="onPrev" delay="0">
-                  <p:tgtEl>
-                    <p:sldTgt/>
-                  </p:tgtEl>
-                </p:cond>
-              </p:prevCondLst>
-              <p:nextCondLst>
-                <p:cond evt="onNext" delay="0">
-                  <p:tgtEl>
-                    <p:sldTgt/>
-                  </p:tgtEl>
-                </p:cond>
-              </p:nextCondLst>
-            </p:seq>
-          </p:childTnLst>
-        </p:cTn>
-      </p:par>
-    </p:tnLst>
-    <p:bldLst>
-      <p:bldP spid="5" grpId="0" animBg="1"/>
-    </p:bldLst>
-  </p:timing>
 </p:sld>
 </file>
 
@@ -9008,7 +10072,13 @@
   <p:cSld>
     <p:spTree>
       <p:nvGrpSpPr>
-        <p:cNvPr id="1" name=""/>
+        <p:cNvPr id="1" name="">
+          <a:extLst>
+            <a:ext uri="{FF2B5EF4-FFF2-40B4-BE49-F238E27FC236}">
+              <a16:creationId xmlns:a16="http://schemas.microsoft.com/office/drawing/2014/main" id="{0A2F5F9B-CEA2-804D-7FCC-A9A598FBAD53}"/>
+            </a:ext>
+          </a:extLst>
+        </p:cNvPr>
         <p:cNvGrpSpPr/>
         <p:nvPr/>
       </p:nvGrpSpPr>
@@ -9022,10 +10092,10 @@
       </p:grpSpPr>
       <p:sp>
         <p:nvSpPr>
-          <p:cNvPr id="2" name="标题 1">
-            <a:extLst>
-              <a:ext uri="{FF2B5EF4-FFF2-40B4-BE49-F238E27FC236}">
-                <a16:creationId xmlns:a16="http://schemas.microsoft.com/office/drawing/2014/main" id="{BAD162F0-2175-84E9-2387-55F669162449}"/>
+          <p:cNvPr id="3" name="内容占位符 2">
+            <a:extLst>
+              <a:ext uri="{FF2B5EF4-FFF2-40B4-BE49-F238E27FC236}">
+                <a16:creationId xmlns:a16="http://schemas.microsoft.com/office/drawing/2014/main" id="{A430DE66-D468-22A5-D00F-E242741EFF72}"/>
               </a:ext>
             </a:extLst>
           </p:cNvPr>
@@ -9033,7 +10103,7 @@
             <a:spLocks noGrp="1"/>
           </p:cNvSpPr>
           <p:nvPr>
-            <p:ph type="title"/>
+            <p:ph idx="1"/>
           </p:nvPr>
         </p:nvSpPr>
         <p:spPr/>
@@ -9043,831 +10113,103 @@
           </a:bodyPr>
           <a:lstStyle/>
           <a:p>
+            <a:pPr marL="0" indent="0">
+              <a:buNone/>
+            </a:pPr>
+            <a:r>
+              <a:rPr lang="zh-CN" altLang="en-US" dirty="0"/>
+              <a:t>通过 </a:t>
+            </a:r>
             <a:r>
               <a:rPr lang="en-US" altLang="zh-CN" dirty="0"/>
-              <a:t>16.2 </a:t>
+              <a:t>16.1.1~16.1.5 </a:t>
             </a:r>
             <a:r>
               <a:rPr lang="zh-CN" altLang="en-US" dirty="0"/>
-              <a:t>制作全球地震散点图：</a:t>
-            </a:r>
-            <a:r>
-              <a:rPr lang="en-US" altLang="zh-CN" dirty="0" err="1">
-                <a:latin typeface="+mj-lt"/>
-              </a:rPr>
-              <a:t>GeoJSON</a:t>
-            </a:r>
-            <a:endParaRPr lang="en-US" altLang="zh-CN" dirty="0">
-              <a:latin typeface="+mj-lt"/>
-            </a:endParaRPr>
-          </a:p>
-        </p:txBody>
-      </p:sp>
-      <p:sp>
-        <p:nvSpPr>
-          <p:cNvPr id="3" name="内容占位符 2">
-            <a:extLst>
-              <a:ext uri="{FF2B5EF4-FFF2-40B4-BE49-F238E27FC236}">
-                <a16:creationId xmlns:a16="http://schemas.microsoft.com/office/drawing/2014/main" id="{0E2FC508-1AFD-A957-52F2-FA1DEF2A9D27}"/>
-              </a:ext>
-            </a:extLst>
-          </p:cNvPr>
-          <p:cNvSpPr>
-            <a:spLocks noGrp="1"/>
-          </p:cNvSpPr>
-          <p:nvPr>
-            <p:ph sz="half" idx="1"/>
-          </p:nvPr>
-        </p:nvSpPr>
-        <p:spPr/>
-        <p:txBody>
-          <a:bodyPr>
-            <a:normAutofit/>
-          </a:bodyPr>
-          <a:lstStyle/>
-          <a:p>
-            <a:endParaRPr lang="zh-CN" altLang="en-US" dirty="0"/>
-          </a:p>
-        </p:txBody>
-      </p:sp>
-      <p:sp>
-        <p:nvSpPr>
-          <p:cNvPr id="7" name="文本框 6">
-            <a:extLst>
-              <a:ext uri="{FF2B5EF4-FFF2-40B4-BE49-F238E27FC236}">
-                <a16:creationId xmlns:a16="http://schemas.microsoft.com/office/drawing/2014/main" id="{12C899D8-51C5-D9B7-A323-E6EFE4AB5C33}"/>
-              </a:ext>
-            </a:extLst>
-          </p:cNvPr>
-          <p:cNvSpPr txBox="1"/>
-          <p:nvPr/>
-        </p:nvSpPr>
-        <p:spPr>
-          <a:xfrm>
-            <a:off x="5994400" y="1904003"/>
-            <a:ext cx="6115050" cy="2308324"/>
-          </a:xfrm>
-          <a:prstGeom prst="rect">
-            <a:avLst/>
-          </a:prstGeom>
-          <a:noFill/>
-          <a:ln>
-            <a:solidFill>
-              <a:schemeClr val="bg2"/>
-            </a:solidFill>
-          </a:ln>
-        </p:spPr>
-        <p:txBody>
-          <a:bodyPr wrap="square">
-            <a:spAutoFit/>
-          </a:bodyPr>
-          <a:lstStyle/>
-          <a:p>
-            <a:r>
-              <a:rPr lang="en-US" altLang="zh-CN" sz="2400" b="1" dirty="0">
-                <a:solidFill>
-                  <a:srgbClr val="0200BD"/>
-                </a:solidFill>
-                <a:effectLst/>
-                <a:latin typeface="Consolas" panose="020B0609020204030204" pitchFamily="49" charset="0"/>
-              </a:rPr>
-              <a:t>print</a:t>
-            </a:r>
-            <a:r>
-              <a:rPr lang="en-US" altLang="zh-CN" sz="2400" b="1" dirty="0">
-                <a:solidFill>
-                  <a:srgbClr val="3F9101"/>
-                </a:solidFill>
-                <a:effectLst/>
-                <a:latin typeface="Consolas" panose="020B0609020204030204" pitchFamily="49" charset="0"/>
-              </a:rPr>
-              <a:t>(</a:t>
-            </a:r>
-            <a:r>
-              <a:rPr lang="en-US" altLang="zh-CN" sz="2400" b="1" dirty="0">
-                <a:solidFill>
-                  <a:srgbClr val="2E6446"/>
-                </a:solidFill>
-                <a:effectLst/>
-                <a:latin typeface="Consolas" panose="020B0609020204030204" pitchFamily="49" charset="0"/>
-              </a:rPr>
-              <a:t>1</a:t>
-            </a:r>
-            <a:r>
-              <a:rPr lang="en-US" altLang="zh-CN" sz="2400" b="1" dirty="0">
-                <a:solidFill>
-                  <a:srgbClr val="63A35C"/>
-                </a:solidFill>
-                <a:effectLst/>
-                <a:latin typeface="Consolas" panose="020B0609020204030204" pitchFamily="49" charset="0"/>
-              </a:rPr>
-              <a:t>, </a:t>
-            </a:r>
-            <a:r>
-              <a:rPr lang="en-US" altLang="zh-CN" sz="2400" b="1" dirty="0">
-                <a:solidFill>
-                  <a:srgbClr val="2E6446"/>
-                </a:solidFill>
-                <a:effectLst/>
-                <a:latin typeface="Consolas" panose="020B0609020204030204" pitchFamily="49" charset="0"/>
-              </a:rPr>
-              <a:t>1_000_000</a:t>
-            </a:r>
-            <a:r>
-              <a:rPr lang="en-US" altLang="zh-CN" sz="2400" b="1" dirty="0">
-                <a:solidFill>
-                  <a:srgbClr val="63A35C"/>
-                </a:solidFill>
-                <a:effectLst/>
-                <a:latin typeface="Consolas" panose="020B0609020204030204" pitchFamily="49" charset="0"/>
-              </a:rPr>
-              <a:t>, </a:t>
-            </a:r>
-            <a:r>
-              <a:rPr lang="en-US" altLang="zh-CN" sz="2400" b="1" dirty="0">
-                <a:solidFill>
-                  <a:srgbClr val="2E6446"/>
-                </a:solidFill>
-                <a:effectLst/>
-                <a:latin typeface="Consolas" panose="020B0609020204030204" pitchFamily="49" charset="0"/>
-              </a:rPr>
-              <a:t>1.5</a:t>
-            </a:r>
-            <a:r>
-              <a:rPr lang="en-US" altLang="zh-CN" sz="2400" b="1" dirty="0">
-                <a:solidFill>
-                  <a:srgbClr val="3F9101"/>
-                </a:solidFill>
-                <a:effectLst/>
-                <a:latin typeface="Consolas" panose="020B0609020204030204" pitchFamily="49" charset="0"/>
-              </a:rPr>
-              <a:t>)</a:t>
-            </a:r>
-          </a:p>
-          <a:p>
-            <a:r>
-              <a:rPr lang="en-US" altLang="zh-CN" sz="2400" b="1" dirty="0">
-                <a:solidFill>
-                  <a:srgbClr val="0200BD"/>
-                </a:solidFill>
-                <a:effectLst/>
-                <a:latin typeface="Consolas" panose="020B0609020204030204" pitchFamily="49" charset="0"/>
-              </a:rPr>
-              <a:t>print</a:t>
-            </a:r>
-            <a:r>
-              <a:rPr lang="en-US" altLang="zh-CN" sz="2400" b="1" dirty="0">
-                <a:solidFill>
-                  <a:srgbClr val="3F9101"/>
-                </a:solidFill>
-                <a:effectLst/>
-                <a:latin typeface="Consolas" panose="020B0609020204030204" pitchFamily="49" charset="0"/>
-              </a:rPr>
-              <a:t>(</a:t>
-            </a:r>
-            <a:r>
-              <a:rPr lang="en-US" altLang="zh-CN" sz="2400" b="1" dirty="0">
-                <a:solidFill>
-                  <a:srgbClr val="9E58A3"/>
-                </a:solidFill>
-                <a:effectLst/>
-                <a:latin typeface="Consolas" panose="020B0609020204030204" pitchFamily="49" charset="0"/>
-              </a:rPr>
-              <a:t>True</a:t>
-            </a:r>
-            <a:r>
-              <a:rPr lang="en-US" altLang="zh-CN" sz="2400" b="1" dirty="0">
-                <a:solidFill>
-                  <a:srgbClr val="63A35C"/>
-                </a:solidFill>
-                <a:effectLst/>
-                <a:latin typeface="Consolas" panose="020B0609020204030204" pitchFamily="49" charset="0"/>
-              </a:rPr>
-              <a:t>, </a:t>
-            </a:r>
-            <a:r>
-              <a:rPr lang="en-US" altLang="zh-CN" sz="2400" b="1" dirty="0">
-                <a:solidFill>
-                  <a:srgbClr val="9E58A3"/>
-                </a:solidFill>
-                <a:effectLst/>
-                <a:latin typeface="Consolas" panose="020B0609020204030204" pitchFamily="49" charset="0"/>
-              </a:rPr>
-              <a:t>False</a:t>
-            </a:r>
-            <a:r>
-              <a:rPr lang="en-US" altLang="zh-CN" sz="2400" b="1" dirty="0">
-                <a:solidFill>
-                  <a:srgbClr val="3F9101"/>
-                </a:solidFill>
-                <a:effectLst/>
-                <a:latin typeface="Consolas" panose="020B0609020204030204" pitchFamily="49" charset="0"/>
-              </a:rPr>
-              <a:t>)  </a:t>
-            </a:r>
-            <a:r>
-              <a:rPr lang="en-US" altLang="zh-CN" sz="2400" b="1" dirty="0">
-                <a:solidFill>
-                  <a:srgbClr val="A05830"/>
-                </a:solidFill>
-                <a:effectLst/>
-                <a:latin typeface="Consolas" panose="020B0609020204030204" pitchFamily="49" charset="0"/>
-              </a:rPr>
-              <a:t># </a:t>
-            </a:r>
-            <a:r>
-              <a:rPr lang="zh-CN" altLang="en-US" sz="2400" b="1" dirty="0">
-                <a:solidFill>
-                  <a:srgbClr val="A05830"/>
-                </a:solidFill>
-                <a:effectLst/>
-                <a:latin typeface="宋体" panose="02010600030101010101" pitchFamily="2" charset="-122"/>
-                <a:ea typeface="宋体" panose="02010600030101010101" pitchFamily="2" charset="-122"/>
-              </a:rPr>
-              <a:t>布尔值</a:t>
-            </a:r>
-            <a:endParaRPr lang="en-US" altLang="zh-CN" sz="2400" b="1" dirty="0">
-              <a:solidFill>
-                <a:srgbClr val="A05830"/>
-              </a:solidFill>
-              <a:effectLst/>
-              <a:latin typeface="宋体" panose="02010600030101010101" pitchFamily="2" charset="-122"/>
-              <a:ea typeface="宋体" panose="02010600030101010101" pitchFamily="2" charset="-122"/>
-            </a:endParaRPr>
-          </a:p>
-          <a:p>
-            <a:r>
-              <a:rPr lang="en-US" altLang="zh-CN" sz="2400" b="1" dirty="0">
-                <a:solidFill>
-                  <a:srgbClr val="0200BD"/>
-                </a:solidFill>
-                <a:effectLst/>
-                <a:latin typeface="Consolas" panose="020B0609020204030204" pitchFamily="49" charset="0"/>
-              </a:rPr>
-              <a:t>print</a:t>
-            </a:r>
-            <a:r>
-              <a:rPr lang="en-US" altLang="zh-CN" sz="2400" b="1" dirty="0">
-                <a:solidFill>
-                  <a:srgbClr val="3F9101"/>
-                </a:solidFill>
-                <a:effectLst/>
-                <a:latin typeface="Consolas" panose="020B0609020204030204" pitchFamily="49" charset="0"/>
-              </a:rPr>
-              <a:t>(</a:t>
-            </a:r>
-            <a:r>
-              <a:rPr lang="en-US" altLang="zh-CN" sz="2400" b="1" dirty="0">
-                <a:solidFill>
-                  <a:srgbClr val="2E6446"/>
-                </a:solidFill>
-                <a:effectLst/>
-                <a:latin typeface="Consolas" panose="020B0609020204030204" pitchFamily="49" charset="0"/>
-              </a:rPr>
-              <a:t>1 </a:t>
-            </a:r>
-            <a:r>
-              <a:rPr lang="en-US" altLang="zh-CN" sz="2400" b="1" dirty="0">
-                <a:solidFill>
-                  <a:srgbClr val="A71D5D"/>
-                </a:solidFill>
-                <a:effectLst/>
-                <a:latin typeface="Consolas" panose="020B0609020204030204" pitchFamily="49" charset="0"/>
-              </a:rPr>
-              <a:t>+ </a:t>
-            </a:r>
-            <a:r>
-              <a:rPr lang="en-US" altLang="zh-CN" sz="2400" b="1" dirty="0">
-                <a:solidFill>
-                  <a:srgbClr val="2E6446"/>
-                </a:solidFill>
-                <a:effectLst/>
-                <a:latin typeface="Consolas" panose="020B0609020204030204" pitchFamily="49" charset="0"/>
-              </a:rPr>
-              <a:t>1</a:t>
-            </a:r>
-            <a:r>
-              <a:rPr lang="en-US" altLang="zh-CN" sz="2400" b="1" dirty="0">
-                <a:solidFill>
-                  <a:srgbClr val="63A35C"/>
-                </a:solidFill>
-                <a:effectLst/>
-                <a:latin typeface="Consolas" panose="020B0609020204030204" pitchFamily="49" charset="0"/>
-              </a:rPr>
-              <a:t>, </a:t>
-            </a:r>
-            <a:r>
-              <a:rPr lang="en-US" altLang="zh-CN" sz="2400" b="1" dirty="0">
-                <a:solidFill>
-                  <a:srgbClr val="2E6446"/>
-                </a:solidFill>
-                <a:effectLst/>
-                <a:latin typeface="Consolas" panose="020B0609020204030204" pitchFamily="49" charset="0"/>
-              </a:rPr>
-              <a:t>1.0 </a:t>
-            </a:r>
-            <a:r>
-              <a:rPr lang="en-US" altLang="zh-CN" sz="2400" b="1" dirty="0">
-                <a:solidFill>
-                  <a:srgbClr val="A71D5D"/>
-                </a:solidFill>
-                <a:effectLst/>
-                <a:latin typeface="Consolas" panose="020B0609020204030204" pitchFamily="49" charset="0"/>
-              </a:rPr>
-              <a:t>+ </a:t>
-            </a:r>
-            <a:r>
-              <a:rPr lang="en-US" altLang="zh-CN" sz="2400" b="1" dirty="0">
-                <a:solidFill>
-                  <a:srgbClr val="2E6446"/>
-                </a:solidFill>
-                <a:effectLst/>
-                <a:latin typeface="Consolas" panose="020B0609020204030204" pitchFamily="49" charset="0"/>
-              </a:rPr>
-              <a:t>1.0</a:t>
-            </a:r>
-            <a:r>
-              <a:rPr lang="en-US" altLang="zh-CN" sz="2400" b="1" dirty="0">
-                <a:solidFill>
-                  <a:srgbClr val="63A35C"/>
-                </a:solidFill>
-                <a:effectLst/>
-                <a:latin typeface="Consolas" panose="020B0609020204030204" pitchFamily="49" charset="0"/>
-              </a:rPr>
-              <a:t>, </a:t>
-            </a:r>
-            <a:r>
-              <a:rPr lang="en-US" altLang="zh-CN" sz="2400" b="1" dirty="0">
-                <a:solidFill>
-                  <a:srgbClr val="2E6446"/>
-                </a:solidFill>
-                <a:effectLst/>
-                <a:latin typeface="Consolas" panose="020B0609020204030204" pitchFamily="49" charset="0"/>
-              </a:rPr>
-              <a:t>1 </a:t>
-            </a:r>
-            <a:r>
-              <a:rPr lang="en-US" altLang="zh-CN" sz="2400" b="1" dirty="0">
-                <a:solidFill>
-                  <a:srgbClr val="A71D5D"/>
-                </a:solidFill>
-                <a:effectLst/>
-                <a:latin typeface="Consolas" panose="020B0609020204030204" pitchFamily="49" charset="0"/>
-              </a:rPr>
-              <a:t>+ </a:t>
-            </a:r>
-            <a:r>
-              <a:rPr lang="en-US" altLang="zh-CN" sz="2400" b="1" dirty="0">
-                <a:solidFill>
-                  <a:srgbClr val="2E6446"/>
-                </a:solidFill>
-                <a:effectLst/>
-                <a:latin typeface="Consolas" panose="020B0609020204030204" pitchFamily="49" charset="0"/>
-              </a:rPr>
-              <a:t>1.0</a:t>
-            </a:r>
-            <a:r>
-              <a:rPr lang="en-US" altLang="zh-CN" sz="2400" b="1" dirty="0">
-                <a:solidFill>
-                  <a:srgbClr val="3F9101"/>
-                </a:solidFill>
-                <a:effectLst/>
-                <a:latin typeface="Consolas" panose="020B0609020204030204" pitchFamily="49" charset="0"/>
-              </a:rPr>
-              <a:t>)</a:t>
-            </a:r>
-          </a:p>
-          <a:p>
-            <a:r>
-              <a:rPr lang="en-US" altLang="zh-CN" sz="2400" b="1" dirty="0">
-                <a:solidFill>
-                  <a:srgbClr val="A05830"/>
-                </a:solidFill>
-                <a:effectLst/>
-                <a:latin typeface="Consolas" panose="020B0609020204030204" pitchFamily="49" charset="0"/>
-              </a:rPr>
-              <a:t># </a:t>
-            </a:r>
-            <a:r>
-              <a:rPr lang="zh-CN" altLang="en-US" sz="2400" b="1" dirty="0">
-                <a:solidFill>
-                  <a:srgbClr val="A05830"/>
-                </a:solidFill>
-                <a:effectLst/>
-                <a:latin typeface="宋体" panose="02010600030101010101" pitchFamily="2" charset="-122"/>
-                <a:ea typeface="宋体" panose="02010600030101010101" pitchFamily="2" charset="-122"/>
-              </a:rPr>
-              <a:t>乘方、除法、整除法（向下取整）和求模</a:t>
-            </a:r>
-            <a:br>
-              <a:rPr lang="zh-CN" altLang="en-US" sz="2400" b="1" dirty="0">
-                <a:solidFill>
-                  <a:srgbClr val="A05830"/>
-                </a:solidFill>
-                <a:effectLst/>
-                <a:latin typeface="宋体" panose="02010600030101010101" pitchFamily="2" charset="-122"/>
-                <a:ea typeface="宋体" panose="02010600030101010101" pitchFamily="2" charset="-122"/>
-              </a:rPr>
-            </a:br>
-            <a:r>
-              <a:rPr lang="en-US" altLang="zh-CN" sz="2400" b="1" dirty="0">
-                <a:solidFill>
-                  <a:srgbClr val="0200BD"/>
-                </a:solidFill>
-                <a:effectLst/>
-                <a:latin typeface="Consolas" panose="020B0609020204030204" pitchFamily="49" charset="0"/>
-              </a:rPr>
-              <a:t>print</a:t>
-            </a:r>
-            <a:r>
-              <a:rPr lang="en-US" altLang="zh-CN" sz="2400" b="1" dirty="0">
-                <a:solidFill>
-                  <a:srgbClr val="3F9101"/>
-                </a:solidFill>
-                <a:effectLst/>
-                <a:latin typeface="Consolas" panose="020B0609020204030204" pitchFamily="49" charset="0"/>
-              </a:rPr>
-              <a:t>(</a:t>
-            </a:r>
-            <a:r>
-              <a:rPr lang="en-US" altLang="zh-CN" sz="2400" b="1" dirty="0">
-                <a:solidFill>
-                  <a:srgbClr val="2E6446"/>
-                </a:solidFill>
-                <a:effectLst/>
-                <a:latin typeface="Consolas" panose="020B0609020204030204" pitchFamily="49" charset="0"/>
-              </a:rPr>
-              <a:t>3 </a:t>
-            </a:r>
-            <a:r>
-              <a:rPr lang="en-US" altLang="zh-CN" sz="2400" b="1" dirty="0">
-                <a:solidFill>
-                  <a:srgbClr val="A71D5D"/>
-                </a:solidFill>
-                <a:effectLst/>
-                <a:latin typeface="Consolas" panose="020B0609020204030204" pitchFamily="49" charset="0"/>
-              </a:rPr>
-              <a:t>** </a:t>
-            </a:r>
-            <a:r>
-              <a:rPr lang="en-US" altLang="zh-CN" sz="2400" b="1" dirty="0">
-                <a:solidFill>
-                  <a:srgbClr val="2E6446"/>
-                </a:solidFill>
-                <a:effectLst/>
-                <a:latin typeface="Consolas" panose="020B0609020204030204" pitchFamily="49" charset="0"/>
-              </a:rPr>
-              <a:t>2</a:t>
-            </a:r>
-            <a:r>
-              <a:rPr lang="en-US" altLang="zh-CN" sz="2400" b="1" dirty="0">
-                <a:solidFill>
-                  <a:srgbClr val="63A35C"/>
-                </a:solidFill>
-                <a:effectLst/>
-                <a:latin typeface="Consolas" panose="020B0609020204030204" pitchFamily="49" charset="0"/>
-              </a:rPr>
-              <a:t>, </a:t>
-            </a:r>
-            <a:r>
-              <a:rPr lang="en-US" altLang="zh-CN" sz="2400" b="1" dirty="0">
-                <a:solidFill>
-                  <a:srgbClr val="2E6446"/>
-                </a:solidFill>
-                <a:effectLst/>
-                <a:latin typeface="Consolas" panose="020B0609020204030204" pitchFamily="49" charset="0"/>
-              </a:rPr>
-              <a:t>3 </a:t>
-            </a:r>
-            <a:r>
-              <a:rPr lang="en-US" altLang="zh-CN" sz="2400" b="1" dirty="0">
-                <a:solidFill>
-                  <a:srgbClr val="A71D5D"/>
-                </a:solidFill>
-                <a:effectLst/>
-                <a:latin typeface="Consolas" panose="020B0609020204030204" pitchFamily="49" charset="0"/>
-              </a:rPr>
-              <a:t>/ </a:t>
-            </a:r>
-            <a:r>
-              <a:rPr lang="en-US" altLang="zh-CN" sz="2400" b="1" dirty="0">
-                <a:solidFill>
-                  <a:srgbClr val="2E6446"/>
-                </a:solidFill>
-                <a:effectLst/>
-                <a:latin typeface="Consolas" panose="020B0609020204030204" pitchFamily="49" charset="0"/>
-              </a:rPr>
-              <a:t>2</a:t>
-            </a:r>
-            <a:r>
-              <a:rPr lang="en-US" altLang="zh-CN" sz="2400" b="1" dirty="0">
-                <a:solidFill>
-                  <a:srgbClr val="63A35C"/>
-                </a:solidFill>
-                <a:effectLst/>
-                <a:latin typeface="Consolas" panose="020B0609020204030204" pitchFamily="49" charset="0"/>
-              </a:rPr>
-              <a:t>, </a:t>
-            </a:r>
-            <a:r>
-              <a:rPr lang="en-US" altLang="zh-CN" sz="2400" b="1" dirty="0">
-                <a:solidFill>
-                  <a:srgbClr val="2E6446"/>
-                </a:solidFill>
-                <a:effectLst/>
-                <a:latin typeface="Consolas" panose="020B0609020204030204" pitchFamily="49" charset="0"/>
-              </a:rPr>
-              <a:t>3 </a:t>
-            </a:r>
-            <a:r>
-              <a:rPr lang="en-US" altLang="zh-CN" sz="2400" b="1" dirty="0">
-                <a:solidFill>
-                  <a:srgbClr val="A71D5D"/>
-                </a:solidFill>
-                <a:effectLst/>
-                <a:latin typeface="Consolas" panose="020B0609020204030204" pitchFamily="49" charset="0"/>
-              </a:rPr>
-              <a:t>// </a:t>
-            </a:r>
-            <a:r>
-              <a:rPr lang="en-US" altLang="zh-CN" sz="2400" b="1" dirty="0">
-                <a:solidFill>
-                  <a:srgbClr val="2E6446"/>
-                </a:solidFill>
-                <a:effectLst/>
-                <a:latin typeface="Consolas" panose="020B0609020204030204" pitchFamily="49" charset="0"/>
-              </a:rPr>
-              <a:t>2</a:t>
-            </a:r>
-            <a:r>
-              <a:rPr lang="en-US" altLang="zh-CN" sz="2400" b="1" dirty="0">
-                <a:solidFill>
-                  <a:srgbClr val="63A35C"/>
-                </a:solidFill>
-                <a:effectLst/>
-                <a:latin typeface="Consolas" panose="020B0609020204030204" pitchFamily="49" charset="0"/>
-              </a:rPr>
-              <a:t>, </a:t>
-            </a:r>
-            <a:r>
-              <a:rPr lang="en-US" altLang="zh-CN" sz="2400" b="1" dirty="0">
-                <a:solidFill>
-                  <a:srgbClr val="2E6446"/>
-                </a:solidFill>
-                <a:effectLst/>
-                <a:latin typeface="Consolas" panose="020B0609020204030204" pitchFamily="49" charset="0"/>
-              </a:rPr>
-              <a:t>5 </a:t>
-            </a:r>
-            <a:r>
-              <a:rPr lang="en-US" altLang="zh-CN" sz="2400" b="1" dirty="0">
-                <a:solidFill>
-                  <a:srgbClr val="A71D5D"/>
-                </a:solidFill>
-                <a:effectLst/>
-                <a:latin typeface="Consolas" panose="020B0609020204030204" pitchFamily="49" charset="0"/>
-              </a:rPr>
-              <a:t>% </a:t>
-            </a:r>
-            <a:r>
-              <a:rPr lang="en-US" altLang="zh-CN" sz="2400" b="1" dirty="0">
-                <a:solidFill>
-                  <a:srgbClr val="2E6446"/>
-                </a:solidFill>
-                <a:effectLst/>
-                <a:latin typeface="Consolas" panose="020B0609020204030204" pitchFamily="49" charset="0"/>
-              </a:rPr>
-              <a:t>2</a:t>
-            </a:r>
-            <a:r>
-              <a:rPr lang="en-US" altLang="zh-CN" sz="2400" b="1" dirty="0">
-                <a:solidFill>
-                  <a:srgbClr val="3F9101"/>
-                </a:solidFill>
-                <a:effectLst/>
-                <a:latin typeface="Consolas" panose="020B0609020204030204" pitchFamily="49" charset="0"/>
-              </a:rPr>
-              <a:t>)</a:t>
-            </a:r>
-            <a:br>
-              <a:rPr lang="en-US" altLang="zh-CN" sz="2400" b="1" dirty="0">
-                <a:solidFill>
-                  <a:srgbClr val="3F9101"/>
-                </a:solidFill>
-                <a:effectLst/>
-                <a:latin typeface="Consolas" panose="020B0609020204030204" pitchFamily="49" charset="0"/>
-              </a:rPr>
-            </a:br>
-            <a:endParaRPr lang="en-US" altLang="zh-CN" sz="2400" b="1" dirty="0">
-              <a:solidFill>
-                <a:srgbClr val="333333"/>
-              </a:solidFill>
-              <a:effectLst/>
-              <a:latin typeface="Consolas" panose="020B0609020204030204" pitchFamily="49" charset="0"/>
-            </a:endParaRPr>
-          </a:p>
-        </p:txBody>
-      </p:sp>
-      <p:sp>
-        <p:nvSpPr>
-          <p:cNvPr id="5" name="文本框 4">
-            <a:extLst>
-              <a:ext uri="{FF2B5EF4-FFF2-40B4-BE49-F238E27FC236}">
-                <a16:creationId xmlns:a16="http://schemas.microsoft.com/office/drawing/2014/main" id="{B7A8CE03-6A77-60EC-056E-D7A0019640A3}"/>
-              </a:ext>
-            </a:extLst>
-          </p:cNvPr>
-          <p:cNvSpPr txBox="1"/>
-          <p:nvPr/>
-        </p:nvSpPr>
-        <p:spPr>
-          <a:xfrm>
-            <a:off x="7356476" y="4412579"/>
-            <a:ext cx="3390898" cy="1938992"/>
-          </a:xfrm>
-          <a:prstGeom prst="rect">
-            <a:avLst/>
-          </a:prstGeom>
-          <a:noFill/>
-          <a:ln>
-            <a:solidFill>
-              <a:schemeClr val="bg2"/>
-            </a:solidFill>
-          </a:ln>
-        </p:spPr>
-        <p:txBody>
-          <a:bodyPr wrap="square">
-            <a:spAutoFit/>
-          </a:bodyPr>
-          <a:lstStyle/>
-          <a:p>
-            <a:r>
-              <a:rPr lang="zh-CN" altLang="en-US" sz="2400" b="1" dirty="0">
-                <a:solidFill>
-                  <a:srgbClr val="333333"/>
-                </a:solidFill>
-                <a:highlight>
-                  <a:srgbClr val="C0C0C0"/>
-                </a:highlight>
-                <a:latin typeface="Consolas" panose="020B0609020204030204" pitchFamily="49" charset="0"/>
-              </a:rPr>
-              <a:t>运行结果</a:t>
-            </a:r>
-            <a:endParaRPr lang="en-US" altLang="zh-CN" sz="2400" b="1" dirty="0">
-              <a:solidFill>
-                <a:srgbClr val="333333"/>
-              </a:solidFill>
+              <a:t>小节，我们将学习如何分析 </a:t>
+            </a:r>
+            <a:r>
+              <a:rPr lang="en-US" altLang="zh-CN" dirty="0"/>
+              <a:t>CSV </a:t>
+            </a:r>
+            <a:r>
+              <a:rPr lang="zh-CN" altLang="en-US" dirty="0"/>
+              <a:t>文件，了解 </a:t>
+            </a:r>
+            <a:r>
+              <a:rPr lang="en-US" altLang="zh-CN" dirty="0"/>
+              <a:t>CSV </a:t>
+            </a:r>
+            <a:r>
+              <a:rPr lang="zh-CN" altLang="en-US" dirty="0"/>
+              <a:t>的表头，提取读取其中的数据并作打印展示，最后绘制出文阿拉斯加州锡特卡 </a:t>
+            </a:r>
+            <a:r>
+              <a:rPr lang="en-US" altLang="zh-CN" dirty="0"/>
+              <a:t>2021 </a:t>
+            </a:r>
+            <a:r>
+              <a:rPr lang="zh-CN" altLang="en-US" dirty="0"/>
+              <a:t>年 </a:t>
+            </a:r>
+            <a:r>
+              <a:rPr lang="en-US" altLang="zh-CN" dirty="0"/>
+              <a:t>7 </a:t>
+            </a:r>
+            <a:r>
+              <a:rPr lang="zh-CN" altLang="en-US" dirty="0"/>
+              <a:t>月每日最高温度的折线图。</a:t>
+            </a:r>
+            <a:endParaRPr lang="en-US" altLang="zh-CN" sz="2400" dirty="0">
               <a:highlight>
                 <a:srgbClr val="C0C0C0"/>
               </a:highlight>
-              <a:latin typeface="Consolas" panose="020B0609020204030204" pitchFamily="49" charset="0"/>
             </a:endParaRPr>
           </a:p>
-          <a:p>
-            <a:r>
-              <a:rPr lang="da-DK" altLang="zh-CN" sz="2400" dirty="0">
-                <a:solidFill>
-                  <a:srgbClr val="333333"/>
-                </a:solidFill>
-                <a:effectLst/>
-                <a:latin typeface="Consolas" panose="020B0609020204030204" pitchFamily="49" charset="0"/>
-              </a:rPr>
-              <a:t>1 1000000 1.5</a:t>
-            </a:r>
-          </a:p>
-          <a:p>
-            <a:r>
-              <a:rPr lang="da-DK" altLang="zh-CN" sz="2400" dirty="0">
-                <a:solidFill>
-                  <a:srgbClr val="333333"/>
-                </a:solidFill>
-                <a:effectLst/>
-                <a:latin typeface="Consolas" panose="020B0609020204030204" pitchFamily="49" charset="0"/>
-              </a:rPr>
-              <a:t>True False</a:t>
-            </a:r>
-          </a:p>
-          <a:p>
-            <a:r>
-              <a:rPr lang="da-DK" altLang="zh-CN" sz="2400" dirty="0">
-                <a:solidFill>
-                  <a:srgbClr val="333333"/>
-                </a:solidFill>
-                <a:effectLst/>
-                <a:latin typeface="Consolas" panose="020B0609020204030204" pitchFamily="49" charset="0"/>
-              </a:rPr>
-              <a:t>2 2.0 2.0</a:t>
-            </a:r>
-          </a:p>
-          <a:p>
-            <a:r>
-              <a:rPr lang="da-DK" altLang="zh-CN" sz="2400" dirty="0">
-                <a:solidFill>
-                  <a:srgbClr val="333333"/>
-                </a:solidFill>
-                <a:effectLst/>
-                <a:latin typeface="Consolas" panose="020B0609020204030204" pitchFamily="49" charset="0"/>
-              </a:rPr>
-              <a:t>9 1.5 1 1</a:t>
-            </a:r>
-            <a:endParaRPr lang="pl-PL" altLang="zh-CN" sz="2400" dirty="0">
-              <a:solidFill>
-                <a:srgbClr val="333333"/>
-              </a:solidFill>
-              <a:effectLst/>
-              <a:latin typeface="Consolas" panose="020B0609020204030204" pitchFamily="49" charset="0"/>
-            </a:endParaRPr>
+        </p:txBody>
+      </p:sp>
+      <p:sp>
+        <p:nvSpPr>
+          <p:cNvPr id="5" name="标题 4">
+            <a:extLst>
+              <a:ext uri="{FF2B5EF4-FFF2-40B4-BE49-F238E27FC236}">
+                <a16:creationId xmlns:a16="http://schemas.microsoft.com/office/drawing/2014/main" id="{ECD1468B-E50A-F0B9-5A45-CC58489992C2}"/>
+              </a:ext>
+            </a:extLst>
+          </p:cNvPr>
+          <p:cNvSpPr>
+            <a:spLocks noGrp="1"/>
+          </p:cNvSpPr>
+          <p:nvPr>
+            <p:ph type="title"/>
+          </p:nvPr>
+        </p:nvSpPr>
+        <p:spPr/>
+        <p:txBody>
+          <a:bodyPr/>
+          <a:lstStyle/>
+          <a:p>
+            <a:r>
+              <a:rPr lang="en-US" altLang="zh-CN" dirty="0"/>
+              <a:t>16.1 CSV </a:t>
+            </a:r>
+            <a:r>
+              <a:rPr lang="zh-CN" altLang="en-US" dirty="0"/>
+              <a:t>文件格式</a:t>
+            </a:r>
           </a:p>
         </p:txBody>
       </p:sp>
     </p:spTree>
     <p:extLst>
       <p:ext uri="{BB962C8B-B14F-4D97-AF65-F5344CB8AC3E}">
-        <p14:creationId xmlns:p14="http://schemas.microsoft.com/office/powerpoint/2010/main" val="3277191409"/>
+        <p14:creationId xmlns:p14="http://schemas.microsoft.com/office/powerpoint/2010/main" val="1340368178"/>
       </p:ext>
     </p:extLst>
   </p:cSld>
   <p:clrMapOvr>
     <a:masterClrMapping/>
   </p:clrMapOvr>
-  <p:timing>
-    <p:tnLst>
-      <p:par>
-        <p:cTn id="1" dur="indefinite" restart="never" nodeType="tmRoot">
-          <p:childTnLst>
-            <p:seq concurrent="1" nextAc="seek">
-              <p:cTn id="2" dur="indefinite" nodeType="mainSeq">
-                <p:childTnLst>
-                  <p:par>
-                    <p:cTn id="3" fill="hold">
-                      <p:stCondLst>
-                        <p:cond delay="indefinite"/>
-                      </p:stCondLst>
-                      <p:childTnLst>
-                        <p:par>
-                          <p:cTn id="4" fill="hold">
-                            <p:stCondLst>
-                              <p:cond delay="0"/>
-                            </p:stCondLst>
-                            <p:childTnLst>
-                              <p:par>
-                                <p:cTn id="5" presetID="1" presetClass="entr" presetSubtype="0" fill="hold" grpId="0" nodeType="clickEffect">
-                                  <p:stCondLst>
-                                    <p:cond delay="0"/>
-                                  </p:stCondLst>
-                                  <p:childTnLst>
-                                    <p:set>
-                                      <p:cBhvr>
-                                        <p:cTn id="6" dur="1" fill="hold">
-                                          <p:stCondLst>
-                                            <p:cond delay="0"/>
-                                          </p:stCondLst>
-                                        </p:cTn>
-                                        <p:tgtEl>
-                                          <p:spTgt spid="5"/>
-                                        </p:tgtEl>
-                                        <p:attrNameLst>
-                                          <p:attrName>style.visibility</p:attrName>
-                                        </p:attrNameLst>
-                                      </p:cBhvr>
-                                      <p:to>
-                                        <p:strVal val="visible"/>
-                                      </p:to>
-                                    </p:set>
-                                  </p:childTnLst>
-                                </p:cTn>
-                              </p:par>
-                            </p:childTnLst>
-                          </p:cTn>
-                        </p:par>
-                      </p:childTnLst>
-                    </p:cTn>
-                  </p:par>
-                </p:childTnLst>
-              </p:cTn>
-              <p:prevCondLst>
-                <p:cond evt="onPrev" delay="0">
-                  <p:tgtEl>
-                    <p:sldTgt/>
-                  </p:tgtEl>
-                </p:cond>
-              </p:prevCondLst>
-              <p:nextCondLst>
-                <p:cond evt="onNext" delay="0">
-                  <p:tgtEl>
-                    <p:sldTgt/>
-                  </p:tgtEl>
-                </p:cond>
-              </p:nextCondLst>
-            </p:seq>
-          </p:childTnLst>
-        </p:cTn>
-      </p:par>
-    </p:tnLst>
-    <p:bldLst>
-      <p:bldP spid="5" grpId="0" animBg="1"/>
-    </p:bldLst>
-  </p:timing>
 </p:sld>
 </file>
 
@@ -9876,7 +10218,13 @@
   <p:cSld>
     <p:spTree>
       <p:nvGrpSpPr>
-        <p:cNvPr id="1" name=""/>
+        <p:cNvPr id="1" name="">
+          <a:extLst>
+            <a:ext uri="{FF2B5EF4-FFF2-40B4-BE49-F238E27FC236}">
+              <a16:creationId xmlns:a16="http://schemas.microsoft.com/office/drawing/2014/main" id="{CA901DBE-E502-FAE6-A264-7820EA13F9CB}"/>
+            </a:ext>
+          </a:extLst>
+        </p:cNvPr>
         <p:cNvGrpSpPr/>
         <p:nvPr/>
       </p:nvGrpSpPr>
@@ -9888,12 +10236,41 @@
           <a:chExt cx="0" cy="0"/>
         </a:xfrm>
       </p:grpSpPr>
-      <p:sp>
-        <p:nvSpPr>
-          <p:cNvPr id="2" name="标题 1">
-            <a:extLst>
-              <a:ext uri="{FF2B5EF4-FFF2-40B4-BE49-F238E27FC236}">
-                <a16:creationId xmlns:a16="http://schemas.microsoft.com/office/drawing/2014/main" id="{1CBF67D3-549D-0623-7687-618F66C7933B}"/>
+      <p:pic>
+        <p:nvPicPr>
+          <p:cNvPr id="4" name="内容占位符 3">
+            <a:extLst>
+              <a:ext uri="{FF2B5EF4-FFF2-40B4-BE49-F238E27FC236}">
+                <a16:creationId xmlns:a16="http://schemas.microsoft.com/office/drawing/2014/main" id="{C8CE620F-6C8C-7190-9849-3DC7DD6FCF2D}"/>
+              </a:ext>
+            </a:extLst>
+          </p:cNvPr>
+          <p:cNvPicPr>
+            <a:picLocks noGrp="1" noChangeAspect="1"/>
+          </p:cNvPicPr>
+          <p:nvPr>
+            <p:ph idx="1"/>
+          </p:nvPr>
+        </p:nvPicPr>
+        <p:blipFill>
+          <a:blip r:embed="rId3"/>
+          <a:stretch>
+            <a:fillRect/>
+          </a:stretch>
+        </p:blipFill>
+        <p:spPr>
+          <a:xfrm>
+            <a:off x="2955763" y="2075554"/>
+            <a:ext cx="6280473" cy="3981655"/>
+          </a:xfrm>
+        </p:spPr>
+      </p:pic>
+      <p:sp>
+        <p:nvSpPr>
+          <p:cNvPr id="5" name="标题 4">
+            <a:extLst>
+              <a:ext uri="{FF2B5EF4-FFF2-40B4-BE49-F238E27FC236}">
+                <a16:creationId xmlns:a16="http://schemas.microsoft.com/office/drawing/2014/main" id="{2954B624-560B-F3E7-111F-FCD16C0EA94E}"/>
               </a:ext>
             </a:extLst>
           </p:cNvPr>
@@ -9906,69 +10283,16 @@
         </p:nvSpPr>
         <p:spPr/>
         <p:txBody>
-          <a:bodyPr>
-            <a:normAutofit/>
-          </a:bodyPr>
+          <a:bodyPr/>
           <a:lstStyle/>
           <a:p>
             <a:r>
               <a:rPr lang="en-US" altLang="zh-CN" dirty="0"/>
-              <a:t>16.3 </a:t>
-            </a:r>
-            <a:r>
-              <a:rPr lang="zh-CN" altLang="en-US"/>
-              <a:t>小结</a:t>
-            </a:r>
-            <a:endParaRPr lang="en-US" altLang="zh-CN" dirty="0"/>
-          </a:p>
-        </p:txBody>
-      </p:sp>
-      <p:sp>
-        <p:nvSpPr>
-          <p:cNvPr id="5" name="内容占位符 4">
-            <a:extLst>
-              <a:ext uri="{FF2B5EF4-FFF2-40B4-BE49-F238E27FC236}">
-                <a16:creationId xmlns:a16="http://schemas.microsoft.com/office/drawing/2014/main" id="{27E734E7-DC50-2043-E0F4-ADDF97100AAB}"/>
-              </a:ext>
-            </a:extLst>
-          </p:cNvPr>
-          <p:cNvSpPr>
-            <a:spLocks noGrp="1"/>
-          </p:cNvSpPr>
-          <p:nvPr>
-            <p:ph idx="1"/>
-          </p:nvPr>
-        </p:nvSpPr>
-        <p:spPr/>
-        <p:txBody>
-          <a:bodyPr>
-            <a:normAutofit/>
-          </a:bodyPr>
-          <a:lstStyle/>
-          <a:p>
-            <a:pPr>
-              <a:lnSpc>
-                <a:spcPct val="100000"/>
-              </a:lnSpc>
-            </a:pPr>
+              <a:t>16.1 CSV </a:t>
+            </a:r>
             <a:r>
               <a:rPr lang="zh-CN" altLang="en-US" dirty="0"/>
-              <a:t>学习了</a:t>
-            </a:r>
-            <a:endParaRPr lang="en-US" altLang="zh-CN" dirty="0"/>
-          </a:p>
-          <a:p>
-            <a:pPr>
-              <a:lnSpc>
-                <a:spcPct val="100000"/>
-              </a:lnSpc>
-            </a:pPr>
-            <a:endParaRPr lang="en-US" altLang="zh-CN" dirty="0"/>
-          </a:p>
-          <a:p>
-            <a:r>
-              <a:rPr lang="zh-CN" altLang="en-US" dirty="0"/>
-              <a:t>在下一章中，我们将学习</a:t>
+              <a:t>文件格式</a:t>
             </a:r>
           </a:p>
         </p:txBody>
@@ -9976,7 +10300,7 @@
     </p:spTree>
     <p:extLst>
       <p:ext uri="{BB962C8B-B14F-4D97-AF65-F5344CB8AC3E}">
-        <p14:creationId xmlns:p14="http://schemas.microsoft.com/office/powerpoint/2010/main" val="364430658"/>
+        <p14:creationId xmlns:p14="http://schemas.microsoft.com/office/powerpoint/2010/main" val="3814162981"/>
       </p:ext>
     </p:extLst>
   </p:cSld>
@@ -9991,7 +10315,13 @@
   <p:cSld>
     <p:spTree>
       <p:nvGrpSpPr>
-        <p:cNvPr id="1" name=""/>
+        <p:cNvPr id="1" name="">
+          <a:extLst>
+            <a:ext uri="{FF2B5EF4-FFF2-40B4-BE49-F238E27FC236}">
+              <a16:creationId xmlns:a16="http://schemas.microsoft.com/office/drawing/2014/main" id="{56B90589-A06B-9404-77AC-95000687DBE7}"/>
+            </a:ext>
+          </a:extLst>
+        </p:cNvPr>
         <p:cNvGrpSpPr/>
         <p:nvPr/>
       </p:nvGrpSpPr>
@@ -10005,10 +10335,10 @@
       </p:grpSpPr>
       <p:sp>
         <p:nvSpPr>
-          <p:cNvPr id="2" name="标题 1">
-            <a:extLst>
-              <a:ext uri="{FF2B5EF4-FFF2-40B4-BE49-F238E27FC236}">
-                <a16:creationId xmlns:a16="http://schemas.microsoft.com/office/drawing/2014/main" id="{ABA783DF-49A6-7EF1-661E-C574E2C2F386}"/>
+          <p:cNvPr id="5" name="标题 4">
+            <a:extLst>
+              <a:ext uri="{FF2B5EF4-FFF2-40B4-BE49-F238E27FC236}">
+                <a16:creationId xmlns:a16="http://schemas.microsoft.com/office/drawing/2014/main" id="{570B92E0-5802-432F-FE66-60E0676B4E1D}"/>
               </a:ext>
             </a:extLst>
           </p:cNvPr>
@@ -10025,206 +10355,249 @@
           <a:lstStyle/>
           <a:p>
             <a:r>
-              <a:rPr lang="zh-CN" altLang="en-US" dirty="0">
-                <a:effectLst>
-                  <a:outerShdw blurRad="38100" dist="38100" dir="2700000" algn="tl">
-                    <a:srgbClr val="000000">
-                      <a:alpha val="43137"/>
-                    </a:srgbClr>
-                  </a:outerShdw>
-                </a:effectLst>
-              </a:rPr>
-              <a:t>课后拓展</a:t>
-            </a:r>
-          </a:p>
-        </p:txBody>
-      </p:sp>
-      <p:sp>
-        <p:nvSpPr>
-          <p:cNvPr id="3" name="内容占位符 2">
-            <a:extLst>
-              <a:ext uri="{FF2B5EF4-FFF2-40B4-BE49-F238E27FC236}">
-                <a16:creationId xmlns:a16="http://schemas.microsoft.com/office/drawing/2014/main" id="{9E0BA8B8-92DA-1AC9-79B9-A552D184BB54}"/>
-              </a:ext>
-            </a:extLst>
-          </p:cNvPr>
-          <p:cNvSpPr>
-            <a:spLocks noGrp="1"/>
-          </p:cNvSpPr>
+              <a:rPr lang="en-US" altLang="zh-CN" dirty="0"/>
+              <a:t>16.1 CSV </a:t>
+            </a:r>
+            <a:r>
+              <a:rPr lang="zh-CN" altLang="en-US" dirty="0"/>
+              <a:t>文件格式</a:t>
+            </a:r>
+          </a:p>
+        </p:txBody>
+      </p:sp>
+      <p:pic>
+        <p:nvPicPr>
+          <p:cNvPr id="9" name="内容占位符 8">
+            <a:extLst>
+              <a:ext uri="{FF2B5EF4-FFF2-40B4-BE49-F238E27FC236}">
+                <a16:creationId xmlns:a16="http://schemas.microsoft.com/office/drawing/2014/main" id="{B592A266-A46A-9F7E-6950-080A823A205C}"/>
+              </a:ext>
+            </a:extLst>
+          </p:cNvPr>
+          <p:cNvPicPr>
+            <a:picLocks noGrp="1" noChangeAspect="1"/>
+          </p:cNvPicPr>
           <p:nvPr>
             <p:ph idx="1"/>
           </p:nvPr>
-        </p:nvSpPr>
-        <p:spPr/>
-        <p:txBody>
-          <a:bodyPr>
-            <a:normAutofit/>
-          </a:bodyPr>
-          <a:lstStyle/>
-          <a:p>
-            <a:r>
-              <a:rPr lang="en-US" altLang="zh-CN" dirty="0"/>
-              <a:t>1</a:t>
-            </a:r>
-          </a:p>
-          <a:p>
-            <a:endParaRPr lang="en-US" altLang="zh-CN" dirty="0"/>
-          </a:p>
-          <a:p>
-            <a:pPr marL="0" indent="0">
-              <a:buNone/>
-            </a:pPr>
-            <a:endParaRPr lang="en-US" altLang="zh-CN" dirty="0"/>
-          </a:p>
-          <a:p>
-            <a:pPr marL="0" indent="0">
-              <a:buNone/>
-            </a:pPr>
-            <a:r>
-              <a:rPr lang="zh-CN" altLang="en-US" dirty="0">
-                <a:highlight>
-                  <a:srgbClr val="C0C0C0"/>
-                </a:highlight>
-              </a:rPr>
-              <a:t>可选拓展</a:t>
-            </a:r>
-            <a:endParaRPr lang="en-US" altLang="zh-CN" dirty="0">
-              <a:highlight>
-                <a:srgbClr val="C0C0C0"/>
-              </a:highlight>
-            </a:endParaRPr>
-          </a:p>
-          <a:p>
-            <a:r>
-              <a:rPr lang="en-US" altLang="zh-CN" dirty="0"/>
-              <a:t>1</a:t>
-            </a:r>
-          </a:p>
-        </p:txBody>
-      </p:sp>
+        </p:nvPicPr>
+        <p:blipFill>
+          <a:blip r:embed="rId3"/>
+          <a:stretch>
+            <a:fillRect/>
+          </a:stretch>
+        </p:blipFill>
+        <p:spPr>
+          <a:xfrm>
+            <a:off x="2939888" y="2043802"/>
+            <a:ext cx="6312224" cy="4045158"/>
+          </a:xfrm>
+        </p:spPr>
+      </p:pic>
     </p:spTree>
     <p:extLst>
       <p:ext uri="{BB962C8B-B14F-4D97-AF65-F5344CB8AC3E}">
-        <p14:creationId xmlns:p14="http://schemas.microsoft.com/office/powerpoint/2010/main" val="2972236954"/>
+        <p14:creationId xmlns:p14="http://schemas.microsoft.com/office/powerpoint/2010/main" val="2950662966"/>
       </p:ext>
     </p:extLst>
   </p:cSld>
   <p:clrMapOvr>
     <a:masterClrMapping/>
   </p:clrMapOvr>
-  <p:timing>
-    <p:tnLst>
-      <p:par>
-        <p:cTn id="1" dur="indefinite" restart="never" nodeType="tmRoot">
-          <p:childTnLst>
-            <p:seq concurrent="1" nextAc="seek">
-              <p:cTn id="2" dur="indefinite" nodeType="mainSeq">
-                <p:childTnLst>
-                  <p:par>
-                    <p:cTn id="3" fill="hold">
-                      <p:stCondLst>
-                        <p:cond delay="indefinite"/>
-                      </p:stCondLst>
-                      <p:childTnLst>
-                        <p:par>
-                          <p:cTn id="4" fill="hold">
-                            <p:stCondLst>
-                              <p:cond delay="0"/>
-                            </p:stCondLst>
-                            <p:childTnLst>
-                              <p:par>
-                                <p:cTn id="5" presetID="1" presetClass="entr" presetSubtype="0" fill="hold" grpId="0" nodeType="clickEffect">
-                                  <p:stCondLst>
-                                    <p:cond delay="0"/>
-                                  </p:stCondLst>
-                                  <p:childTnLst>
-                                    <p:set>
-                                      <p:cBhvr>
-                                        <p:cTn id="6" dur="1" fill="hold">
-                                          <p:stCondLst>
-                                            <p:cond delay="0"/>
-                                          </p:stCondLst>
-                                        </p:cTn>
-                                        <p:tgtEl>
-                                          <p:spTgt spid="3">
-                                            <p:txEl>
-                                              <p:pRg st="3" end="3"/>
-                                            </p:txEl>
-                                          </p:spTgt>
-                                        </p:tgtEl>
-                                        <p:attrNameLst>
-                                          <p:attrName>style.visibility</p:attrName>
-                                        </p:attrNameLst>
-                                      </p:cBhvr>
-                                      <p:to>
-                                        <p:strVal val="visible"/>
-                                      </p:to>
-                                    </p:set>
-                                  </p:childTnLst>
-                                </p:cTn>
-                              </p:par>
-                              <p:par>
-                                <p:cTn id="7" presetID="1" presetClass="entr" presetSubtype="0" fill="hold" grpId="0" nodeType="withEffect">
-                                  <p:stCondLst>
-                                    <p:cond delay="0"/>
-                                  </p:stCondLst>
-                                  <p:childTnLst>
-                                    <p:set>
-                                      <p:cBhvr>
-                                        <p:cTn id="8" dur="1" fill="hold">
-                                          <p:stCondLst>
-                                            <p:cond delay="0"/>
-                                          </p:stCondLst>
-                                        </p:cTn>
-                                        <p:tgtEl>
-                                          <p:spTgt spid="3">
-                                            <p:txEl>
-                                              <p:pRg st="4" end="4"/>
-                                            </p:txEl>
-                                          </p:spTgt>
-                                        </p:tgtEl>
-                                        <p:attrNameLst>
-                                          <p:attrName>style.visibility</p:attrName>
-                                        </p:attrNameLst>
-                                      </p:cBhvr>
-                                      <p:to>
-                                        <p:strVal val="visible"/>
-                                      </p:to>
-                                    </p:set>
-                                  </p:childTnLst>
-                                </p:cTn>
-                              </p:par>
-                            </p:childTnLst>
-                          </p:cTn>
-                        </p:par>
-                      </p:childTnLst>
-                    </p:cTn>
-                  </p:par>
-                </p:childTnLst>
-              </p:cTn>
-              <p:prevCondLst>
-                <p:cond evt="onPrev" delay="0">
-                  <p:tgtEl>
-                    <p:sldTgt/>
-                  </p:tgtEl>
-                </p:cond>
-              </p:prevCondLst>
-              <p:nextCondLst>
-                <p:cond evt="onNext" delay="0">
-                  <p:tgtEl>
-                    <p:sldTgt/>
-                  </p:tgtEl>
-                </p:cond>
-              </p:nextCondLst>
-            </p:seq>
-          </p:childTnLst>
-        </p:cTn>
-      </p:par>
-    </p:tnLst>
-    <p:bldLst>
-      <p:bldP spid="3" grpId="0" uiExpand="1" build="p"/>
-    </p:bldLst>
-  </p:timing>
+</p:sld>
+</file>
+
+<file path=ppt/slides/slide8.xml><?xml version="1.0" encoding="utf-8"?>
+<p:sld xmlns:a="http://schemas.openxmlformats.org/drawingml/2006/main" xmlns:r="http://schemas.openxmlformats.org/officeDocument/2006/relationships" xmlns:p="http://schemas.openxmlformats.org/presentationml/2006/main">
+  <p:cSld>
+    <p:spTree>
+      <p:nvGrpSpPr>
+        <p:cNvPr id="1" name="">
+          <a:extLst>
+            <a:ext uri="{FF2B5EF4-FFF2-40B4-BE49-F238E27FC236}">
+              <a16:creationId xmlns:a16="http://schemas.microsoft.com/office/drawing/2014/main" id="{16ADBF32-8E9C-2496-5ABB-C49D146E3BAC}"/>
+            </a:ext>
+          </a:extLst>
+        </p:cNvPr>
+        <p:cNvGrpSpPr/>
+        <p:nvPr/>
+      </p:nvGrpSpPr>
+      <p:grpSpPr>
+        <a:xfrm>
+          <a:off x="0" y="0"/>
+          <a:ext cx="0" cy="0"/>
+          <a:chOff x="0" y="0"/>
+          <a:chExt cx="0" cy="0"/>
+        </a:xfrm>
+      </p:grpSpPr>
+      <p:sp>
+        <p:nvSpPr>
+          <p:cNvPr id="5" name="标题 4">
+            <a:extLst>
+              <a:ext uri="{FF2B5EF4-FFF2-40B4-BE49-F238E27FC236}">
+                <a16:creationId xmlns:a16="http://schemas.microsoft.com/office/drawing/2014/main" id="{E398DDC9-765A-F641-1141-9310F4359F84}"/>
+              </a:ext>
+            </a:extLst>
+          </p:cNvPr>
+          <p:cNvSpPr>
+            <a:spLocks noGrp="1"/>
+          </p:cNvSpPr>
+          <p:nvPr>
+            <p:ph type="title"/>
+          </p:nvPr>
+        </p:nvSpPr>
+        <p:spPr/>
+        <p:txBody>
+          <a:bodyPr/>
+          <a:lstStyle/>
+          <a:p>
+            <a:r>
+              <a:rPr lang="en-US" altLang="zh-CN" dirty="0"/>
+              <a:t>16.1 CSV </a:t>
+            </a:r>
+            <a:r>
+              <a:rPr lang="zh-CN" altLang="en-US" dirty="0"/>
+              <a:t>文件格式</a:t>
+            </a:r>
+          </a:p>
+        </p:txBody>
+      </p:sp>
+      <p:pic>
+        <p:nvPicPr>
+          <p:cNvPr id="15" name="内容占位符 14">
+            <a:extLst>
+              <a:ext uri="{FF2B5EF4-FFF2-40B4-BE49-F238E27FC236}">
+                <a16:creationId xmlns:a16="http://schemas.microsoft.com/office/drawing/2014/main" id="{ED212BAA-FFA8-BE63-9EEE-5D0BCF818639}"/>
+              </a:ext>
+            </a:extLst>
+          </p:cNvPr>
+          <p:cNvPicPr>
+            <a:picLocks noGrp="1" noChangeAspect="1"/>
+          </p:cNvPicPr>
+          <p:nvPr>
+            <p:ph idx="1"/>
+          </p:nvPr>
+        </p:nvPicPr>
+        <p:blipFill>
+          <a:blip r:embed="rId3"/>
+          <a:stretch>
+            <a:fillRect/>
+          </a:stretch>
+        </p:blipFill>
+        <p:spPr>
+          <a:xfrm>
+            <a:off x="3111500" y="2262982"/>
+            <a:ext cx="5969000" cy="3606799"/>
+          </a:xfrm>
+        </p:spPr>
+      </p:pic>
+    </p:spTree>
+    <p:extLst>
+      <p:ext uri="{BB962C8B-B14F-4D97-AF65-F5344CB8AC3E}">
+        <p14:creationId xmlns:p14="http://schemas.microsoft.com/office/powerpoint/2010/main" val="1188676836"/>
+      </p:ext>
+    </p:extLst>
+  </p:cSld>
+  <p:clrMapOvr>
+    <a:masterClrMapping/>
+  </p:clrMapOvr>
+</p:sld>
+</file>
+
+<file path=ppt/slides/slide9.xml><?xml version="1.0" encoding="utf-8"?>
+<p:sld xmlns:a="http://schemas.openxmlformats.org/drawingml/2006/main" xmlns:r="http://schemas.openxmlformats.org/officeDocument/2006/relationships" xmlns:p="http://schemas.openxmlformats.org/presentationml/2006/main">
+  <p:cSld>
+    <p:spTree>
+      <p:nvGrpSpPr>
+        <p:cNvPr id="1" name="">
+          <a:extLst>
+            <a:ext uri="{FF2B5EF4-FFF2-40B4-BE49-F238E27FC236}">
+              <a16:creationId xmlns:a16="http://schemas.microsoft.com/office/drawing/2014/main" id="{938D92D6-AF4C-E2E1-F661-EE8C6B7448E8}"/>
+            </a:ext>
+          </a:extLst>
+        </p:cNvPr>
+        <p:cNvGrpSpPr/>
+        <p:nvPr/>
+      </p:nvGrpSpPr>
+      <p:grpSpPr>
+        <a:xfrm>
+          <a:off x="0" y="0"/>
+          <a:ext cx="0" cy="0"/>
+          <a:chOff x="0" y="0"/>
+          <a:chExt cx="0" cy="0"/>
+        </a:xfrm>
+      </p:grpSpPr>
+      <p:sp>
+        <p:nvSpPr>
+          <p:cNvPr id="5" name="标题 4">
+            <a:extLst>
+              <a:ext uri="{FF2B5EF4-FFF2-40B4-BE49-F238E27FC236}">
+                <a16:creationId xmlns:a16="http://schemas.microsoft.com/office/drawing/2014/main" id="{6CB46DCE-6F16-5612-B098-42EB5FA79627}"/>
+              </a:ext>
+            </a:extLst>
+          </p:cNvPr>
+          <p:cNvSpPr>
+            <a:spLocks noGrp="1"/>
+          </p:cNvSpPr>
+          <p:nvPr>
+            <p:ph type="title"/>
+          </p:nvPr>
+        </p:nvSpPr>
+        <p:spPr/>
+        <p:txBody>
+          <a:bodyPr/>
+          <a:lstStyle/>
+          <a:p>
+            <a:r>
+              <a:rPr lang="en-US" altLang="zh-CN" dirty="0"/>
+              <a:t>16.1.10 </a:t>
+            </a:r>
+            <a:r>
+              <a:rPr lang="zh-CN" altLang="en-US" dirty="0"/>
+              <a:t>错误检查</a:t>
+            </a:r>
+          </a:p>
+        </p:txBody>
+      </p:sp>
+      <p:pic>
+        <p:nvPicPr>
+          <p:cNvPr id="6" name="内容占位符 5">
+            <a:extLst>
+              <a:ext uri="{FF2B5EF4-FFF2-40B4-BE49-F238E27FC236}">
+                <a16:creationId xmlns:a16="http://schemas.microsoft.com/office/drawing/2014/main" id="{7CE94B62-25B2-37DB-2141-3092440C89C2}"/>
+              </a:ext>
+            </a:extLst>
+          </p:cNvPr>
+          <p:cNvPicPr>
+            <a:picLocks noGrp="1" noChangeAspect="1"/>
+          </p:cNvPicPr>
+          <p:nvPr>
+            <p:ph idx="1"/>
+          </p:nvPr>
+        </p:nvPicPr>
+        <p:blipFill>
+          <a:blip r:embed="rId3"/>
+          <a:stretch>
+            <a:fillRect/>
+          </a:stretch>
+        </p:blipFill>
+        <p:spPr>
+          <a:xfrm>
+            <a:off x="3006566" y="2116831"/>
+            <a:ext cx="6178868" cy="3899100"/>
+          </a:xfrm>
+        </p:spPr>
+      </p:pic>
+    </p:spTree>
+    <p:extLst>
+      <p:ext uri="{BB962C8B-B14F-4D97-AF65-F5344CB8AC3E}">
+        <p14:creationId xmlns:p14="http://schemas.microsoft.com/office/powerpoint/2010/main" val="1159199794"/>
+      </p:ext>
+    </p:extLst>
+  </p:cSld>
+  <p:clrMapOvr>
+    <a:masterClrMapping/>
+  </p:clrMapOvr>
 </p:sld>
 </file>
 

--- a/PPT/chapter16.pptx
+++ b/PPT/chapter16.pptx
@@ -2,7 +2,7 @@
 <file path=ppt/presentation.xml><?xml version="1.0" encoding="utf-8"?>
 <p:presentation xmlns:a="http://schemas.openxmlformats.org/drawingml/2006/main" xmlns:r="http://schemas.openxmlformats.org/officeDocument/2006/relationships" xmlns:p="http://schemas.openxmlformats.org/presentationml/2006/main" saveSubsetFonts="1">
   <p:sldMasterIdLst>
-    <p:sldMasterId id="2147483648" r:id="rId1"/>
+    <p:sldMasterId id="2147483675" r:id="rId1"/>
   </p:sldMasterIdLst>
   <p:notesMasterIdLst>
     <p:notesMasterId r:id="rId17"/>
@@ -11,7 +11,7 @@
     <p:handoutMasterId r:id="rId18"/>
   </p:handoutMasterIdLst>
   <p:sldIdLst>
-    <p:sldId id="260" r:id="rId2"/>
+    <p:sldId id="368" r:id="rId2"/>
     <p:sldId id="366" r:id="rId3"/>
     <p:sldId id="257" r:id="rId4"/>
     <p:sldId id="377" r:id="rId5"/>
@@ -1229,14 +1229,14 @@
           <pc:chgData name="Scruel Tao" userId="5ea5c98d59b44d4b" providerId="LiveId" clId="{2BA6F94F-59B6-4AA6-9DB6-4A8227DBE37E}" dt="2023-04-03T03:34:53.033" v="335" actId="1076"/>
           <pc:sldLayoutMkLst>
             <pc:docMk/>
-            <pc:sldMasterMk cId="1766057859" sldId="2147483648"/>
+            <pc:sldMasterMk cId="3691006446" sldId="2147483661"/>
             <pc:sldLayoutMk cId="1337634028" sldId="2147483660"/>
           </pc:sldLayoutMkLst>
           <pc:spChg chg="del mod">
             <ac:chgData name="Scruel Tao" userId="5ea5c98d59b44d4b" providerId="LiveId" clId="{2BA6F94F-59B6-4AA6-9DB6-4A8227DBE37E}" dt="2023-04-03T03:27:47.594" v="278" actId="478"/>
             <ac:spMkLst>
               <pc:docMk/>
-              <pc:sldMasterMk cId="1766057859" sldId="2147483648"/>
+              <pc:sldMasterMk cId="3691006446" sldId="2147483661"/>
               <pc:sldLayoutMk cId="1337634028" sldId="2147483660"/>
               <ac:spMk id="19468" creationId="{418CE5A5-515B-CEAB-D160-CBAFEBF4837F}"/>
             </ac:spMkLst>
@@ -1245,7 +1245,7 @@
             <ac:chgData name="Scruel Tao" userId="5ea5c98d59b44d4b" providerId="LiveId" clId="{2BA6F94F-59B6-4AA6-9DB6-4A8227DBE37E}" dt="2023-04-03T03:26:11.336" v="269" actId="21"/>
             <ac:picMkLst>
               <pc:docMk/>
-              <pc:sldMasterMk cId="1766057859" sldId="2147483648"/>
+              <pc:sldMasterMk cId="3691006446" sldId="2147483661"/>
               <pc:sldLayoutMk cId="1337634028" sldId="2147483660"/>
               <ac:picMk id="19481" creationId="{02568321-E4E6-1B3D-8017-A3451A7203B9}"/>
             </ac:picMkLst>
@@ -1254,13 +1254,72 @@
             <ac:chgData name="Scruel Tao" userId="5ea5c98d59b44d4b" providerId="LiveId" clId="{2BA6F94F-59B6-4AA6-9DB6-4A8227DBE37E}" dt="2023-04-03T03:34:53.033" v="335" actId="1076"/>
             <ac:picMkLst>
               <pc:docMk/>
-              <pc:sldMasterMk cId="1766057859" sldId="2147483648"/>
+              <pc:sldMasterMk cId="3691006446" sldId="2147483661"/>
               <pc:sldLayoutMk cId="1337634028" sldId="2147483660"/>
               <ac:picMk id="19482" creationId="{8F2B9C9A-7CA4-5723-784E-DBADCF09186B}"/>
             </ac:picMkLst>
           </pc:picChg>
         </pc:sldLayoutChg>
       </pc:sldMasterChg>
+    </pc:docChg>
+  </pc:docChgLst>
+  <pc:docChgLst>
+    <pc:chgData name="Scruel Tao" userId="5ea5c98d59b44d4b" providerId="LiveId" clId="{88D73D01-CABB-4B2D-80EC-648726E3C219}"/>
+    <pc:docChg chg="addSld delSld modSld">
+      <pc:chgData name="Scruel Tao" userId="5ea5c98d59b44d4b" providerId="LiveId" clId="{88D73D01-CABB-4B2D-80EC-648726E3C219}" dt="2023-04-26T02:43:35.768" v="17" actId="20577"/>
+      <pc:docMkLst>
+        <pc:docMk/>
+      </pc:docMkLst>
+      <pc:sldChg chg="modSp add del mod">
+        <pc:chgData name="Scruel Tao" userId="5ea5c98d59b44d4b" providerId="LiveId" clId="{88D73D01-CABB-4B2D-80EC-648726E3C219}" dt="2023-04-26T02:43:35.768" v="17" actId="20577"/>
+        <pc:sldMkLst>
+          <pc:docMk/>
+          <pc:sldMk cId="1112998187" sldId="257"/>
+        </pc:sldMkLst>
+        <pc:spChg chg="mod">
+          <ac:chgData name="Scruel Tao" userId="5ea5c98d59b44d4b" providerId="LiveId" clId="{88D73D01-CABB-4B2D-80EC-648726E3C219}" dt="2023-04-26T02:43:35.768" v="17" actId="20577"/>
+          <ac:spMkLst>
+            <pc:docMk/>
+            <pc:sldMk cId="1112998187" sldId="257"/>
+            <ac:spMk id="2" creationId="{1422DFF6-0952-1023-64E3-97184D36BE3F}"/>
+          </ac:spMkLst>
+        </pc:spChg>
+      </pc:sldChg>
+      <pc:sldChg chg="del">
+        <pc:chgData name="Scruel Tao" userId="5ea5c98d59b44d4b" providerId="LiveId" clId="{88D73D01-CABB-4B2D-80EC-648726E3C219}" dt="2023-04-26T02:43:28.228" v="0" actId="47"/>
+        <pc:sldMkLst>
+          <pc:docMk/>
+          <pc:sldMk cId="1199684676" sldId="259"/>
+        </pc:sldMkLst>
+      </pc:sldChg>
+      <pc:sldChg chg="del">
+        <pc:chgData name="Scruel Tao" userId="5ea5c98d59b44d4b" providerId="LiveId" clId="{88D73D01-CABB-4B2D-80EC-648726E3C219}" dt="2023-04-26T02:43:28.228" v="0" actId="47"/>
+        <pc:sldMkLst>
+          <pc:docMk/>
+          <pc:sldMk cId="1751565490" sldId="276"/>
+        </pc:sldMkLst>
+      </pc:sldChg>
+      <pc:sldChg chg="add">
+        <pc:chgData name="Scruel Tao" userId="5ea5c98d59b44d4b" providerId="LiveId" clId="{88D73D01-CABB-4B2D-80EC-648726E3C219}" dt="2023-04-26T02:43:28.794" v="1"/>
+        <pc:sldMkLst>
+          <pc:docMk/>
+          <pc:sldMk cId="3519437269" sldId="279"/>
+        </pc:sldMkLst>
+      </pc:sldChg>
+      <pc:sldChg chg="add">
+        <pc:chgData name="Scruel Tao" userId="5ea5c98d59b44d4b" providerId="LiveId" clId="{88D73D01-CABB-4B2D-80EC-648726E3C219}" dt="2023-04-26T02:43:28.794" v="1"/>
+        <pc:sldMkLst>
+          <pc:docMk/>
+          <pc:sldMk cId="3745708182" sldId="280"/>
+        </pc:sldMkLst>
+      </pc:sldChg>
+      <pc:sldChg chg="add">
+        <pc:chgData name="Scruel Tao" userId="5ea5c98d59b44d4b" providerId="LiveId" clId="{88D73D01-CABB-4B2D-80EC-648726E3C219}" dt="2023-04-26T02:43:28.794" v="1"/>
+        <pc:sldMkLst>
+          <pc:docMk/>
+          <pc:sldMk cId="364430658" sldId="282"/>
+        </pc:sldMkLst>
+      </pc:sldChg>
     </pc:docChg>
   </pc:docChgLst>
   <pc:docChgLst>
@@ -1451,65 +1510,6 @@
     </pc:docChg>
   </pc:docChgLst>
   <pc:docChgLst>
-    <pc:chgData name="Scruel Tao" userId="5ea5c98d59b44d4b" providerId="LiveId" clId="{88D73D01-CABB-4B2D-80EC-648726E3C219}"/>
-    <pc:docChg chg="addSld delSld modSld">
-      <pc:chgData name="Scruel Tao" userId="5ea5c98d59b44d4b" providerId="LiveId" clId="{88D73D01-CABB-4B2D-80EC-648726E3C219}" dt="2023-04-26T02:43:35.768" v="17" actId="20577"/>
-      <pc:docMkLst>
-        <pc:docMk/>
-      </pc:docMkLst>
-      <pc:sldChg chg="modSp add del mod">
-        <pc:chgData name="Scruel Tao" userId="5ea5c98d59b44d4b" providerId="LiveId" clId="{88D73D01-CABB-4B2D-80EC-648726E3C219}" dt="2023-04-26T02:43:35.768" v="17" actId="20577"/>
-        <pc:sldMkLst>
-          <pc:docMk/>
-          <pc:sldMk cId="1112998187" sldId="257"/>
-        </pc:sldMkLst>
-        <pc:spChg chg="mod">
-          <ac:chgData name="Scruel Tao" userId="5ea5c98d59b44d4b" providerId="LiveId" clId="{88D73D01-CABB-4B2D-80EC-648726E3C219}" dt="2023-04-26T02:43:35.768" v="17" actId="20577"/>
-          <ac:spMkLst>
-            <pc:docMk/>
-            <pc:sldMk cId="1112998187" sldId="257"/>
-            <ac:spMk id="2" creationId="{1422DFF6-0952-1023-64E3-97184D36BE3F}"/>
-          </ac:spMkLst>
-        </pc:spChg>
-      </pc:sldChg>
-      <pc:sldChg chg="del">
-        <pc:chgData name="Scruel Tao" userId="5ea5c98d59b44d4b" providerId="LiveId" clId="{88D73D01-CABB-4B2D-80EC-648726E3C219}" dt="2023-04-26T02:43:28.228" v="0" actId="47"/>
-        <pc:sldMkLst>
-          <pc:docMk/>
-          <pc:sldMk cId="1199684676" sldId="259"/>
-        </pc:sldMkLst>
-      </pc:sldChg>
-      <pc:sldChg chg="del">
-        <pc:chgData name="Scruel Tao" userId="5ea5c98d59b44d4b" providerId="LiveId" clId="{88D73D01-CABB-4B2D-80EC-648726E3C219}" dt="2023-04-26T02:43:28.228" v="0" actId="47"/>
-        <pc:sldMkLst>
-          <pc:docMk/>
-          <pc:sldMk cId="1751565490" sldId="276"/>
-        </pc:sldMkLst>
-      </pc:sldChg>
-      <pc:sldChg chg="add">
-        <pc:chgData name="Scruel Tao" userId="5ea5c98d59b44d4b" providerId="LiveId" clId="{88D73D01-CABB-4B2D-80EC-648726E3C219}" dt="2023-04-26T02:43:28.794" v="1"/>
-        <pc:sldMkLst>
-          <pc:docMk/>
-          <pc:sldMk cId="3519437269" sldId="279"/>
-        </pc:sldMkLst>
-      </pc:sldChg>
-      <pc:sldChg chg="add">
-        <pc:chgData name="Scruel Tao" userId="5ea5c98d59b44d4b" providerId="LiveId" clId="{88D73D01-CABB-4B2D-80EC-648726E3C219}" dt="2023-04-26T02:43:28.794" v="1"/>
-        <pc:sldMkLst>
-          <pc:docMk/>
-          <pc:sldMk cId="3745708182" sldId="280"/>
-        </pc:sldMkLst>
-      </pc:sldChg>
-      <pc:sldChg chg="add">
-        <pc:chgData name="Scruel Tao" userId="5ea5c98d59b44d4b" providerId="LiveId" clId="{88D73D01-CABB-4B2D-80EC-648726E3C219}" dt="2023-04-26T02:43:28.794" v="1"/>
-        <pc:sldMkLst>
-          <pc:docMk/>
-          <pc:sldMk cId="364430658" sldId="282"/>
-        </pc:sldMkLst>
-      </pc:sldChg>
-    </pc:docChg>
-  </pc:docChgLst>
-  <pc:docChgLst>
     <pc:chgData name="Scruel Tao" userId="5ea5c98d59b44d4b" providerId="LiveId" clId="{42F73B06-DA81-4C67-8473-07E158E9C79B}"/>
     <pc:docChg chg="undo redo custSel addSld delSld modSld sldOrd modMainMaster">
       <pc:chgData name="Scruel Tao" userId="5ea5c98d59b44d4b" providerId="LiveId" clId="{42F73B06-DA81-4C67-8473-07E158E9C79B}" dt="2023-04-25T04:46:22.938" v="2599" actId="20577"/>
@@ -2500,14 +2500,14 @@
           <pc:chgData name="Scruel Tao" userId="5ea5c98d59b44d4b" providerId="LiveId" clId="{42F73B06-DA81-4C67-8473-07E158E9C79B}" dt="2023-04-25T02:47:33.665" v="42" actId="21"/>
           <pc:sldLayoutMkLst>
             <pc:docMk/>
-            <pc:sldMasterMk cId="1766057859" sldId="2147483648"/>
+            <pc:sldMasterMk cId="3691006446" sldId="2147483661"/>
             <pc:sldLayoutMk cId="1337634028" sldId="2147483660"/>
           </pc:sldLayoutMkLst>
           <pc:picChg chg="del">
             <ac:chgData name="Scruel Tao" userId="5ea5c98d59b44d4b" providerId="LiveId" clId="{42F73B06-DA81-4C67-8473-07E158E9C79B}" dt="2023-04-25T02:47:33.665" v="42" actId="21"/>
             <ac:picMkLst>
               <pc:docMk/>
-              <pc:sldMasterMk cId="1766057859" sldId="2147483648"/>
+              <pc:sldMasterMk cId="3691006446" sldId="2147483661"/>
               <pc:sldLayoutMk cId="1337634028" sldId="2147483660"/>
               <ac:picMk id="19482" creationId="{8F2B9C9A-7CA4-5723-784E-DBADCF09186B}"/>
             </ac:picMkLst>
@@ -2806,14 +2806,14 @@
           <pc:chgData name="Scruel Tao" userId="5ea5c98d59b44d4b" providerId="LiveId" clId="{57BFEBFE-2234-4CFE-83A8-04F7F6AB4AD2}" dt="2023-05-16T03:58:30.531" v="57" actId="478"/>
           <pc:sldLayoutMkLst>
             <pc:docMk/>
-            <pc:sldMasterMk cId="1766057859" sldId="2147483648"/>
+            <pc:sldMasterMk cId="3691006446" sldId="2147483661"/>
             <pc:sldLayoutMk cId="1337634028" sldId="2147483660"/>
           </pc:sldLayoutMkLst>
           <pc:spChg chg="del">
             <ac:chgData name="Scruel Tao" userId="5ea5c98d59b44d4b" providerId="LiveId" clId="{57BFEBFE-2234-4CFE-83A8-04F7F6AB4AD2}" dt="2023-05-16T03:58:30.531" v="57" actId="478"/>
             <ac:spMkLst>
               <pc:docMk/>
-              <pc:sldMasterMk cId="1766057859" sldId="2147483648"/>
+              <pc:sldMasterMk cId="3691006446" sldId="2147483661"/>
               <pc:sldLayoutMk cId="1337634028" sldId="2147483660"/>
               <ac:spMk id="19472" creationId="{BD0BF484-93B1-9A87-952A-7D5E9B29C38D}"/>
             </ac:spMkLst>
@@ -4913,13 +4913,25 @@
     </p:spTree>
     <p:extLst>
       <p:ext uri="{BB962C8B-B14F-4D97-AF65-F5344CB8AC3E}">
-        <p14:creationId xmlns:p14="http://schemas.microsoft.com/office/powerpoint/2010/main" val="2187492797"/>
+        <p14:creationId xmlns:p14="http://schemas.microsoft.com/office/powerpoint/2010/main" val="3011654574"/>
       </p:ext>
     </p:extLst>
   </p:cSld>
   <p:clrMapOvr>
     <a:masterClrMapping/>
   </p:clrMapOvr>
+  <mc:AlternateContent xmlns:mc="http://schemas.openxmlformats.org/markup-compatibility/2006" xmlns:p14="http://schemas.microsoft.com/office/powerpoint/2010/main">
+    <mc:Choice Requires="p14">
+      <p:transition spd="med" p14:dur="700">
+        <p:fade/>
+      </p:transition>
+    </mc:Choice>
+    <mc:Fallback xmlns="">
+      <p:transition spd="med">
+        <p:fade/>
+      </p:transition>
+    </mc:Fallback>
+  </mc:AlternateContent>
 </p:sldLayout>
 </file>
 
@@ -5111,13 +5123,25 @@
     </p:spTree>
     <p:extLst>
       <p:ext uri="{BB962C8B-B14F-4D97-AF65-F5344CB8AC3E}">
-        <p14:creationId xmlns:p14="http://schemas.microsoft.com/office/powerpoint/2010/main" val="3533658407"/>
+        <p14:creationId xmlns:p14="http://schemas.microsoft.com/office/powerpoint/2010/main" val="3545519274"/>
       </p:ext>
     </p:extLst>
   </p:cSld>
   <p:clrMapOvr>
     <a:masterClrMapping/>
   </p:clrMapOvr>
+  <mc:AlternateContent xmlns:mc="http://schemas.openxmlformats.org/markup-compatibility/2006" xmlns:p14="http://schemas.microsoft.com/office/powerpoint/2010/main">
+    <mc:Choice Requires="p14">
+      <p:transition spd="med" p14:dur="700">
+        <p:fade/>
+      </p:transition>
+    </mc:Choice>
+    <mc:Fallback xmlns="">
+      <p:transition spd="med">
+        <p:fade/>
+      </p:transition>
+    </mc:Fallback>
+  </mc:AlternateContent>
 </p:sldLayout>
 </file>
 
@@ -5319,18 +5343,30 @@
     </p:spTree>
     <p:extLst>
       <p:ext uri="{BB962C8B-B14F-4D97-AF65-F5344CB8AC3E}">
-        <p14:creationId xmlns:p14="http://schemas.microsoft.com/office/powerpoint/2010/main" val="1976972956"/>
+        <p14:creationId xmlns:p14="http://schemas.microsoft.com/office/powerpoint/2010/main" val="1140544716"/>
       </p:ext>
     </p:extLst>
   </p:cSld>
   <p:clrMapOvr>
     <a:masterClrMapping/>
   </p:clrMapOvr>
+  <mc:AlternateContent xmlns:mc="http://schemas.openxmlformats.org/markup-compatibility/2006" xmlns:p14="http://schemas.microsoft.com/office/powerpoint/2010/main">
+    <mc:Choice Requires="p14">
+      <p:transition spd="med" p14:dur="700">
+        <p:fade/>
+      </p:transition>
+    </mc:Choice>
+    <mc:Fallback xmlns="">
+      <p:transition spd="med">
+        <p:fade/>
+      </p:transition>
+    </mc:Fallback>
+  </mc:AlternateContent>
 </p:sldLayout>
 </file>
 
 <file path=ppt/slideLayouts/slideLayout12.xml><?xml version="1.0" encoding="utf-8"?>
-<p:sldLayout xmlns:a="http://schemas.openxmlformats.org/drawingml/2006/main" xmlns:r="http://schemas.openxmlformats.org/officeDocument/2006/relationships" xmlns:p="http://schemas.openxmlformats.org/presentationml/2006/main" showMasterSp="0" userDrawn="1">
+<p:sldLayout xmlns:a="http://schemas.openxmlformats.org/drawingml/2006/main" xmlns:r="http://schemas.openxmlformats.org/officeDocument/2006/relationships" xmlns:p="http://schemas.openxmlformats.org/presentationml/2006/main" showMasterSp="0" preserve="1" userDrawn="1">
   <p:cSld name="1_标题幻灯片">
     <p:spTree>
       <p:nvGrpSpPr>
@@ -5539,14 +5575,257 @@
     </p:spTree>
     <p:extLst>
       <p:ext uri="{BB962C8B-B14F-4D97-AF65-F5344CB8AC3E}">
-        <p14:creationId xmlns:p14="http://schemas.microsoft.com/office/powerpoint/2010/main" val="1337634028"/>
+        <p14:creationId xmlns:p14="http://schemas.microsoft.com/office/powerpoint/2010/main" val="412543421"/>
       </p:ext>
     </p:extLst>
   </p:cSld>
   <p:clrMapOvr>
     <a:masterClrMapping/>
   </p:clrMapOvr>
-  <p:transition spd="med"/>
+  <mc:AlternateContent xmlns:mc="http://schemas.openxmlformats.org/markup-compatibility/2006" xmlns:p14="http://schemas.microsoft.com/office/powerpoint/2010/main">
+    <mc:Choice Requires="p14">
+      <p:transition spd="med" p14:dur="700">
+        <p:fade/>
+      </p:transition>
+    </mc:Choice>
+    <mc:Fallback xmlns="">
+      <p:transition spd="med">
+        <p:fade/>
+      </p:transition>
+    </mc:Fallback>
+  </mc:AlternateContent>
+</p:sldLayout>
+</file>
+
+<file path=ppt/slideLayouts/slideLayout13.xml><?xml version="1.0" encoding="utf-8"?>
+<p:sldLayout xmlns:a="http://schemas.openxmlformats.org/drawingml/2006/main" xmlns:r="http://schemas.openxmlformats.org/officeDocument/2006/relationships" xmlns:p="http://schemas.openxmlformats.org/presentationml/2006/main" showMasterSp="0" preserve="1" userDrawn="1">
+  <p:cSld name="2_标题幻灯片">
+    <p:spTree>
+      <p:nvGrpSpPr>
+        <p:cNvPr id="1" name=""/>
+        <p:cNvGrpSpPr/>
+        <p:nvPr/>
+      </p:nvGrpSpPr>
+      <p:grpSpPr>
+        <a:xfrm>
+          <a:off x="0" y="0"/>
+          <a:ext cx="0" cy="0"/>
+          <a:chOff x="0" y="0"/>
+          <a:chExt cx="0" cy="0"/>
+        </a:xfrm>
+      </p:grpSpPr>
+      <p:sp>
+        <p:nvSpPr>
+          <p:cNvPr id="19483" name="Rectangle 27">
+            <a:extLst>
+              <a:ext uri="{FF2B5EF4-FFF2-40B4-BE49-F238E27FC236}">
+                <a16:creationId xmlns:a16="http://schemas.microsoft.com/office/drawing/2014/main" id="{FFE563FA-4880-391C-43FD-EF34392B9FBB}"/>
+              </a:ext>
+            </a:extLst>
+          </p:cNvPr>
+          <p:cNvSpPr>
+            <a:spLocks noChangeArrowheads="1"/>
+          </p:cNvSpPr>
+          <p:nvPr userDrawn="1"/>
+        </p:nvSpPr>
+        <p:spPr bwMode="auto">
+          <a:xfrm>
+            <a:off x="2641600" y="4191000"/>
+            <a:ext cx="7416800" cy="2209800"/>
+          </a:xfrm>
+          <a:prstGeom prst="rect">
+            <a:avLst/>
+          </a:prstGeom>
+          <a:noFill/>
+          <a:ln>
+            <a:noFill/>
+          </a:ln>
+          <a:effectLst/>
+          <a:extLst>
+            <a:ext uri="{909E8E84-426E-40DD-AFC4-6F175D3DCCD1}">
+              <a14:hiddenFill xmlns:a14="http://schemas.microsoft.com/office/drawing/2010/main">
+                <a:solidFill>
+                  <a:schemeClr val="accent1"/>
+                </a:solidFill>
+              </a14:hiddenFill>
+            </a:ext>
+            <a:ext uri="{91240B29-F687-4F45-9708-019B960494DF}">
+              <a14:hiddenLine xmlns:a14="http://schemas.microsoft.com/office/drawing/2010/main" w="9525">
+                <a:solidFill>
+                  <a:schemeClr val="tx1"/>
+                </a:solidFill>
+                <a:miter lim="800000"/>
+                <a:headEnd/>
+                <a:tailEnd/>
+              </a14:hiddenLine>
+            </a:ext>
+            <a:ext uri="{AF507438-7753-43E0-B8FC-AC1667EBCBE1}">
+              <a14:hiddenEffects xmlns:a14="http://schemas.microsoft.com/office/drawing/2010/main">
+                <a:effectLst>
+                  <a:outerShdw dist="35921" dir="2700000" algn="ctr" rotWithShape="0">
+                    <a:schemeClr val="bg2"/>
+                  </a:outerShdw>
+                </a:effectLst>
+              </a14:hiddenEffects>
+            </a:ext>
+          </a:extLst>
+        </p:spPr>
+        <p:txBody>
+          <a:bodyPr/>
+          <a:lstStyle>
+            <a:lvl1pPr marL="287338" indent="-287338" eaLnBrk="0" hangingPunct="0">
+              <a:spcBef>
+                <a:spcPct val="0"/>
+              </a:spcBef>
+              <a:defRPr kumimoji="1" sz="2400">
+                <a:solidFill>
+                  <a:schemeClr val="tx1"/>
+                </a:solidFill>
+                <a:latin typeface="Times New Roman" panose="02020603050405020304" pitchFamily="18" charset="0"/>
+              </a:defRPr>
+            </a:lvl1pPr>
+            <a:lvl2pPr marL="744538" indent="-287338" eaLnBrk="0" hangingPunct="0">
+              <a:spcBef>
+                <a:spcPct val="0"/>
+              </a:spcBef>
+              <a:defRPr kumimoji="1" sz="2400">
+                <a:solidFill>
+                  <a:schemeClr val="tx1"/>
+                </a:solidFill>
+                <a:latin typeface="Times New Roman" panose="02020603050405020304" pitchFamily="18" charset="0"/>
+              </a:defRPr>
+            </a:lvl2pPr>
+            <a:lvl3pPr eaLnBrk="0" hangingPunct="0">
+              <a:spcBef>
+                <a:spcPct val="0"/>
+              </a:spcBef>
+              <a:defRPr kumimoji="1" sz="2400">
+                <a:solidFill>
+                  <a:schemeClr val="tx1"/>
+                </a:solidFill>
+                <a:latin typeface="Times New Roman" panose="02020603050405020304" pitchFamily="18" charset="0"/>
+              </a:defRPr>
+            </a:lvl3pPr>
+            <a:lvl4pPr eaLnBrk="0" hangingPunct="0">
+              <a:spcBef>
+                <a:spcPct val="0"/>
+              </a:spcBef>
+              <a:defRPr kumimoji="1" sz="2400">
+                <a:solidFill>
+                  <a:schemeClr val="tx1"/>
+                </a:solidFill>
+                <a:latin typeface="Times New Roman" panose="02020603050405020304" pitchFamily="18" charset="0"/>
+              </a:defRPr>
+            </a:lvl4pPr>
+            <a:lvl5pPr eaLnBrk="0" hangingPunct="0">
+              <a:spcBef>
+                <a:spcPct val="0"/>
+              </a:spcBef>
+              <a:defRPr kumimoji="1" sz="2400">
+                <a:solidFill>
+                  <a:schemeClr val="tx1"/>
+                </a:solidFill>
+                <a:latin typeface="Times New Roman" panose="02020603050405020304" pitchFamily="18" charset="0"/>
+              </a:defRPr>
+            </a:lvl5pPr>
+            <a:lvl6pPr eaLnBrk="0" fontAlgn="base" hangingPunct="0">
+              <a:spcBef>
+                <a:spcPct val="0"/>
+              </a:spcBef>
+              <a:spcAft>
+                <a:spcPct val="0"/>
+              </a:spcAft>
+              <a:defRPr kumimoji="1" sz="2400">
+                <a:solidFill>
+                  <a:schemeClr val="tx1"/>
+                </a:solidFill>
+                <a:latin typeface="Times New Roman" panose="02020603050405020304" pitchFamily="18" charset="0"/>
+              </a:defRPr>
+            </a:lvl6pPr>
+            <a:lvl7pPr eaLnBrk="0" fontAlgn="base" hangingPunct="0">
+              <a:spcBef>
+                <a:spcPct val="0"/>
+              </a:spcBef>
+              <a:spcAft>
+                <a:spcPct val="0"/>
+              </a:spcAft>
+              <a:defRPr kumimoji="1" sz="2400">
+                <a:solidFill>
+                  <a:schemeClr val="tx1"/>
+                </a:solidFill>
+                <a:latin typeface="Times New Roman" panose="02020603050405020304" pitchFamily="18" charset="0"/>
+              </a:defRPr>
+            </a:lvl7pPr>
+            <a:lvl8pPr eaLnBrk="0" fontAlgn="base" hangingPunct="0">
+              <a:spcBef>
+                <a:spcPct val="0"/>
+              </a:spcBef>
+              <a:spcAft>
+                <a:spcPct val="0"/>
+              </a:spcAft>
+              <a:defRPr kumimoji="1" sz="2400">
+                <a:solidFill>
+                  <a:schemeClr val="tx1"/>
+                </a:solidFill>
+                <a:latin typeface="Times New Roman" panose="02020603050405020304" pitchFamily="18" charset="0"/>
+              </a:defRPr>
+            </a:lvl8pPr>
+            <a:lvl9pPr eaLnBrk="0" fontAlgn="base" hangingPunct="0">
+              <a:spcBef>
+                <a:spcPct val="0"/>
+              </a:spcBef>
+              <a:spcAft>
+                <a:spcPct val="0"/>
+              </a:spcAft>
+              <a:defRPr kumimoji="1" sz="2400">
+                <a:solidFill>
+                  <a:schemeClr val="tx1"/>
+                </a:solidFill>
+                <a:latin typeface="Times New Roman" panose="02020603050405020304" pitchFamily="18" charset="0"/>
+              </a:defRPr>
+            </a:lvl9pPr>
+          </a:lstStyle>
+          <a:p>
+            <a:pPr eaLnBrk="1" hangingPunct="1">
+              <a:lnSpc>
+                <a:spcPct val="102000"/>
+              </a:lnSpc>
+              <a:spcBef>
+                <a:spcPct val="20000"/>
+              </a:spcBef>
+              <a:buClr>
+                <a:srgbClr val="808080"/>
+              </a:buClr>
+              <a:buSzPct val="60000"/>
+            </a:pPr>
+            <a:endParaRPr kumimoji="0" lang="en-GB" altLang="zh-CN" sz="1600">
+              <a:latin typeface="Verdana" panose="020B0604030504040204" pitchFamily="34" charset="0"/>
+            </a:endParaRPr>
+          </a:p>
+        </p:txBody>
+      </p:sp>
+    </p:spTree>
+    <p:extLst>
+      <p:ext uri="{BB962C8B-B14F-4D97-AF65-F5344CB8AC3E}">
+        <p14:creationId xmlns:p14="http://schemas.microsoft.com/office/powerpoint/2010/main" val="3615748934"/>
+      </p:ext>
+    </p:extLst>
+  </p:cSld>
+  <p:clrMapOvr>
+    <a:masterClrMapping/>
+  </p:clrMapOvr>
+  <mc:AlternateContent xmlns:mc="http://schemas.openxmlformats.org/markup-compatibility/2006" xmlns:p14="http://schemas.microsoft.com/office/powerpoint/2010/main">
+    <mc:Choice Requires="p14">
+      <p:transition spd="med" p14:dur="700">
+        <p:fade/>
+      </p:transition>
+    </mc:Choice>
+    <mc:Fallback xmlns="">
+      <p:transition spd="med">
+        <p:fade/>
+      </p:transition>
+    </mc:Fallback>
+  </mc:AlternateContent>
 </p:sldLayout>
 </file>
 
@@ -5795,7 +6074,7 @@
           <p:cNvPr id="8" name="矩形 7">
             <a:extLst>
               <a:ext uri="{FF2B5EF4-FFF2-40B4-BE49-F238E27FC236}">
-                <a16:creationId xmlns:a16="http://schemas.microsoft.com/office/drawing/2014/main" id="{A1AF228E-0242-02A8-D76E-7253FA3678AF}"/>
+                <a16:creationId xmlns:a16="http://schemas.microsoft.com/office/drawing/2014/main" id="{F52872EC-81BB-5622-062D-1B604B1CF283}"/>
               </a:ext>
             </a:extLst>
           </p:cNvPr>
@@ -5842,13 +6121,25 @@
     </p:spTree>
     <p:extLst>
       <p:ext uri="{BB962C8B-B14F-4D97-AF65-F5344CB8AC3E}">
-        <p14:creationId xmlns:p14="http://schemas.microsoft.com/office/powerpoint/2010/main" val="2116765151"/>
+        <p14:creationId xmlns:p14="http://schemas.microsoft.com/office/powerpoint/2010/main" val="935021436"/>
       </p:ext>
     </p:extLst>
   </p:cSld>
   <p:clrMapOvr>
     <a:masterClrMapping/>
   </p:clrMapOvr>
+  <mc:AlternateContent xmlns:mc="http://schemas.openxmlformats.org/markup-compatibility/2006" xmlns:p14="http://schemas.microsoft.com/office/powerpoint/2010/main">
+    <mc:Choice Requires="p14">
+      <p:transition spd="med" p14:dur="700">
+        <p:fade/>
+      </p:transition>
+    </mc:Choice>
+    <mc:Fallback xmlns="">
+      <p:transition spd="med">
+        <p:fade/>
+      </p:transition>
+    </mc:Fallback>
+  </mc:AlternateContent>
 </p:sldLayout>
 </file>
 
@@ -6117,13 +6408,25 @@
     </p:spTree>
     <p:extLst>
       <p:ext uri="{BB962C8B-B14F-4D97-AF65-F5344CB8AC3E}">
-        <p14:creationId xmlns:p14="http://schemas.microsoft.com/office/powerpoint/2010/main" val="3876442843"/>
+        <p14:creationId xmlns:p14="http://schemas.microsoft.com/office/powerpoint/2010/main" val="947582052"/>
       </p:ext>
     </p:extLst>
   </p:cSld>
   <p:clrMapOvr>
     <a:masterClrMapping/>
   </p:clrMapOvr>
+  <mc:AlternateContent xmlns:mc="http://schemas.openxmlformats.org/markup-compatibility/2006" xmlns:p14="http://schemas.microsoft.com/office/powerpoint/2010/main">
+    <mc:Choice Requires="p14">
+      <p:transition spd="med" p14:dur="700">
+        <p:fade/>
+      </p:transition>
+    </mc:Choice>
+    <mc:Fallback xmlns="">
+      <p:transition spd="med">
+        <p:fade/>
+      </p:transition>
+    </mc:Fallback>
+  </mc:AlternateContent>
 </p:sldLayout>
 </file>
 
@@ -6465,7 +6768,7 @@
           <p:cNvPr id="9" name="矩形 8">
             <a:extLst>
               <a:ext uri="{FF2B5EF4-FFF2-40B4-BE49-F238E27FC236}">
-                <a16:creationId xmlns:a16="http://schemas.microsoft.com/office/drawing/2014/main" id="{5BEA18A1-02DE-8779-C3EC-CB1C747507D0}"/>
+                <a16:creationId xmlns:a16="http://schemas.microsoft.com/office/drawing/2014/main" id="{82EB41EB-0D08-7526-0E4D-92DD20C296DF}"/>
               </a:ext>
             </a:extLst>
           </p:cNvPr>
@@ -6512,13 +6815,25 @@
     </p:spTree>
     <p:extLst>
       <p:ext uri="{BB962C8B-B14F-4D97-AF65-F5344CB8AC3E}">
-        <p14:creationId xmlns:p14="http://schemas.microsoft.com/office/powerpoint/2010/main" val="2296489930"/>
+        <p14:creationId xmlns:p14="http://schemas.microsoft.com/office/powerpoint/2010/main" val="3490993356"/>
       </p:ext>
     </p:extLst>
   </p:cSld>
   <p:clrMapOvr>
     <a:masterClrMapping/>
   </p:clrMapOvr>
+  <mc:AlternateContent xmlns:mc="http://schemas.openxmlformats.org/markup-compatibility/2006" xmlns:p14="http://schemas.microsoft.com/office/powerpoint/2010/main">
+    <mc:Choice Requires="p14">
+      <p:transition spd="med" p14:dur="700">
+        <p:fade/>
+      </p:transition>
+    </mc:Choice>
+    <mc:Fallback xmlns="">
+      <p:transition spd="med">
+        <p:fade/>
+      </p:transition>
+    </mc:Fallback>
+  </mc:AlternateContent>
 </p:sldLayout>
 </file>
 
@@ -6924,13 +7239,25 @@
     </p:spTree>
     <p:extLst>
       <p:ext uri="{BB962C8B-B14F-4D97-AF65-F5344CB8AC3E}">
-        <p14:creationId xmlns:p14="http://schemas.microsoft.com/office/powerpoint/2010/main" val="1903742116"/>
+        <p14:creationId xmlns:p14="http://schemas.microsoft.com/office/powerpoint/2010/main" val="1839937749"/>
       </p:ext>
     </p:extLst>
   </p:cSld>
   <p:clrMapOvr>
     <a:masterClrMapping/>
   </p:clrMapOvr>
+  <mc:AlternateContent xmlns:mc="http://schemas.openxmlformats.org/markup-compatibility/2006" xmlns:p14="http://schemas.microsoft.com/office/powerpoint/2010/main">
+    <mc:Choice Requires="p14">
+      <p:transition spd="med" p14:dur="700">
+        <p:fade/>
+      </p:transition>
+    </mc:Choice>
+    <mc:Fallback xmlns="">
+      <p:transition spd="med">
+        <p:fade/>
+      </p:transition>
+    </mc:Fallback>
+  </mc:AlternateContent>
 </p:sldLayout>
 </file>
 
@@ -7065,13 +7392,25 @@
     </p:spTree>
     <p:extLst>
       <p:ext uri="{BB962C8B-B14F-4D97-AF65-F5344CB8AC3E}">
-        <p14:creationId xmlns:p14="http://schemas.microsoft.com/office/powerpoint/2010/main" val="2266343131"/>
+        <p14:creationId xmlns:p14="http://schemas.microsoft.com/office/powerpoint/2010/main" val="1886856554"/>
       </p:ext>
     </p:extLst>
   </p:cSld>
   <p:clrMapOvr>
     <a:masterClrMapping/>
   </p:clrMapOvr>
+  <mc:AlternateContent xmlns:mc="http://schemas.openxmlformats.org/markup-compatibility/2006" xmlns:p14="http://schemas.microsoft.com/office/powerpoint/2010/main">
+    <mc:Choice Requires="p14">
+      <p:transition spd="med" p14:dur="700">
+        <p:fade/>
+      </p:transition>
+    </mc:Choice>
+    <mc:Fallback xmlns="">
+      <p:transition spd="med">
+        <p:fade/>
+      </p:transition>
+    </mc:Fallback>
+  </mc:AlternateContent>
 </p:sldLayout>
 </file>
 
@@ -7178,13 +7517,25 @@
     </p:spTree>
     <p:extLst>
       <p:ext uri="{BB962C8B-B14F-4D97-AF65-F5344CB8AC3E}">
-        <p14:creationId xmlns:p14="http://schemas.microsoft.com/office/powerpoint/2010/main" val="3125871839"/>
+        <p14:creationId xmlns:p14="http://schemas.microsoft.com/office/powerpoint/2010/main" val="3463303988"/>
       </p:ext>
     </p:extLst>
   </p:cSld>
   <p:clrMapOvr>
     <a:masterClrMapping/>
   </p:clrMapOvr>
+  <mc:AlternateContent xmlns:mc="http://schemas.openxmlformats.org/markup-compatibility/2006" xmlns:p14="http://schemas.microsoft.com/office/powerpoint/2010/main">
+    <mc:Choice Requires="p14">
+      <p:transition spd="med" p14:dur="700">
+        <p:fade/>
+      </p:transition>
+    </mc:Choice>
+    <mc:Fallback xmlns="">
+      <p:transition spd="med">
+        <p:fade/>
+      </p:transition>
+    </mc:Fallback>
+  </mc:AlternateContent>
 </p:sldLayout>
 </file>
 
@@ -7489,13 +7840,25 @@
     </p:spTree>
     <p:extLst>
       <p:ext uri="{BB962C8B-B14F-4D97-AF65-F5344CB8AC3E}">
-        <p14:creationId xmlns:p14="http://schemas.microsoft.com/office/powerpoint/2010/main" val="4269120921"/>
+        <p14:creationId xmlns:p14="http://schemas.microsoft.com/office/powerpoint/2010/main" val="4263142439"/>
       </p:ext>
     </p:extLst>
   </p:cSld>
   <p:clrMapOvr>
     <a:masterClrMapping/>
   </p:clrMapOvr>
+  <mc:AlternateContent xmlns:mc="http://schemas.openxmlformats.org/markup-compatibility/2006" xmlns:p14="http://schemas.microsoft.com/office/powerpoint/2010/main">
+    <mc:Choice Requires="p14">
+      <p:transition spd="med" p14:dur="700">
+        <p:fade/>
+      </p:transition>
+    </mc:Choice>
+    <mc:Fallback xmlns="">
+      <p:transition spd="med">
+        <p:fade/>
+      </p:transition>
+    </mc:Fallback>
+  </mc:AlternateContent>
 </p:sldLayout>
 </file>
 
@@ -7777,23 +8140,46 @@
     </p:spTree>
     <p:extLst>
       <p:ext uri="{BB962C8B-B14F-4D97-AF65-F5344CB8AC3E}">
-        <p14:creationId xmlns:p14="http://schemas.microsoft.com/office/powerpoint/2010/main" val="3839517779"/>
+        <p14:creationId xmlns:p14="http://schemas.microsoft.com/office/powerpoint/2010/main" val="771508745"/>
       </p:ext>
     </p:extLst>
   </p:cSld>
   <p:clrMapOvr>
     <a:masterClrMapping/>
   </p:clrMapOvr>
+  <mc:AlternateContent xmlns:mc="http://schemas.openxmlformats.org/markup-compatibility/2006" xmlns:p14="http://schemas.microsoft.com/office/powerpoint/2010/main">
+    <mc:Choice Requires="p14">
+      <p:transition spd="med" p14:dur="700">
+        <p:fade/>
+      </p:transition>
+    </mc:Choice>
+    <mc:Fallback xmlns="">
+      <p:transition spd="med">
+        <p:fade/>
+      </p:transition>
+    </mc:Fallback>
+  </mc:AlternateContent>
 </p:sldLayout>
 </file>
 
 <file path=ppt/slideMasters/slideMaster1.xml><?xml version="1.0" encoding="utf-8"?>
-<p:sldMaster xmlns:a="http://schemas.openxmlformats.org/drawingml/2006/main" xmlns:r="http://schemas.openxmlformats.org/officeDocument/2006/relationships" xmlns:p="http://schemas.openxmlformats.org/presentationml/2006/main">
+<p:sldMaster xmlns:a="http://schemas.openxmlformats.org/drawingml/2006/main" xmlns:r="http://schemas.openxmlformats.org/officeDocument/2006/relationships" xmlns:p="http://schemas.openxmlformats.org/presentationml/2006/main" preserve="1">
   <p:cSld>
     <p:bg>
-      <p:bgRef idx="1001">
-        <a:schemeClr val="bg1"/>
-      </p:bgRef>
+      <p:bgPr>
+        <a:gradFill>
+          <a:gsLst>
+            <a:gs pos="0">
+              <a:schemeClr val="bg1"/>
+            </a:gs>
+            <a:gs pos="100000">
+              <a:srgbClr val="F0F8FF"/>
+            </a:gs>
+          </a:gsLst>
+          <a:lin ang="5400000" scaled="1"/>
+        </a:gradFill>
+        <a:effectLst/>
+      </p:bgPr>
     </p:bg>
     <p:spTree>
       <p:nvGrpSpPr>
@@ -8051,28 +8437,71 @@
           </a:p>
         </p:txBody>
       </p:sp>
+      <p:pic>
+        <p:nvPicPr>
+          <p:cNvPr id="7" name="图片 6">
+            <a:extLst>
+              <a:ext uri="{FF2B5EF4-FFF2-40B4-BE49-F238E27FC236}">
+                <a16:creationId xmlns:a16="http://schemas.microsoft.com/office/drawing/2014/main" id="{68A54585-7C5F-477D-7B3E-CE77E2F12069}"/>
+              </a:ext>
+            </a:extLst>
+          </p:cNvPr>
+          <p:cNvPicPr/>
+          <p:nvPr userDrawn="1"/>
+        </p:nvPicPr>
+        <p:blipFill>
+          <a:blip r:embed="rId15"/>
+          <a:stretch/>
+        </p:blipFill>
+        <p:spPr>
+          <a:xfrm>
+            <a:off x="11234160" y="5770605"/>
+            <a:ext cx="699060" cy="815726"/>
+          </a:xfrm>
+          <a:prstGeom prst="rect">
+            <a:avLst/>
+          </a:prstGeom>
+          <a:noFill/>
+          <a:ln w="0">
+            <a:noFill/>
+          </a:ln>
+        </p:spPr>
+      </p:pic>
     </p:spTree>
     <p:extLst>
       <p:ext uri="{BB962C8B-B14F-4D97-AF65-F5344CB8AC3E}">
-        <p14:creationId xmlns:p14="http://schemas.microsoft.com/office/powerpoint/2010/main" val="1766057859"/>
+        <p14:creationId xmlns:p14="http://schemas.microsoft.com/office/powerpoint/2010/main" val="776708225"/>
       </p:ext>
     </p:extLst>
   </p:cSld>
   <p:clrMap bg1="lt1" tx1="dk1" bg2="lt2" tx2="dk2" accent1="accent1" accent2="accent2" accent3="accent3" accent4="accent4" accent5="accent5" accent6="accent6" hlink="hlink" folHlink="folHlink"/>
   <p:sldLayoutIdLst>
-    <p:sldLayoutId id="2147483649" r:id="rId1"/>
-    <p:sldLayoutId id="2147483650" r:id="rId2"/>
-    <p:sldLayoutId id="2147483651" r:id="rId3"/>
-    <p:sldLayoutId id="2147483652" r:id="rId4"/>
-    <p:sldLayoutId id="2147483653" r:id="rId5"/>
-    <p:sldLayoutId id="2147483654" r:id="rId6"/>
-    <p:sldLayoutId id="2147483655" r:id="rId7"/>
-    <p:sldLayoutId id="2147483656" r:id="rId8"/>
-    <p:sldLayoutId id="2147483657" r:id="rId9"/>
-    <p:sldLayoutId id="2147483658" r:id="rId10"/>
-    <p:sldLayoutId id="2147483659" r:id="rId11"/>
-    <p:sldLayoutId id="2147483660" r:id="rId12"/>
+    <p:sldLayoutId id="2147483676" r:id="rId1"/>
+    <p:sldLayoutId id="2147483677" r:id="rId2"/>
+    <p:sldLayoutId id="2147483678" r:id="rId3"/>
+    <p:sldLayoutId id="2147483679" r:id="rId4"/>
+    <p:sldLayoutId id="2147483680" r:id="rId5"/>
+    <p:sldLayoutId id="2147483681" r:id="rId6"/>
+    <p:sldLayoutId id="2147483682" r:id="rId7"/>
+    <p:sldLayoutId id="2147483683" r:id="rId8"/>
+    <p:sldLayoutId id="2147483684" r:id="rId9"/>
+    <p:sldLayoutId id="2147483685" r:id="rId10"/>
+    <p:sldLayoutId id="2147483686" r:id="rId11"/>
+    <p:sldLayoutId id="2147483687" r:id="rId12"/>
+    <p:sldLayoutId id="2147483688" r:id="rId13"/>
   </p:sldLayoutIdLst>
+  <mc:AlternateContent xmlns:mc="http://schemas.openxmlformats.org/markup-compatibility/2006" xmlns:p14="http://schemas.microsoft.com/office/powerpoint/2010/main">
+    <mc:Choice Requires="p14">
+      <p:transition spd="med" p14:dur="700">
+        <p:fade/>
+      </p:transition>
+    </mc:Choice>
+    <mc:Fallback xmlns="">
+      <p:transition spd="med">
+        <p:fade/>
+      </p:transition>
+    </mc:Fallback>
+  </mc:AlternateContent>
   <p:txStyles>
     <p:titleStyle>
       <a:lvl1pPr algn="l" defTabSz="914400" rtl="0" eaLnBrk="1" latinLnBrk="0" hangingPunct="1">
@@ -8359,14 +8788,6 @@
 <file path=ppt/slides/slide1.xml><?xml version="1.0" encoding="utf-8"?>
 <p:sld xmlns:a="http://schemas.openxmlformats.org/drawingml/2006/main" xmlns:r="http://schemas.openxmlformats.org/officeDocument/2006/relationships" xmlns:p="http://schemas.openxmlformats.org/presentationml/2006/main">
   <p:cSld>
-    <p:bg>
-      <p:bgPr>
-        <a:solidFill>
-          <a:srgbClr val="FFFAD4"/>
-        </a:solidFill>
-        <a:effectLst/>
-      </p:bgPr>
-    </p:bg>
     <p:spTree>
       <p:nvGrpSpPr>
         <p:cNvPr id="1" name=""/>
@@ -8399,20 +8820,20 @@
         </p:nvSpPr>
         <p:spPr>
           <a:xfrm>
-            <a:off x="-16934" y="3201698"/>
-            <a:ext cx="12208933" cy="1600200"/>
+            <a:off x="-17463" y="3644900"/>
+            <a:ext cx="12209463" cy="1600200"/>
           </a:xfrm>
-          <a:solidFill>
-            <a:srgbClr val="F6E979"/>
-          </a:solidFill>
+          <a:noFill/>
         </p:spPr>
         <p:txBody>
-          <a:bodyPr/>
+          <a:bodyPr>
+            <a:normAutofit/>
+          </a:bodyPr>
           <a:lstStyle/>
           <a:p>
             <a:pPr algn="ctr"/>
             <a:r>
-              <a:rPr lang="en-US" altLang="zh-CN">
+              <a:rPr lang="en-US" altLang="zh-CN" sz="4800" dirty="0">
                 <a:solidFill>
                   <a:schemeClr val="tx1">
                     <a:lumMod val="95000"/>
@@ -8432,7 +8853,7 @@
               <a:t>Python </a:t>
             </a:r>
             <a:r>
-              <a:rPr lang="zh-CN" altLang="en-US">
+              <a:rPr lang="zh-CN" altLang="en-US" sz="4800" dirty="0">
                 <a:solidFill>
                   <a:schemeClr val="tx1">
                     <a:lumMod val="95000"/>
@@ -8449,30 +8870,10 @@
                 <a:latin typeface="华文琥珀" panose="02010800040101010101" pitchFamily="2" charset="-122"/>
                 <a:ea typeface="华文琥珀" panose="02010800040101010101" pitchFamily="2" charset="-122"/>
               </a:rPr>
-              <a:t>编程</a:t>
-            </a:r>
-            <a:r>
-              <a:rPr lang="zh-CN" altLang="en-US" dirty="0">
-                <a:solidFill>
-                  <a:schemeClr val="tx1">
-                    <a:lumMod val="95000"/>
-                    <a:lumOff val="5000"/>
-                  </a:schemeClr>
-                </a:solidFill>
-                <a:effectLst>
-                  <a:outerShdw blurRad="38100" dist="38100" dir="2700000" algn="tl">
-                    <a:srgbClr val="000000">
-                      <a:alpha val="43137"/>
-                    </a:srgbClr>
-                  </a:outerShdw>
-                </a:effectLst>
-                <a:latin typeface="华文琥珀" panose="02010800040101010101" pitchFamily="2" charset="-122"/>
-                <a:ea typeface="华文琥珀" panose="02010800040101010101" pitchFamily="2" charset="-122"/>
-              </a:rPr>
-              <a:t>：从入门到实践</a:t>
+              <a:t>编程：从入门到实践</a:t>
             </a:r>
             <a:br>
-              <a:rPr lang="en-US" altLang="zh-CN" dirty="0">
+              <a:rPr lang="en-US" altLang="zh-CN" sz="4800" dirty="0">
                 <a:solidFill>
                   <a:schemeClr val="tx1">
                     <a:lumMod val="95000"/>
@@ -8491,7 +8892,7 @@
               </a:rPr>
             </a:br>
             <a:r>
-              <a:rPr lang="zh-CN" altLang="en-US" dirty="0">
+              <a:rPr lang="zh-CN" altLang="en-US" sz="4800" dirty="0">
                 <a:solidFill>
                   <a:schemeClr val="tx1">
                     <a:lumMod val="95000"/>
@@ -8510,7 +8911,7 @@
               </a:rPr>
               <a:t>（第三版）</a:t>
             </a:r>
-            <a:endParaRPr lang="en-US" altLang="zh-CN" dirty="0">
+            <a:endParaRPr lang="en-US" altLang="zh-CN" sz="4800" dirty="0">
               <a:solidFill>
                 <a:schemeClr val="tx1">
                   <a:lumMod val="95000"/>
@@ -8546,8 +8947,8 @@
         </p:nvSpPr>
         <p:spPr bwMode="auto">
           <a:xfrm>
-            <a:off x="4559361" y="5491971"/>
-            <a:ext cx="3073277" cy="369332"/>
+            <a:off x="4304483" y="5491971"/>
+            <a:ext cx="3583033" cy="461665"/>
           </a:xfrm>
           <a:prstGeom prst="rect">
             <a:avLst/>
@@ -8597,8 +8998,8 @@
               <a:buNone/>
             </a:pPr>
             <a:r>
-              <a:rPr lang="en-US" altLang="zh-CN" b="1" dirty="0">
-                <a:latin typeface="Verdana" panose="020B0604030504040204" pitchFamily="34" charset="0"/>
+              <a:rPr lang="en-US" altLang="zh-CN" sz="2400" b="1" dirty="0">
+                <a:latin typeface="Consolas" panose="020B0609020204030204" pitchFamily="49" charset="0"/>
                 <a:ea typeface="Verdana" panose="020B0604030504040204" pitchFamily="34" charset="0"/>
               </a:rPr>
               <a:t>Teacher Name / Email</a:t>
@@ -8634,7 +9035,7 @@
         </p:blipFill>
         <p:spPr>
           <a:xfrm>
-            <a:off x="4488200" y="581078"/>
+            <a:off x="4495458" y="804806"/>
             <a:ext cx="3186567" cy="2591873"/>
           </a:xfrm>
           <a:prstGeom prst="rect">
@@ -8647,7 +9048,7 @@
           <p:cNvPr id="4" name="矩形 3">
             <a:extLst>
               <a:ext uri="{FF2B5EF4-FFF2-40B4-BE49-F238E27FC236}">
-                <a16:creationId xmlns:a16="http://schemas.microsoft.com/office/drawing/2014/main" id="{D327CE1F-7FDD-55D8-112F-2CF8B9A1BDAF}"/>
+                <a16:creationId xmlns:a16="http://schemas.microsoft.com/office/drawing/2014/main" id="{75A0379E-3606-9AF4-7B2C-57E5B4C73ED1}"/>
               </a:ext>
             </a:extLst>
           </p:cNvPr>
@@ -8696,7 +9097,18 @@
   <p:clrMapOvr>
     <a:masterClrMapping/>
   </p:clrMapOvr>
-  <p:transition spd="med"/>
+  <mc:AlternateContent xmlns:mc="http://schemas.openxmlformats.org/markup-compatibility/2006" xmlns:p14="http://schemas.microsoft.com/office/powerpoint/2010/main">
+    <mc:Choice Requires="p14">
+      <p:transition spd="med" p14:dur="700">
+        <p:fade/>
+      </p:transition>
+    </mc:Choice>
+    <mc:Fallback xmlns="">
+      <p:transition spd="med">
+        <p:fade/>
+      </p:transition>
+    </mc:Fallback>
+  </mc:AlternateContent>
   <p:timing>
     <p:tnLst>
       <p:par>
@@ -8752,6 +9164,43 @@
       </p:grpSpPr>
       <p:sp>
         <p:nvSpPr>
+          <p:cNvPr id="5" name="标题 4">
+            <a:extLst>
+              <a:ext uri="{FF2B5EF4-FFF2-40B4-BE49-F238E27FC236}">
+                <a16:creationId xmlns:a16="http://schemas.microsoft.com/office/drawing/2014/main" id="{F29F6951-C0FF-1452-E861-703A9BAE0F27}"/>
+              </a:ext>
+            </a:extLst>
+          </p:cNvPr>
+          <p:cNvSpPr>
+            <a:spLocks noGrp="1"/>
+          </p:cNvSpPr>
+          <p:nvPr>
+            <p:ph type="title"/>
+          </p:nvPr>
+        </p:nvSpPr>
+        <p:spPr/>
+        <p:txBody>
+          <a:bodyPr/>
+          <a:lstStyle/>
+          <a:p>
+            <a:r>
+              <a:rPr lang="en-US" altLang="zh-CN" dirty="0"/>
+              <a:t>16.2 </a:t>
+            </a:r>
+            <a:r>
+              <a:rPr lang="zh-CN" altLang="en-US" dirty="0"/>
+              <a:t>制作全球地震散点图：</a:t>
+            </a:r>
+            <a:r>
+              <a:rPr lang="en-US" altLang="zh-CN" dirty="0" err="1"/>
+              <a:t>GeoJSON</a:t>
+            </a:r>
+            <a:endParaRPr lang="zh-CN" altLang="en-US" dirty="0"/>
+          </a:p>
+        </p:txBody>
+      </p:sp>
+      <p:sp>
+        <p:nvSpPr>
           <p:cNvPr id="3" name="内容占位符 2">
             <a:extLst>
               <a:ext uri="{FF2B5EF4-FFF2-40B4-BE49-F238E27FC236}">
@@ -8875,43 +9324,6 @@
               <a:buNone/>
             </a:pPr>
             <a:endParaRPr lang="en-US" altLang="zh-CN" dirty="0"/>
-          </a:p>
-        </p:txBody>
-      </p:sp>
-      <p:sp>
-        <p:nvSpPr>
-          <p:cNvPr id="5" name="标题 4">
-            <a:extLst>
-              <a:ext uri="{FF2B5EF4-FFF2-40B4-BE49-F238E27FC236}">
-                <a16:creationId xmlns:a16="http://schemas.microsoft.com/office/drawing/2014/main" id="{F29F6951-C0FF-1452-E861-703A9BAE0F27}"/>
-              </a:ext>
-            </a:extLst>
-          </p:cNvPr>
-          <p:cNvSpPr>
-            <a:spLocks noGrp="1"/>
-          </p:cNvSpPr>
-          <p:nvPr>
-            <p:ph type="title"/>
-          </p:nvPr>
-        </p:nvSpPr>
-        <p:spPr/>
-        <p:txBody>
-          <a:bodyPr/>
-          <a:lstStyle/>
-          <a:p>
-            <a:r>
-              <a:rPr lang="en-US" altLang="zh-CN" dirty="0"/>
-              <a:t>16.2 </a:t>
-            </a:r>
-            <a:r>
-              <a:rPr lang="zh-CN" altLang="en-US" dirty="0"/>
-              <a:t>制作全球地震散点图：</a:t>
-            </a:r>
-            <a:r>
-              <a:rPr lang="en-US" altLang="zh-CN" dirty="0" err="1"/>
-              <a:t>GeoJSON</a:t>
-            </a:r>
-            <a:endParaRPr lang="zh-CN" altLang="en-US" dirty="0"/>
           </a:p>
         </p:txBody>
       </p:sp>
@@ -8925,6 +9337,18 @@
   <p:clrMapOvr>
     <a:masterClrMapping/>
   </p:clrMapOvr>
+  <mc:AlternateContent xmlns:mc="http://schemas.openxmlformats.org/markup-compatibility/2006" xmlns:p14="http://schemas.microsoft.com/office/powerpoint/2010/main">
+    <mc:Choice Requires="p14">
+      <p:transition spd="med" p14:dur="700">
+        <p:fade/>
+      </p:transition>
+    </mc:Choice>
+    <mc:Fallback xmlns="">
+      <p:transition spd="med">
+        <p:fade/>
+      </p:transition>
+    </mc:Fallback>
+  </mc:AlternateContent>
 </p:sld>
 </file>
 
@@ -8951,6 +9375,43 @@
           <a:chExt cx="0" cy="0"/>
         </a:xfrm>
       </p:grpSpPr>
+      <p:sp>
+        <p:nvSpPr>
+          <p:cNvPr id="5" name="标题 4">
+            <a:extLst>
+              <a:ext uri="{FF2B5EF4-FFF2-40B4-BE49-F238E27FC236}">
+                <a16:creationId xmlns:a16="http://schemas.microsoft.com/office/drawing/2014/main" id="{CEF69D49-DDE7-1773-73C0-AA80140EABE5}"/>
+              </a:ext>
+            </a:extLst>
+          </p:cNvPr>
+          <p:cNvSpPr>
+            <a:spLocks noGrp="1"/>
+          </p:cNvSpPr>
+          <p:nvPr>
+            <p:ph type="title"/>
+          </p:nvPr>
+        </p:nvSpPr>
+        <p:spPr/>
+        <p:txBody>
+          <a:bodyPr/>
+          <a:lstStyle/>
+          <a:p>
+            <a:r>
+              <a:rPr lang="en-US" altLang="zh-CN" dirty="0"/>
+              <a:t>16.2 </a:t>
+            </a:r>
+            <a:r>
+              <a:rPr lang="zh-CN" altLang="en-US" dirty="0"/>
+              <a:t>制作全球地震散点图：</a:t>
+            </a:r>
+            <a:r>
+              <a:rPr lang="en-US" altLang="zh-CN" dirty="0" err="1"/>
+              <a:t>GeoJSON</a:t>
+            </a:r>
+            <a:endParaRPr lang="zh-CN" altLang="en-US" dirty="0"/>
+          </a:p>
+        </p:txBody>
+      </p:sp>
       <p:pic>
         <p:nvPicPr>
           <p:cNvPr id="4" name="内容占位符 3">
@@ -8980,43 +9441,6 @@
           </a:xfrm>
         </p:spPr>
       </p:pic>
-      <p:sp>
-        <p:nvSpPr>
-          <p:cNvPr id="5" name="标题 4">
-            <a:extLst>
-              <a:ext uri="{FF2B5EF4-FFF2-40B4-BE49-F238E27FC236}">
-                <a16:creationId xmlns:a16="http://schemas.microsoft.com/office/drawing/2014/main" id="{CEF69D49-DDE7-1773-73C0-AA80140EABE5}"/>
-              </a:ext>
-            </a:extLst>
-          </p:cNvPr>
-          <p:cNvSpPr>
-            <a:spLocks noGrp="1"/>
-          </p:cNvSpPr>
-          <p:nvPr>
-            <p:ph type="title"/>
-          </p:nvPr>
-        </p:nvSpPr>
-        <p:spPr/>
-        <p:txBody>
-          <a:bodyPr/>
-          <a:lstStyle/>
-          <a:p>
-            <a:r>
-              <a:rPr lang="en-US" altLang="zh-CN" dirty="0"/>
-              <a:t>16.2 </a:t>
-            </a:r>
-            <a:r>
-              <a:rPr lang="zh-CN" altLang="en-US" dirty="0"/>
-              <a:t>制作全球地震散点图：</a:t>
-            </a:r>
-            <a:r>
-              <a:rPr lang="en-US" altLang="zh-CN" dirty="0" err="1"/>
-              <a:t>GeoJSON</a:t>
-            </a:r>
-            <a:endParaRPr lang="zh-CN" altLang="en-US" dirty="0"/>
-          </a:p>
-        </p:txBody>
-      </p:sp>
     </p:spTree>
     <p:extLst>
       <p:ext uri="{BB962C8B-B14F-4D97-AF65-F5344CB8AC3E}">
@@ -9027,6 +9451,18 @@
   <p:clrMapOvr>
     <a:masterClrMapping/>
   </p:clrMapOvr>
+  <mc:AlternateContent xmlns:mc="http://schemas.openxmlformats.org/markup-compatibility/2006" xmlns:p14="http://schemas.microsoft.com/office/powerpoint/2010/main">
+    <mc:Choice Requires="p14">
+      <p:transition spd="med" p14:dur="700">
+        <p:fade/>
+      </p:transition>
+    </mc:Choice>
+    <mc:Fallback xmlns="">
+      <p:transition spd="med">
+        <p:fade/>
+      </p:transition>
+    </mc:Fallback>
+  </mc:AlternateContent>
 </p:sld>
 </file>
 
@@ -9129,6 +9565,18 @@
   <p:clrMapOvr>
     <a:masterClrMapping/>
   </p:clrMapOvr>
+  <mc:AlternateContent xmlns:mc="http://schemas.openxmlformats.org/markup-compatibility/2006" xmlns:p14="http://schemas.microsoft.com/office/powerpoint/2010/main">
+    <mc:Choice Requires="p14">
+      <p:transition spd="med" p14:dur="700">
+        <p:fade/>
+      </p:transition>
+    </mc:Choice>
+    <mc:Fallback xmlns="">
+      <p:transition spd="med">
+        <p:fade/>
+      </p:transition>
+    </mc:Fallback>
+  </mc:AlternateContent>
 </p:sld>
 </file>
 
@@ -9231,6 +9679,18 @@
   <p:clrMapOvr>
     <a:masterClrMapping/>
   </p:clrMapOvr>
+  <mc:AlternateContent xmlns:mc="http://schemas.openxmlformats.org/markup-compatibility/2006" xmlns:p14="http://schemas.microsoft.com/office/powerpoint/2010/main">
+    <mc:Choice Requires="p14">
+      <p:transition spd="med" p14:dur="700">
+        <p:fade/>
+      </p:transition>
+    </mc:Choice>
+    <mc:Fallback xmlns="">
+      <p:transition spd="med">
+        <p:fade/>
+      </p:transition>
+    </mc:Fallback>
+  </mc:AlternateContent>
 </p:sld>
 </file>
 
@@ -9400,6 +9860,18 @@
   <p:clrMapOvr>
     <a:masterClrMapping/>
   </p:clrMapOvr>
+  <mc:AlternateContent xmlns:mc="http://schemas.openxmlformats.org/markup-compatibility/2006" xmlns:p14="http://schemas.microsoft.com/office/powerpoint/2010/main">
+    <mc:Choice Requires="p14">
+      <p:transition spd="med" p14:dur="700">
+        <p:fade/>
+      </p:transition>
+    </mc:Choice>
+    <mc:Fallback xmlns="">
+      <p:transition spd="med">
+        <p:fade/>
+      </p:transition>
+    </mc:Fallback>
+  </mc:AlternateContent>
 </p:sld>
 </file>
 
@@ -9524,6 +9996,18 @@
   <p:clrMapOvr>
     <a:masterClrMapping/>
   </p:clrMapOvr>
+  <mc:AlternateContent xmlns:mc="http://schemas.openxmlformats.org/markup-compatibility/2006" xmlns:p14="http://schemas.microsoft.com/office/powerpoint/2010/main">
+    <mc:Choice Requires="p14">
+      <p:transition spd="med" p14:dur="700">
+        <p:fade/>
+      </p:transition>
+    </mc:Choice>
+    <mc:Fallback xmlns="">
+      <p:transition spd="med">
+        <p:fade/>
+      </p:transition>
+    </mc:Fallback>
+  </mc:AlternateContent>
 </p:sld>
 </file>
 
@@ -9546,6 +10030,34 @@
       </p:grpSpPr>
       <p:sp>
         <p:nvSpPr>
+          <p:cNvPr id="5" name="标题 4">
+            <a:extLst>
+              <a:ext uri="{FF2B5EF4-FFF2-40B4-BE49-F238E27FC236}">
+                <a16:creationId xmlns:a16="http://schemas.microsoft.com/office/drawing/2014/main" id="{14B5F31E-85DD-B8D9-9ED7-E32A03C57260}"/>
+              </a:ext>
+            </a:extLst>
+          </p:cNvPr>
+          <p:cNvSpPr>
+            <a:spLocks noGrp="1"/>
+          </p:cNvSpPr>
+          <p:nvPr>
+            <p:ph type="title"/>
+          </p:nvPr>
+        </p:nvSpPr>
+        <p:spPr/>
+        <p:txBody>
+          <a:bodyPr/>
+          <a:lstStyle/>
+          <a:p>
+            <a:r>
+              <a:rPr lang="zh-CN" altLang="en-US" dirty="0"/>
+              <a:t>关于本讲义</a:t>
+            </a:r>
+          </a:p>
+        </p:txBody>
+      </p:sp>
+      <p:sp>
+        <p:nvSpPr>
           <p:cNvPr id="3" name="内容占位符 2">
             <a:extLst>
               <a:ext uri="{FF2B5EF4-FFF2-40B4-BE49-F238E27FC236}">
@@ -9685,34 +10197,6 @@
             <a:r>
               <a:rPr lang="en-US" altLang="zh-CN" dirty="0"/>
               <a:t>@Scruel Tao</a:t>
-            </a:r>
-          </a:p>
-        </p:txBody>
-      </p:sp>
-      <p:sp>
-        <p:nvSpPr>
-          <p:cNvPr id="5" name="标题 4">
-            <a:extLst>
-              <a:ext uri="{FF2B5EF4-FFF2-40B4-BE49-F238E27FC236}">
-                <a16:creationId xmlns:a16="http://schemas.microsoft.com/office/drawing/2014/main" id="{14B5F31E-85DD-B8D9-9ED7-E32A03C57260}"/>
-              </a:ext>
-            </a:extLst>
-          </p:cNvPr>
-          <p:cNvSpPr>
-            <a:spLocks noGrp="1"/>
-          </p:cNvSpPr>
-          <p:nvPr>
-            <p:ph type="title"/>
-          </p:nvPr>
-        </p:nvSpPr>
-        <p:spPr/>
-        <p:txBody>
-          <a:bodyPr/>
-          <a:lstStyle/>
-          <a:p>
-            <a:r>
-              <a:rPr lang="zh-CN" altLang="en-US" dirty="0"/>
-              <a:t>关于本讲义</a:t>
             </a:r>
           </a:p>
         </p:txBody>
@@ -9727,6 +10211,18 @@
   <p:clrMapOvr>
     <a:masterClrMapping/>
   </p:clrMapOvr>
+  <mc:AlternateContent xmlns:mc="http://schemas.openxmlformats.org/markup-compatibility/2006" xmlns:p14="http://schemas.microsoft.com/office/powerpoint/2010/main">
+    <mc:Choice Requires="p14">
+      <p:transition spd="med" p14:dur="700">
+        <p:fade/>
+      </p:transition>
+    </mc:Choice>
+    <mc:Fallback xmlns="">
+      <p:transition spd="med">
+        <p:fade/>
+      </p:transition>
+    </mc:Fallback>
+  </mc:AlternateContent>
 </p:sld>
 </file>
 
@@ -9878,6 +10374,18 @@
   <p:clrMapOvr>
     <a:masterClrMapping/>
   </p:clrMapOvr>
+  <mc:AlternateContent xmlns:mc="http://schemas.openxmlformats.org/markup-compatibility/2006" xmlns:p14="http://schemas.microsoft.com/office/powerpoint/2010/main">
+    <mc:Choice Requires="p14">
+      <p:transition spd="med" p14:dur="700">
+        <p:fade/>
+      </p:transition>
+    </mc:Choice>
+    <mc:Fallback xmlns="">
+      <p:transition spd="med">
+        <p:fade/>
+      </p:transition>
+    </mc:Fallback>
+  </mc:AlternateContent>
 </p:sld>
 </file>
 
@@ -9906,6 +10414,38 @@
       </p:grpSpPr>
       <p:sp>
         <p:nvSpPr>
+          <p:cNvPr id="5" name="标题 4">
+            <a:extLst>
+              <a:ext uri="{FF2B5EF4-FFF2-40B4-BE49-F238E27FC236}">
+                <a16:creationId xmlns:a16="http://schemas.microsoft.com/office/drawing/2014/main" id="{A00A4FEA-9421-97E2-9CFE-47E08F40F4C9}"/>
+              </a:ext>
+            </a:extLst>
+          </p:cNvPr>
+          <p:cNvSpPr>
+            <a:spLocks noGrp="1"/>
+          </p:cNvSpPr>
+          <p:nvPr>
+            <p:ph type="title"/>
+          </p:nvPr>
+        </p:nvSpPr>
+        <p:spPr/>
+        <p:txBody>
+          <a:bodyPr/>
+          <a:lstStyle/>
+          <a:p>
+            <a:r>
+              <a:rPr lang="en-US" altLang="zh-CN" dirty="0"/>
+              <a:t>16.1 CSV </a:t>
+            </a:r>
+            <a:r>
+              <a:rPr lang="zh-CN" altLang="en-US" dirty="0"/>
+              <a:t>文件格式</a:t>
+            </a:r>
+          </a:p>
+        </p:txBody>
+      </p:sp>
+      <p:sp>
+        <p:nvSpPr>
           <p:cNvPr id="3" name="内容占位符 2">
             <a:extLst>
               <a:ext uri="{FF2B5EF4-FFF2-40B4-BE49-F238E27FC236}">
@@ -10018,38 +10558,6 @@
                 </a:highlight>
               </a:rPr>
               <a:t>"USW00025333","SITKA AIRPORT, AK US","2021-01-01",,"44","40"</a:t>
-            </a:r>
-          </a:p>
-        </p:txBody>
-      </p:sp>
-      <p:sp>
-        <p:nvSpPr>
-          <p:cNvPr id="5" name="标题 4">
-            <a:extLst>
-              <a:ext uri="{FF2B5EF4-FFF2-40B4-BE49-F238E27FC236}">
-                <a16:creationId xmlns:a16="http://schemas.microsoft.com/office/drawing/2014/main" id="{A00A4FEA-9421-97E2-9CFE-47E08F40F4C9}"/>
-              </a:ext>
-            </a:extLst>
-          </p:cNvPr>
-          <p:cNvSpPr>
-            <a:spLocks noGrp="1"/>
-          </p:cNvSpPr>
-          <p:nvPr>
-            <p:ph type="title"/>
-          </p:nvPr>
-        </p:nvSpPr>
-        <p:spPr/>
-        <p:txBody>
-          <a:bodyPr/>
-          <a:lstStyle/>
-          <a:p>
-            <a:r>
-              <a:rPr lang="en-US" altLang="zh-CN" dirty="0"/>
-              <a:t>16.1 CSV </a:t>
-            </a:r>
-            <a:r>
-              <a:rPr lang="zh-CN" altLang="en-US" dirty="0"/>
-              <a:t>文件格式</a:t>
             </a:r>
           </a:p>
         </p:txBody>
@@ -10064,6 +10572,18 @@
   <p:clrMapOvr>
     <a:masterClrMapping/>
   </p:clrMapOvr>
+  <mc:AlternateContent xmlns:mc="http://schemas.openxmlformats.org/markup-compatibility/2006" xmlns:p14="http://schemas.microsoft.com/office/powerpoint/2010/main">
+    <mc:Choice Requires="p14">
+      <p:transition spd="med" p14:dur="700">
+        <p:fade/>
+      </p:transition>
+    </mc:Choice>
+    <mc:Fallback xmlns="">
+      <p:transition spd="med">
+        <p:fade/>
+      </p:transition>
+    </mc:Fallback>
+  </mc:AlternateContent>
 </p:sld>
 </file>
 
@@ -10092,6 +10612,38 @@
       </p:grpSpPr>
       <p:sp>
         <p:nvSpPr>
+          <p:cNvPr id="5" name="标题 4">
+            <a:extLst>
+              <a:ext uri="{FF2B5EF4-FFF2-40B4-BE49-F238E27FC236}">
+                <a16:creationId xmlns:a16="http://schemas.microsoft.com/office/drawing/2014/main" id="{ECD1468B-E50A-F0B9-5A45-CC58489992C2}"/>
+              </a:ext>
+            </a:extLst>
+          </p:cNvPr>
+          <p:cNvSpPr>
+            <a:spLocks noGrp="1"/>
+          </p:cNvSpPr>
+          <p:nvPr>
+            <p:ph type="title"/>
+          </p:nvPr>
+        </p:nvSpPr>
+        <p:spPr/>
+        <p:txBody>
+          <a:bodyPr/>
+          <a:lstStyle/>
+          <a:p>
+            <a:r>
+              <a:rPr lang="en-US" altLang="zh-CN" dirty="0"/>
+              <a:t>16.1 CSV </a:t>
+            </a:r>
+            <a:r>
+              <a:rPr lang="zh-CN" altLang="en-US" dirty="0"/>
+              <a:t>文件格式</a:t>
+            </a:r>
+          </a:p>
+        </p:txBody>
+      </p:sp>
+      <p:sp>
+        <p:nvSpPr>
           <p:cNvPr id="3" name="内容占位符 2">
             <a:extLst>
               <a:ext uri="{FF2B5EF4-FFF2-40B4-BE49-F238E27FC236}">
@@ -10165,38 +10717,6 @@
                 <a:srgbClr val="C0C0C0"/>
               </a:highlight>
             </a:endParaRPr>
-          </a:p>
-        </p:txBody>
-      </p:sp>
-      <p:sp>
-        <p:nvSpPr>
-          <p:cNvPr id="5" name="标题 4">
-            <a:extLst>
-              <a:ext uri="{FF2B5EF4-FFF2-40B4-BE49-F238E27FC236}">
-                <a16:creationId xmlns:a16="http://schemas.microsoft.com/office/drawing/2014/main" id="{ECD1468B-E50A-F0B9-5A45-CC58489992C2}"/>
-              </a:ext>
-            </a:extLst>
-          </p:cNvPr>
-          <p:cNvSpPr>
-            <a:spLocks noGrp="1"/>
-          </p:cNvSpPr>
-          <p:nvPr>
-            <p:ph type="title"/>
-          </p:nvPr>
-        </p:nvSpPr>
-        <p:spPr/>
-        <p:txBody>
-          <a:bodyPr/>
-          <a:lstStyle/>
-          <a:p>
-            <a:r>
-              <a:rPr lang="en-US" altLang="zh-CN" dirty="0"/>
-              <a:t>16.1 CSV </a:t>
-            </a:r>
-            <a:r>
-              <a:rPr lang="zh-CN" altLang="en-US" dirty="0"/>
-              <a:t>文件格式</a:t>
-            </a:r>
           </a:p>
         </p:txBody>
       </p:sp>
@@ -10210,6 +10730,18 @@
   <p:clrMapOvr>
     <a:masterClrMapping/>
   </p:clrMapOvr>
+  <mc:AlternateContent xmlns:mc="http://schemas.openxmlformats.org/markup-compatibility/2006" xmlns:p14="http://schemas.microsoft.com/office/powerpoint/2010/main">
+    <mc:Choice Requires="p14">
+      <p:transition spd="med" p14:dur="700">
+        <p:fade/>
+      </p:transition>
+    </mc:Choice>
+    <mc:Fallback xmlns="">
+      <p:transition spd="med">
+        <p:fade/>
+      </p:transition>
+    </mc:Fallback>
+  </mc:AlternateContent>
 </p:sld>
 </file>
 
@@ -10236,6 +10768,38 @@
           <a:chExt cx="0" cy="0"/>
         </a:xfrm>
       </p:grpSpPr>
+      <p:sp>
+        <p:nvSpPr>
+          <p:cNvPr id="5" name="标题 4">
+            <a:extLst>
+              <a:ext uri="{FF2B5EF4-FFF2-40B4-BE49-F238E27FC236}">
+                <a16:creationId xmlns:a16="http://schemas.microsoft.com/office/drawing/2014/main" id="{2954B624-560B-F3E7-111F-FCD16C0EA94E}"/>
+              </a:ext>
+            </a:extLst>
+          </p:cNvPr>
+          <p:cNvSpPr>
+            <a:spLocks noGrp="1"/>
+          </p:cNvSpPr>
+          <p:nvPr>
+            <p:ph type="title"/>
+          </p:nvPr>
+        </p:nvSpPr>
+        <p:spPr/>
+        <p:txBody>
+          <a:bodyPr/>
+          <a:lstStyle/>
+          <a:p>
+            <a:r>
+              <a:rPr lang="en-US" altLang="zh-CN" dirty="0"/>
+              <a:t>16.1 CSV </a:t>
+            </a:r>
+            <a:r>
+              <a:rPr lang="zh-CN" altLang="en-US" dirty="0"/>
+              <a:t>文件格式</a:t>
+            </a:r>
+          </a:p>
+        </p:txBody>
+      </p:sp>
       <p:pic>
         <p:nvPicPr>
           <p:cNvPr id="4" name="内容占位符 3">
@@ -10265,38 +10829,6 @@
           </a:xfrm>
         </p:spPr>
       </p:pic>
-      <p:sp>
-        <p:nvSpPr>
-          <p:cNvPr id="5" name="标题 4">
-            <a:extLst>
-              <a:ext uri="{FF2B5EF4-FFF2-40B4-BE49-F238E27FC236}">
-                <a16:creationId xmlns:a16="http://schemas.microsoft.com/office/drawing/2014/main" id="{2954B624-560B-F3E7-111F-FCD16C0EA94E}"/>
-              </a:ext>
-            </a:extLst>
-          </p:cNvPr>
-          <p:cNvSpPr>
-            <a:spLocks noGrp="1"/>
-          </p:cNvSpPr>
-          <p:nvPr>
-            <p:ph type="title"/>
-          </p:nvPr>
-        </p:nvSpPr>
-        <p:spPr/>
-        <p:txBody>
-          <a:bodyPr/>
-          <a:lstStyle/>
-          <a:p>
-            <a:r>
-              <a:rPr lang="en-US" altLang="zh-CN" dirty="0"/>
-              <a:t>16.1 CSV </a:t>
-            </a:r>
-            <a:r>
-              <a:rPr lang="zh-CN" altLang="en-US" dirty="0"/>
-              <a:t>文件格式</a:t>
-            </a:r>
-          </a:p>
-        </p:txBody>
-      </p:sp>
     </p:spTree>
     <p:extLst>
       <p:ext uri="{BB962C8B-B14F-4D97-AF65-F5344CB8AC3E}">
@@ -10307,6 +10839,18 @@
   <p:clrMapOvr>
     <a:masterClrMapping/>
   </p:clrMapOvr>
+  <mc:AlternateContent xmlns:mc="http://schemas.openxmlformats.org/markup-compatibility/2006" xmlns:p14="http://schemas.microsoft.com/office/powerpoint/2010/main">
+    <mc:Choice Requires="p14">
+      <p:transition spd="med" p14:dur="700">
+        <p:fade/>
+      </p:transition>
+    </mc:Choice>
+    <mc:Fallback xmlns="">
+      <p:transition spd="med">
+        <p:fade/>
+      </p:transition>
+    </mc:Fallback>
+  </mc:AlternateContent>
 </p:sld>
 </file>
 
@@ -10404,6 +10948,18 @@
   <p:clrMapOvr>
     <a:masterClrMapping/>
   </p:clrMapOvr>
+  <mc:AlternateContent xmlns:mc="http://schemas.openxmlformats.org/markup-compatibility/2006" xmlns:p14="http://schemas.microsoft.com/office/powerpoint/2010/main">
+    <mc:Choice Requires="p14">
+      <p:transition spd="med" p14:dur="700">
+        <p:fade/>
+      </p:transition>
+    </mc:Choice>
+    <mc:Fallback xmlns="">
+      <p:transition spd="med">
+        <p:fade/>
+      </p:transition>
+    </mc:Fallback>
+  </mc:AlternateContent>
 </p:sld>
 </file>
 
@@ -10486,8 +11042,8 @@
         </p:blipFill>
         <p:spPr>
           <a:xfrm>
-            <a:off x="3111500" y="2262982"/>
-            <a:ext cx="5969000" cy="3606799"/>
+            <a:off x="3111346" y="2262889"/>
+            <a:ext cx="5969307" cy="3606985"/>
           </a:xfrm>
         </p:spPr>
       </p:pic>
@@ -10501,6 +11057,18 @@
   <p:clrMapOvr>
     <a:masterClrMapping/>
   </p:clrMapOvr>
+  <mc:AlternateContent xmlns:mc="http://schemas.openxmlformats.org/markup-compatibility/2006" xmlns:p14="http://schemas.microsoft.com/office/powerpoint/2010/main">
+    <mc:Choice Requires="p14">
+      <p:transition spd="med" p14:dur="700">
+        <p:fade/>
+      </p:transition>
+    </mc:Choice>
+    <mc:Fallback xmlns="">
+      <p:transition spd="med">
+        <p:fade/>
+      </p:transition>
+    </mc:Fallback>
+  </mc:AlternateContent>
 </p:sld>
 </file>
 
@@ -10598,11 +11166,23 @@
   <p:clrMapOvr>
     <a:masterClrMapping/>
   </p:clrMapOvr>
+  <mc:AlternateContent xmlns:mc="http://schemas.openxmlformats.org/markup-compatibility/2006" xmlns:p14="http://schemas.microsoft.com/office/powerpoint/2010/main">
+    <mc:Choice Requires="p14">
+      <p:transition spd="med" p14:dur="700">
+        <p:fade/>
+      </p:transition>
+    </mc:Choice>
+    <mc:Fallback xmlns="">
+      <p:transition spd="med">
+        <p:fade/>
+      </p:transition>
+    </mc:Fallback>
+  </mc:AlternateContent>
 </p:sld>
 </file>
 
 <file path=ppt/theme/theme1.xml><?xml version="1.0" encoding="utf-8"?>
-<a:theme xmlns:a="http://schemas.openxmlformats.org/drawingml/2006/main" name="Office 主题​​">
+<a:theme xmlns:a="http://schemas.openxmlformats.org/drawingml/2006/main" name="3_Office 主题​​">
   <a:themeElements>
     <a:clrScheme name="Office">
       <a:dk1>
